--- a/docs/verteidigung/Verteidigung.pptx
+++ b/docs/verteidigung/Verteidigung.pptx
@@ -2,11 +2,19 @@
 <file path=ppt/presentation.xml><?xml version="1.0" encoding="utf-8"?>
 <p:presentation xmlns:a="http://schemas.openxmlformats.org/drawingml/2006/main" xmlns:r="http://schemas.openxmlformats.org/officeDocument/2006/relationships" xmlns:p="http://schemas.openxmlformats.org/presentationml/2006/main" saveSubsetFonts="1">
   <p:sldMasterIdLst>
-    <p:sldMasterId id="2147483660" r:id="rId1"/>
+    <p:sldMasterId id="2147483720" r:id="rId1"/>
   </p:sldMasterIdLst>
   <p:sldIdLst>
     <p:sldId id="256" r:id="rId2"/>
     <p:sldId id="257" r:id="rId3"/>
+    <p:sldId id="258" r:id="rId4"/>
+    <p:sldId id="259" r:id="rId5"/>
+    <p:sldId id="260" r:id="rId6"/>
+    <p:sldId id="261" r:id="rId7"/>
+    <p:sldId id="262" r:id="rId8"/>
+    <p:sldId id="263" r:id="rId9"/>
+    <p:sldId id="264" r:id="rId10"/>
+    <p:sldId id="265" r:id="rId11"/>
   </p:sldIdLst>
   <p:sldSz cx="12192000" cy="6858000"/>
   <p:notesSz cx="6858000" cy="9144000"/>
@@ -361,7 +369,7 @@
           <a:bodyPr/>
           <a:lstStyle/>
           <a:p>
-            <a:fld id="{209A490C-0BF1-4910-AEA8-1E4A24D4238C}" type="datetimeFigureOut">
+            <a:fld id="{BDC69D26-2189-4A5C-AF99-9B07F8E2AF36}" type="datetimeFigureOut">
               <a:rPr lang="de-DE" smtClean="0"/>
               <a:t>28.01.2018</a:t>
             </a:fld>
@@ -403,7 +411,7 @@
           <a:bodyPr/>
           <a:lstStyle/>
           <a:p>
-            <a:fld id="{B3A0EED8-17DC-4B52-B259-AD4CB9BE1B4F}" type="slidenum">
+            <a:fld id="{297EE791-5D67-423F-A450-B005FE0C9AAB}" type="slidenum">
               <a:rPr lang="de-DE" smtClean="0"/>
               <a:t>‹Nr.›</a:t>
             </a:fld>
@@ -466,7 +474,7 @@
     </p:spTree>
     <p:extLst>
       <p:ext uri="{BB962C8B-B14F-4D97-AF65-F5344CB8AC3E}">
-        <p14:creationId xmlns:p14="http://schemas.microsoft.com/office/powerpoint/2010/main" val="1105178812"/>
+        <p14:creationId xmlns:p14="http://schemas.microsoft.com/office/powerpoint/2010/main" val="4048219612"/>
       </p:ext>
     </p:extLst>
   </p:cSld>
@@ -583,7 +591,7 @@
           <a:bodyPr/>
           <a:lstStyle/>
           <a:p>
-            <a:fld id="{209A490C-0BF1-4910-AEA8-1E4A24D4238C}" type="datetimeFigureOut">
+            <a:fld id="{BDC69D26-2189-4A5C-AF99-9B07F8E2AF36}" type="datetimeFigureOut">
               <a:rPr lang="de-DE" smtClean="0"/>
               <a:t>28.01.2018</a:t>
             </a:fld>
@@ -625,7 +633,7 @@
           <a:bodyPr/>
           <a:lstStyle/>
           <a:p>
-            <a:fld id="{B3A0EED8-17DC-4B52-B259-AD4CB9BE1B4F}" type="slidenum">
+            <a:fld id="{297EE791-5D67-423F-A450-B005FE0C9AAB}" type="slidenum">
               <a:rPr lang="de-DE" smtClean="0"/>
               <a:t>‹Nr.›</a:t>
             </a:fld>
@@ -636,7 +644,7 @@
     </p:spTree>
     <p:extLst>
       <p:ext uri="{BB962C8B-B14F-4D97-AF65-F5344CB8AC3E}">
-        <p14:creationId xmlns:p14="http://schemas.microsoft.com/office/powerpoint/2010/main" val="3265879233"/>
+        <p14:creationId xmlns:p14="http://schemas.microsoft.com/office/powerpoint/2010/main" val="387450073"/>
       </p:ext>
     </p:extLst>
   </p:cSld>
@@ -860,7 +868,7 @@
           <a:bodyPr/>
           <a:lstStyle/>
           <a:p>
-            <a:fld id="{209A490C-0BF1-4910-AEA8-1E4A24D4238C}" type="datetimeFigureOut">
+            <a:fld id="{BDC69D26-2189-4A5C-AF99-9B07F8E2AF36}" type="datetimeFigureOut">
               <a:rPr lang="de-DE" smtClean="0"/>
               <a:t>28.01.2018</a:t>
             </a:fld>
@@ -907,7 +915,7 @@
           <a:bodyPr/>
           <a:lstStyle/>
           <a:p>
-            <a:fld id="{B3A0EED8-17DC-4B52-B259-AD4CB9BE1B4F}" type="slidenum">
+            <a:fld id="{297EE791-5D67-423F-A450-B005FE0C9AAB}" type="slidenum">
               <a:rPr lang="de-DE" smtClean="0"/>
               <a:t>‹Nr.›</a:t>
             </a:fld>
@@ -918,7 +926,7 @@
     </p:spTree>
     <p:extLst>
       <p:ext uri="{BB962C8B-B14F-4D97-AF65-F5344CB8AC3E}">
-        <p14:creationId xmlns:p14="http://schemas.microsoft.com/office/powerpoint/2010/main" val="2426324394"/>
+        <p14:creationId xmlns:p14="http://schemas.microsoft.com/office/powerpoint/2010/main" val="2625717363"/>
       </p:ext>
     </p:extLst>
   </p:cSld>
@@ -1040,7 +1048,7 @@
           <a:bodyPr/>
           <a:lstStyle/>
           <a:p>
-            <a:fld id="{209A490C-0BF1-4910-AEA8-1E4A24D4238C}" type="datetimeFigureOut">
+            <a:fld id="{BDC69D26-2189-4A5C-AF99-9B07F8E2AF36}" type="datetimeFigureOut">
               <a:rPr lang="de-DE" smtClean="0"/>
               <a:t>28.01.2018</a:t>
             </a:fld>
@@ -1082,7 +1090,7 @@
           <a:bodyPr/>
           <a:lstStyle/>
           <a:p>
-            <a:fld id="{B3A0EED8-17DC-4B52-B259-AD4CB9BE1B4F}" type="slidenum">
+            <a:fld id="{297EE791-5D67-423F-A450-B005FE0C9AAB}" type="slidenum">
               <a:rPr lang="de-DE" smtClean="0"/>
               <a:t>‹Nr.›</a:t>
             </a:fld>
@@ -1093,7 +1101,7 @@
     </p:spTree>
     <p:extLst>
       <p:ext uri="{BB962C8B-B14F-4D97-AF65-F5344CB8AC3E}">
-        <p14:creationId xmlns:p14="http://schemas.microsoft.com/office/powerpoint/2010/main" val="2796213912"/>
+        <p14:creationId xmlns:p14="http://schemas.microsoft.com/office/powerpoint/2010/main" val="2902947773"/>
       </p:ext>
     </p:extLst>
   </p:cSld>
@@ -1399,7 +1407,7 @@
           <a:bodyPr/>
           <a:lstStyle/>
           <a:p>
-            <a:fld id="{209A490C-0BF1-4910-AEA8-1E4A24D4238C}" type="datetimeFigureOut">
+            <a:fld id="{BDC69D26-2189-4A5C-AF99-9B07F8E2AF36}" type="datetimeFigureOut">
               <a:rPr lang="de-DE" smtClean="0"/>
               <a:t>28.01.2018</a:t>
             </a:fld>
@@ -1441,7 +1449,7 @@
           <a:bodyPr/>
           <a:lstStyle/>
           <a:p>
-            <a:fld id="{B3A0EED8-17DC-4B52-B259-AD4CB9BE1B4F}" type="slidenum">
+            <a:fld id="{297EE791-5D67-423F-A450-B005FE0C9AAB}" type="slidenum">
               <a:rPr lang="de-DE" smtClean="0"/>
               <a:t>‹Nr.›</a:t>
             </a:fld>
@@ -1452,7 +1460,7 @@
     </p:spTree>
     <p:extLst>
       <p:ext uri="{BB962C8B-B14F-4D97-AF65-F5344CB8AC3E}">
-        <p14:creationId xmlns:p14="http://schemas.microsoft.com/office/powerpoint/2010/main" val="3406890713"/>
+        <p14:creationId xmlns:p14="http://schemas.microsoft.com/office/powerpoint/2010/main" val="1048707000"/>
       </p:ext>
     </p:extLst>
   </p:cSld>
@@ -1689,7 +1697,7 @@
           <a:bodyPr/>
           <a:lstStyle/>
           <a:p>
-            <a:fld id="{209A490C-0BF1-4910-AEA8-1E4A24D4238C}" type="datetimeFigureOut">
+            <a:fld id="{BDC69D26-2189-4A5C-AF99-9B07F8E2AF36}" type="datetimeFigureOut">
               <a:rPr lang="de-DE" smtClean="0"/>
               <a:t>28.01.2018</a:t>
             </a:fld>
@@ -1731,7 +1739,7 @@
           <a:bodyPr/>
           <a:lstStyle/>
           <a:p>
-            <a:fld id="{B3A0EED8-17DC-4B52-B259-AD4CB9BE1B4F}" type="slidenum">
+            <a:fld id="{297EE791-5D67-423F-A450-B005FE0C9AAB}" type="slidenum">
               <a:rPr lang="de-DE" smtClean="0"/>
               <a:t>‹Nr.›</a:t>
             </a:fld>
@@ -1742,7 +1750,7 @@
     </p:spTree>
     <p:extLst>
       <p:ext uri="{BB962C8B-B14F-4D97-AF65-F5344CB8AC3E}">
-        <p14:creationId xmlns:p14="http://schemas.microsoft.com/office/powerpoint/2010/main" val="1798713757"/>
+        <p14:creationId xmlns:p14="http://schemas.microsoft.com/office/powerpoint/2010/main" val="2294688291"/>
       </p:ext>
     </p:extLst>
   </p:cSld>
@@ -2116,7 +2124,7 @@
           <a:bodyPr/>
           <a:lstStyle/>
           <a:p>
-            <a:fld id="{209A490C-0BF1-4910-AEA8-1E4A24D4238C}" type="datetimeFigureOut">
+            <a:fld id="{BDC69D26-2189-4A5C-AF99-9B07F8E2AF36}" type="datetimeFigureOut">
               <a:rPr lang="de-DE" smtClean="0"/>
               <a:t>28.01.2018</a:t>
             </a:fld>
@@ -2158,7 +2166,7 @@
           <a:bodyPr/>
           <a:lstStyle/>
           <a:p>
-            <a:fld id="{B3A0EED8-17DC-4B52-B259-AD4CB9BE1B4F}" type="slidenum">
+            <a:fld id="{297EE791-5D67-423F-A450-B005FE0C9AAB}" type="slidenum">
               <a:rPr lang="de-DE" smtClean="0"/>
               <a:t>‹Nr.›</a:t>
             </a:fld>
@@ -2169,7 +2177,7 @@
     </p:spTree>
     <p:extLst>
       <p:ext uri="{BB962C8B-B14F-4D97-AF65-F5344CB8AC3E}">
-        <p14:creationId xmlns:p14="http://schemas.microsoft.com/office/powerpoint/2010/main" val="575169011"/>
+        <p14:creationId xmlns:p14="http://schemas.microsoft.com/office/powerpoint/2010/main" val="1617216665"/>
       </p:ext>
     </p:extLst>
   </p:cSld>
@@ -2234,7 +2242,7 @@
           <a:bodyPr/>
           <a:lstStyle/>
           <a:p>
-            <a:fld id="{209A490C-0BF1-4910-AEA8-1E4A24D4238C}" type="datetimeFigureOut">
+            <a:fld id="{BDC69D26-2189-4A5C-AF99-9B07F8E2AF36}" type="datetimeFigureOut">
               <a:rPr lang="de-DE" smtClean="0"/>
               <a:t>28.01.2018</a:t>
             </a:fld>
@@ -2276,7 +2284,7 @@
           <a:bodyPr/>
           <a:lstStyle/>
           <a:p>
-            <a:fld id="{B3A0EED8-17DC-4B52-B259-AD4CB9BE1B4F}" type="slidenum">
+            <a:fld id="{297EE791-5D67-423F-A450-B005FE0C9AAB}" type="slidenum">
               <a:rPr lang="de-DE" smtClean="0"/>
               <a:t>‹Nr.›</a:t>
             </a:fld>
@@ -2287,7 +2295,7 @@
     </p:spTree>
     <p:extLst>
       <p:ext uri="{BB962C8B-B14F-4D97-AF65-F5344CB8AC3E}">
-        <p14:creationId xmlns:p14="http://schemas.microsoft.com/office/powerpoint/2010/main" val="3997771594"/>
+        <p14:creationId xmlns:p14="http://schemas.microsoft.com/office/powerpoint/2010/main" val="1567695929"/>
       </p:ext>
     </p:extLst>
   </p:cSld>
@@ -2329,7 +2337,7 @@
           <a:bodyPr/>
           <a:lstStyle/>
           <a:p>
-            <a:fld id="{209A490C-0BF1-4910-AEA8-1E4A24D4238C}" type="datetimeFigureOut">
+            <a:fld id="{BDC69D26-2189-4A5C-AF99-9B07F8E2AF36}" type="datetimeFigureOut">
               <a:rPr lang="de-DE" smtClean="0"/>
               <a:t>28.01.2018</a:t>
             </a:fld>
@@ -2371,7 +2379,7 @@
           <a:bodyPr/>
           <a:lstStyle/>
           <a:p>
-            <a:fld id="{B3A0EED8-17DC-4B52-B259-AD4CB9BE1B4F}" type="slidenum">
+            <a:fld id="{297EE791-5D67-423F-A450-B005FE0C9AAB}" type="slidenum">
               <a:rPr lang="de-DE" smtClean="0"/>
               <a:t>‹Nr.›</a:t>
             </a:fld>
@@ -2382,7 +2390,7 @@
     </p:spTree>
     <p:extLst>
       <p:ext uri="{BB962C8B-B14F-4D97-AF65-F5344CB8AC3E}">
-        <p14:creationId xmlns:p14="http://schemas.microsoft.com/office/powerpoint/2010/main" val="2237285202"/>
+        <p14:creationId xmlns:p14="http://schemas.microsoft.com/office/powerpoint/2010/main" val="3419900583"/>
       </p:ext>
     </p:extLst>
   </p:cSld>
@@ -2612,7 +2620,7 @@
           <a:bodyPr/>
           <a:lstStyle/>
           <a:p>
-            <a:fld id="{209A490C-0BF1-4910-AEA8-1E4A24D4238C}" type="datetimeFigureOut">
+            <a:fld id="{BDC69D26-2189-4A5C-AF99-9B07F8E2AF36}" type="datetimeFigureOut">
               <a:rPr lang="de-DE" smtClean="0"/>
               <a:t>28.01.2018</a:t>
             </a:fld>
@@ -2654,7 +2662,7 @@
           <a:bodyPr/>
           <a:lstStyle/>
           <a:p>
-            <a:fld id="{B3A0EED8-17DC-4B52-B259-AD4CB9BE1B4F}" type="slidenum">
+            <a:fld id="{297EE791-5D67-423F-A450-B005FE0C9AAB}" type="slidenum">
               <a:rPr lang="de-DE" smtClean="0"/>
               <a:t>‹Nr.›</a:t>
             </a:fld>
@@ -2755,7 +2763,7 @@
     </p:spTree>
     <p:extLst>
       <p:ext uri="{BB962C8B-B14F-4D97-AF65-F5344CB8AC3E}">
-        <p14:creationId xmlns:p14="http://schemas.microsoft.com/office/powerpoint/2010/main" val="226270411"/>
+        <p14:creationId xmlns:p14="http://schemas.microsoft.com/office/powerpoint/2010/main" val="3378217514"/>
       </p:ext>
     </p:extLst>
   </p:cSld>
@@ -2979,7 +2987,7 @@
           <a:bodyPr/>
           <a:lstStyle/>
           <a:p>
-            <a:fld id="{209A490C-0BF1-4910-AEA8-1E4A24D4238C}" type="datetimeFigureOut">
+            <a:fld id="{BDC69D26-2189-4A5C-AF99-9B07F8E2AF36}" type="datetimeFigureOut">
               <a:rPr lang="de-DE" smtClean="0"/>
               <a:t>28.01.2018</a:t>
             </a:fld>
@@ -3131,7 +3139,7 @@
           <a:bodyPr/>
           <a:lstStyle/>
           <a:p>
-            <a:fld id="{B3A0EED8-17DC-4B52-B259-AD4CB9BE1B4F}" type="slidenum">
+            <a:fld id="{297EE791-5D67-423F-A450-B005FE0C9AAB}" type="slidenum">
               <a:rPr lang="de-DE" smtClean="0"/>
               <a:t>‹Nr.›</a:t>
             </a:fld>
@@ -3142,7 +3150,7 @@
     </p:spTree>
     <p:extLst>
       <p:ext uri="{BB962C8B-B14F-4D97-AF65-F5344CB8AC3E}">
-        <p14:creationId xmlns:p14="http://schemas.microsoft.com/office/powerpoint/2010/main" val="238487298"/>
+        <p14:creationId xmlns:p14="http://schemas.microsoft.com/office/powerpoint/2010/main" val="300766204"/>
       </p:ext>
     </p:extLst>
   </p:cSld>
@@ -3409,7 +3417,7 @@
             <a:extLst/>
           </a:lstStyle>
           <a:p>
-            <a:fld id="{209A490C-0BF1-4910-AEA8-1E4A24D4238C}" type="datetimeFigureOut">
+            <a:fld id="{BDC69D26-2189-4A5C-AF99-9B07F8E2AF36}" type="datetimeFigureOut">
               <a:rPr lang="de-DE" smtClean="0"/>
               <a:t>28.01.2018</a:t>
             </a:fld>
@@ -3489,7 +3497,7 @@
             <a:extLst/>
           </a:lstStyle>
           <a:p>
-            <a:fld id="{B3A0EED8-17DC-4B52-B259-AD4CB9BE1B4F}" type="slidenum">
+            <a:fld id="{297EE791-5D67-423F-A450-B005FE0C9AAB}" type="slidenum">
               <a:rPr lang="de-DE" smtClean="0"/>
               <a:t>‹Nr.›</a:t>
             </a:fld>
@@ -3500,23 +3508,23 @@
     </p:spTree>
     <p:extLst>
       <p:ext uri="{BB962C8B-B14F-4D97-AF65-F5344CB8AC3E}">
-        <p14:creationId xmlns:p14="http://schemas.microsoft.com/office/powerpoint/2010/main" val="793235658"/>
+        <p14:creationId xmlns:p14="http://schemas.microsoft.com/office/powerpoint/2010/main" val="1531512721"/>
       </p:ext>
     </p:extLst>
   </p:cSld>
   <p:clrMap bg1="lt1" tx1="dk1" bg2="lt2" tx2="dk2" accent1="accent1" accent2="accent2" accent3="accent3" accent4="accent4" accent5="accent5" accent6="accent6" hlink="hlink" folHlink="folHlink"/>
   <p:sldLayoutIdLst>
-    <p:sldLayoutId id="2147483661" r:id="rId1"/>
-    <p:sldLayoutId id="2147483662" r:id="rId2"/>
-    <p:sldLayoutId id="2147483663" r:id="rId3"/>
-    <p:sldLayoutId id="2147483664" r:id="rId4"/>
-    <p:sldLayoutId id="2147483665" r:id="rId5"/>
-    <p:sldLayoutId id="2147483666" r:id="rId6"/>
-    <p:sldLayoutId id="2147483667" r:id="rId7"/>
-    <p:sldLayoutId id="2147483668" r:id="rId8"/>
-    <p:sldLayoutId id="2147483669" r:id="rId9"/>
-    <p:sldLayoutId id="2147483670" r:id="rId10"/>
-    <p:sldLayoutId id="2147483671" r:id="rId11"/>
+    <p:sldLayoutId id="2147483721" r:id="rId1"/>
+    <p:sldLayoutId id="2147483722" r:id="rId2"/>
+    <p:sldLayoutId id="2147483723" r:id="rId3"/>
+    <p:sldLayoutId id="2147483724" r:id="rId4"/>
+    <p:sldLayoutId id="2147483725" r:id="rId5"/>
+    <p:sldLayoutId id="2147483726" r:id="rId6"/>
+    <p:sldLayoutId id="2147483727" r:id="rId7"/>
+    <p:sldLayoutId id="2147483728" r:id="rId8"/>
+    <p:sldLayoutId id="2147483729" r:id="rId9"/>
+    <p:sldLayoutId id="2147483730" r:id="rId10"/>
+    <p:sldLayoutId id="2147483731" r:id="rId11"/>
   </p:sldLayoutIdLst>
   <p:txStyles>
     <p:titleStyle>
@@ -3840,24 +3848,18 @@
           <a:lstStyle/>
           <a:p>
             <a:r>
-              <a:rPr lang="de-DE" sz="3600" b="1" dirty="0">
+              <a:rPr lang="de-DE" sz="3200" b="1" dirty="0">
                 <a:effectLst/>
               </a:rPr>
-              <a:t>Merkmalserkennung von Gebäuden und Grundstücken in Satellitenbildern mittels </a:t>
-            </a:r>
-            <a:r>
-              <a:rPr lang="de-DE" sz="3600" b="1" dirty="0" err="1">
-                <a:effectLst/>
-              </a:rPr>
-              <a:t>Deeplearning</a:t>
-            </a:r>
-            <a:r>
-              <a:rPr lang="de-DE" sz="3600" dirty="0">
+              <a:t>Merkmalserkennung von Gebäuden und Grundstücken in Satellitenbildern mittels Deeplearning</a:t>
+            </a:r>
+            <a:r>
+              <a:rPr lang="de-DE" sz="3200" dirty="0">
                 <a:effectLst/>
               </a:rPr>
               <a:t> </a:t>
             </a:r>
-            <a:endParaRPr lang="de-DE" sz="3600" dirty="0"/>
+            <a:endParaRPr lang="de-DE" sz="3200" dirty="0"/>
           </a:p>
         </p:txBody>
       </p:sp>
@@ -3886,10 +3888,168 @@
           </a:p>
         </p:txBody>
       </p:sp>
+      <p:pic>
+        <p:nvPicPr>
+          <p:cNvPr id="9" name="Grafik 8">
+            <a:extLst>
+              <a:ext uri="{FF2B5EF4-FFF2-40B4-BE49-F238E27FC236}">
+                <a16:creationId xmlns:a16="http://schemas.microsoft.com/office/drawing/2014/main" id="{9EA6CC68-5F4D-498B-9264-71FC62B623B7}"/>
+              </a:ext>
+            </a:extLst>
+          </p:cNvPr>
+          <p:cNvPicPr>
+            <a:picLocks noChangeAspect="1"/>
+          </p:cNvPicPr>
+          <p:nvPr/>
+        </p:nvPicPr>
+        <p:blipFill>
+          <a:blip r:embed="rId2" cstate="print">
+            <a:extLst>
+              <a:ext uri="{28A0092B-C50C-407E-A947-70E740481C1C}">
+                <a14:useLocalDpi xmlns:a14="http://schemas.microsoft.com/office/drawing/2010/main" val="0"/>
+              </a:ext>
+            </a:extLst>
+          </a:blip>
+          <a:stretch>
+            <a:fillRect/>
+          </a:stretch>
+        </p:blipFill>
+        <p:spPr>
+          <a:xfrm>
+            <a:off x="5970951" y="625215"/>
+            <a:ext cx="3110523" cy="625215"/>
+          </a:xfrm>
+          <a:prstGeom prst="rect">
+            <a:avLst/>
+          </a:prstGeom>
+        </p:spPr>
+      </p:pic>
     </p:spTree>
     <p:extLst>
       <p:ext uri="{BB962C8B-B14F-4D97-AF65-F5344CB8AC3E}">
         <p14:creationId xmlns:p14="http://schemas.microsoft.com/office/powerpoint/2010/main" val="2313134025"/>
+      </p:ext>
+    </p:extLst>
+  </p:cSld>
+  <p:clrMapOvr>
+    <a:masterClrMapping/>
+  </p:clrMapOvr>
+</p:sld>
+</file>
+
+<file path=ppt/slides/slide10.xml><?xml version="1.0" encoding="utf-8"?>
+<p:sld xmlns:a="http://schemas.openxmlformats.org/drawingml/2006/main" xmlns:r="http://schemas.openxmlformats.org/officeDocument/2006/relationships" xmlns:p="http://schemas.openxmlformats.org/presentationml/2006/main">
+  <p:cSld>
+    <p:spTree>
+      <p:nvGrpSpPr>
+        <p:cNvPr id="1" name=""/>
+        <p:cNvGrpSpPr/>
+        <p:nvPr/>
+      </p:nvGrpSpPr>
+      <p:grpSpPr>
+        <a:xfrm>
+          <a:off x="0" y="0"/>
+          <a:ext cx="0" cy="0"/>
+          <a:chOff x="0" y="0"/>
+          <a:chExt cx="0" cy="0"/>
+        </a:xfrm>
+      </p:grpSpPr>
+      <p:sp>
+        <p:nvSpPr>
+          <p:cNvPr id="2" name="Titel 1">
+            <a:extLst>
+              <a:ext uri="{FF2B5EF4-FFF2-40B4-BE49-F238E27FC236}">
+                <a16:creationId xmlns:a16="http://schemas.microsoft.com/office/drawing/2014/main" id="{2D3B589F-1C6D-475E-8FE9-0168CC3AABC4}"/>
+              </a:ext>
+            </a:extLst>
+          </p:cNvPr>
+          <p:cNvSpPr>
+            <a:spLocks noGrp="1"/>
+          </p:cNvSpPr>
+          <p:nvPr>
+            <p:ph type="title"/>
+          </p:nvPr>
+        </p:nvSpPr>
+        <p:spPr/>
+        <p:txBody>
+          <a:bodyPr/>
+          <a:lstStyle/>
+          <a:p>
+            <a:r>
+              <a:rPr lang="de-DE" dirty="0"/>
+              <a:t>Literaturverzeichnis</a:t>
+            </a:r>
+          </a:p>
+        </p:txBody>
+      </p:sp>
+      <p:sp>
+        <p:nvSpPr>
+          <p:cNvPr id="3" name="Inhaltsplatzhalter 2">
+            <a:extLst>
+              <a:ext uri="{FF2B5EF4-FFF2-40B4-BE49-F238E27FC236}">
+                <a16:creationId xmlns:a16="http://schemas.microsoft.com/office/drawing/2014/main" id="{9960FD88-4715-4720-BEBA-B6DCFAFF1B76}"/>
+              </a:ext>
+            </a:extLst>
+          </p:cNvPr>
+          <p:cNvSpPr>
+            <a:spLocks noGrp="1"/>
+          </p:cNvSpPr>
+          <p:nvPr>
+            <p:ph idx="1"/>
+          </p:nvPr>
+        </p:nvSpPr>
+        <p:spPr/>
+        <p:txBody>
+          <a:bodyPr/>
+          <a:lstStyle/>
+          <a:p>
+            <a:r>
+              <a:rPr lang="de-DE" dirty="0"/>
+              <a:t>Von Verwandte Arbeiten</a:t>
+            </a:r>
+          </a:p>
+        </p:txBody>
+      </p:sp>
+      <p:pic>
+        <p:nvPicPr>
+          <p:cNvPr id="4" name="Grafik 3">
+            <a:extLst>
+              <a:ext uri="{FF2B5EF4-FFF2-40B4-BE49-F238E27FC236}">
+                <a16:creationId xmlns:a16="http://schemas.microsoft.com/office/drawing/2014/main" id="{40AC29C5-A9F4-47F0-8B8E-6C04AE687FE0}"/>
+              </a:ext>
+            </a:extLst>
+          </p:cNvPr>
+          <p:cNvPicPr>
+            <a:picLocks noChangeAspect="1"/>
+          </p:cNvPicPr>
+          <p:nvPr/>
+        </p:nvPicPr>
+        <p:blipFill>
+          <a:blip r:embed="rId2" cstate="print">
+            <a:extLst>
+              <a:ext uri="{28A0092B-C50C-407E-A947-70E740481C1C}">
+                <a14:useLocalDpi xmlns:a14="http://schemas.microsoft.com/office/drawing/2010/main" val="0"/>
+              </a:ext>
+            </a:extLst>
+          </a:blip>
+          <a:stretch>
+            <a:fillRect/>
+          </a:stretch>
+        </p:blipFill>
+        <p:spPr>
+          <a:xfrm>
+            <a:off x="8471877" y="469204"/>
+            <a:ext cx="3110523" cy="625215"/>
+          </a:xfrm>
+          <a:prstGeom prst="rect">
+            <a:avLst/>
+          </a:prstGeom>
+        </p:spPr>
+      </p:pic>
+    </p:spTree>
+    <p:extLst>
+      <p:ext uri="{BB962C8B-B14F-4D97-AF65-F5344CB8AC3E}">
+        <p14:creationId xmlns:p14="http://schemas.microsoft.com/office/powerpoint/2010/main" val="3629511036"/>
       </p:ext>
     </p:extLst>
   </p:cSld>
@@ -3937,7 +4097,10 @@
           <a:bodyPr/>
           <a:lstStyle/>
           <a:p>
-            <a:endParaRPr lang="de-DE"/>
+            <a:r>
+              <a:rPr lang="de-DE" dirty="0"/>
+              <a:t>Einleitung</a:t>
+            </a:r>
           </a:p>
         </p:txBody>
       </p:sp>
@@ -3962,10 +4125,49 @@
           <a:bodyPr/>
           <a:lstStyle/>
           <a:p>
-            <a:endParaRPr lang="de-DE"/>
-          </a:p>
-        </p:txBody>
-      </p:sp>
+            <a:r>
+              <a:rPr lang="de-DE" dirty="0"/>
+              <a:t>Motivation</a:t>
+            </a:r>
+          </a:p>
+        </p:txBody>
+      </p:sp>
+      <p:pic>
+        <p:nvPicPr>
+          <p:cNvPr id="4" name="Grafik 3">
+            <a:extLst>
+              <a:ext uri="{FF2B5EF4-FFF2-40B4-BE49-F238E27FC236}">
+                <a16:creationId xmlns:a16="http://schemas.microsoft.com/office/drawing/2014/main" id="{08007C9A-87A6-4D4D-8535-EB98A45C15FF}"/>
+              </a:ext>
+            </a:extLst>
+          </p:cNvPr>
+          <p:cNvPicPr>
+            <a:picLocks noChangeAspect="1"/>
+          </p:cNvPicPr>
+          <p:nvPr/>
+        </p:nvPicPr>
+        <p:blipFill>
+          <a:blip r:embed="rId2" cstate="print">
+            <a:extLst>
+              <a:ext uri="{28A0092B-C50C-407E-A947-70E740481C1C}">
+                <a14:useLocalDpi xmlns:a14="http://schemas.microsoft.com/office/drawing/2010/main" val="0"/>
+              </a:ext>
+            </a:extLst>
+          </a:blip>
+          <a:stretch>
+            <a:fillRect/>
+          </a:stretch>
+        </p:blipFill>
+        <p:spPr>
+          <a:xfrm>
+            <a:off x="8471877" y="469204"/>
+            <a:ext cx="3110523" cy="625215"/>
+          </a:xfrm>
+          <a:prstGeom prst="rect">
+            <a:avLst/>
+          </a:prstGeom>
+        </p:spPr>
+      </p:pic>
     </p:spTree>
     <p:extLst>
       <p:ext uri="{BB962C8B-B14F-4D97-AF65-F5344CB8AC3E}">
@@ -3979,8 +4181,908 @@
 </p:sld>
 </file>
 
+<file path=ppt/slides/slide3.xml><?xml version="1.0" encoding="utf-8"?>
+<p:sld xmlns:a="http://schemas.openxmlformats.org/drawingml/2006/main" xmlns:r="http://schemas.openxmlformats.org/officeDocument/2006/relationships" xmlns:p="http://schemas.openxmlformats.org/presentationml/2006/main">
+  <p:cSld>
+    <p:spTree>
+      <p:nvGrpSpPr>
+        <p:cNvPr id="1" name=""/>
+        <p:cNvGrpSpPr/>
+        <p:nvPr/>
+      </p:nvGrpSpPr>
+      <p:grpSpPr>
+        <a:xfrm>
+          <a:off x="0" y="0"/>
+          <a:ext cx="0" cy="0"/>
+          <a:chOff x="0" y="0"/>
+          <a:chExt cx="0" cy="0"/>
+        </a:xfrm>
+      </p:grpSpPr>
+      <p:sp>
+        <p:nvSpPr>
+          <p:cNvPr id="2" name="Titel 1">
+            <a:extLst>
+              <a:ext uri="{FF2B5EF4-FFF2-40B4-BE49-F238E27FC236}">
+                <a16:creationId xmlns:a16="http://schemas.microsoft.com/office/drawing/2014/main" id="{9516B081-B15A-4550-8FC2-7218AE500383}"/>
+              </a:ext>
+            </a:extLst>
+          </p:cNvPr>
+          <p:cNvSpPr>
+            <a:spLocks noGrp="1"/>
+          </p:cNvSpPr>
+          <p:nvPr>
+            <p:ph type="title"/>
+          </p:nvPr>
+        </p:nvSpPr>
+        <p:spPr/>
+        <p:txBody>
+          <a:bodyPr/>
+          <a:lstStyle/>
+          <a:p>
+            <a:r>
+              <a:rPr lang="de-DE" dirty="0"/>
+              <a:t>Einleitung</a:t>
+            </a:r>
+          </a:p>
+        </p:txBody>
+      </p:sp>
+      <p:sp>
+        <p:nvSpPr>
+          <p:cNvPr id="3" name="Inhaltsplatzhalter 2">
+            <a:extLst>
+              <a:ext uri="{FF2B5EF4-FFF2-40B4-BE49-F238E27FC236}">
+                <a16:creationId xmlns:a16="http://schemas.microsoft.com/office/drawing/2014/main" id="{76803973-686B-4569-BEE3-31F720706EA0}"/>
+              </a:ext>
+            </a:extLst>
+          </p:cNvPr>
+          <p:cNvSpPr>
+            <a:spLocks noGrp="1"/>
+          </p:cNvSpPr>
+          <p:nvPr>
+            <p:ph idx="1"/>
+          </p:nvPr>
+        </p:nvSpPr>
+        <p:spPr/>
+        <p:txBody>
+          <a:bodyPr/>
+          <a:lstStyle/>
+          <a:p>
+            <a:r>
+              <a:rPr lang="de-DE" dirty="0"/>
+              <a:t>Herausforderungen</a:t>
+            </a:r>
+          </a:p>
+          <a:p>
+            <a:r>
+              <a:rPr lang="de-DE" dirty="0"/>
+              <a:t>Ziele und Anforderungen</a:t>
+            </a:r>
+          </a:p>
+        </p:txBody>
+      </p:sp>
+      <p:pic>
+        <p:nvPicPr>
+          <p:cNvPr id="4" name="Grafik 3">
+            <a:extLst>
+              <a:ext uri="{FF2B5EF4-FFF2-40B4-BE49-F238E27FC236}">
+                <a16:creationId xmlns:a16="http://schemas.microsoft.com/office/drawing/2014/main" id="{FC843913-2D84-4A1A-8901-4883DA8ED1E7}"/>
+              </a:ext>
+            </a:extLst>
+          </p:cNvPr>
+          <p:cNvPicPr>
+            <a:picLocks noChangeAspect="1"/>
+          </p:cNvPicPr>
+          <p:nvPr/>
+        </p:nvPicPr>
+        <p:blipFill>
+          <a:blip r:embed="rId2" cstate="print">
+            <a:extLst>
+              <a:ext uri="{28A0092B-C50C-407E-A947-70E740481C1C}">
+                <a14:useLocalDpi xmlns:a14="http://schemas.microsoft.com/office/drawing/2010/main" val="0"/>
+              </a:ext>
+            </a:extLst>
+          </a:blip>
+          <a:stretch>
+            <a:fillRect/>
+          </a:stretch>
+        </p:blipFill>
+        <p:spPr>
+          <a:xfrm>
+            <a:off x="8471877" y="469204"/>
+            <a:ext cx="3110523" cy="625215"/>
+          </a:xfrm>
+          <a:prstGeom prst="rect">
+            <a:avLst/>
+          </a:prstGeom>
+        </p:spPr>
+      </p:pic>
+    </p:spTree>
+    <p:extLst>
+      <p:ext uri="{BB962C8B-B14F-4D97-AF65-F5344CB8AC3E}">
+        <p14:creationId xmlns:p14="http://schemas.microsoft.com/office/powerpoint/2010/main" val="2818423193"/>
+      </p:ext>
+    </p:extLst>
+  </p:cSld>
+  <p:clrMapOvr>
+    <a:masterClrMapping/>
+  </p:clrMapOvr>
+</p:sld>
+</file>
+
+<file path=ppt/slides/slide4.xml><?xml version="1.0" encoding="utf-8"?>
+<p:sld xmlns:a="http://schemas.openxmlformats.org/drawingml/2006/main" xmlns:r="http://schemas.openxmlformats.org/officeDocument/2006/relationships" xmlns:p="http://schemas.openxmlformats.org/presentationml/2006/main">
+  <p:cSld>
+    <p:spTree>
+      <p:nvGrpSpPr>
+        <p:cNvPr id="1" name=""/>
+        <p:cNvGrpSpPr/>
+        <p:nvPr/>
+      </p:nvGrpSpPr>
+      <p:grpSpPr>
+        <a:xfrm>
+          <a:off x="0" y="0"/>
+          <a:ext cx="0" cy="0"/>
+          <a:chOff x="0" y="0"/>
+          <a:chExt cx="0" cy="0"/>
+        </a:xfrm>
+      </p:grpSpPr>
+      <p:sp>
+        <p:nvSpPr>
+          <p:cNvPr id="2" name="Titel 1">
+            <a:extLst>
+              <a:ext uri="{FF2B5EF4-FFF2-40B4-BE49-F238E27FC236}">
+                <a16:creationId xmlns:a16="http://schemas.microsoft.com/office/drawing/2014/main" id="{DD9825E3-A377-43EE-8118-986E2408AB1C}"/>
+              </a:ext>
+            </a:extLst>
+          </p:cNvPr>
+          <p:cNvSpPr>
+            <a:spLocks noGrp="1"/>
+          </p:cNvSpPr>
+          <p:nvPr>
+            <p:ph type="title"/>
+          </p:nvPr>
+        </p:nvSpPr>
+        <p:spPr/>
+        <p:txBody>
+          <a:bodyPr/>
+          <a:lstStyle/>
+          <a:p>
+            <a:r>
+              <a:rPr lang="de-DE" dirty="0"/>
+              <a:t>Gliederung</a:t>
+            </a:r>
+          </a:p>
+        </p:txBody>
+      </p:sp>
+      <p:sp>
+        <p:nvSpPr>
+          <p:cNvPr id="3" name="Inhaltsplatzhalter 2">
+            <a:extLst>
+              <a:ext uri="{FF2B5EF4-FFF2-40B4-BE49-F238E27FC236}">
+                <a16:creationId xmlns:a16="http://schemas.microsoft.com/office/drawing/2014/main" id="{CAE452CF-4FEA-47BD-B91D-496CCF2162A2}"/>
+              </a:ext>
+            </a:extLst>
+          </p:cNvPr>
+          <p:cNvSpPr>
+            <a:spLocks noGrp="1"/>
+          </p:cNvSpPr>
+          <p:nvPr>
+            <p:ph idx="1"/>
+          </p:nvPr>
+        </p:nvSpPr>
+        <p:spPr/>
+        <p:txBody>
+          <a:bodyPr/>
+          <a:lstStyle/>
+          <a:p>
+            <a:r>
+              <a:rPr lang="de-DE" dirty="0"/>
+              <a:t>Einleitung</a:t>
+            </a:r>
+          </a:p>
+          <a:p>
+            <a:r>
+              <a:rPr lang="de-DE" dirty="0"/>
+              <a:t>Verwandte Arbeiten</a:t>
+            </a:r>
+          </a:p>
+          <a:p>
+            <a:r>
+              <a:rPr lang="de-DE" dirty="0"/>
+              <a:t>#Das Verfahren</a:t>
+            </a:r>
+          </a:p>
+          <a:p>
+            <a:r>
+              <a:rPr lang="de-DE" dirty="0"/>
+              <a:t>#Bildextrapolation</a:t>
+            </a:r>
+          </a:p>
+          <a:p>
+            <a:r>
+              <a:rPr lang="de-DE" dirty="0"/>
+              <a:t>#Bildkomposition</a:t>
+            </a:r>
+          </a:p>
+          <a:p>
+            <a:r>
+              <a:rPr lang="de-DE" dirty="0"/>
+              <a:t>Evaluation</a:t>
+            </a:r>
+          </a:p>
+          <a:p>
+            <a:r>
+              <a:rPr lang="de-DE" dirty="0"/>
+              <a:t>Fazit</a:t>
+            </a:r>
+          </a:p>
+          <a:p>
+            <a:r>
+              <a:rPr lang="de-DE" dirty="0"/>
+              <a:t>Ausblick</a:t>
+            </a:r>
+          </a:p>
+          <a:p>
+            <a:r>
+              <a:rPr lang="de-DE" dirty="0"/>
+              <a:t>Literaturverzeichnis</a:t>
+            </a:r>
+          </a:p>
+        </p:txBody>
+      </p:sp>
+      <p:pic>
+        <p:nvPicPr>
+          <p:cNvPr id="5" name="Grafik 4">
+            <a:extLst>
+              <a:ext uri="{FF2B5EF4-FFF2-40B4-BE49-F238E27FC236}">
+                <a16:creationId xmlns:a16="http://schemas.microsoft.com/office/drawing/2014/main" id="{E182A1F4-936A-4018-8B3D-95C34D5E4CE5}"/>
+              </a:ext>
+            </a:extLst>
+          </p:cNvPr>
+          <p:cNvPicPr>
+            <a:picLocks noChangeAspect="1"/>
+          </p:cNvPicPr>
+          <p:nvPr/>
+        </p:nvPicPr>
+        <p:blipFill>
+          <a:blip r:embed="rId2" cstate="print">
+            <a:extLst>
+              <a:ext uri="{28A0092B-C50C-407E-A947-70E740481C1C}">
+                <a14:useLocalDpi xmlns:a14="http://schemas.microsoft.com/office/drawing/2010/main" val="0"/>
+              </a:ext>
+            </a:extLst>
+          </a:blip>
+          <a:stretch>
+            <a:fillRect/>
+          </a:stretch>
+        </p:blipFill>
+        <p:spPr>
+          <a:xfrm>
+            <a:off x="8471877" y="469204"/>
+            <a:ext cx="3110523" cy="625215"/>
+          </a:xfrm>
+          <a:prstGeom prst="rect">
+            <a:avLst/>
+          </a:prstGeom>
+        </p:spPr>
+      </p:pic>
+    </p:spTree>
+    <p:extLst>
+      <p:ext uri="{BB962C8B-B14F-4D97-AF65-F5344CB8AC3E}">
+        <p14:creationId xmlns:p14="http://schemas.microsoft.com/office/powerpoint/2010/main" val="2699689690"/>
+      </p:ext>
+    </p:extLst>
+  </p:cSld>
+  <p:clrMapOvr>
+    <a:masterClrMapping/>
+  </p:clrMapOvr>
+</p:sld>
+</file>
+
+<file path=ppt/slides/slide5.xml><?xml version="1.0" encoding="utf-8"?>
+<p:sld xmlns:a="http://schemas.openxmlformats.org/drawingml/2006/main" xmlns:r="http://schemas.openxmlformats.org/officeDocument/2006/relationships" xmlns:p="http://schemas.openxmlformats.org/presentationml/2006/main">
+  <p:cSld>
+    <p:spTree>
+      <p:nvGrpSpPr>
+        <p:cNvPr id="1" name=""/>
+        <p:cNvGrpSpPr/>
+        <p:nvPr/>
+      </p:nvGrpSpPr>
+      <p:grpSpPr>
+        <a:xfrm>
+          <a:off x="0" y="0"/>
+          <a:ext cx="0" cy="0"/>
+          <a:chOff x="0" y="0"/>
+          <a:chExt cx="0" cy="0"/>
+        </a:xfrm>
+      </p:grpSpPr>
+      <p:sp>
+        <p:nvSpPr>
+          <p:cNvPr id="2" name="Titel 1">
+            <a:extLst>
+              <a:ext uri="{FF2B5EF4-FFF2-40B4-BE49-F238E27FC236}">
+                <a16:creationId xmlns:a16="http://schemas.microsoft.com/office/drawing/2014/main" id="{2E1F2530-87A4-414D-B01B-CF124AFBEAA3}"/>
+              </a:ext>
+            </a:extLst>
+          </p:cNvPr>
+          <p:cNvSpPr>
+            <a:spLocks noGrp="1"/>
+          </p:cNvSpPr>
+          <p:nvPr>
+            <p:ph type="title"/>
+          </p:nvPr>
+        </p:nvSpPr>
+        <p:spPr/>
+        <p:txBody>
+          <a:bodyPr/>
+          <a:lstStyle/>
+          <a:p>
+            <a:r>
+              <a:rPr lang="de-DE"/>
+              <a:t>Verwandte Arbeiten</a:t>
+            </a:r>
+            <a:endParaRPr lang="de-DE" dirty="0"/>
+          </a:p>
+        </p:txBody>
+      </p:sp>
+      <p:sp>
+        <p:nvSpPr>
+          <p:cNvPr id="3" name="Inhaltsplatzhalter 2">
+            <a:extLst>
+              <a:ext uri="{FF2B5EF4-FFF2-40B4-BE49-F238E27FC236}">
+                <a16:creationId xmlns:a16="http://schemas.microsoft.com/office/drawing/2014/main" id="{8A7B857E-D6C0-4153-8B44-924D9AB79CF2}"/>
+              </a:ext>
+            </a:extLst>
+          </p:cNvPr>
+          <p:cNvSpPr>
+            <a:spLocks noGrp="1"/>
+          </p:cNvSpPr>
+          <p:nvPr>
+            <p:ph idx="1"/>
+          </p:nvPr>
+        </p:nvSpPr>
+        <p:spPr/>
+        <p:txBody>
+          <a:bodyPr/>
+          <a:lstStyle/>
+          <a:p>
+            <a:endParaRPr lang="de-DE" dirty="0"/>
+          </a:p>
+        </p:txBody>
+      </p:sp>
+      <p:pic>
+        <p:nvPicPr>
+          <p:cNvPr id="4" name="Grafik 3">
+            <a:extLst>
+              <a:ext uri="{FF2B5EF4-FFF2-40B4-BE49-F238E27FC236}">
+                <a16:creationId xmlns:a16="http://schemas.microsoft.com/office/drawing/2014/main" id="{9B6A495F-D2F5-434C-90BF-776A2B1859FA}"/>
+              </a:ext>
+            </a:extLst>
+          </p:cNvPr>
+          <p:cNvPicPr>
+            <a:picLocks noChangeAspect="1"/>
+          </p:cNvPicPr>
+          <p:nvPr/>
+        </p:nvPicPr>
+        <p:blipFill>
+          <a:blip r:embed="rId2" cstate="print">
+            <a:extLst>
+              <a:ext uri="{28A0092B-C50C-407E-A947-70E740481C1C}">
+                <a14:useLocalDpi xmlns:a14="http://schemas.microsoft.com/office/drawing/2010/main" val="0"/>
+              </a:ext>
+            </a:extLst>
+          </a:blip>
+          <a:stretch>
+            <a:fillRect/>
+          </a:stretch>
+        </p:blipFill>
+        <p:spPr>
+          <a:xfrm>
+            <a:off x="8471877" y="469204"/>
+            <a:ext cx="3110523" cy="625215"/>
+          </a:xfrm>
+          <a:prstGeom prst="rect">
+            <a:avLst/>
+          </a:prstGeom>
+        </p:spPr>
+      </p:pic>
+    </p:spTree>
+    <p:extLst>
+      <p:ext uri="{BB962C8B-B14F-4D97-AF65-F5344CB8AC3E}">
+        <p14:creationId xmlns:p14="http://schemas.microsoft.com/office/powerpoint/2010/main" val="479973310"/>
+      </p:ext>
+    </p:extLst>
+  </p:cSld>
+  <p:clrMapOvr>
+    <a:masterClrMapping/>
+  </p:clrMapOvr>
+</p:sld>
+</file>
+
+<file path=ppt/slides/slide6.xml><?xml version="1.0" encoding="utf-8"?>
+<p:sld xmlns:a="http://schemas.openxmlformats.org/drawingml/2006/main" xmlns:r="http://schemas.openxmlformats.org/officeDocument/2006/relationships" xmlns:p="http://schemas.openxmlformats.org/presentationml/2006/main">
+  <p:cSld>
+    <p:spTree>
+      <p:nvGrpSpPr>
+        <p:cNvPr id="1" name=""/>
+        <p:cNvGrpSpPr/>
+        <p:nvPr/>
+      </p:nvGrpSpPr>
+      <p:grpSpPr>
+        <a:xfrm>
+          <a:off x="0" y="0"/>
+          <a:ext cx="0" cy="0"/>
+          <a:chOff x="0" y="0"/>
+          <a:chExt cx="0" cy="0"/>
+        </a:xfrm>
+      </p:grpSpPr>
+      <p:sp>
+        <p:nvSpPr>
+          <p:cNvPr id="2" name="Titel 1">
+            <a:extLst>
+              <a:ext uri="{FF2B5EF4-FFF2-40B4-BE49-F238E27FC236}">
+                <a16:creationId xmlns:a16="http://schemas.microsoft.com/office/drawing/2014/main" id="{4B81EDF3-0332-4EC8-94D7-B8031CAE2195}"/>
+              </a:ext>
+            </a:extLst>
+          </p:cNvPr>
+          <p:cNvSpPr>
+            <a:spLocks noGrp="1"/>
+          </p:cNvSpPr>
+          <p:nvPr>
+            <p:ph type="title"/>
+          </p:nvPr>
+        </p:nvSpPr>
+        <p:spPr/>
+        <p:txBody>
+          <a:bodyPr/>
+          <a:lstStyle/>
+          <a:p>
+            <a:r>
+              <a:rPr lang="de-DE" dirty="0"/>
+              <a:t>INHALT</a:t>
+            </a:r>
+          </a:p>
+        </p:txBody>
+      </p:sp>
+      <p:sp>
+        <p:nvSpPr>
+          <p:cNvPr id="3" name="Inhaltsplatzhalter 2">
+            <a:extLst>
+              <a:ext uri="{FF2B5EF4-FFF2-40B4-BE49-F238E27FC236}">
+                <a16:creationId xmlns:a16="http://schemas.microsoft.com/office/drawing/2014/main" id="{0258BEC3-6486-4C43-89D1-9E484DF7AF0B}"/>
+              </a:ext>
+            </a:extLst>
+          </p:cNvPr>
+          <p:cNvSpPr>
+            <a:spLocks noGrp="1"/>
+          </p:cNvSpPr>
+          <p:nvPr>
+            <p:ph idx="1"/>
+          </p:nvPr>
+        </p:nvSpPr>
+        <p:spPr/>
+        <p:txBody>
+          <a:bodyPr/>
+          <a:lstStyle/>
+          <a:p>
+            <a:endParaRPr lang="de-DE"/>
+          </a:p>
+        </p:txBody>
+      </p:sp>
+      <p:pic>
+        <p:nvPicPr>
+          <p:cNvPr id="4" name="Grafik 3">
+            <a:extLst>
+              <a:ext uri="{FF2B5EF4-FFF2-40B4-BE49-F238E27FC236}">
+                <a16:creationId xmlns:a16="http://schemas.microsoft.com/office/drawing/2014/main" id="{C7FFE849-C6C4-4797-981C-5302BE3605BD}"/>
+              </a:ext>
+            </a:extLst>
+          </p:cNvPr>
+          <p:cNvPicPr>
+            <a:picLocks noChangeAspect="1"/>
+          </p:cNvPicPr>
+          <p:nvPr/>
+        </p:nvPicPr>
+        <p:blipFill>
+          <a:blip r:embed="rId2" cstate="print">
+            <a:extLst>
+              <a:ext uri="{28A0092B-C50C-407E-A947-70E740481C1C}">
+                <a14:useLocalDpi xmlns:a14="http://schemas.microsoft.com/office/drawing/2010/main" val="0"/>
+              </a:ext>
+            </a:extLst>
+          </a:blip>
+          <a:stretch>
+            <a:fillRect/>
+          </a:stretch>
+        </p:blipFill>
+        <p:spPr>
+          <a:xfrm>
+            <a:off x="8471877" y="469204"/>
+            <a:ext cx="3110523" cy="625215"/>
+          </a:xfrm>
+          <a:prstGeom prst="rect">
+            <a:avLst/>
+          </a:prstGeom>
+        </p:spPr>
+      </p:pic>
+    </p:spTree>
+    <p:extLst>
+      <p:ext uri="{BB962C8B-B14F-4D97-AF65-F5344CB8AC3E}">
+        <p14:creationId xmlns:p14="http://schemas.microsoft.com/office/powerpoint/2010/main" val="351916321"/>
+      </p:ext>
+    </p:extLst>
+  </p:cSld>
+  <p:clrMapOvr>
+    <a:masterClrMapping/>
+  </p:clrMapOvr>
+</p:sld>
+</file>
+
+<file path=ppt/slides/slide7.xml><?xml version="1.0" encoding="utf-8"?>
+<p:sld xmlns:a="http://schemas.openxmlformats.org/drawingml/2006/main" xmlns:r="http://schemas.openxmlformats.org/officeDocument/2006/relationships" xmlns:p="http://schemas.openxmlformats.org/presentationml/2006/main">
+  <p:cSld>
+    <p:spTree>
+      <p:nvGrpSpPr>
+        <p:cNvPr id="1" name=""/>
+        <p:cNvGrpSpPr/>
+        <p:nvPr/>
+      </p:nvGrpSpPr>
+      <p:grpSpPr>
+        <a:xfrm>
+          <a:off x="0" y="0"/>
+          <a:ext cx="0" cy="0"/>
+          <a:chOff x="0" y="0"/>
+          <a:chExt cx="0" cy="0"/>
+        </a:xfrm>
+      </p:grpSpPr>
+      <p:sp>
+        <p:nvSpPr>
+          <p:cNvPr id="2" name="Titel 1">
+            <a:extLst>
+              <a:ext uri="{FF2B5EF4-FFF2-40B4-BE49-F238E27FC236}">
+                <a16:creationId xmlns:a16="http://schemas.microsoft.com/office/drawing/2014/main" id="{AC37F681-D593-4C5A-804C-DD5ECFFC0DE2}"/>
+              </a:ext>
+            </a:extLst>
+          </p:cNvPr>
+          <p:cNvSpPr>
+            <a:spLocks noGrp="1"/>
+          </p:cNvSpPr>
+          <p:nvPr>
+            <p:ph type="title"/>
+          </p:nvPr>
+        </p:nvSpPr>
+        <p:spPr/>
+        <p:txBody>
+          <a:bodyPr/>
+          <a:lstStyle/>
+          <a:p>
+            <a:r>
+              <a:rPr lang="de-DE" dirty="0"/>
+              <a:t>Evaluation</a:t>
+            </a:r>
+          </a:p>
+        </p:txBody>
+      </p:sp>
+      <p:sp>
+        <p:nvSpPr>
+          <p:cNvPr id="3" name="Inhaltsplatzhalter 2">
+            <a:extLst>
+              <a:ext uri="{FF2B5EF4-FFF2-40B4-BE49-F238E27FC236}">
+                <a16:creationId xmlns:a16="http://schemas.microsoft.com/office/drawing/2014/main" id="{486EE2B7-E9A7-4C56-8220-05CE400B7479}"/>
+              </a:ext>
+            </a:extLst>
+          </p:cNvPr>
+          <p:cNvSpPr>
+            <a:spLocks noGrp="1"/>
+          </p:cNvSpPr>
+          <p:nvPr>
+            <p:ph idx="1"/>
+          </p:nvPr>
+        </p:nvSpPr>
+        <p:spPr/>
+        <p:txBody>
+          <a:bodyPr/>
+          <a:lstStyle/>
+          <a:p>
+            <a:endParaRPr lang="de-DE"/>
+          </a:p>
+        </p:txBody>
+      </p:sp>
+      <p:pic>
+        <p:nvPicPr>
+          <p:cNvPr id="4" name="Grafik 3">
+            <a:extLst>
+              <a:ext uri="{FF2B5EF4-FFF2-40B4-BE49-F238E27FC236}">
+                <a16:creationId xmlns:a16="http://schemas.microsoft.com/office/drawing/2014/main" id="{0717B915-48F3-46BA-9236-1BE121D67925}"/>
+              </a:ext>
+            </a:extLst>
+          </p:cNvPr>
+          <p:cNvPicPr>
+            <a:picLocks noChangeAspect="1"/>
+          </p:cNvPicPr>
+          <p:nvPr/>
+        </p:nvPicPr>
+        <p:blipFill>
+          <a:blip r:embed="rId2" cstate="print">
+            <a:extLst>
+              <a:ext uri="{28A0092B-C50C-407E-A947-70E740481C1C}">
+                <a14:useLocalDpi xmlns:a14="http://schemas.microsoft.com/office/drawing/2010/main" val="0"/>
+              </a:ext>
+            </a:extLst>
+          </a:blip>
+          <a:stretch>
+            <a:fillRect/>
+          </a:stretch>
+        </p:blipFill>
+        <p:spPr>
+          <a:xfrm>
+            <a:off x="8471877" y="469204"/>
+            <a:ext cx="3110523" cy="625215"/>
+          </a:xfrm>
+          <a:prstGeom prst="rect">
+            <a:avLst/>
+          </a:prstGeom>
+        </p:spPr>
+      </p:pic>
+    </p:spTree>
+    <p:extLst>
+      <p:ext uri="{BB962C8B-B14F-4D97-AF65-F5344CB8AC3E}">
+        <p14:creationId xmlns:p14="http://schemas.microsoft.com/office/powerpoint/2010/main" val="755854998"/>
+      </p:ext>
+    </p:extLst>
+  </p:cSld>
+  <p:clrMapOvr>
+    <a:masterClrMapping/>
+  </p:clrMapOvr>
+</p:sld>
+</file>
+
+<file path=ppt/slides/slide8.xml><?xml version="1.0" encoding="utf-8"?>
+<p:sld xmlns:a="http://schemas.openxmlformats.org/drawingml/2006/main" xmlns:r="http://schemas.openxmlformats.org/officeDocument/2006/relationships" xmlns:p="http://schemas.openxmlformats.org/presentationml/2006/main">
+  <p:cSld>
+    <p:spTree>
+      <p:nvGrpSpPr>
+        <p:cNvPr id="1" name=""/>
+        <p:cNvGrpSpPr/>
+        <p:nvPr/>
+      </p:nvGrpSpPr>
+      <p:grpSpPr>
+        <a:xfrm>
+          <a:off x="0" y="0"/>
+          <a:ext cx="0" cy="0"/>
+          <a:chOff x="0" y="0"/>
+          <a:chExt cx="0" cy="0"/>
+        </a:xfrm>
+      </p:grpSpPr>
+      <p:sp>
+        <p:nvSpPr>
+          <p:cNvPr id="2" name="Titel 1">
+            <a:extLst>
+              <a:ext uri="{FF2B5EF4-FFF2-40B4-BE49-F238E27FC236}">
+                <a16:creationId xmlns:a16="http://schemas.microsoft.com/office/drawing/2014/main" id="{47821B0B-73C7-4D74-85E5-D26A3775FE05}"/>
+              </a:ext>
+            </a:extLst>
+          </p:cNvPr>
+          <p:cNvSpPr>
+            <a:spLocks noGrp="1"/>
+          </p:cNvSpPr>
+          <p:nvPr>
+            <p:ph type="title"/>
+          </p:nvPr>
+        </p:nvSpPr>
+        <p:spPr/>
+        <p:txBody>
+          <a:bodyPr/>
+          <a:lstStyle/>
+          <a:p>
+            <a:r>
+              <a:rPr lang="de-DE" dirty="0"/>
+              <a:t>Fazit</a:t>
+            </a:r>
+          </a:p>
+        </p:txBody>
+      </p:sp>
+      <p:sp>
+        <p:nvSpPr>
+          <p:cNvPr id="3" name="Inhaltsplatzhalter 2">
+            <a:extLst>
+              <a:ext uri="{FF2B5EF4-FFF2-40B4-BE49-F238E27FC236}">
+                <a16:creationId xmlns:a16="http://schemas.microsoft.com/office/drawing/2014/main" id="{8C5558C3-2B3A-483D-AF2B-430FA216346F}"/>
+              </a:ext>
+            </a:extLst>
+          </p:cNvPr>
+          <p:cNvSpPr>
+            <a:spLocks noGrp="1"/>
+          </p:cNvSpPr>
+          <p:nvPr>
+            <p:ph idx="1"/>
+          </p:nvPr>
+        </p:nvSpPr>
+        <p:spPr/>
+        <p:txBody>
+          <a:bodyPr/>
+          <a:lstStyle/>
+          <a:p>
+            <a:r>
+              <a:rPr lang="de-DE" dirty="0"/>
+              <a:t>Ergebnisse</a:t>
+            </a:r>
+          </a:p>
+        </p:txBody>
+      </p:sp>
+      <p:pic>
+        <p:nvPicPr>
+          <p:cNvPr id="5" name="Grafik 4">
+            <a:extLst>
+              <a:ext uri="{FF2B5EF4-FFF2-40B4-BE49-F238E27FC236}">
+                <a16:creationId xmlns:a16="http://schemas.microsoft.com/office/drawing/2014/main" id="{AC980984-39C8-4256-9D0A-4A9DF82415FE}"/>
+              </a:ext>
+            </a:extLst>
+          </p:cNvPr>
+          <p:cNvPicPr>
+            <a:picLocks noChangeAspect="1"/>
+          </p:cNvPicPr>
+          <p:nvPr/>
+        </p:nvPicPr>
+        <p:blipFill>
+          <a:blip r:embed="rId2" cstate="print">
+            <a:extLst>
+              <a:ext uri="{28A0092B-C50C-407E-A947-70E740481C1C}">
+                <a14:useLocalDpi xmlns:a14="http://schemas.microsoft.com/office/drawing/2010/main" val="0"/>
+              </a:ext>
+            </a:extLst>
+          </a:blip>
+          <a:stretch>
+            <a:fillRect/>
+          </a:stretch>
+        </p:blipFill>
+        <p:spPr>
+          <a:xfrm>
+            <a:off x="8471877" y="469204"/>
+            <a:ext cx="3110523" cy="625215"/>
+          </a:xfrm>
+          <a:prstGeom prst="rect">
+            <a:avLst/>
+          </a:prstGeom>
+        </p:spPr>
+      </p:pic>
+    </p:spTree>
+    <p:extLst>
+      <p:ext uri="{BB962C8B-B14F-4D97-AF65-F5344CB8AC3E}">
+        <p14:creationId xmlns:p14="http://schemas.microsoft.com/office/powerpoint/2010/main" val="2826496482"/>
+      </p:ext>
+    </p:extLst>
+  </p:cSld>
+  <p:clrMapOvr>
+    <a:masterClrMapping/>
+  </p:clrMapOvr>
+</p:sld>
+</file>
+
+<file path=ppt/slides/slide9.xml><?xml version="1.0" encoding="utf-8"?>
+<p:sld xmlns:a="http://schemas.openxmlformats.org/drawingml/2006/main" xmlns:r="http://schemas.openxmlformats.org/officeDocument/2006/relationships" xmlns:p="http://schemas.openxmlformats.org/presentationml/2006/main">
+  <p:cSld>
+    <p:spTree>
+      <p:nvGrpSpPr>
+        <p:cNvPr id="1" name=""/>
+        <p:cNvGrpSpPr/>
+        <p:nvPr/>
+      </p:nvGrpSpPr>
+      <p:grpSpPr>
+        <a:xfrm>
+          <a:off x="0" y="0"/>
+          <a:ext cx="0" cy="0"/>
+          <a:chOff x="0" y="0"/>
+          <a:chExt cx="0" cy="0"/>
+        </a:xfrm>
+      </p:grpSpPr>
+      <p:sp>
+        <p:nvSpPr>
+          <p:cNvPr id="2" name="Titel 1">
+            <a:extLst>
+              <a:ext uri="{FF2B5EF4-FFF2-40B4-BE49-F238E27FC236}">
+                <a16:creationId xmlns:a16="http://schemas.microsoft.com/office/drawing/2014/main" id="{84400D62-C043-4C42-A8E3-56B058ADCCEE}"/>
+              </a:ext>
+            </a:extLst>
+          </p:cNvPr>
+          <p:cNvSpPr>
+            <a:spLocks noGrp="1"/>
+          </p:cNvSpPr>
+          <p:nvPr>
+            <p:ph type="title"/>
+          </p:nvPr>
+        </p:nvSpPr>
+        <p:spPr/>
+        <p:txBody>
+          <a:bodyPr/>
+          <a:lstStyle/>
+          <a:p>
+            <a:r>
+              <a:rPr lang="de-DE" dirty="0"/>
+              <a:t>Ausblick</a:t>
+            </a:r>
+          </a:p>
+        </p:txBody>
+      </p:sp>
+      <p:sp>
+        <p:nvSpPr>
+          <p:cNvPr id="3" name="Inhaltsplatzhalter 2">
+            <a:extLst>
+              <a:ext uri="{FF2B5EF4-FFF2-40B4-BE49-F238E27FC236}">
+                <a16:creationId xmlns:a16="http://schemas.microsoft.com/office/drawing/2014/main" id="{08413965-6249-42D1-85DE-46E255F5123F}"/>
+              </a:ext>
+            </a:extLst>
+          </p:cNvPr>
+          <p:cNvSpPr>
+            <a:spLocks noGrp="1"/>
+          </p:cNvSpPr>
+          <p:nvPr>
+            <p:ph idx="1"/>
+          </p:nvPr>
+        </p:nvSpPr>
+        <p:spPr/>
+        <p:txBody>
+          <a:bodyPr/>
+          <a:lstStyle/>
+          <a:p>
+            <a:r>
+              <a:rPr lang="de-DE" dirty="0"/>
+              <a:t>Weiterführende Entwicklung</a:t>
+            </a:r>
+          </a:p>
+        </p:txBody>
+      </p:sp>
+      <p:pic>
+        <p:nvPicPr>
+          <p:cNvPr id="4" name="Grafik 3">
+            <a:extLst>
+              <a:ext uri="{FF2B5EF4-FFF2-40B4-BE49-F238E27FC236}">
+                <a16:creationId xmlns:a16="http://schemas.microsoft.com/office/drawing/2014/main" id="{1F426D8F-4256-407E-88F6-A35387EAEB64}"/>
+              </a:ext>
+            </a:extLst>
+          </p:cNvPr>
+          <p:cNvPicPr>
+            <a:picLocks noChangeAspect="1"/>
+          </p:cNvPicPr>
+          <p:nvPr/>
+        </p:nvPicPr>
+        <p:blipFill>
+          <a:blip r:embed="rId2" cstate="print">
+            <a:extLst>
+              <a:ext uri="{28A0092B-C50C-407E-A947-70E740481C1C}">
+                <a14:useLocalDpi xmlns:a14="http://schemas.microsoft.com/office/drawing/2010/main" val="0"/>
+              </a:ext>
+            </a:extLst>
+          </a:blip>
+          <a:stretch>
+            <a:fillRect/>
+          </a:stretch>
+        </p:blipFill>
+        <p:spPr>
+          <a:xfrm>
+            <a:off x="8471877" y="469204"/>
+            <a:ext cx="3110523" cy="625215"/>
+          </a:xfrm>
+          <a:prstGeom prst="rect">
+            <a:avLst/>
+          </a:prstGeom>
+        </p:spPr>
+      </p:pic>
+    </p:spTree>
+    <p:extLst>
+      <p:ext uri="{BB962C8B-B14F-4D97-AF65-F5344CB8AC3E}">
+        <p14:creationId xmlns:p14="http://schemas.microsoft.com/office/powerpoint/2010/main" val="794121934"/>
+      </p:ext>
+    </p:extLst>
+  </p:cSld>
+  <p:clrMapOvr>
+    <a:masterClrMapping/>
+  </p:clrMapOvr>
+</p:sld>
+</file>
+
 <file path=ppt/theme/theme1.xml><?xml version="1.0" encoding="utf-8"?>
-<a:theme xmlns:a="http://schemas.openxmlformats.org/drawingml/2006/main" name="OldSchool">
+<a:theme xmlns:a="http://schemas.openxmlformats.org/drawingml/2006/main" name="Design1">
   <a:themeElements>
     <a:clrScheme name="Modul">
       <a:dk1>
@@ -4263,7 +5365,7 @@
   <a:extraClrSchemeLst/>
   <a:extLst>
     <a:ext uri="{05A4C25C-085E-4340-85A3-A5531E510DB2}">
-      <thm15:themeFamily xmlns:thm15="http://schemas.microsoft.com/office/thememl/2012/main" name="OldSchool" id="{CB1EED31-7E47-49F9-A8C0-4D84477595C9}" vid="{4E21E79B-086D-42ED-9176-414138C4D6B2}"/>
+      <thm15:themeFamily xmlns:thm15="http://schemas.microsoft.com/office/thememl/2012/main" name="Design1" id="{F2362A2E-0170-48AB-A537-006CE4CF1E30}" vid="{810E9866-CA12-45C8-ADFB-68C288FA6847}"/>
     </a:ext>
   </a:extLst>
 </a:theme>

--- a/docs/verteidigung/Verteidigung.pptx
+++ b/docs/verteidigung/Verteidigung.pptx
@@ -3916,14 +3916,119 @@
         </p:blipFill>
         <p:spPr>
           <a:xfrm>
-            <a:off x="5970951" y="625215"/>
-            <a:ext cx="3110523" cy="625215"/>
+            <a:off x="6299200" y="5506722"/>
+            <a:ext cx="5373136" cy="1080000"/>
           </a:xfrm>
           <a:prstGeom prst="rect">
             <a:avLst/>
           </a:prstGeom>
         </p:spPr>
       </p:pic>
+      <p:sp>
+        <p:nvSpPr>
+          <p:cNvPr id="4" name="Textfeld 3">
+            <a:extLst>
+              <a:ext uri="{FF2B5EF4-FFF2-40B4-BE49-F238E27FC236}">
+                <a16:creationId xmlns:a16="http://schemas.microsoft.com/office/drawing/2014/main" id="{04580F7B-46FC-4E8C-9E7E-5E8FBD74D6A7}"/>
+              </a:ext>
+            </a:extLst>
+          </p:cNvPr>
+          <p:cNvSpPr txBox="1"/>
+          <p:nvPr/>
+        </p:nvSpPr>
+        <p:spPr>
+          <a:xfrm>
+            <a:off x="914400" y="5862056"/>
+            <a:ext cx="2899508" cy="369332"/>
+          </a:xfrm>
+          <a:prstGeom prst="rect">
+            <a:avLst/>
+          </a:prstGeom>
+          <a:noFill/>
+        </p:spPr>
+        <p:txBody>
+          <a:bodyPr wrap="square" rtlCol="0">
+            <a:spAutoFit/>
+          </a:bodyPr>
+          <a:lstStyle/>
+          <a:p>
+            <a:r>
+              <a:rPr lang="de-DE" dirty="0"/>
+              <a:t>Dresden, 30.01.2018</a:t>
+            </a:r>
+          </a:p>
+        </p:txBody>
+      </p:sp>
+      <p:sp>
+        <p:nvSpPr>
+          <p:cNvPr id="5" name="Textfeld 4">
+            <a:extLst>
+              <a:ext uri="{FF2B5EF4-FFF2-40B4-BE49-F238E27FC236}">
+                <a16:creationId xmlns:a16="http://schemas.microsoft.com/office/drawing/2014/main" id="{B84D5BA2-A8F8-49F3-9282-58684A669D95}"/>
+              </a:ext>
+            </a:extLst>
+          </p:cNvPr>
+          <p:cNvSpPr txBox="1"/>
+          <p:nvPr/>
+        </p:nvSpPr>
+        <p:spPr>
+          <a:xfrm>
+            <a:off x="1781908" y="1398217"/>
+            <a:ext cx="4204677" cy="369332"/>
+          </a:xfrm>
+          <a:prstGeom prst="rect">
+            <a:avLst/>
+          </a:prstGeom>
+          <a:noFill/>
+        </p:spPr>
+        <p:txBody>
+          <a:bodyPr wrap="square" rtlCol="0">
+            <a:spAutoFit/>
+          </a:bodyPr>
+          <a:lstStyle/>
+          <a:p>
+            <a:r>
+              <a:rPr lang="de-DE" dirty="0"/>
+              <a:t>Verteidigung der Bachelorarbeit</a:t>
+            </a:r>
+          </a:p>
+        </p:txBody>
+      </p:sp>
+      <p:sp>
+        <p:nvSpPr>
+          <p:cNvPr id="6" name="Textfeld 5">
+            <a:extLst>
+              <a:ext uri="{FF2B5EF4-FFF2-40B4-BE49-F238E27FC236}">
+                <a16:creationId xmlns:a16="http://schemas.microsoft.com/office/drawing/2014/main" id="{ADE0D343-2319-4AAA-BBCC-3DEA7FAC8CD4}"/>
+              </a:ext>
+            </a:extLst>
+          </p:cNvPr>
+          <p:cNvSpPr txBox="1"/>
+          <p:nvPr/>
+        </p:nvSpPr>
+        <p:spPr>
+          <a:xfrm>
+            <a:off x="2756624" y="6231388"/>
+            <a:ext cx="3339376" cy="369332"/>
+          </a:xfrm>
+          <a:prstGeom prst="rect">
+            <a:avLst/>
+          </a:prstGeom>
+          <a:noFill/>
+        </p:spPr>
+        <p:txBody>
+          <a:bodyPr wrap="none" rtlCol="0">
+            <a:spAutoFit/>
+          </a:bodyPr>
+          <a:lstStyle/>
+          <a:p>
+            <a:r>
+              <a:rPr lang="de-DE" dirty="0"/>
+              <a:t>Fakultät Informatik/Mathematik</a:t>
+            </a:r>
+          </a:p>
+        </p:txBody>
+      </p:sp>
     </p:spTree>
     <p:extLst>
       <p:ext uri="{BB962C8B-B14F-4D97-AF65-F5344CB8AC3E}">
@@ -4665,7 +4770,7 @@
           <a:bodyPr/>
           <a:lstStyle/>
           <a:p>
-            <a:endParaRPr lang="de-DE"/>
+            <a:endParaRPr lang="de-DE" dirty="0"/>
           </a:p>
         </p:txBody>
       </p:sp>

--- a/docs/verteidigung/Verteidigung.pptx
+++ b/docs/verteidigung/Verteidigung.pptx
@@ -4105,12 +4105,302 @@
         </p:nvSpPr>
         <p:spPr/>
         <p:txBody>
-          <a:bodyPr/>
-          <a:lstStyle/>
-          <a:p>
-            <a:r>
-              <a:rPr lang="de-DE" dirty="0"/>
-              <a:t>Von Verwandte Arbeiten</a:t>
+          <a:bodyPr>
+            <a:normAutofit/>
+          </a:bodyPr>
+          <a:lstStyle/>
+          <a:p>
+            <a:r>
+              <a:rPr lang="de-DE" sz="2400" dirty="0"/>
+              <a:t>[KSH12] Alex </a:t>
+            </a:r>
+            <a:r>
+              <a:rPr lang="de-DE" sz="2400" dirty="0" err="1"/>
+              <a:t>Krizhevsky</a:t>
+            </a:r>
+            <a:r>
+              <a:rPr lang="de-DE" sz="2400" dirty="0"/>
+              <a:t> and </a:t>
+            </a:r>
+            <a:r>
+              <a:rPr lang="de-DE" sz="2400" dirty="0" err="1"/>
+              <a:t>Sutskever</a:t>
+            </a:r>
+            <a:r>
+              <a:rPr lang="de-DE" sz="2400" dirty="0"/>
+              <a:t>, Ilya and </a:t>
+            </a:r>
+            <a:r>
+              <a:rPr lang="de-DE" sz="2400" dirty="0" err="1"/>
+              <a:t>Hinton</a:t>
+            </a:r>
+            <a:r>
+              <a:rPr lang="de-DE" sz="2400" dirty="0"/>
+              <a:t>, Geoffrey E, "</a:t>
+            </a:r>
+            <a:r>
+              <a:rPr lang="de-DE" sz="2400" dirty="0" err="1"/>
+              <a:t>ImageNet</a:t>
+            </a:r>
+            <a:r>
+              <a:rPr lang="de-DE" sz="2400" dirty="0"/>
+              <a:t> Classification </a:t>
+            </a:r>
+            <a:r>
+              <a:rPr lang="de-DE" sz="2400" dirty="0" err="1"/>
+              <a:t>with</a:t>
+            </a:r>
+            <a:r>
+              <a:rPr lang="de-DE" sz="2400" dirty="0"/>
+              <a:t> Deep </a:t>
+            </a:r>
+            <a:r>
+              <a:rPr lang="de-DE" sz="2400" dirty="0" err="1"/>
+              <a:t>Convolutional</a:t>
+            </a:r>
+            <a:r>
+              <a:rPr lang="de-DE" sz="2400" dirty="0"/>
+              <a:t> </a:t>
+            </a:r>
+            <a:r>
+              <a:rPr lang="de-DE" sz="2400" dirty="0" err="1"/>
+              <a:t>Neural</a:t>
+            </a:r>
+            <a:r>
+              <a:rPr lang="de-DE" sz="2400" dirty="0"/>
+              <a:t> Networks", in F. Pereira and C. J. C. </a:t>
+            </a:r>
+            <a:r>
+              <a:rPr lang="de-DE" sz="2400" dirty="0" err="1"/>
+              <a:t>Burges</a:t>
+            </a:r>
+            <a:r>
+              <a:rPr lang="de-DE" sz="2400" dirty="0"/>
+              <a:t> and L. </a:t>
+            </a:r>
+            <a:r>
+              <a:rPr lang="de-DE" sz="2400" dirty="0" err="1"/>
+              <a:t>Bottou</a:t>
+            </a:r>
+            <a:r>
+              <a:rPr lang="de-DE" sz="2400" dirty="0"/>
+              <a:t> and K. Q. Weinberger, </a:t>
+            </a:r>
+            <a:r>
+              <a:rPr lang="de-DE" sz="2400" dirty="0" err="1"/>
+              <a:t>Hg</a:t>
+            </a:r>
+            <a:r>
+              <a:rPr lang="de-DE" sz="2400" dirty="0"/>
+              <a:t>., </a:t>
+            </a:r>
+            <a:r>
+              <a:rPr lang="de-DE" sz="2400" i="1" dirty="0" err="1"/>
+              <a:t>Advances</a:t>
+            </a:r>
+            <a:r>
+              <a:rPr lang="de-DE" sz="2400" i="1" dirty="0"/>
+              <a:t> in </a:t>
+            </a:r>
+            <a:r>
+              <a:rPr lang="de-DE" sz="2400" i="1" dirty="0" err="1"/>
+              <a:t>Neural</a:t>
+            </a:r>
+            <a:r>
+              <a:rPr lang="de-DE" sz="2400" i="1" dirty="0"/>
+              <a:t> Information Processing Systems 25</a:t>
+            </a:r>
+            <a:r>
+              <a:rPr lang="de-DE" sz="2400" dirty="0"/>
+              <a:t> (Curran Associates, Inc., 2012), S. 1097—1105</a:t>
+            </a:r>
+          </a:p>
+          <a:p>
+            <a:pPr marL="118872" indent="0">
+              <a:buNone/>
+            </a:pPr>
+            <a:endParaRPr lang="de-DE" sz="2400" dirty="0"/>
+          </a:p>
+          <a:p>
+            <a:r>
+              <a:rPr lang="de-DE" sz="2400" dirty="0"/>
+              <a:t>[SZ14] </a:t>
+            </a:r>
+            <a:r>
+              <a:rPr lang="de-DE" sz="2400" dirty="0" err="1"/>
+              <a:t>Simonyan</a:t>
+            </a:r>
+            <a:r>
+              <a:rPr lang="de-DE" sz="2400" dirty="0"/>
+              <a:t>, Karen and </a:t>
+            </a:r>
+            <a:r>
+              <a:rPr lang="de-DE" sz="2400" dirty="0" err="1"/>
+              <a:t>Zisserman</a:t>
+            </a:r>
+            <a:r>
+              <a:rPr lang="de-DE" sz="2400" dirty="0"/>
+              <a:t>, Andrew, "Very </a:t>
+            </a:r>
+            <a:r>
+              <a:rPr lang="de-DE" sz="2400" dirty="0" err="1"/>
+              <a:t>deep</a:t>
+            </a:r>
+            <a:r>
+              <a:rPr lang="de-DE" sz="2400" dirty="0"/>
+              <a:t> </a:t>
+            </a:r>
+            <a:r>
+              <a:rPr lang="de-DE" sz="2400" dirty="0" err="1"/>
+              <a:t>convolutional</a:t>
+            </a:r>
+            <a:r>
+              <a:rPr lang="de-DE" sz="2400" dirty="0"/>
+              <a:t> </a:t>
+            </a:r>
+            <a:r>
+              <a:rPr lang="de-DE" sz="2400" dirty="0" err="1"/>
+              <a:t>networks</a:t>
+            </a:r>
+            <a:r>
+              <a:rPr lang="de-DE" sz="2400" dirty="0"/>
+              <a:t> </a:t>
+            </a:r>
+            <a:r>
+              <a:rPr lang="de-DE" sz="2400" dirty="0" err="1"/>
+              <a:t>for</a:t>
+            </a:r>
+            <a:r>
+              <a:rPr lang="de-DE" sz="2400" dirty="0"/>
+              <a:t> large-</a:t>
+            </a:r>
+            <a:r>
+              <a:rPr lang="de-DE" sz="2400" dirty="0" err="1"/>
+              <a:t>scale</a:t>
+            </a:r>
+            <a:r>
+              <a:rPr lang="de-DE" sz="2400" dirty="0"/>
+              <a:t> </a:t>
+            </a:r>
+            <a:r>
+              <a:rPr lang="de-DE" sz="2400" dirty="0" err="1"/>
+              <a:t>image</a:t>
+            </a:r>
+            <a:r>
+              <a:rPr lang="de-DE" sz="2400" dirty="0"/>
+              <a:t> </a:t>
+            </a:r>
+            <a:r>
+              <a:rPr lang="de-DE" sz="2400" dirty="0" err="1"/>
+              <a:t>recognition</a:t>
+            </a:r>
+            <a:r>
+              <a:rPr lang="de-DE" sz="2400" dirty="0"/>
+              <a:t>", </a:t>
+            </a:r>
+            <a:r>
+              <a:rPr lang="de-DE" sz="2400" i="1" dirty="0" err="1"/>
+              <a:t>arXiv</a:t>
+            </a:r>
+            <a:r>
+              <a:rPr lang="de-DE" sz="2400" i="1" dirty="0"/>
+              <a:t> </a:t>
+            </a:r>
+            <a:r>
+              <a:rPr lang="de-DE" sz="2400" i="1" dirty="0" err="1"/>
+              <a:t>preprint</a:t>
+            </a:r>
+            <a:r>
+              <a:rPr lang="de-DE" sz="2400" i="1" dirty="0"/>
+              <a:t> arXiv:1409.1556</a:t>
+            </a:r>
+            <a:r>
+              <a:rPr lang="de-DE" sz="2400" dirty="0"/>
+              <a:t> (2014)</a:t>
+            </a:r>
+          </a:p>
+          <a:p>
+            <a:pPr marL="118872" indent="0">
+              <a:buNone/>
+            </a:pPr>
+            <a:endParaRPr lang="de-DE" sz="2400" dirty="0"/>
+          </a:p>
+          <a:p>
+            <a:r>
+              <a:rPr lang="de-DE" sz="2400" dirty="0"/>
+              <a:t>[WKP16] Weyand, Tobias and </a:t>
+            </a:r>
+            <a:r>
+              <a:rPr lang="de-DE" sz="2400" dirty="0" err="1"/>
+              <a:t>Kostrikov</a:t>
+            </a:r>
+            <a:r>
+              <a:rPr lang="de-DE" sz="2400" dirty="0"/>
+              <a:t>, Ilya and </a:t>
+            </a:r>
+            <a:r>
+              <a:rPr lang="de-DE" sz="2400" dirty="0" err="1"/>
+              <a:t>Philbin</a:t>
+            </a:r>
+            <a:r>
+              <a:rPr lang="de-DE" sz="2400" dirty="0"/>
+              <a:t>, James, "Planet-</a:t>
+            </a:r>
+            <a:r>
+              <a:rPr lang="de-DE" sz="2400" dirty="0" err="1"/>
+              <a:t>photo</a:t>
+            </a:r>
+            <a:r>
+              <a:rPr lang="de-DE" sz="2400" dirty="0"/>
+              <a:t> </a:t>
+            </a:r>
+            <a:r>
+              <a:rPr lang="de-DE" sz="2400" dirty="0" err="1"/>
+              <a:t>geolocation</a:t>
+            </a:r>
+            <a:r>
+              <a:rPr lang="de-DE" sz="2400" dirty="0"/>
+              <a:t> </a:t>
+            </a:r>
+            <a:r>
+              <a:rPr lang="de-DE" sz="2400" dirty="0" err="1"/>
+              <a:t>with</a:t>
+            </a:r>
+            <a:r>
+              <a:rPr lang="de-DE" sz="2400" dirty="0"/>
+              <a:t> </a:t>
+            </a:r>
+            <a:r>
+              <a:rPr lang="de-DE" sz="2400" dirty="0" err="1"/>
+              <a:t>convolutional</a:t>
+            </a:r>
+            <a:r>
+              <a:rPr lang="de-DE" sz="2400" dirty="0"/>
+              <a:t> </a:t>
+            </a:r>
+            <a:r>
+              <a:rPr lang="de-DE" sz="2400" dirty="0" err="1"/>
+              <a:t>neural</a:t>
+            </a:r>
+            <a:r>
+              <a:rPr lang="de-DE" sz="2400" dirty="0"/>
+              <a:t> </a:t>
+            </a:r>
+            <a:r>
+              <a:rPr lang="de-DE" sz="2400" dirty="0" err="1"/>
+              <a:t>networks</a:t>
+            </a:r>
+            <a:r>
+              <a:rPr lang="de-DE" sz="2400" dirty="0"/>
+              <a:t>", in </a:t>
+            </a:r>
+            <a:r>
+              <a:rPr lang="de-DE" sz="2400" i="1" dirty="0"/>
+              <a:t>European Conference on Computer Vision</a:t>
+            </a:r>
+            <a:r>
+              <a:rPr lang="de-DE" sz="2400" dirty="0"/>
+              <a:t> (, 2016), S. 37--55</a:t>
             </a:r>
           </a:p>
         </p:txBody>
@@ -4623,10 +4913,9 @@
           <a:lstStyle/>
           <a:p>
             <a:r>
-              <a:rPr lang="de-DE"/>
+              <a:rPr lang="de-DE" dirty="0"/>
               <a:t>Verwandte Arbeiten</a:t>
             </a:r>
-            <a:endParaRPr lang="de-DE" dirty="0"/>
           </a:p>
         </p:txBody>
       </p:sp>
@@ -4651,7 +4940,47 @@
           <a:bodyPr/>
           <a:lstStyle/>
           <a:p>
+            <a:r>
+              <a:rPr lang="de-DE" dirty="0" err="1"/>
+              <a:t>ImageNet</a:t>
+            </a:r>
+            <a:r>
+              <a:rPr lang="de-DE" dirty="0"/>
+              <a:t> Large-</a:t>
+            </a:r>
+            <a:r>
+              <a:rPr lang="de-DE" dirty="0" err="1"/>
+              <a:t>Scale</a:t>
+            </a:r>
+            <a:r>
+              <a:rPr lang="de-DE" dirty="0"/>
+              <a:t> Visual Recognition Challenge</a:t>
+            </a:r>
+          </a:p>
+          <a:p>
+            <a:pPr lvl="1"/>
+            <a:r>
+              <a:rPr lang="de-DE" dirty="0" err="1"/>
+              <a:t>SuperVision</a:t>
+            </a:r>
             <a:endParaRPr lang="de-DE" dirty="0"/>
+          </a:p>
+          <a:p>
+            <a:pPr lvl="1"/>
+            <a:r>
+              <a:rPr lang="de-DE" dirty="0"/>
+              <a:t>VGG16 und VGG19</a:t>
+            </a:r>
+          </a:p>
+          <a:p>
+            <a:r>
+              <a:rPr lang="de-DE" dirty="0" err="1"/>
+              <a:t>PlaNet</a:t>
+            </a:r>
+            <a:r>
+              <a:rPr lang="de-DE" dirty="0"/>
+              <a:t> </a:t>
+            </a:r>
           </a:p>
         </p:txBody>
       </p:sp>

--- a/docs/verteidigung/Verteidigung.pptx
+++ b/docs/verteidigung/Verteidigung.pptx
@@ -1,20 +1,27 @@
 
 <file path=ppt/presentation.xml><?xml version="1.0" encoding="utf-8"?>
-<p:presentation xmlns:a="http://schemas.openxmlformats.org/drawingml/2006/main" xmlns:r="http://schemas.openxmlformats.org/officeDocument/2006/relationships" xmlns:p="http://schemas.openxmlformats.org/presentationml/2006/main" saveSubsetFonts="1">
+<p:presentation xmlns:a="http://schemas.openxmlformats.org/drawingml/2006/main" xmlns:r="http://schemas.openxmlformats.org/officeDocument/2006/relationships" xmlns:p="http://schemas.openxmlformats.org/presentationml/2006/main" showSpecialPlsOnTitleSld="0" saveSubsetFonts="1">
   <p:sldMasterIdLst>
     <p:sldMasterId id="2147483720" r:id="rId1"/>
   </p:sldMasterIdLst>
+  <p:notesMasterIdLst>
+    <p:notesMasterId r:id="rId16"/>
+  </p:notesMasterIdLst>
   <p:sldIdLst>
     <p:sldId id="256" r:id="rId2"/>
     <p:sldId id="257" r:id="rId3"/>
     <p:sldId id="258" r:id="rId4"/>
-    <p:sldId id="259" r:id="rId5"/>
+    <p:sldId id="273" r:id="rId5"/>
     <p:sldId id="260" r:id="rId6"/>
-    <p:sldId id="261" r:id="rId7"/>
-    <p:sldId id="262" r:id="rId8"/>
-    <p:sldId id="263" r:id="rId9"/>
-    <p:sldId id="264" r:id="rId10"/>
-    <p:sldId id="265" r:id="rId11"/>
+    <p:sldId id="267" r:id="rId7"/>
+    <p:sldId id="268" r:id="rId8"/>
+    <p:sldId id="269" r:id="rId9"/>
+    <p:sldId id="270" r:id="rId10"/>
+    <p:sldId id="271" r:id="rId11"/>
+    <p:sldId id="262" r:id="rId12"/>
+    <p:sldId id="263" r:id="rId13"/>
+    <p:sldId id="264" r:id="rId14"/>
+    <p:sldId id="265" r:id="rId15"/>
   </p:sldIdLst>
   <p:sldSz cx="12192000" cy="6858000"/>
   <p:notesSz cx="6858000" cy="9144000"/>
@@ -125,14 +132,358 @@
 <p1510:revInfo xmlns:a="http://schemas.openxmlformats.org/drawingml/2006/main" xmlns:r="http://schemas.openxmlformats.org/officeDocument/2006/relationships" xmlns:p1510="http://schemas.microsoft.com/office/powerpoint/2015/10/main"/>
 </file>
 
-<file path=ppt/slideLayouts/slideLayout1.xml><?xml version="1.0" encoding="utf-8"?>
-<p:sldLayout xmlns:a="http://schemas.openxmlformats.org/drawingml/2006/main" xmlns:r="http://schemas.openxmlformats.org/officeDocument/2006/relationships" xmlns:p="http://schemas.openxmlformats.org/presentationml/2006/main" showMasterSp="0" type="title" preserve="1">
-  <p:cSld name="Titelfolie">
+<file path=ppt/notesMasters/notesMaster1.xml><?xml version="1.0" encoding="utf-8"?>
+<p:notesMaster xmlns:a="http://schemas.openxmlformats.org/drawingml/2006/main" xmlns:r="http://schemas.openxmlformats.org/officeDocument/2006/relationships" xmlns:p="http://schemas.openxmlformats.org/presentationml/2006/main">
+  <p:cSld>
     <p:bg>
-      <p:bgRef idx="1002">
-        <a:schemeClr val="bg2"/>
+      <p:bgRef idx="1001">
+        <a:schemeClr val="bg1"/>
       </p:bgRef>
     </p:bg>
+    <p:spTree>
+      <p:nvGrpSpPr>
+        <p:cNvPr id="1" name=""/>
+        <p:cNvGrpSpPr/>
+        <p:nvPr/>
+      </p:nvGrpSpPr>
+      <p:grpSpPr>
+        <a:xfrm>
+          <a:off x="0" y="0"/>
+          <a:ext cx="0" cy="0"/>
+          <a:chOff x="0" y="0"/>
+          <a:chExt cx="0" cy="0"/>
+        </a:xfrm>
+      </p:grpSpPr>
+      <p:sp>
+        <p:nvSpPr>
+          <p:cNvPr id="2" name="Kopfzeilenplatzhalter 1"/>
+          <p:cNvSpPr>
+            <a:spLocks noGrp="1"/>
+          </p:cNvSpPr>
+          <p:nvPr>
+            <p:ph type="hdr" sz="quarter"/>
+          </p:nvPr>
+        </p:nvSpPr>
+        <p:spPr>
+          <a:xfrm>
+            <a:off x="0" y="0"/>
+            <a:ext cx="2971800" cy="458788"/>
+          </a:xfrm>
+          <a:prstGeom prst="rect">
+            <a:avLst/>
+          </a:prstGeom>
+        </p:spPr>
+        <p:txBody>
+          <a:bodyPr vert="horz" lIns="91440" tIns="45720" rIns="91440" bIns="45720" rtlCol="0"/>
+          <a:lstStyle>
+            <a:lvl1pPr algn="l">
+              <a:defRPr sz="1200"/>
+            </a:lvl1pPr>
+          </a:lstStyle>
+          <a:p>
+            <a:endParaRPr lang="de-DE"/>
+          </a:p>
+        </p:txBody>
+      </p:sp>
+      <p:sp>
+        <p:nvSpPr>
+          <p:cNvPr id="3" name="Datumsplatzhalter 2"/>
+          <p:cNvSpPr>
+            <a:spLocks noGrp="1"/>
+          </p:cNvSpPr>
+          <p:nvPr>
+            <p:ph type="dt" idx="1"/>
+          </p:nvPr>
+        </p:nvSpPr>
+        <p:spPr>
+          <a:xfrm>
+            <a:off x="3884613" y="0"/>
+            <a:ext cx="2971800" cy="458788"/>
+          </a:xfrm>
+          <a:prstGeom prst="rect">
+            <a:avLst/>
+          </a:prstGeom>
+        </p:spPr>
+        <p:txBody>
+          <a:bodyPr vert="horz" lIns="91440" tIns="45720" rIns="91440" bIns="45720" rtlCol="0"/>
+          <a:lstStyle>
+            <a:lvl1pPr algn="r">
+              <a:defRPr sz="1200"/>
+            </a:lvl1pPr>
+          </a:lstStyle>
+          <a:p>
+            <a:fld id="{4419344C-8811-43E3-9A5B-428CC8ADF65A}" type="datetimeFigureOut">
+              <a:rPr lang="de-DE" smtClean="0"/>
+              <a:t>29.01.2018</a:t>
+            </a:fld>
+            <a:endParaRPr lang="de-DE"/>
+          </a:p>
+        </p:txBody>
+      </p:sp>
+      <p:sp>
+        <p:nvSpPr>
+          <p:cNvPr id="4" name="Folienbildplatzhalter 3"/>
+          <p:cNvSpPr>
+            <a:spLocks noGrp="1" noRot="1" noChangeAspect="1"/>
+          </p:cNvSpPr>
+          <p:nvPr>
+            <p:ph type="sldImg" idx="2"/>
+          </p:nvPr>
+        </p:nvSpPr>
+        <p:spPr>
+          <a:xfrm>
+            <a:off x="685800" y="1143000"/>
+            <a:ext cx="5486400" cy="3086100"/>
+          </a:xfrm>
+          <a:prstGeom prst="rect">
+            <a:avLst/>
+          </a:prstGeom>
+          <a:noFill/>
+          <a:ln w="12700">
+            <a:solidFill>
+              <a:prstClr val="black"/>
+            </a:solidFill>
+          </a:ln>
+        </p:spPr>
+        <p:txBody>
+          <a:bodyPr vert="horz" lIns="91440" tIns="45720" rIns="91440" bIns="45720" rtlCol="0" anchor="ctr"/>
+          <a:lstStyle/>
+          <a:p>
+            <a:endParaRPr lang="de-DE"/>
+          </a:p>
+        </p:txBody>
+      </p:sp>
+      <p:sp>
+        <p:nvSpPr>
+          <p:cNvPr id="5" name="Notizenplatzhalter 4"/>
+          <p:cNvSpPr>
+            <a:spLocks noGrp="1"/>
+          </p:cNvSpPr>
+          <p:nvPr>
+            <p:ph type="body" sz="quarter" idx="3"/>
+          </p:nvPr>
+        </p:nvSpPr>
+        <p:spPr>
+          <a:xfrm>
+            <a:off x="685800" y="4400550"/>
+            <a:ext cx="5486400" cy="3600450"/>
+          </a:xfrm>
+          <a:prstGeom prst="rect">
+            <a:avLst/>
+          </a:prstGeom>
+        </p:spPr>
+        <p:txBody>
+          <a:bodyPr vert="horz" lIns="91440" tIns="45720" rIns="91440" bIns="45720" rtlCol="0"/>
+          <a:lstStyle/>
+          <a:p>
+            <a:pPr lvl="0"/>
+            <a:r>
+              <a:rPr lang="de-DE"/>
+              <a:t>Mastertextformat bearbeiten</a:t>
+            </a:r>
+          </a:p>
+          <a:p>
+            <a:pPr lvl="1"/>
+            <a:r>
+              <a:rPr lang="de-DE"/>
+              <a:t>Zweite Ebene</a:t>
+            </a:r>
+          </a:p>
+          <a:p>
+            <a:pPr lvl="2"/>
+            <a:r>
+              <a:rPr lang="de-DE"/>
+              <a:t>Dritte Ebene</a:t>
+            </a:r>
+          </a:p>
+          <a:p>
+            <a:pPr lvl="3"/>
+            <a:r>
+              <a:rPr lang="de-DE"/>
+              <a:t>Vierte Ebene</a:t>
+            </a:r>
+          </a:p>
+          <a:p>
+            <a:pPr lvl="4"/>
+            <a:r>
+              <a:rPr lang="de-DE"/>
+              <a:t>Fünfte Ebene</a:t>
+            </a:r>
+          </a:p>
+        </p:txBody>
+      </p:sp>
+      <p:sp>
+        <p:nvSpPr>
+          <p:cNvPr id="6" name="Fußzeilenplatzhalter 5"/>
+          <p:cNvSpPr>
+            <a:spLocks noGrp="1"/>
+          </p:cNvSpPr>
+          <p:nvPr>
+            <p:ph type="ftr" sz="quarter" idx="4"/>
+          </p:nvPr>
+        </p:nvSpPr>
+        <p:spPr>
+          <a:xfrm>
+            <a:off x="0" y="8685213"/>
+            <a:ext cx="2971800" cy="458787"/>
+          </a:xfrm>
+          <a:prstGeom prst="rect">
+            <a:avLst/>
+          </a:prstGeom>
+        </p:spPr>
+        <p:txBody>
+          <a:bodyPr vert="horz" lIns="91440" tIns="45720" rIns="91440" bIns="45720" rtlCol="0" anchor="b"/>
+          <a:lstStyle>
+            <a:lvl1pPr algn="l">
+              <a:defRPr sz="1200"/>
+            </a:lvl1pPr>
+          </a:lstStyle>
+          <a:p>
+            <a:endParaRPr lang="de-DE"/>
+          </a:p>
+        </p:txBody>
+      </p:sp>
+      <p:sp>
+        <p:nvSpPr>
+          <p:cNvPr id="7" name="Foliennummernplatzhalter 6"/>
+          <p:cNvSpPr>
+            <a:spLocks noGrp="1"/>
+          </p:cNvSpPr>
+          <p:nvPr>
+            <p:ph type="sldNum" sz="quarter" idx="5"/>
+          </p:nvPr>
+        </p:nvSpPr>
+        <p:spPr>
+          <a:xfrm>
+            <a:off x="3884613" y="8685213"/>
+            <a:ext cx="2971800" cy="458787"/>
+          </a:xfrm>
+          <a:prstGeom prst="rect">
+            <a:avLst/>
+          </a:prstGeom>
+        </p:spPr>
+        <p:txBody>
+          <a:bodyPr vert="horz" lIns="91440" tIns="45720" rIns="91440" bIns="45720" rtlCol="0" anchor="b"/>
+          <a:lstStyle>
+            <a:lvl1pPr algn="r">
+              <a:defRPr sz="1200"/>
+            </a:lvl1pPr>
+          </a:lstStyle>
+          <a:p>
+            <a:fld id="{2F2AB95B-6D2E-4D99-830E-CEBFAC3FD266}" type="slidenum">
+              <a:rPr lang="de-DE" smtClean="0"/>
+              <a:t>‹Nr.›</a:t>
+            </a:fld>
+            <a:endParaRPr lang="de-DE"/>
+          </a:p>
+        </p:txBody>
+      </p:sp>
+    </p:spTree>
+    <p:extLst>
+      <p:ext uri="{BB962C8B-B14F-4D97-AF65-F5344CB8AC3E}">
+        <p14:creationId xmlns:p14="http://schemas.microsoft.com/office/powerpoint/2010/main" val="2965007497"/>
+      </p:ext>
+    </p:extLst>
+  </p:cSld>
+  <p:clrMap bg1="lt1" tx1="dk1" bg2="lt2" tx2="dk2" accent1="accent1" accent2="accent2" accent3="accent3" accent4="accent4" accent5="accent5" accent6="accent6" hlink="hlink" folHlink="folHlink"/>
+  <p:notesStyle>
+    <a:lvl1pPr marL="0" algn="l" defTabSz="914400" rtl="0" eaLnBrk="1" latinLnBrk="0" hangingPunct="1">
+      <a:defRPr sz="1200" kern="1200">
+        <a:solidFill>
+          <a:schemeClr val="tx1"/>
+        </a:solidFill>
+        <a:latin typeface="+mn-lt"/>
+        <a:ea typeface="+mn-ea"/>
+        <a:cs typeface="+mn-cs"/>
+      </a:defRPr>
+    </a:lvl1pPr>
+    <a:lvl2pPr marL="457200" algn="l" defTabSz="914400" rtl="0" eaLnBrk="1" latinLnBrk="0" hangingPunct="1">
+      <a:defRPr sz="1200" kern="1200">
+        <a:solidFill>
+          <a:schemeClr val="tx1"/>
+        </a:solidFill>
+        <a:latin typeface="+mn-lt"/>
+        <a:ea typeface="+mn-ea"/>
+        <a:cs typeface="+mn-cs"/>
+      </a:defRPr>
+    </a:lvl2pPr>
+    <a:lvl3pPr marL="914400" algn="l" defTabSz="914400" rtl="0" eaLnBrk="1" latinLnBrk="0" hangingPunct="1">
+      <a:defRPr sz="1200" kern="1200">
+        <a:solidFill>
+          <a:schemeClr val="tx1"/>
+        </a:solidFill>
+        <a:latin typeface="+mn-lt"/>
+        <a:ea typeface="+mn-ea"/>
+        <a:cs typeface="+mn-cs"/>
+      </a:defRPr>
+    </a:lvl3pPr>
+    <a:lvl4pPr marL="1371600" algn="l" defTabSz="914400" rtl="0" eaLnBrk="1" latinLnBrk="0" hangingPunct="1">
+      <a:defRPr sz="1200" kern="1200">
+        <a:solidFill>
+          <a:schemeClr val="tx1"/>
+        </a:solidFill>
+        <a:latin typeface="+mn-lt"/>
+        <a:ea typeface="+mn-ea"/>
+        <a:cs typeface="+mn-cs"/>
+      </a:defRPr>
+    </a:lvl4pPr>
+    <a:lvl5pPr marL="1828800" algn="l" defTabSz="914400" rtl="0" eaLnBrk="1" latinLnBrk="0" hangingPunct="1">
+      <a:defRPr sz="1200" kern="1200">
+        <a:solidFill>
+          <a:schemeClr val="tx1"/>
+        </a:solidFill>
+        <a:latin typeface="+mn-lt"/>
+        <a:ea typeface="+mn-ea"/>
+        <a:cs typeface="+mn-cs"/>
+      </a:defRPr>
+    </a:lvl5pPr>
+    <a:lvl6pPr marL="2286000" algn="l" defTabSz="914400" rtl="0" eaLnBrk="1" latinLnBrk="0" hangingPunct="1">
+      <a:defRPr sz="1200" kern="1200">
+        <a:solidFill>
+          <a:schemeClr val="tx1"/>
+        </a:solidFill>
+        <a:latin typeface="+mn-lt"/>
+        <a:ea typeface="+mn-ea"/>
+        <a:cs typeface="+mn-cs"/>
+      </a:defRPr>
+    </a:lvl6pPr>
+    <a:lvl7pPr marL="2743200" algn="l" defTabSz="914400" rtl="0" eaLnBrk="1" latinLnBrk="0" hangingPunct="1">
+      <a:defRPr sz="1200" kern="1200">
+        <a:solidFill>
+          <a:schemeClr val="tx1"/>
+        </a:solidFill>
+        <a:latin typeface="+mn-lt"/>
+        <a:ea typeface="+mn-ea"/>
+        <a:cs typeface="+mn-cs"/>
+      </a:defRPr>
+    </a:lvl7pPr>
+    <a:lvl8pPr marL="3200400" algn="l" defTabSz="914400" rtl="0" eaLnBrk="1" latinLnBrk="0" hangingPunct="1">
+      <a:defRPr sz="1200" kern="1200">
+        <a:solidFill>
+          <a:schemeClr val="tx1"/>
+        </a:solidFill>
+        <a:latin typeface="+mn-lt"/>
+        <a:ea typeface="+mn-ea"/>
+        <a:cs typeface="+mn-cs"/>
+      </a:defRPr>
+    </a:lvl8pPr>
+    <a:lvl9pPr marL="3657600" algn="l" defTabSz="914400" rtl="0" eaLnBrk="1" latinLnBrk="0" hangingPunct="1">
+      <a:defRPr sz="1200" kern="1200">
+        <a:solidFill>
+          <a:schemeClr val="tx1"/>
+        </a:solidFill>
+        <a:latin typeface="+mn-lt"/>
+        <a:ea typeface="+mn-ea"/>
+        <a:cs typeface="+mn-cs"/>
+      </a:defRPr>
+    </a:lvl9pPr>
+  </p:notesStyle>
+</p:notesMaster>
+</file>
+
+<file path=ppt/slideLayouts/slideLayout1.xml><?xml version="1.0" encoding="utf-8"?>
+<p:sldLayout xmlns:a="http://schemas.openxmlformats.org/drawingml/2006/main" xmlns:r="http://schemas.openxmlformats.org/officeDocument/2006/relationships" xmlns:p="http://schemas.openxmlformats.org/presentationml/2006/main" type="title" preserve="1">
+  <p:cSld name="Titelfolie">
     <p:spTree>
       <p:nvGrpSpPr>
         <p:cNvPr id="1" name=""/>
@@ -369,11 +720,10 @@
           <a:bodyPr/>
           <a:lstStyle/>
           <a:p>
-            <a:fld id="{BDC69D26-2189-4A5C-AF99-9B07F8E2AF36}" type="datetimeFigureOut">
-              <a:rPr lang="de-DE" smtClean="0"/>
-              <a:t>28.01.2018</a:t>
-            </a:fld>
-            <a:endParaRPr lang="de-DE"/>
+            <a:r>
+              <a:rPr lang="de-DE"/>
+              <a:t>30.01.2018</a:t>
+            </a:r>
           </a:p>
         </p:txBody>
       </p:sp>
@@ -392,7 +742,10 @@
           <a:bodyPr/>
           <a:lstStyle/>
           <a:p>
-            <a:endParaRPr lang="de-DE"/>
+            <a:r>
+              <a:rPr lang="de-DE"/>
+              <a:t>Sebastian Mischke</a:t>
+            </a:r>
           </a:p>
         </p:txBody>
       </p:sp>
@@ -591,11 +944,10 @@
           <a:bodyPr/>
           <a:lstStyle/>
           <a:p>
-            <a:fld id="{BDC69D26-2189-4A5C-AF99-9B07F8E2AF36}" type="datetimeFigureOut">
-              <a:rPr lang="de-DE" smtClean="0"/>
-              <a:t>28.01.2018</a:t>
-            </a:fld>
-            <a:endParaRPr lang="de-DE"/>
+            <a:r>
+              <a:rPr lang="de-DE"/>
+              <a:t>30.01.2018</a:t>
+            </a:r>
           </a:p>
         </p:txBody>
       </p:sp>
@@ -614,7 +966,10 @@
           <a:bodyPr/>
           <a:lstStyle/>
           <a:p>
-            <a:endParaRPr lang="de-DE"/>
+            <a:r>
+              <a:rPr lang="de-DE"/>
+              <a:t>Sebastian Mischke</a:t>
+            </a:r>
           </a:p>
         </p:txBody>
       </p:sp>
@@ -655,7 +1010,7 @@
 </file>
 
 <file path=ppt/slideLayouts/slideLayout11.xml><?xml version="1.0" encoding="utf-8"?>
-<p:sldLayout xmlns:a="http://schemas.openxmlformats.org/drawingml/2006/main" xmlns:r="http://schemas.openxmlformats.org/officeDocument/2006/relationships" xmlns:p="http://schemas.openxmlformats.org/presentationml/2006/main" showMasterSp="0" type="vertTitleAndTx" preserve="1">
+<p:sldLayout xmlns:a="http://schemas.openxmlformats.org/drawingml/2006/main" xmlns:r="http://schemas.openxmlformats.org/officeDocument/2006/relationships" xmlns:p="http://schemas.openxmlformats.org/presentationml/2006/main" type="vertTitleAndTx" preserve="1">
   <p:cSld name="Vertikaler Titel und Text">
     <p:spTree>
       <p:nvGrpSpPr>
@@ -868,11 +1223,10 @@
           <a:bodyPr/>
           <a:lstStyle/>
           <a:p>
-            <a:fld id="{BDC69D26-2189-4A5C-AF99-9B07F8E2AF36}" type="datetimeFigureOut">
-              <a:rPr lang="de-DE" smtClean="0"/>
-              <a:t>28.01.2018</a:t>
-            </a:fld>
-            <a:endParaRPr lang="de-DE"/>
+            <a:r>
+              <a:rPr lang="de-DE"/>
+              <a:t>30.01.2018</a:t>
+            </a:r>
           </a:p>
         </p:txBody>
       </p:sp>
@@ -896,7 +1250,10 @@
           <a:bodyPr/>
           <a:lstStyle/>
           <a:p>
-            <a:endParaRPr lang="de-DE"/>
+            <a:r>
+              <a:rPr lang="de-DE"/>
+              <a:t>Sebastian Mischke</a:t>
+            </a:r>
           </a:p>
         </p:txBody>
       </p:sp>
@@ -966,7 +1323,7 @@
         <p:spPr>
           <a:xfrm>
             <a:off x="609600" y="155448"/>
-            <a:ext cx="10972800" cy="1252728"/>
+            <a:ext cx="7862277" cy="1252728"/>
           </a:xfrm>
         </p:spPr>
         <p:txBody>
@@ -1033,9 +1390,51 @@
           </a:p>
         </p:txBody>
       </p:sp>
-      <p:sp>
-        <p:nvSpPr>
-          <p:cNvPr id="4" name="Datumsplatzhalter 3"/>
+      <p:pic>
+        <p:nvPicPr>
+          <p:cNvPr id="7" name="Grafik 6">
+            <a:extLst>
+              <a:ext uri="{FF2B5EF4-FFF2-40B4-BE49-F238E27FC236}">
+                <a16:creationId xmlns:a16="http://schemas.microsoft.com/office/drawing/2014/main" id="{AB1FAF6A-C1E8-47A4-BBF6-E3C0F5808226}"/>
+              </a:ext>
+            </a:extLst>
+          </p:cNvPr>
+          <p:cNvPicPr>
+            <a:picLocks noChangeAspect="1"/>
+          </p:cNvPicPr>
+          <p:nvPr userDrawn="1"/>
+        </p:nvPicPr>
+        <p:blipFill>
+          <a:blip r:embed="rId2" cstate="print">
+            <a:extLst>
+              <a:ext uri="{28A0092B-C50C-407E-A947-70E740481C1C}">
+                <a14:useLocalDpi xmlns:a14="http://schemas.microsoft.com/office/drawing/2010/main" val="0"/>
+              </a:ext>
+            </a:extLst>
+          </a:blip>
+          <a:stretch>
+            <a:fillRect/>
+          </a:stretch>
+        </p:blipFill>
+        <p:spPr>
+          <a:xfrm>
+            <a:off x="8471877" y="469204"/>
+            <a:ext cx="3110523" cy="625215"/>
+          </a:xfrm>
+          <a:prstGeom prst="rect">
+            <a:avLst/>
+          </a:prstGeom>
+        </p:spPr>
+      </p:pic>
+      <p:sp>
+        <p:nvSpPr>
+          <p:cNvPr id="8" name="Datumsplatzhalter 7">
+            <a:extLst>
+              <a:ext uri="{FF2B5EF4-FFF2-40B4-BE49-F238E27FC236}">
+                <a16:creationId xmlns:a16="http://schemas.microsoft.com/office/drawing/2014/main" id="{F537FA45-279E-410D-B991-D53056BD9935}"/>
+              </a:ext>
+            </a:extLst>
+          </p:cNvPr>
           <p:cNvSpPr>
             <a:spLocks noGrp="1"/>
           </p:cNvSpPr>
@@ -1048,17 +1447,23 @@
           <a:bodyPr/>
           <a:lstStyle/>
           <a:p>
-            <a:fld id="{BDC69D26-2189-4A5C-AF99-9B07F8E2AF36}" type="datetimeFigureOut">
-              <a:rPr lang="de-DE" smtClean="0"/>
-              <a:t>28.01.2018</a:t>
-            </a:fld>
-            <a:endParaRPr lang="de-DE"/>
-          </a:p>
-        </p:txBody>
-      </p:sp>
-      <p:sp>
-        <p:nvSpPr>
-          <p:cNvPr id="5" name="Fußzeilenplatzhalter 4"/>
+            <a:r>
+              <a:rPr lang="de-DE"/>
+              <a:t>30.01.2018</a:t>
+            </a:r>
+            <a:endParaRPr lang="de-DE" dirty="0"/>
+          </a:p>
+        </p:txBody>
+      </p:sp>
+      <p:sp>
+        <p:nvSpPr>
+          <p:cNvPr id="9" name="Fußzeilenplatzhalter 8">
+            <a:extLst>
+              <a:ext uri="{FF2B5EF4-FFF2-40B4-BE49-F238E27FC236}">
+                <a16:creationId xmlns:a16="http://schemas.microsoft.com/office/drawing/2014/main" id="{A7A1DE99-2947-4A74-80F3-6E861DC0CABB}"/>
+              </a:ext>
+            </a:extLst>
+          </p:cNvPr>
           <p:cNvSpPr>
             <a:spLocks noGrp="1"/>
           </p:cNvSpPr>
@@ -1071,13 +1476,23 @@
           <a:bodyPr/>
           <a:lstStyle/>
           <a:p>
-            <a:endParaRPr lang="de-DE"/>
-          </a:p>
-        </p:txBody>
-      </p:sp>
-      <p:sp>
-        <p:nvSpPr>
-          <p:cNvPr id="6" name="Foliennummernplatzhalter 5"/>
+            <a:r>
+              <a:rPr lang="de-DE"/>
+              <a:t>Sebastian Mischke</a:t>
+            </a:r>
+            <a:endParaRPr lang="de-DE" dirty="0"/>
+          </a:p>
+        </p:txBody>
+      </p:sp>
+      <p:sp>
+        <p:nvSpPr>
+          <p:cNvPr id="10" name="Foliennummernplatzhalter 9">
+            <a:extLst>
+              <a:ext uri="{FF2B5EF4-FFF2-40B4-BE49-F238E27FC236}">
+                <a16:creationId xmlns:a16="http://schemas.microsoft.com/office/drawing/2014/main" id="{842C020A-2991-450F-98D0-DE6359A210B5}"/>
+              </a:ext>
+            </a:extLst>
+          </p:cNvPr>
           <p:cNvSpPr>
             <a:spLocks noGrp="1"/>
           </p:cNvSpPr>
@@ -1112,13 +1527,8 @@
 </file>
 
 <file path=ppt/slideLayouts/slideLayout3.xml><?xml version="1.0" encoding="utf-8"?>
-<p:sldLayout xmlns:a="http://schemas.openxmlformats.org/drawingml/2006/main" xmlns:r="http://schemas.openxmlformats.org/officeDocument/2006/relationships" xmlns:p="http://schemas.openxmlformats.org/presentationml/2006/main" showMasterSp="0" type="secHead" preserve="1">
+<p:sldLayout xmlns:a="http://schemas.openxmlformats.org/drawingml/2006/main" xmlns:r="http://schemas.openxmlformats.org/officeDocument/2006/relationships" xmlns:p="http://schemas.openxmlformats.org/presentationml/2006/main" type="secHead" preserve="1">
   <p:cSld name="Abschnitts-&#10;überschrift">
-    <p:bg>
-      <p:bgRef idx="1002">
-        <a:schemeClr val="bg2"/>
-      </p:bgRef>
-    </p:bg>
     <p:spTree>
       <p:nvGrpSpPr>
         <p:cNvPr id="1" name=""/>
@@ -1407,11 +1817,10 @@
           <a:bodyPr/>
           <a:lstStyle/>
           <a:p>
-            <a:fld id="{BDC69D26-2189-4A5C-AF99-9B07F8E2AF36}" type="datetimeFigureOut">
-              <a:rPr lang="de-DE" smtClean="0"/>
-              <a:t>28.01.2018</a:t>
-            </a:fld>
-            <a:endParaRPr lang="de-DE"/>
+            <a:r>
+              <a:rPr lang="de-DE"/>
+              <a:t>30.01.2018</a:t>
+            </a:r>
           </a:p>
         </p:txBody>
       </p:sp>
@@ -1430,7 +1839,10 @@
           <a:bodyPr/>
           <a:lstStyle/>
           <a:p>
-            <a:endParaRPr lang="de-DE"/>
+            <a:r>
+              <a:rPr lang="de-DE"/>
+              <a:t>Sebastian Mischke</a:t>
+            </a:r>
           </a:p>
         </p:txBody>
       </p:sp>
@@ -1697,11 +2109,10 @@
           <a:bodyPr/>
           <a:lstStyle/>
           <a:p>
-            <a:fld id="{BDC69D26-2189-4A5C-AF99-9B07F8E2AF36}" type="datetimeFigureOut">
-              <a:rPr lang="de-DE" smtClean="0"/>
-              <a:t>28.01.2018</a:t>
-            </a:fld>
-            <a:endParaRPr lang="de-DE"/>
+            <a:r>
+              <a:rPr lang="de-DE"/>
+              <a:t>30.01.2018</a:t>
+            </a:r>
           </a:p>
         </p:txBody>
       </p:sp>
@@ -1720,7 +2131,10 @@
           <a:bodyPr/>
           <a:lstStyle/>
           <a:p>
-            <a:endParaRPr lang="de-DE"/>
+            <a:r>
+              <a:rPr lang="de-DE"/>
+              <a:t>Sebastian Mischke</a:t>
+            </a:r>
           </a:p>
         </p:txBody>
       </p:sp>
@@ -2124,11 +2538,10 @@
           <a:bodyPr/>
           <a:lstStyle/>
           <a:p>
-            <a:fld id="{BDC69D26-2189-4A5C-AF99-9B07F8E2AF36}" type="datetimeFigureOut">
-              <a:rPr lang="de-DE" smtClean="0"/>
-              <a:t>28.01.2018</a:t>
-            </a:fld>
-            <a:endParaRPr lang="de-DE"/>
+            <a:r>
+              <a:rPr lang="de-DE"/>
+              <a:t>30.01.2018</a:t>
+            </a:r>
           </a:p>
         </p:txBody>
       </p:sp>
@@ -2147,7 +2560,10 @@
           <a:bodyPr/>
           <a:lstStyle/>
           <a:p>
-            <a:endParaRPr lang="de-DE"/>
+            <a:r>
+              <a:rPr lang="de-DE"/>
+              <a:t>Sebastian Mischke</a:t>
+            </a:r>
           </a:p>
         </p:txBody>
       </p:sp>
@@ -2242,11 +2658,10 @@
           <a:bodyPr/>
           <a:lstStyle/>
           <a:p>
-            <a:fld id="{BDC69D26-2189-4A5C-AF99-9B07F8E2AF36}" type="datetimeFigureOut">
-              <a:rPr lang="de-DE" smtClean="0"/>
-              <a:t>28.01.2018</a:t>
-            </a:fld>
-            <a:endParaRPr lang="de-DE"/>
+            <a:r>
+              <a:rPr lang="de-DE"/>
+              <a:t>30.01.2018</a:t>
+            </a:r>
           </a:p>
         </p:txBody>
       </p:sp>
@@ -2265,7 +2680,10 @@
           <a:bodyPr/>
           <a:lstStyle/>
           <a:p>
-            <a:endParaRPr lang="de-DE"/>
+            <a:r>
+              <a:rPr lang="de-DE"/>
+              <a:t>Sebastian Mischke</a:t>
+            </a:r>
           </a:p>
         </p:txBody>
       </p:sp>
@@ -2306,7 +2724,7 @@
 </file>
 
 <file path=ppt/slideLayouts/slideLayout7.xml><?xml version="1.0" encoding="utf-8"?>
-<p:sldLayout xmlns:a="http://schemas.openxmlformats.org/drawingml/2006/main" xmlns:r="http://schemas.openxmlformats.org/officeDocument/2006/relationships" xmlns:p="http://schemas.openxmlformats.org/presentationml/2006/main" showMasterSp="0" type="blank" preserve="1">
+<p:sldLayout xmlns:a="http://schemas.openxmlformats.org/drawingml/2006/main" xmlns:r="http://schemas.openxmlformats.org/officeDocument/2006/relationships" xmlns:p="http://schemas.openxmlformats.org/presentationml/2006/main" type="blank" preserve="1">
   <p:cSld name="Leer">
     <p:spTree>
       <p:nvGrpSpPr>
@@ -2337,11 +2755,10 @@
           <a:bodyPr/>
           <a:lstStyle/>
           <a:p>
-            <a:fld id="{BDC69D26-2189-4A5C-AF99-9B07F8E2AF36}" type="datetimeFigureOut">
-              <a:rPr lang="de-DE" smtClean="0"/>
-              <a:t>28.01.2018</a:t>
-            </a:fld>
-            <a:endParaRPr lang="de-DE"/>
+            <a:r>
+              <a:rPr lang="de-DE"/>
+              <a:t>30.01.2018</a:t>
+            </a:r>
           </a:p>
         </p:txBody>
       </p:sp>
@@ -2360,7 +2777,10 @@
           <a:bodyPr/>
           <a:lstStyle/>
           <a:p>
-            <a:endParaRPr lang="de-DE"/>
+            <a:r>
+              <a:rPr lang="de-DE"/>
+              <a:t>Sebastian Mischke</a:t>
+            </a:r>
           </a:p>
         </p:txBody>
       </p:sp>
@@ -2620,11 +3040,10 @@
           <a:bodyPr/>
           <a:lstStyle/>
           <a:p>
-            <a:fld id="{BDC69D26-2189-4A5C-AF99-9B07F8E2AF36}" type="datetimeFigureOut">
-              <a:rPr lang="de-DE" smtClean="0"/>
-              <a:t>28.01.2018</a:t>
-            </a:fld>
-            <a:endParaRPr lang="de-DE"/>
+            <a:r>
+              <a:rPr lang="de-DE"/>
+              <a:t>30.01.2018</a:t>
+            </a:r>
           </a:p>
         </p:txBody>
       </p:sp>
@@ -2643,7 +3062,10 @@
           <a:bodyPr/>
           <a:lstStyle/>
           <a:p>
-            <a:endParaRPr lang="de-DE"/>
+            <a:r>
+              <a:rPr lang="de-DE"/>
+              <a:t>Sebastian Mischke</a:t>
+            </a:r>
           </a:p>
         </p:txBody>
       </p:sp>
@@ -2776,11 +3198,6 @@
 <file path=ppt/slideLayouts/slideLayout9.xml><?xml version="1.0" encoding="utf-8"?>
 <p:sldLayout xmlns:a="http://schemas.openxmlformats.org/drawingml/2006/main" xmlns:r="http://schemas.openxmlformats.org/officeDocument/2006/relationships" xmlns:p="http://schemas.openxmlformats.org/presentationml/2006/main" type="picTx" preserve="1">
   <p:cSld name="Bild mit Überschrift">
-    <p:bg>
-      <p:bgRef idx="1001">
-        <a:schemeClr val="bg2"/>
-      </p:bgRef>
-    </p:bg>
     <p:spTree>
       <p:nvGrpSpPr>
         <p:cNvPr id="1" name=""/>
@@ -2987,11 +3404,10 @@
           <a:bodyPr/>
           <a:lstStyle/>
           <a:p>
-            <a:fld id="{BDC69D26-2189-4A5C-AF99-9B07F8E2AF36}" type="datetimeFigureOut">
-              <a:rPr lang="de-DE" smtClean="0"/>
-              <a:t>28.01.2018</a:t>
-            </a:fld>
-            <a:endParaRPr lang="de-DE"/>
+            <a:r>
+              <a:rPr lang="de-DE"/>
+              <a:t>30.01.2018</a:t>
+            </a:r>
           </a:p>
         </p:txBody>
       </p:sp>
@@ -3115,7 +3531,10 @@
             </a:lvl1pPr>
           </a:lstStyle>
           <a:p>
-            <a:endParaRPr lang="de-DE"/>
+            <a:r>
+              <a:rPr lang="de-DE"/>
+              <a:t>Sebastian Mischke</a:t>
+            </a:r>
           </a:p>
         </p:txBody>
       </p:sp>
@@ -3417,11 +3836,11 @@
             <a:extLst/>
           </a:lstStyle>
           <a:p>
-            <a:fld id="{BDC69D26-2189-4A5C-AF99-9B07F8E2AF36}" type="datetimeFigureOut">
-              <a:rPr lang="de-DE" smtClean="0"/>
-              <a:t>28.01.2018</a:t>
-            </a:fld>
-            <a:endParaRPr lang="de-DE"/>
+            <a:r>
+              <a:rPr lang="de-DE"/>
+              <a:t>30.01.2018</a:t>
+            </a:r>
+            <a:endParaRPr lang="de-DE" dirty="0"/>
           </a:p>
         </p:txBody>
       </p:sp>
@@ -3459,7 +3878,11 @@
             <a:extLst/>
           </a:lstStyle>
           <a:p>
-            <a:endParaRPr lang="de-DE"/>
+            <a:r>
+              <a:rPr lang="de-DE"/>
+              <a:t>Sebastian Mischke</a:t>
+            </a:r>
+            <a:endParaRPr lang="de-DE" dirty="0"/>
           </a:p>
         </p:txBody>
       </p:sp>
@@ -3526,6 +3949,7 @@
     <p:sldLayoutId id="2147483730" r:id="rId10"/>
     <p:sldLayoutId id="2147483731" r:id="rId11"/>
   </p:sldLayoutIdLst>
+  <p:hf hdr="0"/>
   <p:txStyles>
     <p:titleStyle>
       <a:lvl1pPr algn="l" rtl="0" eaLnBrk="1" latinLnBrk="0" hangingPunct="1">
@@ -4064,6 +4488,722 @@
           <p:cNvPr id="2" name="Titel 1">
             <a:extLst>
               <a:ext uri="{FF2B5EF4-FFF2-40B4-BE49-F238E27FC236}">
+                <a16:creationId xmlns:a16="http://schemas.microsoft.com/office/drawing/2014/main" id="{3940D7F2-22E7-41E3-A377-E2AA6D8273BA}"/>
+              </a:ext>
+            </a:extLst>
+          </p:cNvPr>
+          <p:cNvSpPr>
+            <a:spLocks noGrp="1"/>
+          </p:cNvSpPr>
+          <p:nvPr>
+            <p:ph type="title"/>
+          </p:nvPr>
+        </p:nvSpPr>
+        <p:spPr/>
+        <p:txBody>
+          <a:bodyPr/>
+          <a:lstStyle/>
+          <a:p>
+            <a:r>
+              <a:rPr lang="de-DE" dirty="0"/>
+              <a:t>Visualisierungen</a:t>
+            </a:r>
+          </a:p>
+        </p:txBody>
+      </p:sp>
+      <p:sp>
+        <p:nvSpPr>
+          <p:cNvPr id="3" name="Inhaltsplatzhalter 2">
+            <a:extLst>
+              <a:ext uri="{FF2B5EF4-FFF2-40B4-BE49-F238E27FC236}">
+                <a16:creationId xmlns:a16="http://schemas.microsoft.com/office/drawing/2014/main" id="{8A3FABC0-B46C-4C95-858D-1CCA74BAA2EE}"/>
+              </a:ext>
+            </a:extLst>
+          </p:cNvPr>
+          <p:cNvSpPr>
+            <a:spLocks noGrp="1"/>
+          </p:cNvSpPr>
+          <p:nvPr>
+            <p:ph idx="1"/>
+          </p:nvPr>
+        </p:nvSpPr>
+        <p:spPr/>
+        <p:txBody>
+          <a:bodyPr/>
+          <a:lstStyle/>
+          <a:p>
+            <a:r>
+              <a:rPr lang="de-DE" dirty="0"/>
+              <a:t>Ausgabe als Tabelle/CSV zusammen mit Eingabeadresse</a:t>
+            </a:r>
+          </a:p>
+          <a:p>
+            <a:r>
+              <a:rPr lang="de-DE" dirty="0"/>
+              <a:t>Auswahl an vorbereiteten Ergebnisvisualisierungen</a:t>
+            </a:r>
+          </a:p>
+          <a:p>
+            <a:pPr lvl="1"/>
+            <a:r>
+              <a:rPr lang="de-DE" dirty="0"/>
+              <a:t>Kastengrafik</a:t>
+            </a:r>
+          </a:p>
+          <a:p>
+            <a:pPr lvl="1"/>
+            <a:r>
+              <a:rPr lang="de-DE" dirty="0"/>
+              <a:t>2D-Karte mit Farbe als Ergebnis</a:t>
+            </a:r>
+          </a:p>
+          <a:p>
+            <a:pPr lvl="1"/>
+            <a:r>
+              <a:rPr lang="de-DE" dirty="0"/>
+              <a:t>2D-Karte mit Position der Punkte als Ergebnis</a:t>
+            </a:r>
+          </a:p>
+        </p:txBody>
+      </p:sp>
+      <p:sp>
+        <p:nvSpPr>
+          <p:cNvPr id="4" name="Datumsplatzhalter 3">
+            <a:extLst>
+              <a:ext uri="{FF2B5EF4-FFF2-40B4-BE49-F238E27FC236}">
+                <a16:creationId xmlns:a16="http://schemas.microsoft.com/office/drawing/2014/main" id="{401EB0A4-ED5C-4D6D-A7E7-75021E7C0894}"/>
+              </a:ext>
+            </a:extLst>
+          </p:cNvPr>
+          <p:cNvSpPr>
+            <a:spLocks noGrp="1"/>
+          </p:cNvSpPr>
+          <p:nvPr>
+            <p:ph type="dt" sz="half" idx="10"/>
+          </p:nvPr>
+        </p:nvSpPr>
+        <p:spPr/>
+        <p:txBody>
+          <a:bodyPr/>
+          <a:lstStyle/>
+          <a:p>
+            <a:r>
+              <a:rPr lang="de-DE"/>
+              <a:t>30.01.2018</a:t>
+            </a:r>
+            <a:endParaRPr lang="de-DE" dirty="0"/>
+          </a:p>
+        </p:txBody>
+      </p:sp>
+      <p:sp>
+        <p:nvSpPr>
+          <p:cNvPr id="5" name="Fußzeilenplatzhalter 4">
+            <a:extLst>
+              <a:ext uri="{FF2B5EF4-FFF2-40B4-BE49-F238E27FC236}">
+                <a16:creationId xmlns:a16="http://schemas.microsoft.com/office/drawing/2014/main" id="{4D4A5B9E-5003-4D84-BCBF-9356B5DEDC1B}"/>
+              </a:ext>
+            </a:extLst>
+          </p:cNvPr>
+          <p:cNvSpPr>
+            <a:spLocks noGrp="1"/>
+          </p:cNvSpPr>
+          <p:nvPr>
+            <p:ph type="ftr" sz="quarter" idx="11"/>
+          </p:nvPr>
+        </p:nvSpPr>
+        <p:spPr/>
+        <p:txBody>
+          <a:bodyPr/>
+          <a:lstStyle/>
+          <a:p>
+            <a:r>
+              <a:rPr lang="de-DE"/>
+              <a:t>Sebastian Mischke</a:t>
+            </a:r>
+            <a:endParaRPr lang="de-DE" dirty="0"/>
+          </a:p>
+        </p:txBody>
+      </p:sp>
+      <p:sp>
+        <p:nvSpPr>
+          <p:cNvPr id="6" name="Foliennummernplatzhalter 5">
+            <a:extLst>
+              <a:ext uri="{FF2B5EF4-FFF2-40B4-BE49-F238E27FC236}">
+                <a16:creationId xmlns:a16="http://schemas.microsoft.com/office/drawing/2014/main" id="{56A2739B-5FF0-4CFD-860E-B97989178048}"/>
+              </a:ext>
+            </a:extLst>
+          </p:cNvPr>
+          <p:cNvSpPr>
+            <a:spLocks noGrp="1"/>
+          </p:cNvSpPr>
+          <p:nvPr>
+            <p:ph type="sldNum" sz="quarter" idx="12"/>
+          </p:nvPr>
+        </p:nvSpPr>
+        <p:spPr/>
+        <p:txBody>
+          <a:bodyPr/>
+          <a:lstStyle/>
+          <a:p>
+            <a:fld id="{297EE791-5D67-423F-A450-B005FE0C9AAB}" type="slidenum">
+              <a:rPr lang="de-DE" smtClean="0"/>
+              <a:t>10</a:t>
+            </a:fld>
+            <a:endParaRPr lang="de-DE"/>
+          </a:p>
+        </p:txBody>
+      </p:sp>
+    </p:spTree>
+    <p:extLst>
+      <p:ext uri="{BB962C8B-B14F-4D97-AF65-F5344CB8AC3E}">
+        <p14:creationId xmlns:p14="http://schemas.microsoft.com/office/powerpoint/2010/main" val="140026916"/>
+      </p:ext>
+    </p:extLst>
+  </p:cSld>
+  <p:clrMapOvr>
+    <a:masterClrMapping/>
+  </p:clrMapOvr>
+</p:sld>
+</file>
+
+<file path=ppt/slides/slide11.xml><?xml version="1.0" encoding="utf-8"?>
+<p:sld xmlns:a="http://schemas.openxmlformats.org/drawingml/2006/main" xmlns:r="http://schemas.openxmlformats.org/officeDocument/2006/relationships" xmlns:p="http://schemas.openxmlformats.org/presentationml/2006/main">
+  <p:cSld>
+    <p:spTree>
+      <p:nvGrpSpPr>
+        <p:cNvPr id="1" name=""/>
+        <p:cNvGrpSpPr/>
+        <p:nvPr/>
+      </p:nvGrpSpPr>
+      <p:grpSpPr>
+        <a:xfrm>
+          <a:off x="0" y="0"/>
+          <a:ext cx="0" cy="0"/>
+          <a:chOff x="0" y="0"/>
+          <a:chExt cx="0" cy="0"/>
+        </a:xfrm>
+      </p:grpSpPr>
+      <p:sp>
+        <p:nvSpPr>
+          <p:cNvPr id="2" name="Titel 1">
+            <a:extLst>
+              <a:ext uri="{FF2B5EF4-FFF2-40B4-BE49-F238E27FC236}">
+                <a16:creationId xmlns:a16="http://schemas.microsoft.com/office/drawing/2014/main" id="{AC37F681-D593-4C5A-804C-DD5ECFFC0DE2}"/>
+              </a:ext>
+            </a:extLst>
+          </p:cNvPr>
+          <p:cNvSpPr>
+            <a:spLocks noGrp="1"/>
+          </p:cNvSpPr>
+          <p:nvPr>
+            <p:ph type="title"/>
+          </p:nvPr>
+        </p:nvSpPr>
+        <p:spPr/>
+        <p:txBody>
+          <a:bodyPr/>
+          <a:lstStyle/>
+          <a:p>
+            <a:r>
+              <a:rPr lang="de-DE" dirty="0"/>
+              <a:t>Evaluation</a:t>
+            </a:r>
+          </a:p>
+        </p:txBody>
+      </p:sp>
+      <p:sp>
+        <p:nvSpPr>
+          <p:cNvPr id="3" name="Inhaltsplatzhalter 2">
+            <a:extLst>
+              <a:ext uri="{FF2B5EF4-FFF2-40B4-BE49-F238E27FC236}">
+                <a16:creationId xmlns:a16="http://schemas.microsoft.com/office/drawing/2014/main" id="{486EE2B7-E9A7-4C56-8220-05CE400B7479}"/>
+              </a:ext>
+            </a:extLst>
+          </p:cNvPr>
+          <p:cNvSpPr>
+            <a:spLocks noGrp="1"/>
+          </p:cNvSpPr>
+          <p:nvPr>
+            <p:ph idx="1"/>
+          </p:nvPr>
+        </p:nvSpPr>
+        <p:spPr/>
+        <p:txBody>
+          <a:bodyPr/>
+          <a:lstStyle/>
+          <a:p>
+            <a:endParaRPr lang="de-DE" dirty="0"/>
+          </a:p>
+        </p:txBody>
+      </p:sp>
+      <p:sp>
+        <p:nvSpPr>
+          <p:cNvPr id="5" name="Datumsplatzhalter 4">
+            <a:extLst>
+              <a:ext uri="{FF2B5EF4-FFF2-40B4-BE49-F238E27FC236}">
+                <a16:creationId xmlns:a16="http://schemas.microsoft.com/office/drawing/2014/main" id="{15CEEA55-6788-4E7B-9BEC-22353F47EC19}"/>
+              </a:ext>
+            </a:extLst>
+          </p:cNvPr>
+          <p:cNvSpPr>
+            <a:spLocks noGrp="1"/>
+          </p:cNvSpPr>
+          <p:nvPr>
+            <p:ph type="dt" sz="half" idx="10"/>
+          </p:nvPr>
+        </p:nvSpPr>
+        <p:spPr/>
+        <p:txBody>
+          <a:bodyPr/>
+          <a:lstStyle/>
+          <a:p>
+            <a:r>
+              <a:rPr lang="de-DE"/>
+              <a:t>30.01.2018</a:t>
+            </a:r>
+            <a:endParaRPr lang="de-DE" dirty="0"/>
+          </a:p>
+        </p:txBody>
+      </p:sp>
+      <p:sp>
+        <p:nvSpPr>
+          <p:cNvPr id="6" name="Fußzeilenplatzhalter 5">
+            <a:extLst>
+              <a:ext uri="{FF2B5EF4-FFF2-40B4-BE49-F238E27FC236}">
+                <a16:creationId xmlns:a16="http://schemas.microsoft.com/office/drawing/2014/main" id="{23545C38-5A6E-4C09-B51D-0DEA6522B6AF}"/>
+              </a:ext>
+            </a:extLst>
+          </p:cNvPr>
+          <p:cNvSpPr>
+            <a:spLocks noGrp="1"/>
+          </p:cNvSpPr>
+          <p:nvPr>
+            <p:ph type="ftr" sz="quarter" idx="11"/>
+          </p:nvPr>
+        </p:nvSpPr>
+        <p:spPr/>
+        <p:txBody>
+          <a:bodyPr/>
+          <a:lstStyle/>
+          <a:p>
+            <a:r>
+              <a:rPr lang="de-DE"/>
+              <a:t>Sebastian Mischke</a:t>
+            </a:r>
+            <a:endParaRPr lang="de-DE" dirty="0"/>
+          </a:p>
+        </p:txBody>
+      </p:sp>
+      <p:sp>
+        <p:nvSpPr>
+          <p:cNvPr id="7" name="Foliennummernplatzhalter 6">
+            <a:extLst>
+              <a:ext uri="{FF2B5EF4-FFF2-40B4-BE49-F238E27FC236}">
+                <a16:creationId xmlns:a16="http://schemas.microsoft.com/office/drawing/2014/main" id="{8352ABD1-2B64-43E3-A53A-DD359E547839}"/>
+              </a:ext>
+            </a:extLst>
+          </p:cNvPr>
+          <p:cNvSpPr>
+            <a:spLocks noGrp="1"/>
+          </p:cNvSpPr>
+          <p:nvPr>
+            <p:ph type="sldNum" sz="quarter" idx="12"/>
+          </p:nvPr>
+        </p:nvSpPr>
+        <p:spPr/>
+        <p:txBody>
+          <a:bodyPr/>
+          <a:lstStyle/>
+          <a:p>
+            <a:fld id="{297EE791-5D67-423F-A450-B005FE0C9AAB}" type="slidenum">
+              <a:rPr lang="de-DE" smtClean="0"/>
+              <a:t>11</a:t>
+            </a:fld>
+            <a:endParaRPr lang="de-DE"/>
+          </a:p>
+        </p:txBody>
+      </p:sp>
+    </p:spTree>
+    <p:extLst>
+      <p:ext uri="{BB962C8B-B14F-4D97-AF65-F5344CB8AC3E}">
+        <p14:creationId xmlns:p14="http://schemas.microsoft.com/office/powerpoint/2010/main" val="755854998"/>
+      </p:ext>
+    </p:extLst>
+  </p:cSld>
+  <p:clrMapOvr>
+    <a:masterClrMapping/>
+  </p:clrMapOvr>
+</p:sld>
+</file>
+
+<file path=ppt/slides/slide12.xml><?xml version="1.0" encoding="utf-8"?>
+<p:sld xmlns:a="http://schemas.openxmlformats.org/drawingml/2006/main" xmlns:r="http://schemas.openxmlformats.org/officeDocument/2006/relationships" xmlns:p="http://schemas.openxmlformats.org/presentationml/2006/main">
+  <p:cSld>
+    <p:spTree>
+      <p:nvGrpSpPr>
+        <p:cNvPr id="1" name=""/>
+        <p:cNvGrpSpPr/>
+        <p:nvPr/>
+      </p:nvGrpSpPr>
+      <p:grpSpPr>
+        <a:xfrm>
+          <a:off x="0" y="0"/>
+          <a:ext cx="0" cy="0"/>
+          <a:chOff x="0" y="0"/>
+          <a:chExt cx="0" cy="0"/>
+        </a:xfrm>
+      </p:grpSpPr>
+      <p:sp>
+        <p:nvSpPr>
+          <p:cNvPr id="2" name="Titel 1">
+            <a:extLst>
+              <a:ext uri="{FF2B5EF4-FFF2-40B4-BE49-F238E27FC236}">
+                <a16:creationId xmlns:a16="http://schemas.microsoft.com/office/drawing/2014/main" id="{47821B0B-73C7-4D74-85E5-D26A3775FE05}"/>
+              </a:ext>
+            </a:extLst>
+          </p:cNvPr>
+          <p:cNvSpPr>
+            <a:spLocks noGrp="1"/>
+          </p:cNvSpPr>
+          <p:nvPr>
+            <p:ph type="title"/>
+          </p:nvPr>
+        </p:nvSpPr>
+        <p:spPr/>
+        <p:txBody>
+          <a:bodyPr/>
+          <a:lstStyle/>
+          <a:p>
+            <a:r>
+              <a:rPr lang="de-DE" dirty="0"/>
+              <a:t>Fazit</a:t>
+            </a:r>
+          </a:p>
+        </p:txBody>
+      </p:sp>
+      <p:sp>
+        <p:nvSpPr>
+          <p:cNvPr id="3" name="Inhaltsplatzhalter 2">
+            <a:extLst>
+              <a:ext uri="{FF2B5EF4-FFF2-40B4-BE49-F238E27FC236}">
+                <a16:creationId xmlns:a16="http://schemas.microsoft.com/office/drawing/2014/main" id="{8C5558C3-2B3A-483D-AF2B-430FA216346F}"/>
+              </a:ext>
+            </a:extLst>
+          </p:cNvPr>
+          <p:cNvSpPr>
+            <a:spLocks noGrp="1"/>
+          </p:cNvSpPr>
+          <p:nvPr>
+            <p:ph idx="1"/>
+          </p:nvPr>
+        </p:nvSpPr>
+        <p:spPr/>
+        <p:txBody>
+          <a:bodyPr/>
+          <a:lstStyle/>
+          <a:p>
+            <a:r>
+              <a:rPr lang="de-DE" dirty="0"/>
+              <a:t>Ergebnisse</a:t>
+            </a:r>
+          </a:p>
+        </p:txBody>
+      </p:sp>
+      <p:sp>
+        <p:nvSpPr>
+          <p:cNvPr id="4" name="Datumsplatzhalter 3">
+            <a:extLst>
+              <a:ext uri="{FF2B5EF4-FFF2-40B4-BE49-F238E27FC236}">
+                <a16:creationId xmlns:a16="http://schemas.microsoft.com/office/drawing/2014/main" id="{0F193019-22E1-4FFD-9636-F0AA7C227972}"/>
+              </a:ext>
+            </a:extLst>
+          </p:cNvPr>
+          <p:cNvSpPr>
+            <a:spLocks noGrp="1"/>
+          </p:cNvSpPr>
+          <p:nvPr>
+            <p:ph type="dt" sz="half" idx="10"/>
+          </p:nvPr>
+        </p:nvSpPr>
+        <p:spPr/>
+        <p:txBody>
+          <a:bodyPr/>
+          <a:lstStyle/>
+          <a:p>
+            <a:r>
+              <a:rPr lang="de-DE"/>
+              <a:t>30.01.2018</a:t>
+            </a:r>
+            <a:endParaRPr lang="de-DE" dirty="0"/>
+          </a:p>
+        </p:txBody>
+      </p:sp>
+      <p:sp>
+        <p:nvSpPr>
+          <p:cNvPr id="6" name="Fußzeilenplatzhalter 5">
+            <a:extLst>
+              <a:ext uri="{FF2B5EF4-FFF2-40B4-BE49-F238E27FC236}">
+                <a16:creationId xmlns:a16="http://schemas.microsoft.com/office/drawing/2014/main" id="{C75B122C-1116-42D6-8E74-F098DE2CF8E6}"/>
+              </a:ext>
+            </a:extLst>
+          </p:cNvPr>
+          <p:cNvSpPr>
+            <a:spLocks noGrp="1"/>
+          </p:cNvSpPr>
+          <p:nvPr>
+            <p:ph type="ftr" sz="quarter" idx="11"/>
+          </p:nvPr>
+        </p:nvSpPr>
+        <p:spPr/>
+        <p:txBody>
+          <a:bodyPr/>
+          <a:lstStyle/>
+          <a:p>
+            <a:r>
+              <a:rPr lang="de-DE"/>
+              <a:t>Sebastian Mischke</a:t>
+            </a:r>
+            <a:endParaRPr lang="de-DE" dirty="0"/>
+          </a:p>
+        </p:txBody>
+      </p:sp>
+      <p:sp>
+        <p:nvSpPr>
+          <p:cNvPr id="7" name="Foliennummernplatzhalter 6">
+            <a:extLst>
+              <a:ext uri="{FF2B5EF4-FFF2-40B4-BE49-F238E27FC236}">
+                <a16:creationId xmlns:a16="http://schemas.microsoft.com/office/drawing/2014/main" id="{8838848C-9D1F-4D4B-A883-BAFCBB669FE1}"/>
+              </a:ext>
+            </a:extLst>
+          </p:cNvPr>
+          <p:cNvSpPr>
+            <a:spLocks noGrp="1"/>
+          </p:cNvSpPr>
+          <p:nvPr>
+            <p:ph type="sldNum" sz="quarter" idx="12"/>
+          </p:nvPr>
+        </p:nvSpPr>
+        <p:spPr/>
+        <p:txBody>
+          <a:bodyPr/>
+          <a:lstStyle/>
+          <a:p>
+            <a:fld id="{297EE791-5D67-423F-A450-B005FE0C9AAB}" type="slidenum">
+              <a:rPr lang="de-DE" smtClean="0"/>
+              <a:t>12</a:t>
+            </a:fld>
+            <a:endParaRPr lang="de-DE"/>
+          </a:p>
+        </p:txBody>
+      </p:sp>
+    </p:spTree>
+    <p:extLst>
+      <p:ext uri="{BB962C8B-B14F-4D97-AF65-F5344CB8AC3E}">
+        <p14:creationId xmlns:p14="http://schemas.microsoft.com/office/powerpoint/2010/main" val="2826496482"/>
+      </p:ext>
+    </p:extLst>
+  </p:cSld>
+  <p:clrMapOvr>
+    <a:masterClrMapping/>
+  </p:clrMapOvr>
+</p:sld>
+</file>
+
+<file path=ppt/slides/slide13.xml><?xml version="1.0" encoding="utf-8"?>
+<p:sld xmlns:a="http://schemas.openxmlformats.org/drawingml/2006/main" xmlns:r="http://schemas.openxmlformats.org/officeDocument/2006/relationships" xmlns:p="http://schemas.openxmlformats.org/presentationml/2006/main">
+  <p:cSld>
+    <p:spTree>
+      <p:nvGrpSpPr>
+        <p:cNvPr id="1" name=""/>
+        <p:cNvGrpSpPr/>
+        <p:nvPr/>
+      </p:nvGrpSpPr>
+      <p:grpSpPr>
+        <a:xfrm>
+          <a:off x="0" y="0"/>
+          <a:ext cx="0" cy="0"/>
+          <a:chOff x="0" y="0"/>
+          <a:chExt cx="0" cy="0"/>
+        </a:xfrm>
+      </p:grpSpPr>
+      <p:sp>
+        <p:nvSpPr>
+          <p:cNvPr id="2" name="Titel 1">
+            <a:extLst>
+              <a:ext uri="{FF2B5EF4-FFF2-40B4-BE49-F238E27FC236}">
+                <a16:creationId xmlns:a16="http://schemas.microsoft.com/office/drawing/2014/main" id="{84400D62-C043-4C42-A8E3-56B058ADCCEE}"/>
+              </a:ext>
+            </a:extLst>
+          </p:cNvPr>
+          <p:cNvSpPr>
+            <a:spLocks noGrp="1"/>
+          </p:cNvSpPr>
+          <p:nvPr>
+            <p:ph type="title"/>
+          </p:nvPr>
+        </p:nvSpPr>
+        <p:spPr/>
+        <p:txBody>
+          <a:bodyPr/>
+          <a:lstStyle/>
+          <a:p>
+            <a:r>
+              <a:rPr lang="de-DE" dirty="0"/>
+              <a:t>Ausblick</a:t>
+            </a:r>
+          </a:p>
+        </p:txBody>
+      </p:sp>
+      <p:sp>
+        <p:nvSpPr>
+          <p:cNvPr id="3" name="Inhaltsplatzhalter 2">
+            <a:extLst>
+              <a:ext uri="{FF2B5EF4-FFF2-40B4-BE49-F238E27FC236}">
+                <a16:creationId xmlns:a16="http://schemas.microsoft.com/office/drawing/2014/main" id="{08413965-6249-42D1-85DE-46E255F5123F}"/>
+              </a:ext>
+            </a:extLst>
+          </p:cNvPr>
+          <p:cNvSpPr>
+            <a:spLocks noGrp="1"/>
+          </p:cNvSpPr>
+          <p:nvPr>
+            <p:ph idx="1"/>
+          </p:nvPr>
+        </p:nvSpPr>
+        <p:spPr/>
+        <p:txBody>
+          <a:bodyPr/>
+          <a:lstStyle/>
+          <a:p>
+            <a:r>
+              <a:rPr lang="de-DE" dirty="0"/>
+              <a:t>Weiterführende Entwicklung</a:t>
+            </a:r>
+          </a:p>
+        </p:txBody>
+      </p:sp>
+      <p:sp>
+        <p:nvSpPr>
+          <p:cNvPr id="5" name="Datumsplatzhalter 4">
+            <a:extLst>
+              <a:ext uri="{FF2B5EF4-FFF2-40B4-BE49-F238E27FC236}">
+                <a16:creationId xmlns:a16="http://schemas.microsoft.com/office/drawing/2014/main" id="{52E56822-E51D-443F-9930-DC520A04E493}"/>
+              </a:ext>
+            </a:extLst>
+          </p:cNvPr>
+          <p:cNvSpPr>
+            <a:spLocks noGrp="1"/>
+          </p:cNvSpPr>
+          <p:nvPr>
+            <p:ph type="dt" sz="half" idx="10"/>
+          </p:nvPr>
+        </p:nvSpPr>
+        <p:spPr/>
+        <p:txBody>
+          <a:bodyPr/>
+          <a:lstStyle/>
+          <a:p>
+            <a:r>
+              <a:rPr lang="de-DE"/>
+              <a:t>30.01.2018</a:t>
+            </a:r>
+            <a:endParaRPr lang="de-DE" dirty="0"/>
+          </a:p>
+        </p:txBody>
+      </p:sp>
+      <p:sp>
+        <p:nvSpPr>
+          <p:cNvPr id="6" name="Fußzeilenplatzhalter 5">
+            <a:extLst>
+              <a:ext uri="{FF2B5EF4-FFF2-40B4-BE49-F238E27FC236}">
+                <a16:creationId xmlns:a16="http://schemas.microsoft.com/office/drawing/2014/main" id="{4001F740-8BF5-456D-8B6E-066FEAC0BBED}"/>
+              </a:ext>
+            </a:extLst>
+          </p:cNvPr>
+          <p:cNvSpPr>
+            <a:spLocks noGrp="1"/>
+          </p:cNvSpPr>
+          <p:nvPr>
+            <p:ph type="ftr" sz="quarter" idx="11"/>
+          </p:nvPr>
+        </p:nvSpPr>
+        <p:spPr/>
+        <p:txBody>
+          <a:bodyPr/>
+          <a:lstStyle/>
+          <a:p>
+            <a:r>
+              <a:rPr lang="de-DE"/>
+              <a:t>Sebastian Mischke</a:t>
+            </a:r>
+            <a:endParaRPr lang="de-DE" dirty="0"/>
+          </a:p>
+        </p:txBody>
+      </p:sp>
+      <p:sp>
+        <p:nvSpPr>
+          <p:cNvPr id="7" name="Foliennummernplatzhalter 6">
+            <a:extLst>
+              <a:ext uri="{FF2B5EF4-FFF2-40B4-BE49-F238E27FC236}">
+                <a16:creationId xmlns:a16="http://schemas.microsoft.com/office/drawing/2014/main" id="{1D1D828C-EC26-4651-8972-756F989AAB55}"/>
+              </a:ext>
+            </a:extLst>
+          </p:cNvPr>
+          <p:cNvSpPr>
+            <a:spLocks noGrp="1"/>
+          </p:cNvSpPr>
+          <p:nvPr>
+            <p:ph type="sldNum" sz="quarter" idx="12"/>
+          </p:nvPr>
+        </p:nvSpPr>
+        <p:spPr/>
+        <p:txBody>
+          <a:bodyPr/>
+          <a:lstStyle/>
+          <a:p>
+            <a:fld id="{297EE791-5D67-423F-A450-B005FE0C9AAB}" type="slidenum">
+              <a:rPr lang="de-DE" smtClean="0"/>
+              <a:t>13</a:t>
+            </a:fld>
+            <a:endParaRPr lang="de-DE"/>
+          </a:p>
+        </p:txBody>
+      </p:sp>
+    </p:spTree>
+    <p:extLst>
+      <p:ext uri="{BB962C8B-B14F-4D97-AF65-F5344CB8AC3E}">
+        <p14:creationId xmlns:p14="http://schemas.microsoft.com/office/powerpoint/2010/main" val="794121934"/>
+      </p:ext>
+    </p:extLst>
+  </p:cSld>
+  <p:clrMapOvr>
+    <a:masterClrMapping/>
+  </p:clrMapOvr>
+</p:sld>
+</file>
+
+<file path=ppt/slides/slide14.xml><?xml version="1.0" encoding="utf-8"?>
+<p:sld xmlns:a="http://schemas.openxmlformats.org/drawingml/2006/main" xmlns:r="http://schemas.openxmlformats.org/officeDocument/2006/relationships" xmlns:p="http://schemas.openxmlformats.org/presentationml/2006/main">
+  <p:cSld>
+    <p:spTree>
+      <p:nvGrpSpPr>
+        <p:cNvPr id="1" name=""/>
+        <p:cNvGrpSpPr/>
+        <p:nvPr/>
+      </p:nvGrpSpPr>
+      <p:grpSpPr>
+        <a:xfrm>
+          <a:off x="0" y="0"/>
+          <a:ext cx="0" cy="0"/>
+          <a:chOff x="0" y="0"/>
+          <a:chExt cx="0" cy="0"/>
+        </a:xfrm>
+      </p:grpSpPr>
+      <p:sp>
+        <p:nvSpPr>
+          <p:cNvPr id="2" name="Titel 1">
+            <a:extLst>
+              <a:ext uri="{FF2B5EF4-FFF2-40B4-BE49-F238E27FC236}">
                 <a16:creationId xmlns:a16="http://schemas.microsoft.com/office/drawing/2014/main" id="{2D3B589F-1C6D-475E-8FE9-0168CC3AABC4}"/>
               </a:ext>
             </a:extLst>
@@ -4400,47 +5540,98 @@
             </a:r>
             <a:r>
               <a:rPr lang="de-DE" sz="2400" dirty="0"/>
-              <a:t> (, 2016), S. 37--55</a:t>
-            </a:r>
-          </a:p>
-        </p:txBody>
-      </p:sp>
-      <p:pic>
-        <p:nvPicPr>
-          <p:cNvPr id="4" name="Grafik 3">
+              <a:t> (2016), S. 37--55</a:t>
+            </a:r>
+          </a:p>
+        </p:txBody>
+      </p:sp>
+      <p:sp>
+        <p:nvSpPr>
+          <p:cNvPr id="5" name="Datumsplatzhalter 4">
             <a:extLst>
               <a:ext uri="{FF2B5EF4-FFF2-40B4-BE49-F238E27FC236}">
-                <a16:creationId xmlns:a16="http://schemas.microsoft.com/office/drawing/2014/main" id="{40AC29C5-A9F4-47F0-8B8E-6C04AE687FE0}"/>
+                <a16:creationId xmlns:a16="http://schemas.microsoft.com/office/drawing/2014/main" id="{BD560561-AABF-4956-A563-53E237E6E793}"/>
               </a:ext>
             </a:extLst>
           </p:cNvPr>
-          <p:cNvPicPr>
-            <a:picLocks noChangeAspect="1"/>
-          </p:cNvPicPr>
-          <p:nvPr/>
-        </p:nvPicPr>
-        <p:blipFill>
-          <a:blip r:embed="rId2" cstate="print">
+          <p:cNvSpPr>
+            <a:spLocks noGrp="1"/>
+          </p:cNvSpPr>
+          <p:nvPr>
+            <p:ph type="dt" sz="half" idx="10"/>
+          </p:nvPr>
+        </p:nvSpPr>
+        <p:spPr/>
+        <p:txBody>
+          <a:bodyPr/>
+          <a:lstStyle/>
+          <a:p>
+            <a:r>
+              <a:rPr lang="de-DE"/>
+              <a:t>30.01.2018</a:t>
+            </a:r>
+            <a:endParaRPr lang="de-DE" dirty="0"/>
+          </a:p>
+        </p:txBody>
+      </p:sp>
+      <p:sp>
+        <p:nvSpPr>
+          <p:cNvPr id="6" name="Fußzeilenplatzhalter 5">
             <a:extLst>
-              <a:ext uri="{28A0092B-C50C-407E-A947-70E740481C1C}">
-                <a14:useLocalDpi xmlns:a14="http://schemas.microsoft.com/office/drawing/2010/main" val="0"/>
+              <a:ext uri="{FF2B5EF4-FFF2-40B4-BE49-F238E27FC236}">
+                <a16:creationId xmlns:a16="http://schemas.microsoft.com/office/drawing/2014/main" id="{65111B78-A8B9-4FB4-93B5-453CB5232D71}"/>
               </a:ext>
             </a:extLst>
-          </a:blip>
-          <a:stretch>
-            <a:fillRect/>
-          </a:stretch>
-        </p:blipFill>
-        <p:spPr>
-          <a:xfrm>
-            <a:off x="8471877" y="469204"/>
-            <a:ext cx="3110523" cy="625215"/>
-          </a:xfrm>
-          <a:prstGeom prst="rect">
-            <a:avLst/>
-          </a:prstGeom>
-        </p:spPr>
-      </p:pic>
+          </p:cNvPr>
+          <p:cNvSpPr>
+            <a:spLocks noGrp="1"/>
+          </p:cNvSpPr>
+          <p:nvPr>
+            <p:ph type="ftr" sz="quarter" idx="11"/>
+          </p:nvPr>
+        </p:nvSpPr>
+        <p:spPr/>
+        <p:txBody>
+          <a:bodyPr/>
+          <a:lstStyle/>
+          <a:p>
+            <a:r>
+              <a:rPr lang="de-DE"/>
+              <a:t>Sebastian Mischke</a:t>
+            </a:r>
+            <a:endParaRPr lang="de-DE" dirty="0"/>
+          </a:p>
+        </p:txBody>
+      </p:sp>
+      <p:sp>
+        <p:nvSpPr>
+          <p:cNvPr id="7" name="Foliennummernplatzhalter 6">
+            <a:extLst>
+              <a:ext uri="{FF2B5EF4-FFF2-40B4-BE49-F238E27FC236}">
+                <a16:creationId xmlns:a16="http://schemas.microsoft.com/office/drawing/2014/main" id="{31166FBB-BB74-4F12-B582-77F583CC4C4A}"/>
+              </a:ext>
+            </a:extLst>
+          </p:cNvPr>
+          <p:cNvSpPr>
+            <a:spLocks noGrp="1"/>
+          </p:cNvSpPr>
+          <p:nvPr>
+            <p:ph type="sldNum" sz="quarter" idx="12"/>
+          </p:nvPr>
+        </p:nvSpPr>
+        <p:spPr/>
+        <p:txBody>
+          <a:bodyPr/>
+          <a:lstStyle/>
+          <a:p>
+            <a:fld id="{297EE791-5D67-423F-A450-B005FE0C9AAB}" type="slidenum">
+              <a:rPr lang="de-DE" smtClean="0"/>
+              <a:t>14</a:t>
+            </a:fld>
+            <a:endParaRPr lang="de-DE"/>
+          </a:p>
+        </p:txBody>
+      </p:sp>
     </p:spTree>
     <p:extLst>
       <p:ext uri="{BB962C8B-B14F-4D97-AF65-F5344CB8AC3E}">
@@ -4525,44 +5716,99 @@
               <a:t>Motivation</a:t>
             </a:r>
           </a:p>
-        </p:txBody>
-      </p:sp>
-      <p:pic>
-        <p:nvPicPr>
-          <p:cNvPr id="4" name="Grafik 3">
+          <a:p>
+            <a:pPr lvl="1"/>
+            <a:endParaRPr lang="de-DE" dirty="0"/>
+          </a:p>
+        </p:txBody>
+      </p:sp>
+      <p:sp>
+        <p:nvSpPr>
+          <p:cNvPr id="5" name="Datumsplatzhalter 4">
             <a:extLst>
               <a:ext uri="{FF2B5EF4-FFF2-40B4-BE49-F238E27FC236}">
-                <a16:creationId xmlns:a16="http://schemas.microsoft.com/office/drawing/2014/main" id="{08007C9A-87A6-4D4D-8535-EB98A45C15FF}"/>
+                <a16:creationId xmlns:a16="http://schemas.microsoft.com/office/drawing/2014/main" id="{6DC18F4D-AE26-4553-9DAE-7FEB86E43644}"/>
               </a:ext>
             </a:extLst>
           </p:cNvPr>
-          <p:cNvPicPr>
-            <a:picLocks noChangeAspect="1"/>
-          </p:cNvPicPr>
-          <p:nvPr/>
-        </p:nvPicPr>
-        <p:blipFill>
-          <a:blip r:embed="rId2" cstate="print">
+          <p:cNvSpPr>
+            <a:spLocks noGrp="1"/>
+          </p:cNvSpPr>
+          <p:nvPr>
+            <p:ph type="dt" sz="half" idx="10"/>
+          </p:nvPr>
+        </p:nvSpPr>
+        <p:spPr/>
+        <p:txBody>
+          <a:bodyPr/>
+          <a:lstStyle/>
+          <a:p>
+            <a:r>
+              <a:rPr lang="de-DE"/>
+              <a:t>30.01.2018</a:t>
+            </a:r>
+            <a:endParaRPr lang="de-DE" dirty="0"/>
+          </a:p>
+        </p:txBody>
+      </p:sp>
+      <p:sp>
+        <p:nvSpPr>
+          <p:cNvPr id="6" name="Fußzeilenplatzhalter 5">
             <a:extLst>
-              <a:ext uri="{28A0092B-C50C-407E-A947-70E740481C1C}">
-                <a14:useLocalDpi xmlns:a14="http://schemas.microsoft.com/office/drawing/2010/main" val="0"/>
+              <a:ext uri="{FF2B5EF4-FFF2-40B4-BE49-F238E27FC236}">
+                <a16:creationId xmlns:a16="http://schemas.microsoft.com/office/drawing/2014/main" id="{8A1F9EF8-E00F-46D1-AF35-639E1C625850}"/>
               </a:ext>
             </a:extLst>
-          </a:blip>
-          <a:stretch>
-            <a:fillRect/>
-          </a:stretch>
-        </p:blipFill>
-        <p:spPr>
-          <a:xfrm>
-            <a:off x="8471877" y="469204"/>
-            <a:ext cx="3110523" cy="625215"/>
-          </a:xfrm>
-          <a:prstGeom prst="rect">
-            <a:avLst/>
-          </a:prstGeom>
-        </p:spPr>
-      </p:pic>
+          </p:cNvPr>
+          <p:cNvSpPr>
+            <a:spLocks noGrp="1"/>
+          </p:cNvSpPr>
+          <p:nvPr>
+            <p:ph type="ftr" sz="quarter" idx="11"/>
+          </p:nvPr>
+        </p:nvSpPr>
+        <p:spPr/>
+        <p:txBody>
+          <a:bodyPr/>
+          <a:lstStyle/>
+          <a:p>
+            <a:r>
+              <a:rPr lang="de-DE"/>
+              <a:t>Sebastian Mischke</a:t>
+            </a:r>
+            <a:endParaRPr lang="de-DE" dirty="0"/>
+          </a:p>
+        </p:txBody>
+      </p:sp>
+      <p:sp>
+        <p:nvSpPr>
+          <p:cNvPr id="7" name="Foliennummernplatzhalter 6">
+            <a:extLst>
+              <a:ext uri="{FF2B5EF4-FFF2-40B4-BE49-F238E27FC236}">
+                <a16:creationId xmlns:a16="http://schemas.microsoft.com/office/drawing/2014/main" id="{8C97B487-A2FB-4788-9712-ADA86384E932}"/>
+              </a:ext>
+            </a:extLst>
+          </p:cNvPr>
+          <p:cNvSpPr>
+            <a:spLocks noGrp="1"/>
+          </p:cNvSpPr>
+          <p:nvPr>
+            <p:ph type="sldNum" sz="quarter" idx="12"/>
+          </p:nvPr>
+        </p:nvSpPr>
+        <p:spPr/>
+        <p:txBody>
+          <a:bodyPr/>
+          <a:lstStyle/>
+          <a:p>
+            <a:fld id="{297EE791-5D67-423F-A450-B005FE0C9AAB}" type="slidenum">
+              <a:rPr lang="de-DE" smtClean="0"/>
+              <a:t>2</a:t>
+            </a:fld>
+            <a:endParaRPr lang="de-DE"/>
+          </a:p>
+        </p:txBody>
+      </p:sp>
     </p:spTree>
     <p:extLst>
       <p:ext uri="{BB962C8B-B14F-4D97-AF65-F5344CB8AC3E}">
@@ -4655,42 +5901,93 @@
           </a:p>
         </p:txBody>
       </p:sp>
-      <p:pic>
-        <p:nvPicPr>
-          <p:cNvPr id="4" name="Grafik 3">
+      <p:sp>
+        <p:nvSpPr>
+          <p:cNvPr id="5" name="Datumsplatzhalter 4">
             <a:extLst>
               <a:ext uri="{FF2B5EF4-FFF2-40B4-BE49-F238E27FC236}">
-                <a16:creationId xmlns:a16="http://schemas.microsoft.com/office/drawing/2014/main" id="{FC843913-2D84-4A1A-8901-4883DA8ED1E7}"/>
+                <a16:creationId xmlns:a16="http://schemas.microsoft.com/office/drawing/2014/main" id="{F4406490-B344-427E-8749-7C739847B1C6}"/>
               </a:ext>
             </a:extLst>
           </p:cNvPr>
-          <p:cNvPicPr>
-            <a:picLocks noChangeAspect="1"/>
-          </p:cNvPicPr>
-          <p:nvPr/>
-        </p:nvPicPr>
-        <p:blipFill>
-          <a:blip r:embed="rId2" cstate="print">
+          <p:cNvSpPr>
+            <a:spLocks noGrp="1"/>
+          </p:cNvSpPr>
+          <p:nvPr>
+            <p:ph type="dt" sz="half" idx="10"/>
+          </p:nvPr>
+        </p:nvSpPr>
+        <p:spPr/>
+        <p:txBody>
+          <a:bodyPr/>
+          <a:lstStyle/>
+          <a:p>
+            <a:r>
+              <a:rPr lang="de-DE"/>
+              <a:t>30.01.2018</a:t>
+            </a:r>
+            <a:endParaRPr lang="de-DE" dirty="0"/>
+          </a:p>
+        </p:txBody>
+      </p:sp>
+      <p:sp>
+        <p:nvSpPr>
+          <p:cNvPr id="6" name="Fußzeilenplatzhalter 5">
             <a:extLst>
-              <a:ext uri="{28A0092B-C50C-407E-A947-70E740481C1C}">
-                <a14:useLocalDpi xmlns:a14="http://schemas.microsoft.com/office/drawing/2010/main" val="0"/>
+              <a:ext uri="{FF2B5EF4-FFF2-40B4-BE49-F238E27FC236}">
+                <a16:creationId xmlns:a16="http://schemas.microsoft.com/office/drawing/2014/main" id="{69CF38AA-4E37-4081-8B00-5A50941756E6}"/>
               </a:ext>
             </a:extLst>
-          </a:blip>
-          <a:stretch>
-            <a:fillRect/>
-          </a:stretch>
-        </p:blipFill>
-        <p:spPr>
-          <a:xfrm>
-            <a:off x="8471877" y="469204"/>
-            <a:ext cx="3110523" cy="625215"/>
-          </a:xfrm>
-          <a:prstGeom prst="rect">
-            <a:avLst/>
-          </a:prstGeom>
-        </p:spPr>
-      </p:pic>
+          </p:cNvPr>
+          <p:cNvSpPr>
+            <a:spLocks noGrp="1"/>
+          </p:cNvSpPr>
+          <p:nvPr>
+            <p:ph type="ftr" sz="quarter" idx="11"/>
+          </p:nvPr>
+        </p:nvSpPr>
+        <p:spPr/>
+        <p:txBody>
+          <a:bodyPr/>
+          <a:lstStyle/>
+          <a:p>
+            <a:r>
+              <a:rPr lang="de-DE"/>
+              <a:t>Sebastian Mischke</a:t>
+            </a:r>
+            <a:endParaRPr lang="de-DE" dirty="0"/>
+          </a:p>
+        </p:txBody>
+      </p:sp>
+      <p:sp>
+        <p:nvSpPr>
+          <p:cNvPr id="7" name="Foliennummernplatzhalter 6">
+            <a:extLst>
+              <a:ext uri="{FF2B5EF4-FFF2-40B4-BE49-F238E27FC236}">
+                <a16:creationId xmlns:a16="http://schemas.microsoft.com/office/drawing/2014/main" id="{177D536A-FB59-49B1-B9BD-9DF342C107F8}"/>
+              </a:ext>
+            </a:extLst>
+          </p:cNvPr>
+          <p:cNvSpPr>
+            <a:spLocks noGrp="1"/>
+          </p:cNvSpPr>
+          <p:nvPr>
+            <p:ph type="sldNum" sz="quarter" idx="12"/>
+          </p:nvPr>
+        </p:nvSpPr>
+        <p:spPr/>
+        <p:txBody>
+          <a:bodyPr/>
+          <a:lstStyle/>
+          <a:p>
+            <a:fld id="{297EE791-5D67-423F-A450-B005FE0C9AAB}" type="slidenum">
+              <a:rPr lang="de-DE" smtClean="0"/>
+              <a:t>3</a:t>
+            </a:fld>
+            <a:endParaRPr lang="de-DE"/>
+          </a:p>
+        </p:txBody>
+      </p:sp>
     </p:spTree>
     <p:extLst>
       <p:ext uri="{BB962C8B-B14F-4D97-AF65-F5344CB8AC3E}">
@@ -4765,9 +6062,16 @@
             <p:ph idx="1"/>
           </p:nvPr>
         </p:nvSpPr>
-        <p:spPr/>
-        <p:txBody>
-          <a:bodyPr/>
+        <p:spPr>
+          <a:xfrm>
+            <a:off x="609600" y="1775192"/>
+            <a:ext cx="10972800" cy="4625609"/>
+          </a:xfrm>
+        </p:spPr>
+        <p:txBody>
+          <a:bodyPr>
+            <a:normAutofit fontScale="92500" lnSpcReduction="20000"/>
+          </a:bodyPr>
           <a:lstStyle/>
           <a:p>
             <a:r>
@@ -4784,19 +6088,35 @@
           <a:p>
             <a:r>
               <a:rPr lang="de-DE" dirty="0"/>
-              <a:t>#Das Verfahren</a:t>
-            </a:r>
-          </a:p>
-          <a:p>
+              <a:t>Gesamtsystem</a:t>
+            </a:r>
+          </a:p>
+          <a:p>
+            <a:pPr lvl="1"/>
             <a:r>
               <a:rPr lang="de-DE" dirty="0"/>
-              <a:t>#Bildextrapolation</a:t>
-            </a:r>
-          </a:p>
-          <a:p>
+              <a:t>Satellitenbilder</a:t>
+            </a:r>
+          </a:p>
+          <a:p>
+            <a:pPr lvl="1"/>
             <a:r>
               <a:rPr lang="de-DE" dirty="0"/>
-              <a:t>#Bildkomposition</a:t>
+              <a:t>Merkmale</a:t>
+            </a:r>
+          </a:p>
+          <a:p>
+            <a:pPr lvl="1"/>
+            <a:r>
+              <a:rPr lang="de-DE" dirty="0"/>
+              <a:t>Neuronales Netz</a:t>
+            </a:r>
+          </a:p>
+          <a:p>
+            <a:pPr lvl="1"/>
+            <a:r>
+              <a:rPr lang="de-DE" dirty="0"/>
+              <a:t>Visualisierung</a:t>
             </a:r>
           </a:p>
           <a:p>
@@ -4825,46 +6145,97 @@
           </a:p>
         </p:txBody>
       </p:sp>
-      <p:pic>
-        <p:nvPicPr>
-          <p:cNvPr id="5" name="Grafik 4">
+      <p:sp>
+        <p:nvSpPr>
+          <p:cNvPr id="4" name="Datumsplatzhalter 3">
             <a:extLst>
               <a:ext uri="{FF2B5EF4-FFF2-40B4-BE49-F238E27FC236}">
-                <a16:creationId xmlns:a16="http://schemas.microsoft.com/office/drawing/2014/main" id="{E182A1F4-936A-4018-8B3D-95C34D5E4CE5}"/>
+                <a16:creationId xmlns:a16="http://schemas.microsoft.com/office/drawing/2014/main" id="{AAD9AD46-39E6-40E6-8B0B-4D5793D3FC59}"/>
               </a:ext>
             </a:extLst>
           </p:cNvPr>
-          <p:cNvPicPr>
-            <a:picLocks noChangeAspect="1"/>
-          </p:cNvPicPr>
-          <p:nvPr/>
-        </p:nvPicPr>
-        <p:blipFill>
-          <a:blip r:embed="rId2" cstate="print">
+          <p:cNvSpPr>
+            <a:spLocks noGrp="1"/>
+          </p:cNvSpPr>
+          <p:nvPr>
+            <p:ph type="dt" sz="half" idx="10"/>
+          </p:nvPr>
+        </p:nvSpPr>
+        <p:spPr/>
+        <p:txBody>
+          <a:bodyPr/>
+          <a:lstStyle/>
+          <a:p>
+            <a:r>
+              <a:rPr lang="de-DE"/>
+              <a:t>30.01.2018</a:t>
+            </a:r>
+            <a:endParaRPr lang="de-DE" dirty="0"/>
+          </a:p>
+        </p:txBody>
+      </p:sp>
+      <p:sp>
+        <p:nvSpPr>
+          <p:cNvPr id="6" name="Fußzeilenplatzhalter 5">
             <a:extLst>
-              <a:ext uri="{28A0092B-C50C-407E-A947-70E740481C1C}">
-                <a14:useLocalDpi xmlns:a14="http://schemas.microsoft.com/office/drawing/2010/main" val="0"/>
+              <a:ext uri="{FF2B5EF4-FFF2-40B4-BE49-F238E27FC236}">
+                <a16:creationId xmlns:a16="http://schemas.microsoft.com/office/drawing/2014/main" id="{F911EB73-7467-467C-B889-1B78CC4D71E7}"/>
               </a:ext>
             </a:extLst>
-          </a:blip>
-          <a:stretch>
-            <a:fillRect/>
-          </a:stretch>
-        </p:blipFill>
-        <p:spPr>
-          <a:xfrm>
-            <a:off x="8471877" y="469204"/>
-            <a:ext cx="3110523" cy="625215"/>
-          </a:xfrm>
-          <a:prstGeom prst="rect">
-            <a:avLst/>
-          </a:prstGeom>
-        </p:spPr>
-      </p:pic>
+          </p:cNvPr>
+          <p:cNvSpPr>
+            <a:spLocks noGrp="1"/>
+          </p:cNvSpPr>
+          <p:nvPr>
+            <p:ph type="ftr" sz="quarter" idx="11"/>
+          </p:nvPr>
+        </p:nvSpPr>
+        <p:spPr/>
+        <p:txBody>
+          <a:bodyPr/>
+          <a:lstStyle/>
+          <a:p>
+            <a:r>
+              <a:rPr lang="de-DE"/>
+              <a:t>Sebastian Mischke</a:t>
+            </a:r>
+            <a:endParaRPr lang="de-DE" dirty="0"/>
+          </a:p>
+        </p:txBody>
+      </p:sp>
+      <p:sp>
+        <p:nvSpPr>
+          <p:cNvPr id="7" name="Foliennummernplatzhalter 6">
+            <a:extLst>
+              <a:ext uri="{FF2B5EF4-FFF2-40B4-BE49-F238E27FC236}">
+                <a16:creationId xmlns:a16="http://schemas.microsoft.com/office/drawing/2014/main" id="{1F81B7CA-0530-423D-A03B-D19F2CE1E87A}"/>
+              </a:ext>
+            </a:extLst>
+          </p:cNvPr>
+          <p:cNvSpPr>
+            <a:spLocks noGrp="1"/>
+          </p:cNvSpPr>
+          <p:nvPr>
+            <p:ph type="sldNum" sz="quarter" idx="12"/>
+          </p:nvPr>
+        </p:nvSpPr>
+        <p:spPr/>
+        <p:txBody>
+          <a:bodyPr/>
+          <a:lstStyle/>
+          <a:p>
+            <a:fld id="{297EE791-5D67-423F-A450-B005FE0C9AAB}" type="slidenum">
+              <a:rPr lang="de-DE" smtClean="0"/>
+              <a:t>4</a:t>
+            </a:fld>
+            <a:endParaRPr lang="de-DE"/>
+          </a:p>
+        </p:txBody>
+      </p:sp>
     </p:spTree>
     <p:extLst>
       <p:ext uri="{BB962C8B-B14F-4D97-AF65-F5344CB8AC3E}">
-        <p14:creationId xmlns:p14="http://schemas.microsoft.com/office/powerpoint/2010/main" val="2699689690"/>
+        <p14:creationId xmlns:p14="http://schemas.microsoft.com/office/powerpoint/2010/main" val="1757424158"/>
       </p:ext>
     </p:extLst>
   </p:cSld>
@@ -4940,56 +6311,63 @@
           <a:bodyPr/>
           <a:lstStyle/>
           <a:p>
-            <a:r>
-              <a:rPr lang="de-DE" dirty="0" err="1"/>
-              <a:t>ImageNet</a:t>
-            </a:r>
-            <a:r>
-              <a:rPr lang="de-DE" dirty="0"/>
-              <a:t> Large-</a:t>
-            </a:r>
-            <a:r>
-              <a:rPr lang="de-DE" dirty="0" err="1"/>
-              <a:t>Scale</a:t>
-            </a:r>
-            <a:r>
-              <a:rPr lang="de-DE" dirty="0"/>
-              <a:t> Visual Recognition Challenge</a:t>
-            </a:r>
-          </a:p>
-          <a:p>
-            <a:pPr lvl="1"/>
+            <a:pPr marL="118872" indent="0">
+              <a:buNone/>
+            </a:pPr>
             <a:r>
               <a:rPr lang="de-DE" dirty="0" err="1"/>
               <a:t>SuperVision</a:t>
             </a:r>
+            <a:r>
+              <a:rPr lang="de-DE" dirty="0"/>
+              <a:t> [KSH12]</a:t>
+            </a:r>
+          </a:p>
+          <a:p>
+            <a:pPr marL="118872" indent="0">
+              <a:buNone/>
+            </a:pPr>
             <a:endParaRPr lang="de-DE" dirty="0"/>
           </a:p>
           <a:p>
-            <a:pPr lvl="1"/>
+            <a:endParaRPr lang="de-DE" dirty="0"/>
+          </a:p>
+          <a:p>
+            <a:pPr marL="118872" indent="0">
+              <a:buNone/>
+            </a:pPr>
             <a:r>
               <a:rPr lang="de-DE" dirty="0"/>
-              <a:t>VGG16 und VGG19</a:t>
-            </a:r>
-          </a:p>
-          <a:p>
+              <a:t>VGG16 und VGG19 [SZ14]</a:t>
+            </a:r>
+          </a:p>
+          <a:p>
+            <a:endParaRPr lang="de-DE" dirty="0"/>
+          </a:p>
+          <a:p>
+            <a:endParaRPr lang="de-DE" dirty="0"/>
+          </a:p>
+          <a:p>
+            <a:pPr marL="118872" indent="0">
+              <a:buNone/>
+            </a:pPr>
             <a:r>
               <a:rPr lang="de-DE" dirty="0" err="1"/>
               <a:t>PlaNet</a:t>
             </a:r>
             <a:r>
               <a:rPr lang="de-DE" dirty="0"/>
-              <a:t> </a:t>
+              <a:t> [WKP16]</a:t>
             </a:r>
           </a:p>
         </p:txBody>
       </p:sp>
       <p:pic>
         <p:nvPicPr>
-          <p:cNvPr id="4" name="Grafik 3">
+          <p:cNvPr id="5" name="Grafik 4">
             <a:extLst>
               <a:ext uri="{FF2B5EF4-FFF2-40B4-BE49-F238E27FC236}">
-                <a16:creationId xmlns:a16="http://schemas.microsoft.com/office/drawing/2014/main" id="{9B6A495F-D2F5-434C-90BF-776A2B1859FA}"/>
+                <a16:creationId xmlns:a16="http://schemas.microsoft.com/office/drawing/2014/main" id="{FF7216C2-B12E-4FC1-BCD7-D2B947281B12}"/>
               </a:ext>
             </a:extLst>
           </p:cNvPr>
@@ -4999,27 +6377,155 @@
           <p:nvPr/>
         </p:nvPicPr>
         <p:blipFill>
-          <a:blip r:embed="rId2" cstate="print">
+          <a:blip r:embed="rId2"/>
+          <a:stretch>
+            <a:fillRect/>
+          </a:stretch>
+        </p:blipFill>
+        <p:spPr>
+          <a:xfrm>
+            <a:off x="7341925" y="1775192"/>
+            <a:ext cx="4240475" cy="1260000"/>
+          </a:xfrm>
+          <a:prstGeom prst="rect">
+            <a:avLst/>
+          </a:prstGeom>
+        </p:spPr>
+      </p:pic>
+      <p:pic>
+        <p:nvPicPr>
+          <p:cNvPr id="1026" name="Picture 2" descr="http://book.paddlepaddle.org/03.image_classification/image/vgg16.png">
+            <a:extLst>
+              <a:ext uri="{FF2B5EF4-FFF2-40B4-BE49-F238E27FC236}">
+                <a16:creationId xmlns:a16="http://schemas.microsoft.com/office/drawing/2014/main" id="{499393EF-9CBA-49C9-98B0-E02A047CC453}"/>
+              </a:ext>
+            </a:extLst>
+          </p:cNvPr>
+          <p:cNvPicPr>
+            <a:picLocks noChangeAspect="1" noChangeArrowheads="1"/>
+          </p:cNvPicPr>
+          <p:nvPr/>
+        </p:nvPicPr>
+        <p:blipFill>
+          <a:blip r:embed="rId3" cstate="print">
             <a:extLst>
               <a:ext uri="{28A0092B-C50C-407E-A947-70E740481C1C}">
                 <a14:useLocalDpi xmlns:a14="http://schemas.microsoft.com/office/drawing/2010/main" val="0"/>
               </a:ext>
             </a:extLst>
           </a:blip>
+          <a:srcRect/>
           <a:stretch>
             <a:fillRect/>
           </a:stretch>
         </p:blipFill>
-        <p:spPr>
+        <p:spPr bwMode="auto">
           <a:xfrm>
-            <a:off x="8471877" y="469204"/>
-            <a:ext cx="3110523" cy="625215"/>
+            <a:off x="7030754" y="3429000"/>
+            <a:ext cx="4551646" cy="1260000"/>
           </a:xfrm>
           <a:prstGeom prst="rect">
             <a:avLst/>
           </a:prstGeom>
+          <a:noFill/>
+          <a:extLst>
+            <a:ext uri="{909E8E84-426E-40DD-AFC4-6F175D3DCCD1}">
+              <a14:hiddenFill xmlns:a14="http://schemas.microsoft.com/office/drawing/2010/main">
+                <a:solidFill>
+                  <a:srgbClr val="FFFFFF"/>
+                </a:solidFill>
+              </a14:hiddenFill>
+            </a:ext>
+          </a:extLst>
         </p:spPr>
       </p:pic>
+      <p:sp>
+        <p:nvSpPr>
+          <p:cNvPr id="6" name="Datumsplatzhalter 5">
+            <a:extLst>
+              <a:ext uri="{FF2B5EF4-FFF2-40B4-BE49-F238E27FC236}">
+                <a16:creationId xmlns:a16="http://schemas.microsoft.com/office/drawing/2014/main" id="{C4921658-3950-4742-B382-65EBDBC0C0A9}"/>
+              </a:ext>
+            </a:extLst>
+          </p:cNvPr>
+          <p:cNvSpPr>
+            <a:spLocks noGrp="1"/>
+          </p:cNvSpPr>
+          <p:nvPr>
+            <p:ph type="dt" sz="half" idx="10"/>
+          </p:nvPr>
+        </p:nvSpPr>
+        <p:spPr/>
+        <p:txBody>
+          <a:bodyPr/>
+          <a:lstStyle/>
+          <a:p>
+            <a:r>
+              <a:rPr lang="de-DE"/>
+              <a:t>30.01.2018</a:t>
+            </a:r>
+            <a:endParaRPr lang="de-DE" dirty="0"/>
+          </a:p>
+        </p:txBody>
+      </p:sp>
+      <p:sp>
+        <p:nvSpPr>
+          <p:cNvPr id="7" name="Fußzeilenplatzhalter 6">
+            <a:extLst>
+              <a:ext uri="{FF2B5EF4-FFF2-40B4-BE49-F238E27FC236}">
+                <a16:creationId xmlns:a16="http://schemas.microsoft.com/office/drawing/2014/main" id="{686985A6-D299-4ED8-A938-A0E7D02859EA}"/>
+              </a:ext>
+            </a:extLst>
+          </p:cNvPr>
+          <p:cNvSpPr>
+            <a:spLocks noGrp="1"/>
+          </p:cNvSpPr>
+          <p:nvPr>
+            <p:ph type="ftr" sz="quarter" idx="11"/>
+          </p:nvPr>
+        </p:nvSpPr>
+        <p:spPr/>
+        <p:txBody>
+          <a:bodyPr/>
+          <a:lstStyle/>
+          <a:p>
+            <a:r>
+              <a:rPr lang="de-DE"/>
+              <a:t>Sebastian Mischke</a:t>
+            </a:r>
+            <a:endParaRPr lang="de-DE" dirty="0"/>
+          </a:p>
+        </p:txBody>
+      </p:sp>
+      <p:sp>
+        <p:nvSpPr>
+          <p:cNvPr id="8" name="Foliennummernplatzhalter 7">
+            <a:extLst>
+              <a:ext uri="{FF2B5EF4-FFF2-40B4-BE49-F238E27FC236}">
+                <a16:creationId xmlns:a16="http://schemas.microsoft.com/office/drawing/2014/main" id="{ACC0433B-2E9B-493A-8AEE-877F49D32169}"/>
+              </a:ext>
+            </a:extLst>
+          </p:cNvPr>
+          <p:cNvSpPr>
+            <a:spLocks noGrp="1"/>
+          </p:cNvSpPr>
+          <p:nvPr>
+            <p:ph type="sldNum" sz="quarter" idx="12"/>
+          </p:nvPr>
+        </p:nvSpPr>
+        <p:spPr/>
+        <p:txBody>
+          <a:bodyPr/>
+          <a:lstStyle/>
+          <a:p>
+            <a:fld id="{297EE791-5D67-423F-A450-B005FE0C9AAB}" type="slidenum">
+              <a:rPr lang="de-DE" smtClean="0"/>
+              <a:t>5</a:t>
+            </a:fld>
+            <a:endParaRPr lang="de-DE"/>
+          </a:p>
+        </p:txBody>
+      </p:sp>
     </p:spTree>
     <p:extLst>
       <p:ext uri="{BB962C8B-B14F-4D97-AF65-F5344CB8AC3E}">
@@ -5055,7 +6561,7 @@
           <p:cNvPr id="2" name="Titel 1">
             <a:extLst>
               <a:ext uri="{FF2B5EF4-FFF2-40B4-BE49-F238E27FC236}">
-                <a16:creationId xmlns:a16="http://schemas.microsoft.com/office/drawing/2014/main" id="{4B81EDF3-0332-4EC8-94D7-B8031CAE2195}"/>
+                <a16:creationId xmlns:a16="http://schemas.microsoft.com/office/drawing/2014/main" id="{FF950ABF-E9E6-4427-9DA7-E3F508F84356}"/>
               </a:ext>
             </a:extLst>
           </p:cNvPr>
@@ -5073,7 +6579,7 @@
           <a:p>
             <a:r>
               <a:rPr lang="de-DE" dirty="0"/>
-              <a:t>INHALT</a:t>
+              <a:t>Gesamtsystem</a:t>
             </a:r>
           </a:p>
         </p:txBody>
@@ -5083,7 +6589,7 @@
           <p:cNvPr id="3" name="Inhaltsplatzhalter 2">
             <a:extLst>
               <a:ext uri="{FF2B5EF4-FFF2-40B4-BE49-F238E27FC236}">
-                <a16:creationId xmlns:a16="http://schemas.microsoft.com/office/drawing/2014/main" id="{0258BEC3-6486-4C43-89D1-9E484DF7AF0B}"/>
+                <a16:creationId xmlns:a16="http://schemas.microsoft.com/office/drawing/2014/main" id="{1B33E55B-56BB-4E7C-A2E0-116CB296B32F}"/>
               </a:ext>
             </a:extLst>
           </p:cNvPr>
@@ -5105,10 +6611,10 @@
       </p:sp>
       <p:pic>
         <p:nvPicPr>
-          <p:cNvPr id="4" name="Grafik 3">
+          <p:cNvPr id="14" name="Grafik 13" descr="Ein Bild, das Screenshot enthält.&#10;&#10;Mit hoher Zuverlässigkeit generierte Beschreibung">
             <a:extLst>
               <a:ext uri="{FF2B5EF4-FFF2-40B4-BE49-F238E27FC236}">
-                <a16:creationId xmlns:a16="http://schemas.microsoft.com/office/drawing/2014/main" id="{C7FFE849-C6C4-4797-981C-5302BE3605BD}"/>
+                <a16:creationId xmlns:a16="http://schemas.microsoft.com/office/drawing/2014/main" id="{800E0569-9019-48B6-B679-92512E7AB27B}"/>
               </a:ext>
             </a:extLst>
           </p:cNvPr>
@@ -5131,18 +6637,105 @@
         </p:blipFill>
         <p:spPr>
           <a:xfrm>
-            <a:off x="8471877" y="469204"/>
-            <a:ext cx="3110523" cy="625215"/>
+            <a:off x="3039050" y="3007996"/>
+            <a:ext cx="6113899" cy="2160000"/>
           </a:xfrm>
           <a:prstGeom prst="rect">
             <a:avLst/>
           </a:prstGeom>
         </p:spPr>
       </p:pic>
+      <p:sp>
+        <p:nvSpPr>
+          <p:cNvPr id="15" name="Datumsplatzhalter 14">
+            <a:extLst>
+              <a:ext uri="{FF2B5EF4-FFF2-40B4-BE49-F238E27FC236}">
+                <a16:creationId xmlns:a16="http://schemas.microsoft.com/office/drawing/2014/main" id="{FBDE1FEE-1DA2-4A84-BA0D-CD0133442AC7}"/>
+              </a:ext>
+            </a:extLst>
+          </p:cNvPr>
+          <p:cNvSpPr>
+            <a:spLocks noGrp="1"/>
+          </p:cNvSpPr>
+          <p:nvPr>
+            <p:ph type="dt" sz="half" idx="10"/>
+          </p:nvPr>
+        </p:nvSpPr>
+        <p:spPr/>
+        <p:txBody>
+          <a:bodyPr/>
+          <a:lstStyle/>
+          <a:p>
+            <a:r>
+              <a:rPr lang="de-DE"/>
+              <a:t>30.01.2018</a:t>
+            </a:r>
+            <a:endParaRPr lang="de-DE" dirty="0"/>
+          </a:p>
+        </p:txBody>
+      </p:sp>
+      <p:sp>
+        <p:nvSpPr>
+          <p:cNvPr id="16" name="Fußzeilenplatzhalter 15">
+            <a:extLst>
+              <a:ext uri="{FF2B5EF4-FFF2-40B4-BE49-F238E27FC236}">
+                <a16:creationId xmlns:a16="http://schemas.microsoft.com/office/drawing/2014/main" id="{2E895B4F-70E3-4AE1-9205-A58396704391}"/>
+              </a:ext>
+            </a:extLst>
+          </p:cNvPr>
+          <p:cNvSpPr>
+            <a:spLocks noGrp="1"/>
+          </p:cNvSpPr>
+          <p:nvPr>
+            <p:ph type="ftr" sz="quarter" idx="11"/>
+          </p:nvPr>
+        </p:nvSpPr>
+        <p:spPr/>
+        <p:txBody>
+          <a:bodyPr/>
+          <a:lstStyle/>
+          <a:p>
+            <a:r>
+              <a:rPr lang="de-DE"/>
+              <a:t>Sebastian Mischke</a:t>
+            </a:r>
+            <a:endParaRPr lang="de-DE" dirty="0"/>
+          </a:p>
+        </p:txBody>
+      </p:sp>
+      <p:sp>
+        <p:nvSpPr>
+          <p:cNvPr id="17" name="Foliennummernplatzhalter 16">
+            <a:extLst>
+              <a:ext uri="{FF2B5EF4-FFF2-40B4-BE49-F238E27FC236}">
+                <a16:creationId xmlns:a16="http://schemas.microsoft.com/office/drawing/2014/main" id="{A7F1E874-4335-43E7-BA1C-EABAAA645F5B}"/>
+              </a:ext>
+            </a:extLst>
+          </p:cNvPr>
+          <p:cNvSpPr>
+            <a:spLocks noGrp="1"/>
+          </p:cNvSpPr>
+          <p:nvPr>
+            <p:ph type="sldNum" sz="quarter" idx="12"/>
+          </p:nvPr>
+        </p:nvSpPr>
+        <p:spPr/>
+        <p:txBody>
+          <a:bodyPr/>
+          <a:lstStyle/>
+          <a:p>
+            <a:fld id="{297EE791-5D67-423F-A450-B005FE0C9AAB}" type="slidenum">
+              <a:rPr lang="de-DE" smtClean="0"/>
+              <a:t>6</a:t>
+            </a:fld>
+            <a:endParaRPr lang="de-DE"/>
+          </a:p>
+        </p:txBody>
+      </p:sp>
     </p:spTree>
     <p:extLst>
       <p:ext uri="{BB962C8B-B14F-4D97-AF65-F5344CB8AC3E}">
-        <p14:creationId xmlns:p14="http://schemas.microsoft.com/office/powerpoint/2010/main" val="351916321"/>
+        <p14:creationId xmlns:p14="http://schemas.microsoft.com/office/powerpoint/2010/main" val="2211025264"/>
       </p:ext>
     </p:extLst>
   </p:cSld>
@@ -5174,7 +6767,7 @@
           <p:cNvPr id="2" name="Titel 1">
             <a:extLst>
               <a:ext uri="{FF2B5EF4-FFF2-40B4-BE49-F238E27FC236}">
-                <a16:creationId xmlns:a16="http://schemas.microsoft.com/office/drawing/2014/main" id="{AC37F681-D593-4C5A-804C-DD5ECFFC0DE2}"/>
+                <a16:creationId xmlns:a16="http://schemas.microsoft.com/office/drawing/2014/main" id="{98408825-A253-4FA1-80BC-74B0A8AB7A0B}"/>
               </a:ext>
             </a:extLst>
           </p:cNvPr>
@@ -5192,7 +6785,7 @@
           <a:p>
             <a:r>
               <a:rPr lang="de-DE" dirty="0"/>
-              <a:t>Evaluation</a:t>
+              <a:t>Satellitenbilder</a:t>
             </a:r>
           </a:p>
         </p:txBody>
@@ -5202,7 +6795,7 @@
           <p:cNvPr id="3" name="Inhaltsplatzhalter 2">
             <a:extLst>
               <a:ext uri="{FF2B5EF4-FFF2-40B4-BE49-F238E27FC236}">
-                <a16:creationId xmlns:a16="http://schemas.microsoft.com/office/drawing/2014/main" id="{486EE2B7-E9A7-4C56-8220-05CE400B7479}"/>
+                <a16:creationId xmlns:a16="http://schemas.microsoft.com/office/drawing/2014/main" id="{9AC65557-BEA4-402F-BE47-4C1D6D67E329}"/>
               </a:ext>
             </a:extLst>
           </p:cNvPr>
@@ -5218,50 +6811,117 @@
           <a:bodyPr/>
           <a:lstStyle/>
           <a:p>
-            <a:endParaRPr lang="de-DE"/>
-          </a:p>
-        </p:txBody>
-      </p:sp>
-      <p:pic>
-        <p:nvPicPr>
-          <p:cNvPr id="4" name="Grafik 3">
+            <a:r>
+              <a:rPr lang="de-DE" dirty="0"/>
+              <a:t>Lokale vorhandene Datenmenge</a:t>
+            </a:r>
+          </a:p>
+          <a:p>
+            <a:r>
+              <a:rPr lang="de-DE" dirty="0"/>
+              <a:t>Adressliste </a:t>
+            </a:r>
+            <a:r>
+              <a:rPr lang="de-DE" dirty="0">
+                <a:sym typeface="Wingdings" panose="05000000000000000000" pitchFamily="2" charset="2"/>
+              </a:rPr>
+              <a:t> Google Maps API</a:t>
+            </a:r>
+            <a:endParaRPr lang="de-DE" dirty="0"/>
+          </a:p>
+        </p:txBody>
+      </p:sp>
+      <p:sp>
+        <p:nvSpPr>
+          <p:cNvPr id="5" name="Datumsplatzhalter 4">
             <a:extLst>
               <a:ext uri="{FF2B5EF4-FFF2-40B4-BE49-F238E27FC236}">
-                <a16:creationId xmlns:a16="http://schemas.microsoft.com/office/drawing/2014/main" id="{0717B915-48F3-46BA-9236-1BE121D67925}"/>
+                <a16:creationId xmlns:a16="http://schemas.microsoft.com/office/drawing/2014/main" id="{BEE750CA-4F30-4E79-819A-20978651D9C9}"/>
               </a:ext>
             </a:extLst>
           </p:cNvPr>
-          <p:cNvPicPr>
-            <a:picLocks noChangeAspect="1"/>
-          </p:cNvPicPr>
-          <p:nvPr/>
-        </p:nvPicPr>
-        <p:blipFill>
-          <a:blip r:embed="rId2" cstate="print">
+          <p:cNvSpPr>
+            <a:spLocks noGrp="1"/>
+          </p:cNvSpPr>
+          <p:nvPr>
+            <p:ph type="dt" sz="half" idx="10"/>
+          </p:nvPr>
+        </p:nvSpPr>
+        <p:spPr/>
+        <p:txBody>
+          <a:bodyPr/>
+          <a:lstStyle/>
+          <a:p>
+            <a:r>
+              <a:rPr lang="de-DE"/>
+              <a:t>30.01.2018</a:t>
+            </a:r>
+            <a:endParaRPr lang="de-DE" dirty="0"/>
+          </a:p>
+        </p:txBody>
+      </p:sp>
+      <p:sp>
+        <p:nvSpPr>
+          <p:cNvPr id="6" name="Fußzeilenplatzhalter 5">
             <a:extLst>
-              <a:ext uri="{28A0092B-C50C-407E-A947-70E740481C1C}">
-                <a14:useLocalDpi xmlns:a14="http://schemas.microsoft.com/office/drawing/2010/main" val="0"/>
+              <a:ext uri="{FF2B5EF4-FFF2-40B4-BE49-F238E27FC236}">
+                <a16:creationId xmlns:a16="http://schemas.microsoft.com/office/drawing/2014/main" id="{2ACA7F10-5CA7-4A39-9476-1FD2109D9F87}"/>
               </a:ext>
             </a:extLst>
-          </a:blip>
-          <a:stretch>
-            <a:fillRect/>
-          </a:stretch>
-        </p:blipFill>
-        <p:spPr>
-          <a:xfrm>
-            <a:off x="8471877" y="469204"/>
-            <a:ext cx="3110523" cy="625215"/>
-          </a:xfrm>
-          <a:prstGeom prst="rect">
-            <a:avLst/>
-          </a:prstGeom>
-        </p:spPr>
-      </p:pic>
+          </p:cNvPr>
+          <p:cNvSpPr>
+            <a:spLocks noGrp="1"/>
+          </p:cNvSpPr>
+          <p:nvPr>
+            <p:ph type="ftr" sz="quarter" idx="11"/>
+          </p:nvPr>
+        </p:nvSpPr>
+        <p:spPr/>
+        <p:txBody>
+          <a:bodyPr/>
+          <a:lstStyle/>
+          <a:p>
+            <a:r>
+              <a:rPr lang="de-DE"/>
+              <a:t>Sebastian Mischke</a:t>
+            </a:r>
+            <a:endParaRPr lang="de-DE" dirty="0"/>
+          </a:p>
+        </p:txBody>
+      </p:sp>
+      <p:sp>
+        <p:nvSpPr>
+          <p:cNvPr id="7" name="Foliennummernplatzhalter 6">
+            <a:extLst>
+              <a:ext uri="{FF2B5EF4-FFF2-40B4-BE49-F238E27FC236}">
+                <a16:creationId xmlns:a16="http://schemas.microsoft.com/office/drawing/2014/main" id="{57C83C1E-94E0-49F3-965B-BC3121F1BF9C}"/>
+              </a:ext>
+            </a:extLst>
+          </p:cNvPr>
+          <p:cNvSpPr>
+            <a:spLocks noGrp="1"/>
+          </p:cNvSpPr>
+          <p:nvPr>
+            <p:ph type="sldNum" sz="quarter" idx="12"/>
+          </p:nvPr>
+        </p:nvSpPr>
+        <p:spPr/>
+        <p:txBody>
+          <a:bodyPr/>
+          <a:lstStyle/>
+          <a:p>
+            <a:fld id="{297EE791-5D67-423F-A450-B005FE0C9AAB}" type="slidenum">
+              <a:rPr lang="de-DE" smtClean="0"/>
+              <a:t>7</a:t>
+            </a:fld>
+            <a:endParaRPr lang="de-DE"/>
+          </a:p>
+        </p:txBody>
+      </p:sp>
     </p:spTree>
     <p:extLst>
       <p:ext uri="{BB962C8B-B14F-4D97-AF65-F5344CB8AC3E}">
-        <p14:creationId xmlns:p14="http://schemas.microsoft.com/office/powerpoint/2010/main" val="755854998"/>
+        <p14:creationId xmlns:p14="http://schemas.microsoft.com/office/powerpoint/2010/main" val="359076662"/>
       </p:ext>
     </p:extLst>
   </p:cSld>
@@ -5293,7 +6953,7 @@
           <p:cNvPr id="2" name="Titel 1">
             <a:extLst>
               <a:ext uri="{FF2B5EF4-FFF2-40B4-BE49-F238E27FC236}">
-                <a16:creationId xmlns:a16="http://schemas.microsoft.com/office/drawing/2014/main" id="{47821B0B-73C7-4D74-85E5-D26A3775FE05}"/>
+                <a16:creationId xmlns:a16="http://schemas.microsoft.com/office/drawing/2014/main" id="{662293A9-96BC-4F94-A697-A4E413313499}"/>
               </a:ext>
             </a:extLst>
           </p:cNvPr>
@@ -5311,7 +6971,7 @@
           <a:p>
             <a:r>
               <a:rPr lang="de-DE" dirty="0"/>
-              <a:t>Fazit</a:t>
+              <a:t>Trainingsvorgaben / Merkmale</a:t>
             </a:r>
           </a:p>
         </p:txBody>
@@ -5321,7 +6981,7 @@
           <p:cNvPr id="3" name="Inhaltsplatzhalter 2">
             <a:extLst>
               <a:ext uri="{FF2B5EF4-FFF2-40B4-BE49-F238E27FC236}">
-                <a16:creationId xmlns:a16="http://schemas.microsoft.com/office/drawing/2014/main" id="{8C5558C3-2B3A-483D-AF2B-430FA216346F}"/>
+                <a16:creationId xmlns:a16="http://schemas.microsoft.com/office/drawing/2014/main" id="{363A19DF-48D4-47F8-BD5A-A4F01156E33B}"/>
               </a:ext>
             </a:extLst>
           </p:cNvPr>
@@ -5339,51 +6999,135 @@
           <a:p>
             <a:r>
               <a:rPr lang="de-DE" dirty="0"/>
-              <a:t>Ergebnisse</a:t>
-            </a:r>
-          </a:p>
-        </p:txBody>
-      </p:sp>
-      <p:pic>
-        <p:nvPicPr>
-          <p:cNvPr id="5" name="Grafik 4">
+              <a:t>Lokale vorhandene Datenmenge</a:t>
+            </a:r>
+          </a:p>
+          <a:p>
+            <a:pPr lvl="1"/>
+            <a:r>
+              <a:rPr lang="de-DE" dirty="0"/>
+              <a:t>Zugehörig zu Bild bzw. Adresse</a:t>
+            </a:r>
+          </a:p>
+          <a:p>
+            <a:r>
+              <a:rPr lang="de-DE" dirty="0"/>
+              <a:t>Inverse Datenakquirierung</a:t>
+            </a:r>
+          </a:p>
+          <a:p>
+            <a:pPr lvl="1"/>
+            <a:r>
+              <a:rPr lang="de-DE" dirty="0"/>
+              <a:t>Adressliste aus gewünschtem Merkmal (z.B. Schulen)</a:t>
+            </a:r>
+          </a:p>
+          <a:p>
+            <a:r>
+              <a:rPr lang="de-DE" dirty="0"/>
+              <a:t>(Adresse) </a:t>
+            </a:r>
+            <a:r>
+              <a:rPr lang="de-DE" dirty="0">
+                <a:sym typeface="Wingdings" panose="05000000000000000000" pitchFamily="2" charset="2"/>
+              </a:rPr>
+              <a:t> Satellitenbild  Interface für menschliche Entscheidung  SQL-Datenbank</a:t>
+            </a:r>
+            <a:endParaRPr lang="de-DE" dirty="0"/>
+          </a:p>
+        </p:txBody>
+      </p:sp>
+      <p:sp>
+        <p:nvSpPr>
+          <p:cNvPr id="5" name="Datumsplatzhalter 4">
             <a:extLst>
               <a:ext uri="{FF2B5EF4-FFF2-40B4-BE49-F238E27FC236}">
-                <a16:creationId xmlns:a16="http://schemas.microsoft.com/office/drawing/2014/main" id="{AC980984-39C8-4256-9D0A-4A9DF82415FE}"/>
+                <a16:creationId xmlns:a16="http://schemas.microsoft.com/office/drawing/2014/main" id="{34A5744A-708F-4F09-B113-61042891206A}"/>
               </a:ext>
             </a:extLst>
           </p:cNvPr>
-          <p:cNvPicPr>
-            <a:picLocks noChangeAspect="1"/>
-          </p:cNvPicPr>
-          <p:nvPr/>
-        </p:nvPicPr>
-        <p:blipFill>
-          <a:blip r:embed="rId2" cstate="print">
+          <p:cNvSpPr>
+            <a:spLocks noGrp="1"/>
+          </p:cNvSpPr>
+          <p:nvPr>
+            <p:ph type="dt" sz="half" idx="10"/>
+          </p:nvPr>
+        </p:nvSpPr>
+        <p:spPr/>
+        <p:txBody>
+          <a:bodyPr/>
+          <a:lstStyle/>
+          <a:p>
+            <a:r>
+              <a:rPr lang="de-DE"/>
+              <a:t>30.01.2018</a:t>
+            </a:r>
+            <a:endParaRPr lang="de-DE" dirty="0"/>
+          </a:p>
+        </p:txBody>
+      </p:sp>
+      <p:sp>
+        <p:nvSpPr>
+          <p:cNvPr id="6" name="Fußzeilenplatzhalter 5">
             <a:extLst>
-              <a:ext uri="{28A0092B-C50C-407E-A947-70E740481C1C}">
-                <a14:useLocalDpi xmlns:a14="http://schemas.microsoft.com/office/drawing/2010/main" val="0"/>
+              <a:ext uri="{FF2B5EF4-FFF2-40B4-BE49-F238E27FC236}">
+                <a16:creationId xmlns:a16="http://schemas.microsoft.com/office/drawing/2014/main" id="{A2ACE29E-B3AF-49B9-AC8F-A3D274EDC354}"/>
               </a:ext>
             </a:extLst>
-          </a:blip>
-          <a:stretch>
-            <a:fillRect/>
-          </a:stretch>
-        </p:blipFill>
-        <p:spPr>
-          <a:xfrm>
-            <a:off x="8471877" y="469204"/>
-            <a:ext cx="3110523" cy="625215"/>
-          </a:xfrm>
-          <a:prstGeom prst="rect">
-            <a:avLst/>
-          </a:prstGeom>
-        </p:spPr>
-      </p:pic>
+          </p:cNvPr>
+          <p:cNvSpPr>
+            <a:spLocks noGrp="1"/>
+          </p:cNvSpPr>
+          <p:nvPr>
+            <p:ph type="ftr" sz="quarter" idx="11"/>
+          </p:nvPr>
+        </p:nvSpPr>
+        <p:spPr/>
+        <p:txBody>
+          <a:bodyPr/>
+          <a:lstStyle/>
+          <a:p>
+            <a:r>
+              <a:rPr lang="de-DE"/>
+              <a:t>Sebastian Mischke</a:t>
+            </a:r>
+            <a:endParaRPr lang="de-DE" dirty="0"/>
+          </a:p>
+        </p:txBody>
+      </p:sp>
+      <p:sp>
+        <p:nvSpPr>
+          <p:cNvPr id="7" name="Foliennummernplatzhalter 6">
+            <a:extLst>
+              <a:ext uri="{FF2B5EF4-FFF2-40B4-BE49-F238E27FC236}">
+                <a16:creationId xmlns:a16="http://schemas.microsoft.com/office/drawing/2014/main" id="{D24994AD-2259-43C4-9273-5530ACBA74FD}"/>
+              </a:ext>
+            </a:extLst>
+          </p:cNvPr>
+          <p:cNvSpPr>
+            <a:spLocks noGrp="1"/>
+          </p:cNvSpPr>
+          <p:nvPr>
+            <p:ph type="sldNum" sz="quarter" idx="12"/>
+          </p:nvPr>
+        </p:nvSpPr>
+        <p:spPr/>
+        <p:txBody>
+          <a:bodyPr/>
+          <a:lstStyle/>
+          <a:p>
+            <a:fld id="{297EE791-5D67-423F-A450-B005FE0C9AAB}" type="slidenum">
+              <a:rPr lang="de-DE" smtClean="0"/>
+              <a:t>8</a:t>
+            </a:fld>
+            <a:endParaRPr lang="de-DE"/>
+          </a:p>
+        </p:txBody>
+      </p:sp>
     </p:spTree>
     <p:extLst>
       <p:ext uri="{BB962C8B-B14F-4D97-AF65-F5344CB8AC3E}">
-        <p14:creationId xmlns:p14="http://schemas.microsoft.com/office/powerpoint/2010/main" val="2826496482"/>
+        <p14:creationId xmlns:p14="http://schemas.microsoft.com/office/powerpoint/2010/main" val="2183325724"/>
       </p:ext>
     </p:extLst>
   </p:cSld>
@@ -5415,7 +7159,7 @@
           <p:cNvPr id="2" name="Titel 1">
             <a:extLst>
               <a:ext uri="{FF2B5EF4-FFF2-40B4-BE49-F238E27FC236}">
-                <a16:creationId xmlns:a16="http://schemas.microsoft.com/office/drawing/2014/main" id="{84400D62-C043-4C42-A8E3-56B058ADCCEE}"/>
+                <a16:creationId xmlns:a16="http://schemas.microsoft.com/office/drawing/2014/main" id="{81E74AC4-F404-45DC-8D65-1AC445DEC5C9}"/>
               </a:ext>
             </a:extLst>
           </p:cNvPr>
@@ -5433,7 +7177,7 @@
           <a:p>
             <a:r>
               <a:rPr lang="de-DE" dirty="0"/>
-              <a:t>Ausblick</a:t>
+              <a:t>Neuronales Netz</a:t>
             </a:r>
           </a:p>
         </p:txBody>
@@ -5443,7 +7187,7 @@
           <p:cNvPr id="3" name="Inhaltsplatzhalter 2">
             <a:extLst>
               <a:ext uri="{FF2B5EF4-FFF2-40B4-BE49-F238E27FC236}">
-                <a16:creationId xmlns:a16="http://schemas.microsoft.com/office/drawing/2014/main" id="{08413965-6249-42D1-85DE-46E255F5123F}"/>
+                <a16:creationId xmlns:a16="http://schemas.microsoft.com/office/drawing/2014/main" id="{7244D24D-B582-43A5-920E-7DBD04AC3A14}"/>
               </a:ext>
             </a:extLst>
           </p:cNvPr>
@@ -5461,51 +7205,129 @@
           <a:p>
             <a:r>
               <a:rPr lang="de-DE" dirty="0"/>
-              <a:t>Weiterführende Entwicklung</a:t>
-            </a:r>
-          </a:p>
-        </p:txBody>
-      </p:sp>
-      <p:pic>
-        <p:nvPicPr>
-          <p:cNvPr id="4" name="Grafik 3">
+              <a:t>Angelehnt an VGG16</a:t>
+            </a:r>
+          </a:p>
+          <a:p>
+            <a:r>
+              <a:rPr lang="de-DE" dirty="0"/>
+              <a:t>Standardnetz verfügbar, Anpassung interner Struktur möglich</a:t>
+            </a:r>
+          </a:p>
+          <a:p>
+            <a:r>
+              <a:rPr lang="de-DE" dirty="0"/>
+              <a:t>Automatische Anpassung an Eingabe- und Ausgabedaten</a:t>
+            </a:r>
+          </a:p>
+          <a:p>
+            <a:pPr lvl="1"/>
+            <a:r>
+              <a:rPr lang="de-DE" dirty="0"/>
+              <a:t>Bis zu gewissen Punkt (Ausgabefunktion wie </a:t>
+            </a:r>
+            <a:r>
+              <a:rPr lang="de-DE" dirty="0" err="1"/>
+              <a:t>Softmax</a:t>
+            </a:r>
+            <a:r>
+              <a:rPr lang="de-DE" dirty="0"/>
+              <a:t> oder Linear)</a:t>
+            </a:r>
+          </a:p>
+        </p:txBody>
+      </p:sp>
+      <p:sp>
+        <p:nvSpPr>
+          <p:cNvPr id="4" name="Datumsplatzhalter 3">
             <a:extLst>
               <a:ext uri="{FF2B5EF4-FFF2-40B4-BE49-F238E27FC236}">
-                <a16:creationId xmlns:a16="http://schemas.microsoft.com/office/drawing/2014/main" id="{1F426D8F-4256-407E-88F6-A35387EAEB64}"/>
+                <a16:creationId xmlns:a16="http://schemas.microsoft.com/office/drawing/2014/main" id="{1C23DF82-5B8A-4FB1-A9B2-8E001D433C9D}"/>
               </a:ext>
             </a:extLst>
           </p:cNvPr>
-          <p:cNvPicPr>
-            <a:picLocks noChangeAspect="1"/>
-          </p:cNvPicPr>
-          <p:nvPr/>
-        </p:nvPicPr>
-        <p:blipFill>
-          <a:blip r:embed="rId2" cstate="print">
+          <p:cNvSpPr>
+            <a:spLocks noGrp="1"/>
+          </p:cNvSpPr>
+          <p:nvPr>
+            <p:ph type="dt" sz="half" idx="10"/>
+          </p:nvPr>
+        </p:nvSpPr>
+        <p:spPr/>
+        <p:txBody>
+          <a:bodyPr/>
+          <a:lstStyle/>
+          <a:p>
+            <a:r>
+              <a:rPr lang="de-DE"/>
+              <a:t>30.01.2018</a:t>
+            </a:r>
+            <a:endParaRPr lang="de-DE" dirty="0"/>
+          </a:p>
+        </p:txBody>
+      </p:sp>
+      <p:sp>
+        <p:nvSpPr>
+          <p:cNvPr id="5" name="Fußzeilenplatzhalter 4">
             <a:extLst>
-              <a:ext uri="{28A0092B-C50C-407E-A947-70E740481C1C}">
-                <a14:useLocalDpi xmlns:a14="http://schemas.microsoft.com/office/drawing/2010/main" val="0"/>
+              <a:ext uri="{FF2B5EF4-FFF2-40B4-BE49-F238E27FC236}">
+                <a16:creationId xmlns:a16="http://schemas.microsoft.com/office/drawing/2014/main" id="{D174F6A9-C673-4533-8124-AC178E4DB0EE}"/>
               </a:ext>
             </a:extLst>
-          </a:blip>
-          <a:stretch>
-            <a:fillRect/>
-          </a:stretch>
-        </p:blipFill>
-        <p:spPr>
-          <a:xfrm>
-            <a:off x="8471877" y="469204"/>
-            <a:ext cx="3110523" cy="625215"/>
-          </a:xfrm>
-          <a:prstGeom prst="rect">
-            <a:avLst/>
-          </a:prstGeom>
-        </p:spPr>
-      </p:pic>
+          </p:cNvPr>
+          <p:cNvSpPr>
+            <a:spLocks noGrp="1"/>
+          </p:cNvSpPr>
+          <p:nvPr>
+            <p:ph type="ftr" sz="quarter" idx="11"/>
+          </p:nvPr>
+        </p:nvSpPr>
+        <p:spPr/>
+        <p:txBody>
+          <a:bodyPr/>
+          <a:lstStyle/>
+          <a:p>
+            <a:r>
+              <a:rPr lang="de-DE"/>
+              <a:t>Sebastian Mischke</a:t>
+            </a:r>
+            <a:endParaRPr lang="de-DE" dirty="0"/>
+          </a:p>
+        </p:txBody>
+      </p:sp>
+      <p:sp>
+        <p:nvSpPr>
+          <p:cNvPr id="6" name="Foliennummernplatzhalter 5">
+            <a:extLst>
+              <a:ext uri="{FF2B5EF4-FFF2-40B4-BE49-F238E27FC236}">
+                <a16:creationId xmlns:a16="http://schemas.microsoft.com/office/drawing/2014/main" id="{ACC5E50A-0275-43BA-A6E9-2966ADEF5AFD}"/>
+              </a:ext>
+            </a:extLst>
+          </p:cNvPr>
+          <p:cNvSpPr>
+            <a:spLocks noGrp="1"/>
+          </p:cNvSpPr>
+          <p:nvPr>
+            <p:ph type="sldNum" sz="quarter" idx="12"/>
+          </p:nvPr>
+        </p:nvSpPr>
+        <p:spPr/>
+        <p:txBody>
+          <a:bodyPr/>
+          <a:lstStyle/>
+          <a:p>
+            <a:fld id="{297EE791-5D67-423F-A450-B005FE0C9AAB}" type="slidenum">
+              <a:rPr lang="de-DE" smtClean="0"/>
+              <a:t>9</a:t>
+            </a:fld>
+            <a:endParaRPr lang="de-DE"/>
+          </a:p>
+        </p:txBody>
+      </p:sp>
     </p:spTree>
     <p:extLst>
       <p:ext uri="{BB962C8B-B14F-4D97-AF65-F5344CB8AC3E}">
-        <p14:creationId xmlns:p14="http://schemas.microsoft.com/office/powerpoint/2010/main" val="794121934"/>
+        <p14:creationId xmlns:p14="http://schemas.microsoft.com/office/powerpoint/2010/main" val="2085395841"/>
       </p:ext>
     </p:extLst>
   </p:cSld>
@@ -5803,4 +7625,299 @@
     </a:ext>
   </a:extLst>
 </a:theme>
+</file>
+
+<file path=ppt/theme/theme2.xml><?xml version="1.0" encoding="utf-8"?>
+<a:theme xmlns:a="http://schemas.openxmlformats.org/drawingml/2006/main" name="Office">
+  <a:themeElements>
+    <a:clrScheme name="Office">
+      <a:dk1>
+        <a:sysClr val="windowText" lastClr="000000"/>
+      </a:dk1>
+      <a:lt1>
+        <a:sysClr val="window" lastClr="FFFFFF"/>
+      </a:lt1>
+      <a:dk2>
+        <a:srgbClr val="44546A"/>
+      </a:dk2>
+      <a:lt2>
+        <a:srgbClr val="E7E6E6"/>
+      </a:lt2>
+      <a:accent1>
+        <a:srgbClr val="4472C4"/>
+      </a:accent1>
+      <a:accent2>
+        <a:srgbClr val="ED7D31"/>
+      </a:accent2>
+      <a:accent3>
+        <a:srgbClr val="A5A5A5"/>
+      </a:accent3>
+      <a:accent4>
+        <a:srgbClr val="FFC000"/>
+      </a:accent4>
+      <a:accent5>
+        <a:srgbClr val="5B9BD5"/>
+      </a:accent5>
+      <a:accent6>
+        <a:srgbClr val="70AD47"/>
+      </a:accent6>
+      <a:hlink>
+        <a:srgbClr val="0563C1"/>
+      </a:hlink>
+      <a:folHlink>
+        <a:srgbClr val="954F72"/>
+      </a:folHlink>
+    </a:clrScheme>
+    <a:fontScheme name="Office">
+      <a:majorFont>
+        <a:latin typeface="Calibri Light" panose="020F0302020204030204"/>
+        <a:ea typeface=""/>
+        <a:cs typeface=""/>
+        <a:font script="Jpan" typeface="游ゴシック Light"/>
+        <a:font script="Hang" typeface="맑은 고딕"/>
+        <a:font script="Hans" typeface="等线 Light"/>
+        <a:font script="Hant" typeface="新細明體"/>
+        <a:font script="Arab" typeface="Times New Roman"/>
+        <a:font script="Hebr" typeface="Times New Roman"/>
+        <a:font script="Thai" typeface="Angsana New"/>
+        <a:font script="Ethi" typeface="Nyala"/>
+        <a:font script="Beng" typeface="Vrinda"/>
+        <a:font script="Gujr" typeface="Shruti"/>
+        <a:font script="Khmr" typeface="MoolBoran"/>
+        <a:font script="Knda" typeface="Tunga"/>
+        <a:font script="Guru" typeface="Raavi"/>
+        <a:font script="Cans" typeface="Euphemia"/>
+        <a:font script="Cher" typeface="Plantagenet Cherokee"/>
+        <a:font script="Yiii" typeface="Microsoft Yi Baiti"/>
+        <a:font script="Tibt" typeface="Microsoft Himalaya"/>
+        <a:font script="Thaa" typeface="MV Boli"/>
+        <a:font script="Deva" typeface="Mangal"/>
+        <a:font script="Telu" typeface="Gautami"/>
+        <a:font script="Taml" typeface="Latha"/>
+        <a:font script="Syrc" typeface="Estrangelo Edessa"/>
+        <a:font script="Orya" typeface="Kalinga"/>
+        <a:font script="Mlym" typeface="Kartika"/>
+        <a:font script="Laoo" typeface="DokChampa"/>
+        <a:font script="Sinh" typeface="Iskoola Pota"/>
+        <a:font script="Mong" typeface="Mongolian Baiti"/>
+        <a:font script="Viet" typeface="Times New Roman"/>
+        <a:font script="Uigh" typeface="Microsoft Uighur"/>
+        <a:font script="Geor" typeface="Sylfaen"/>
+        <a:font script="Armn" typeface="Arial"/>
+        <a:font script="Bugi" typeface="Leelawadee UI"/>
+        <a:font script="Bopo" typeface="Microsoft JhengHei"/>
+        <a:font script="Java" typeface="Javanese Text"/>
+        <a:font script="Lisu" typeface="Segoe UI"/>
+        <a:font script="Mymr" typeface="Myanmar Text"/>
+        <a:font script="Nkoo" typeface="Ebrima"/>
+        <a:font script="Olck" typeface="Nirmala UI"/>
+        <a:font script="Osma" typeface="Ebrima"/>
+        <a:font script="Phag" typeface="Phagspa"/>
+        <a:font script="Syrn" typeface="Estrangelo Edessa"/>
+        <a:font script="Syrj" typeface="Estrangelo Edessa"/>
+        <a:font script="Syre" typeface="Estrangelo Edessa"/>
+        <a:font script="Sora" typeface="Nirmala UI"/>
+        <a:font script="Tale" typeface="Microsoft Tai Le"/>
+        <a:font script="Talu" typeface="Microsoft New Tai Lue"/>
+        <a:font script="Tfng" typeface="Ebrima"/>
+      </a:majorFont>
+      <a:minorFont>
+        <a:latin typeface="Calibri" panose="020F0502020204030204"/>
+        <a:ea typeface=""/>
+        <a:cs typeface=""/>
+        <a:font script="Jpan" typeface="游ゴシック"/>
+        <a:font script="Hang" typeface="맑은 고딕"/>
+        <a:font script="Hans" typeface="等线"/>
+        <a:font script="Hant" typeface="新細明體"/>
+        <a:font script="Arab" typeface="Arial"/>
+        <a:font script="Hebr" typeface="Arial"/>
+        <a:font script="Thai" typeface="Cordia New"/>
+        <a:font script="Ethi" typeface="Nyala"/>
+        <a:font script="Beng" typeface="Vrinda"/>
+        <a:font script="Gujr" typeface="Shruti"/>
+        <a:font script="Khmr" typeface="DaunPenh"/>
+        <a:font script="Knda" typeface="Tunga"/>
+        <a:font script="Guru" typeface="Raavi"/>
+        <a:font script="Cans" typeface="Euphemia"/>
+        <a:font script="Cher" typeface="Plantagenet Cherokee"/>
+        <a:font script="Yiii" typeface="Microsoft Yi Baiti"/>
+        <a:font script="Tibt" typeface="Microsoft Himalaya"/>
+        <a:font script="Thaa" typeface="MV Boli"/>
+        <a:font script="Deva" typeface="Mangal"/>
+        <a:font script="Telu" typeface="Gautami"/>
+        <a:font script="Taml" typeface="Latha"/>
+        <a:font script="Syrc" typeface="Estrangelo Edessa"/>
+        <a:font script="Orya" typeface="Kalinga"/>
+        <a:font script="Mlym" typeface="Kartika"/>
+        <a:font script="Laoo" typeface="DokChampa"/>
+        <a:font script="Sinh" typeface="Iskoola Pota"/>
+        <a:font script="Mong" typeface="Mongolian Baiti"/>
+        <a:font script="Viet" typeface="Arial"/>
+        <a:font script="Uigh" typeface="Microsoft Uighur"/>
+        <a:font script="Geor" typeface="Sylfaen"/>
+        <a:font script="Armn" typeface="Arial"/>
+        <a:font script="Bugi" typeface="Leelawadee UI"/>
+        <a:font script="Bopo" typeface="Microsoft JhengHei"/>
+        <a:font script="Java" typeface="Javanese Text"/>
+        <a:font script="Lisu" typeface="Segoe UI"/>
+        <a:font script="Mymr" typeface="Myanmar Text"/>
+        <a:font script="Nkoo" typeface="Ebrima"/>
+        <a:font script="Olck" typeface="Nirmala UI"/>
+        <a:font script="Osma" typeface="Ebrima"/>
+        <a:font script="Phag" typeface="Phagspa"/>
+        <a:font script="Syrn" typeface="Estrangelo Edessa"/>
+        <a:font script="Syrj" typeface="Estrangelo Edessa"/>
+        <a:font script="Syre" typeface="Estrangelo Edessa"/>
+        <a:font script="Sora" typeface="Nirmala UI"/>
+        <a:font script="Tale" typeface="Microsoft Tai Le"/>
+        <a:font script="Talu" typeface="Microsoft New Tai Lue"/>
+        <a:font script="Tfng" typeface="Ebrima"/>
+      </a:minorFont>
+    </a:fontScheme>
+    <a:fmtScheme name="Office">
+      <a:fillStyleLst>
+        <a:solidFill>
+          <a:schemeClr val="phClr"/>
+        </a:solidFill>
+        <a:gradFill rotWithShape="1">
+          <a:gsLst>
+            <a:gs pos="0">
+              <a:schemeClr val="phClr">
+                <a:lumMod val="110000"/>
+                <a:satMod val="105000"/>
+                <a:tint val="67000"/>
+              </a:schemeClr>
+            </a:gs>
+            <a:gs pos="50000">
+              <a:schemeClr val="phClr">
+                <a:lumMod val="105000"/>
+                <a:satMod val="103000"/>
+                <a:tint val="73000"/>
+              </a:schemeClr>
+            </a:gs>
+            <a:gs pos="100000">
+              <a:schemeClr val="phClr">
+                <a:lumMod val="105000"/>
+                <a:satMod val="109000"/>
+                <a:tint val="81000"/>
+              </a:schemeClr>
+            </a:gs>
+          </a:gsLst>
+          <a:lin ang="5400000" scaled="0"/>
+        </a:gradFill>
+        <a:gradFill rotWithShape="1">
+          <a:gsLst>
+            <a:gs pos="0">
+              <a:schemeClr val="phClr">
+                <a:satMod val="103000"/>
+                <a:lumMod val="102000"/>
+                <a:tint val="94000"/>
+              </a:schemeClr>
+            </a:gs>
+            <a:gs pos="50000">
+              <a:schemeClr val="phClr">
+                <a:satMod val="110000"/>
+                <a:lumMod val="100000"/>
+                <a:shade val="100000"/>
+              </a:schemeClr>
+            </a:gs>
+            <a:gs pos="100000">
+              <a:schemeClr val="phClr">
+                <a:lumMod val="99000"/>
+                <a:satMod val="120000"/>
+                <a:shade val="78000"/>
+              </a:schemeClr>
+            </a:gs>
+          </a:gsLst>
+          <a:lin ang="5400000" scaled="0"/>
+        </a:gradFill>
+      </a:fillStyleLst>
+      <a:lnStyleLst>
+        <a:ln w="6350" cap="flat" cmpd="sng" algn="ctr">
+          <a:solidFill>
+            <a:schemeClr val="phClr"/>
+          </a:solidFill>
+          <a:prstDash val="solid"/>
+          <a:miter lim="800000"/>
+        </a:ln>
+        <a:ln w="12700" cap="flat" cmpd="sng" algn="ctr">
+          <a:solidFill>
+            <a:schemeClr val="phClr"/>
+          </a:solidFill>
+          <a:prstDash val="solid"/>
+          <a:miter lim="800000"/>
+        </a:ln>
+        <a:ln w="19050" cap="flat" cmpd="sng" algn="ctr">
+          <a:solidFill>
+            <a:schemeClr val="phClr"/>
+          </a:solidFill>
+          <a:prstDash val="solid"/>
+          <a:miter lim="800000"/>
+        </a:ln>
+      </a:lnStyleLst>
+      <a:effectStyleLst>
+        <a:effectStyle>
+          <a:effectLst/>
+        </a:effectStyle>
+        <a:effectStyle>
+          <a:effectLst/>
+        </a:effectStyle>
+        <a:effectStyle>
+          <a:effectLst>
+            <a:outerShdw blurRad="57150" dist="19050" dir="5400000" algn="ctr" rotWithShape="0">
+              <a:srgbClr val="000000">
+                <a:alpha val="63000"/>
+              </a:srgbClr>
+            </a:outerShdw>
+          </a:effectLst>
+        </a:effectStyle>
+      </a:effectStyleLst>
+      <a:bgFillStyleLst>
+        <a:solidFill>
+          <a:schemeClr val="phClr"/>
+        </a:solidFill>
+        <a:solidFill>
+          <a:schemeClr val="phClr">
+            <a:tint val="95000"/>
+            <a:satMod val="170000"/>
+          </a:schemeClr>
+        </a:solidFill>
+        <a:gradFill rotWithShape="1">
+          <a:gsLst>
+            <a:gs pos="0">
+              <a:schemeClr val="phClr">
+                <a:tint val="93000"/>
+                <a:satMod val="150000"/>
+                <a:shade val="98000"/>
+                <a:lumMod val="102000"/>
+              </a:schemeClr>
+            </a:gs>
+            <a:gs pos="50000">
+              <a:schemeClr val="phClr">
+                <a:tint val="98000"/>
+                <a:satMod val="130000"/>
+                <a:shade val="90000"/>
+                <a:lumMod val="103000"/>
+              </a:schemeClr>
+            </a:gs>
+            <a:gs pos="100000">
+              <a:schemeClr val="phClr">
+                <a:shade val="63000"/>
+                <a:satMod val="120000"/>
+              </a:schemeClr>
+            </a:gs>
+          </a:gsLst>
+          <a:lin ang="5400000" scaled="0"/>
+        </a:gradFill>
+      </a:bgFillStyleLst>
+    </a:fmtScheme>
+  </a:themeElements>
+  <a:objectDefaults/>
+  <a:extraClrSchemeLst/>
+  <a:extLst>
+    <a:ext uri="{05A4C25C-085E-4340-85A3-A5531E510DB2}">
+      <thm15:themeFamily xmlns:thm15="http://schemas.microsoft.com/office/thememl/2012/main" name="Office Theme" id="{62F939B6-93AF-4DB8-9C6B-D6C7DFDC589F}" vid="{4A3C46E8-61CC-4603-A589-7422A47A8E4A}"/>
+    </a:ext>
+  </a:extLst>
+</a:theme>
 </file>
--- a/docs/verteidigung/Verteidigung.pptx
+++ b/docs/verteidigung/Verteidigung.pptx
@@ -3899,7 +3899,7 @@
         <p:spPr>
           <a:xfrm>
             <a:off x="10939195" y="6476999"/>
-            <a:ext cx="978485" cy="274320"/>
+            <a:ext cx="643205" cy="274320"/>
           </a:xfrm>
           <a:prstGeom prst="rect">
             <a:avLst/>

--- a/docs/verteidigung/Verteidigung.pptx
+++ b/docs/verteidigung/Verteidigung.pptx
@@ -4547,6 +4547,13 @@
             <a:pPr lvl="1"/>
             <a:r>
               <a:rPr lang="de-DE" dirty="0"/>
+              <a:t>Trainingsverlauf</a:t>
+            </a:r>
+          </a:p>
+          <a:p>
+            <a:pPr lvl="1"/>
+            <a:r>
+              <a:rPr lang="de-DE" dirty="0"/>
               <a:t>Kastengrafik</a:t>
             </a:r>
           </a:p>
@@ -4653,6 +4660,150 @@
           </a:p>
         </p:txBody>
       </p:sp>
+      <p:pic>
+        <p:nvPicPr>
+          <p:cNvPr id="12" name="Grafik 11" descr="Ein Bild, das Text enthält.&#10;&#10;Mit hoher Zuverlässigkeit generierte Beschreibung">
+            <a:extLst>
+              <a:ext uri="{FF2B5EF4-FFF2-40B4-BE49-F238E27FC236}">
+                <a16:creationId xmlns:a16="http://schemas.microsoft.com/office/drawing/2014/main" id="{00BA0E7C-C590-43C2-A12B-ACBB17C57B4F}"/>
+              </a:ext>
+            </a:extLst>
+          </p:cNvPr>
+          <p:cNvPicPr>
+            <a:picLocks noChangeAspect="1"/>
+          </p:cNvPicPr>
+          <p:nvPr/>
+        </p:nvPicPr>
+        <p:blipFill>
+          <a:blip r:embed="rId2" cstate="print">
+            <a:extLst>
+              <a:ext uri="{28A0092B-C50C-407E-A947-70E740481C1C}">
+                <a14:useLocalDpi xmlns:a14="http://schemas.microsoft.com/office/drawing/2010/main" val="0"/>
+              </a:ext>
+            </a:extLst>
+          </a:blip>
+          <a:stretch>
+            <a:fillRect/>
+          </a:stretch>
+        </p:blipFill>
+        <p:spPr>
+          <a:xfrm>
+            <a:off x="9768236" y="2889000"/>
+            <a:ext cx="1814164" cy="1080000"/>
+          </a:xfrm>
+          <a:prstGeom prst="rect">
+            <a:avLst/>
+          </a:prstGeom>
+        </p:spPr>
+      </p:pic>
+      <p:pic>
+        <p:nvPicPr>
+          <p:cNvPr id="8" name="Grafik 7" descr="Ein Bild, das Text, Karte enthält.&#10;&#10;Mit sehr hoher Zuverlässigkeit generierte Beschreibung">
+            <a:extLst>
+              <a:ext uri="{FF2B5EF4-FFF2-40B4-BE49-F238E27FC236}">
+                <a16:creationId xmlns:a16="http://schemas.microsoft.com/office/drawing/2014/main" id="{3CAD1208-E21A-48C8-9F83-2FBADDABE82E}"/>
+              </a:ext>
+            </a:extLst>
+          </p:cNvPr>
+          <p:cNvPicPr>
+            <a:picLocks noChangeAspect="1"/>
+          </p:cNvPicPr>
+          <p:nvPr/>
+        </p:nvPicPr>
+        <p:blipFill>
+          <a:blip r:embed="rId3" cstate="print">
+            <a:extLst>
+              <a:ext uri="{28A0092B-C50C-407E-A947-70E740481C1C}">
+                <a14:useLocalDpi xmlns:a14="http://schemas.microsoft.com/office/drawing/2010/main" val="0"/>
+              </a:ext>
+            </a:extLst>
+          </a:blip>
+          <a:stretch>
+            <a:fillRect/>
+          </a:stretch>
+        </p:blipFill>
+        <p:spPr>
+          <a:xfrm>
+            <a:off x="8938278" y="3784014"/>
+            <a:ext cx="2204117" cy="1080000"/>
+          </a:xfrm>
+          <a:prstGeom prst="rect">
+            <a:avLst/>
+          </a:prstGeom>
+        </p:spPr>
+      </p:pic>
+      <p:pic>
+        <p:nvPicPr>
+          <p:cNvPr id="10" name="Grafik 9">
+            <a:extLst>
+              <a:ext uri="{FF2B5EF4-FFF2-40B4-BE49-F238E27FC236}">
+                <a16:creationId xmlns:a16="http://schemas.microsoft.com/office/drawing/2014/main" id="{F0A96F5E-BF6C-477B-AC23-B25F47D81F46}"/>
+              </a:ext>
+            </a:extLst>
+          </p:cNvPr>
+          <p:cNvPicPr>
+            <a:picLocks noChangeAspect="1"/>
+          </p:cNvPicPr>
+          <p:nvPr/>
+        </p:nvPicPr>
+        <p:blipFill>
+          <a:blip r:embed="rId4" cstate="print">
+            <a:extLst>
+              <a:ext uri="{28A0092B-C50C-407E-A947-70E740481C1C}">
+                <a14:useLocalDpi xmlns:a14="http://schemas.microsoft.com/office/drawing/2010/main" val="0"/>
+              </a:ext>
+            </a:extLst>
+          </a:blip>
+          <a:stretch>
+            <a:fillRect/>
+          </a:stretch>
+        </p:blipFill>
+        <p:spPr>
+          <a:xfrm>
+            <a:off x="10607747" y="4507522"/>
+            <a:ext cx="853750" cy="1080000"/>
+          </a:xfrm>
+          <a:prstGeom prst="rect">
+            <a:avLst/>
+          </a:prstGeom>
+        </p:spPr>
+      </p:pic>
+      <p:pic>
+        <p:nvPicPr>
+          <p:cNvPr id="14" name="Grafik 13" descr="Ein Bild, das Karte enthält.&#10;&#10;Mit hoher Zuverlässigkeit generierte Beschreibung">
+            <a:extLst>
+              <a:ext uri="{FF2B5EF4-FFF2-40B4-BE49-F238E27FC236}">
+                <a16:creationId xmlns:a16="http://schemas.microsoft.com/office/drawing/2014/main" id="{1CEC8576-B41C-44A0-A9C5-BDD7A324B776}"/>
+              </a:ext>
+            </a:extLst>
+          </p:cNvPr>
+          <p:cNvPicPr>
+            <a:picLocks noChangeAspect="1"/>
+          </p:cNvPicPr>
+          <p:nvPr/>
+        </p:nvPicPr>
+        <p:blipFill>
+          <a:blip r:embed="rId5" cstate="print">
+            <a:extLst>
+              <a:ext uri="{28A0092B-C50C-407E-A947-70E740481C1C}">
+                <a14:useLocalDpi xmlns:a14="http://schemas.microsoft.com/office/drawing/2010/main" val="0"/>
+              </a:ext>
+            </a:extLst>
+          </a:blip>
+          <a:stretch>
+            <a:fillRect/>
+          </a:stretch>
+        </p:blipFill>
+        <p:spPr>
+          <a:xfrm>
+            <a:off x="9835302" y="5320801"/>
+            <a:ext cx="1747098" cy="1080000"/>
+          </a:xfrm>
+          <a:prstGeom prst="rect">
+            <a:avLst/>
+          </a:prstGeom>
+        </p:spPr>
+      </p:pic>
     </p:spTree>
     <p:extLst>
       <p:ext uri="{BB962C8B-B14F-4D97-AF65-F5344CB8AC3E}">
@@ -5352,7 +5503,7 @@
             </a:r>
             <a:r>
               <a:rPr lang="de-DE" sz="2400" dirty="0"/>
-              <a:t> (Curran Associates, Inc., 2012), S. 1097—1105</a:t>
+              <a:t> (Curran Associates, Inc., 2012), S. 1097--1105</a:t>
             </a:r>
           </a:p>
           <a:p>
@@ -5894,9 +6045,44 @@
             </a:r>
           </a:p>
           <a:p>
+            <a:pPr lvl="1"/>
+            <a:r>
+              <a:rPr lang="de-DE" dirty="0"/>
+              <a:t>Satellitendaten bekommen</a:t>
+            </a:r>
+          </a:p>
+          <a:p>
+            <a:pPr lvl="1"/>
+            <a:r>
+              <a:rPr lang="de-DE" dirty="0"/>
+              <a:t>Trainingsvorgaben bekommen</a:t>
+            </a:r>
+          </a:p>
+          <a:p>
+            <a:pPr lvl="1"/>
+            <a:r>
+              <a:rPr lang="de-DE" dirty="0"/>
+              <a:t>Ergebnisse visualisieren</a:t>
+            </a:r>
+          </a:p>
+          <a:p>
             <a:r>
               <a:rPr lang="de-DE" dirty="0"/>
               <a:t>Ziele und Anforderungen</a:t>
+            </a:r>
+          </a:p>
+          <a:p>
+            <a:pPr lvl="1"/>
+            <a:r>
+              <a:rPr lang="de-DE" dirty="0"/>
+              <a:t>Austauschbar bzw. Anpassbar</a:t>
+            </a:r>
+          </a:p>
+          <a:p>
+            <a:pPr lvl="1"/>
+            <a:r>
+              <a:rPr lang="de-DE" dirty="0"/>
+              <a:t>Minimaler Aufwand bei Anpassung</a:t>
             </a:r>
           </a:p>
         </p:txBody>
@@ -6605,7 +6791,10 @@
           <a:bodyPr/>
           <a:lstStyle/>
           <a:p>
-            <a:endParaRPr lang="de-DE" dirty="0"/>
+            <a:r>
+              <a:rPr lang="de-DE" dirty="0"/>
+              <a:t>Modularer Aufbau</a:t>
+            </a:r>
           </a:p>
         </p:txBody>
       </p:sp>
@@ -6637,7 +6826,7 @@
         </p:blipFill>
         <p:spPr>
           <a:xfrm>
-            <a:off x="3039050" y="3007996"/>
+            <a:off x="3039050" y="4240801"/>
             <a:ext cx="6113899" cy="2160000"/>
           </a:xfrm>
           <a:prstGeom prst="rect">

--- a/docs/verteidigung/Verteidigung.pptx
+++ b/docs/verteidigung/Verteidigung.pptx
@@ -5,7 +5,7 @@
     <p:sldMasterId id="2147483720" r:id="rId1"/>
   </p:sldMasterIdLst>
   <p:notesMasterIdLst>
-    <p:notesMasterId r:id="rId16"/>
+    <p:notesMasterId r:id="rId18"/>
   </p:notesMasterIdLst>
   <p:sldIdLst>
     <p:sldId id="256" r:id="rId2"/>
@@ -13,15 +13,17 @@
     <p:sldId id="258" r:id="rId4"/>
     <p:sldId id="273" r:id="rId5"/>
     <p:sldId id="260" r:id="rId6"/>
-    <p:sldId id="267" r:id="rId7"/>
-    <p:sldId id="268" r:id="rId8"/>
-    <p:sldId id="269" r:id="rId9"/>
-    <p:sldId id="270" r:id="rId10"/>
-    <p:sldId id="271" r:id="rId11"/>
-    <p:sldId id="262" r:id="rId12"/>
-    <p:sldId id="263" r:id="rId13"/>
-    <p:sldId id="264" r:id="rId14"/>
-    <p:sldId id="265" r:id="rId15"/>
+    <p:sldId id="275" r:id="rId7"/>
+    <p:sldId id="267" r:id="rId8"/>
+    <p:sldId id="268" r:id="rId9"/>
+    <p:sldId id="269" r:id="rId10"/>
+    <p:sldId id="274" r:id="rId11"/>
+    <p:sldId id="270" r:id="rId12"/>
+    <p:sldId id="271" r:id="rId13"/>
+    <p:sldId id="262" r:id="rId14"/>
+    <p:sldId id="263" r:id="rId15"/>
+    <p:sldId id="264" r:id="rId16"/>
+    <p:sldId id="265" r:id="rId17"/>
   </p:sldIdLst>
   <p:sldSz cx="12192000" cy="6858000"/>
   <p:notesSz cx="6858000" cy="9144000"/>
@@ -1350,43 +1352,61 @@
         </p:nvSpPr>
         <p:spPr/>
         <p:txBody>
-          <a:bodyPr/>
-          <a:lstStyle/>
+          <a:bodyPr>
+            <a:normAutofit/>
+          </a:bodyPr>
+          <a:lstStyle>
+            <a:lvl1pPr>
+              <a:defRPr sz="3200"/>
+            </a:lvl1pPr>
+            <a:lvl2pPr>
+              <a:defRPr sz="2800"/>
+            </a:lvl2pPr>
+            <a:lvl3pPr>
+              <a:defRPr sz="2400"/>
+            </a:lvl3pPr>
+            <a:lvl4pPr>
+              <a:defRPr sz="2000"/>
+            </a:lvl4pPr>
+            <a:lvl5pPr>
+              <a:defRPr sz="2000"/>
+            </a:lvl5pPr>
+          </a:lstStyle>
           <a:p>
             <a:pPr lvl="0" eaLnBrk="1" latinLnBrk="0" hangingPunct="1"/>
             <a:r>
-              <a:rPr lang="de-DE"/>
+              <a:rPr lang="de-DE" dirty="0"/>
               <a:t>Mastertextformat bearbeiten</a:t>
             </a:r>
           </a:p>
           <a:p>
             <a:pPr lvl="1" eaLnBrk="1" latinLnBrk="0" hangingPunct="1"/>
             <a:r>
-              <a:rPr lang="de-DE"/>
+              <a:rPr lang="de-DE" dirty="0"/>
               <a:t>Zweite Ebene</a:t>
             </a:r>
           </a:p>
           <a:p>
             <a:pPr lvl="2" eaLnBrk="1" latinLnBrk="0" hangingPunct="1"/>
             <a:r>
-              <a:rPr lang="de-DE"/>
+              <a:rPr lang="de-DE" dirty="0"/>
               <a:t>Dritte Ebene</a:t>
             </a:r>
           </a:p>
           <a:p>
             <a:pPr lvl="3" eaLnBrk="1" latinLnBrk="0" hangingPunct="1"/>
             <a:r>
-              <a:rPr lang="de-DE"/>
+              <a:rPr lang="de-DE" dirty="0"/>
               <a:t>Vierte Ebene</a:t>
             </a:r>
           </a:p>
           <a:p>
             <a:pPr lvl="4" eaLnBrk="1" latinLnBrk="0" hangingPunct="1"/>
             <a:r>
-              <a:rPr lang="de-DE"/>
+              <a:rPr lang="de-DE" dirty="0"/>
               <a:t>Fünfte Ebene</a:t>
             </a:r>
-            <a:endParaRPr kumimoji="0" lang="en-US"/>
+            <a:endParaRPr kumimoji="0" lang="en-US" dirty="0"/>
           </a:p>
         </p:txBody>
       </p:sp>
@@ -4488,7 +4508,7 @@
           <p:cNvPr id="2" name="Titel 1">
             <a:extLst>
               <a:ext uri="{FF2B5EF4-FFF2-40B4-BE49-F238E27FC236}">
-                <a16:creationId xmlns:a16="http://schemas.microsoft.com/office/drawing/2014/main" id="{3940D7F2-22E7-41E3-A377-E2AA6D8273BA}"/>
+                <a16:creationId xmlns:a16="http://schemas.microsoft.com/office/drawing/2014/main" id="{986B92DE-3DE1-4B36-BAEB-681AFEB8DBAC}"/>
               </a:ext>
             </a:extLst>
           </p:cNvPr>
@@ -4506,7 +4526,7 @@
           <a:p>
             <a:r>
               <a:rPr lang="de-DE" dirty="0"/>
-              <a:t>Visualisierungen</a:t>
+              <a:t>Trainingsdaten vergrößern</a:t>
             </a:r>
           </a:p>
         </p:txBody>
@@ -4516,7 +4536,7 @@
           <p:cNvPr id="3" name="Inhaltsplatzhalter 2">
             <a:extLst>
               <a:ext uri="{FF2B5EF4-FFF2-40B4-BE49-F238E27FC236}">
-                <a16:creationId xmlns:a16="http://schemas.microsoft.com/office/drawing/2014/main" id="{8A3FABC0-B46C-4C95-858D-1CCA74BAA2EE}"/>
+                <a16:creationId xmlns:a16="http://schemas.microsoft.com/office/drawing/2014/main" id="{348C294E-63F2-4D12-8408-C8DDAB36D2C1}"/>
               </a:ext>
             </a:extLst>
           </p:cNvPr>
@@ -4534,71 +4554,70 @@
           <a:p>
             <a:r>
               <a:rPr lang="de-DE" dirty="0"/>
-              <a:t>Ausgabe als Tabelle/CSV zusammen mit Eingabeadresse</a:t>
-            </a:r>
-          </a:p>
-          <a:p>
+              <a:t>Bild verändern</a:t>
+            </a:r>
+          </a:p>
+          <a:p>
+            <a:pPr lvl="1"/>
             <a:r>
               <a:rPr lang="de-DE" dirty="0"/>
-              <a:t>Auswahl an vorbereiteten Ergebnisvisualisierungen</a:t>
+              <a:t>Spiegeln, Drehen, Verschieben, Strecken oder Vergrößern</a:t>
             </a:r>
           </a:p>
           <a:p>
             <a:pPr lvl="1"/>
             <a:r>
               <a:rPr lang="de-DE" dirty="0"/>
-              <a:t>Trainingsverlauf</a:t>
+              <a:t>Hinzufügen von Rauschen</a:t>
+            </a:r>
+          </a:p>
+          <a:p>
+            <a:r>
+              <a:rPr lang="de-DE" dirty="0"/>
+              <a:t>Ort leicht verschieben</a:t>
             </a:r>
           </a:p>
           <a:p>
             <a:pPr lvl="1"/>
             <a:r>
               <a:rPr lang="de-DE" dirty="0"/>
-              <a:t>Kastengrafik</a:t>
+              <a:t>Vorteil: Training mit Originaldaten, Erkennung von nicht-zentralen Häusern</a:t>
             </a:r>
           </a:p>
           <a:p>
             <a:pPr lvl="1"/>
             <a:r>
               <a:rPr lang="de-DE" dirty="0"/>
-              <a:t>2D-Karte mit Farbe als Ergebnis</a:t>
-            </a:r>
-          </a:p>
-          <a:p>
-            <a:pPr lvl="1"/>
+              <a:t>Nachteil: Mehr Speicherplatz</a:t>
+            </a:r>
+          </a:p>
+        </p:txBody>
+      </p:sp>
+      <p:sp>
+        <p:nvSpPr>
+          <p:cNvPr id="4" name="Datumsplatzhalter 3">
+            <a:extLst>
+              <a:ext uri="{FF2B5EF4-FFF2-40B4-BE49-F238E27FC236}">
+                <a16:creationId xmlns:a16="http://schemas.microsoft.com/office/drawing/2014/main" id="{63E00AD1-78BD-4507-A5B2-5980799F0EF1}"/>
+              </a:ext>
+            </a:extLst>
+          </p:cNvPr>
+          <p:cNvSpPr>
+            <a:spLocks noGrp="1"/>
+          </p:cNvSpPr>
+          <p:nvPr>
+            <p:ph type="dt" sz="half" idx="10"/>
+          </p:nvPr>
+        </p:nvSpPr>
+        <p:spPr/>
+        <p:txBody>
+          <a:bodyPr/>
+          <a:lstStyle/>
+          <a:p>
             <a:r>
               <a:rPr lang="de-DE" dirty="0"/>
-              <a:t>2D-Karte mit Position der Punkte als Ergebnis</a:t>
-            </a:r>
-          </a:p>
-        </p:txBody>
-      </p:sp>
-      <p:sp>
-        <p:nvSpPr>
-          <p:cNvPr id="4" name="Datumsplatzhalter 3">
-            <a:extLst>
-              <a:ext uri="{FF2B5EF4-FFF2-40B4-BE49-F238E27FC236}">
-                <a16:creationId xmlns:a16="http://schemas.microsoft.com/office/drawing/2014/main" id="{401EB0A4-ED5C-4D6D-A7E7-75021E7C0894}"/>
-              </a:ext>
-            </a:extLst>
-          </p:cNvPr>
-          <p:cNvSpPr>
-            <a:spLocks noGrp="1"/>
-          </p:cNvSpPr>
-          <p:nvPr>
-            <p:ph type="dt" sz="half" idx="10"/>
-          </p:nvPr>
-        </p:nvSpPr>
-        <p:spPr/>
-        <p:txBody>
-          <a:bodyPr/>
-          <a:lstStyle/>
-          <a:p>
-            <a:r>
-              <a:rPr lang="de-DE"/>
               <a:t>30.01.2018</a:t>
             </a:r>
-            <a:endParaRPr lang="de-DE" dirty="0"/>
           </a:p>
         </p:txBody>
       </p:sp>
@@ -4607,7 +4626,7 @@
           <p:cNvPr id="5" name="Fußzeilenplatzhalter 4">
             <a:extLst>
               <a:ext uri="{FF2B5EF4-FFF2-40B4-BE49-F238E27FC236}">
-                <a16:creationId xmlns:a16="http://schemas.microsoft.com/office/drawing/2014/main" id="{4D4A5B9E-5003-4D84-BCBF-9356B5DEDC1B}"/>
+                <a16:creationId xmlns:a16="http://schemas.microsoft.com/office/drawing/2014/main" id="{98E75460-0BEC-4038-B70B-56EB6C0C004B}"/>
               </a:ext>
             </a:extLst>
           </p:cNvPr>
@@ -4624,10 +4643,9 @@
           <a:lstStyle/>
           <a:p>
             <a:r>
-              <a:rPr lang="de-DE"/>
+              <a:rPr lang="de-DE" dirty="0"/>
               <a:t>Sebastian Mischke</a:t>
             </a:r>
-            <a:endParaRPr lang="de-DE" dirty="0"/>
           </a:p>
         </p:txBody>
       </p:sp>
@@ -4636,7 +4654,7 @@
           <p:cNvPr id="6" name="Foliennummernplatzhalter 5">
             <a:extLst>
               <a:ext uri="{FF2B5EF4-FFF2-40B4-BE49-F238E27FC236}">
-                <a16:creationId xmlns:a16="http://schemas.microsoft.com/office/drawing/2014/main" id="{56A2739B-5FF0-4CFD-860E-B97989178048}"/>
+                <a16:creationId xmlns:a16="http://schemas.microsoft.com/office/drawing/2014/main" id="{29CA13D9-B59A-473C-AF5B-1867EC6E4EE6}"/>
               </a:ext>
             </a:extLst>
           </p:cNvPr>
@@ -4662,10 +4680,10 @@
       </p:sp>
       <p:pic>
         <p:nvPicPr>
-          <p:cNvPr id="12" name="Grafik 11" descr="Ein Bild, das Text enthält.&#10;&#10;Mit hoher Zuverlässigkeit generierte Beschreibung">
-            <a:extLst>
-              <a:ext uri="{FF2B5EF4-FFF2-40B4-BE49-F238E27FC236}">
-                <a16:creationId xmlns:a16="http://schemas.microsoft.com/office/drawing/2014/main" id="{00BA0E7C-C590-43C2-A12B-ACBB17C57B4F}"/>
+          <p:cNvPr id="8" name="Grafik 7">
+            <a:extLst>
+              <a:ext uri="{FF2B5EF4-FFF2-40B4-BE49-F238E27FC236}">
+                <a16:creationId xmlns:a16="http://schemas.microsoft.com/office/drawing/2014/main" id="{7D940BED-BF06-4AD3-B773-AD0284604406}"/>
               </a:ext>
             </a:extLst>
           </p:cNvPr>
@@ -4688,44 +4706,8 @@
         </p:blipFill>
         <p:spPr>
           <a:xfrm>
-            <a:off x="9768236" y="2889000"/>
-            <a:ext cx="1814164" cy="1080000"/>
-          </a:xfrm>
-          <a:prstGeom prst="rect">
-            <a:avLst/>
-          </a:prstGeom>
-        </p:spPr>
-      </p:pic>
-      <p:pic>
-        <p:nvPicPr>
-          <p:cNvPr id="8" name="Grafik 7" descr="Ein Bild, das Text, Karte enthält.&#10;&#10;Mit sehr hoher Zuverlässigkeit generierte Beschreibung">
-            <a:extLst>
-              <a:ext uri="{FF2B5EF4-FFF2-40B4-BE49-F238E27FC236}">
-                <a16:creationId xmlns:a16="http://schemas.microsoft.com/office/drawing/2014/main" id="{3CAD1208-E21A-48C8-9F83-2FBADDABE82E}"/>
-              </a:ext>
-            </a:extLst>
-          </p:cNvPr>
-          <p:cNvPicPr>
-            <a:picLocks noChangeAspect="1"/>
-          </p:cNvPicPr>
-          <p:nvPr/>
-        </p:nvPicPr>
-        <p:blipFill>
-          <a:blip r:embed="rId3" cstate="print">
-            <a:extLst>
-              <a:ext uri="{28A0092B-C50C-407E-A947-70E740481C1C}">
-                <a14:useLocalDpi xmlns:a14="http://schemas.microsoft.com/office/drawing/2010/main" val="0"/>
-              </a:ext>
-            </a:extLst>
-          </a:blip>
-          <a:stretch>
-            <a:fillRect/>
-          </a:stretch>
-        </p:blipFill>
-        <p:spPr>
-          <a:xfrm>
-            <a:off x="8938278" y="3784014"/>
-            <a:ext cx="2204117" cy="1080000"/>
+            <a:off x="7262400" y="4600801"/>
+            <a:ext cx="1800000" cy="1800000"/>
           </a:xfrm>
           <a:prstGeom prst="rect">
             <a:avLst/>
@@ -4737,7 +4719,7 @@
           <p:cNvPr id="10" name="Grafik 9">
             <a:extLst>
               <a:ext uri="{FF2B5EF4-FFF2-40B4-BE49-F238E27FC236}">
-                <a16:creationId xmlns:a16="http://schemas.microsoft.com/office/drawing/2014/main" id="{F0A96F5E-BF6C-477B-AC23-B25F47D81F46}"/>
+                <a16:creationId xmlns:a16="http://schemas.microsoft.com/office/drawing/2014/main" id="{918FC0DE-6F48-42D8-9C59-E544FDBC08B4}"/>
               </a:ext>
             </a:extLst>
           </p:cNvPr>
@@ -4747,7 +4729,7 @@
           <p:nvPr/>
         </p:nvPicPr>
         <p:blipFill>
-          <a:blip r:embed="rId4" cstate="print">
+          <a:blip r:embed="rId3" cstate="print">
             <a:extLst>
               <a:ext uri="{28A0092B-C50C-407E-A947-70E740481C1C}">
                 <a14:useLocalDpi xmlns:a14="http://schemas.microsoft.com/office/drawing/2010/main" val="0"/>
@@ -4760,44 +4742,8 @@
         </p:blipFill>
         <p:spPr>
           <a:xfrm>
-            <a:off x="10607747" y="4507522"/>
-            <a:ext cx="853750" cy="1080000"/>
-          </a:xfrm>
-          <a:prstGeom prst="rect">
-            <a:avLst/>
-          </a:prstGeom>
-        </p:spPr>
-      </p:pic>
-      <p:pic>
-        <p:nvPicPr>
-          <p:cNvPr id="14" name="Grafik 13" descr="Ein Bild, das Karte enthält.&#10;&#10;Mit hoher Zuverlässigkeit generierte Beschreibung">
-            <a:extLst>
-              <a:ext uri="{FF2B5EF4-FFF2-40B4-BE49-F238E27FC236}">
-                <a16:creationId xmlns:a16="http://schemas.microsoft.com/office/drawing/2014/main" id="{1CEC8576-B41C-44A0-A9C5-BDD7A324B776}"/>
-              </a:ext>
-            </a:extLst>
-          </p:cNvPr>
-          <p:cNvPicPr>
-            <a:picLocks noChangeAspect="1"/>
-          </p:cNvPicPr>
-          <p:nvPr/>
-        </p:nvPicPr>
-        <p:blipFill>
-          <a:blip r:embed="rId5" cstate="print">
-            <a:extLst>
-              <a:ext uri="{28A0092B-C50C-407E-A947-70E740481C1C}">
-                <a14:useLocalDpi xmlns:a14="http://schemas.microsoft.com/office/drawing/2010/main" val="0"/>
-              </a:ext>
-            </a:extLst>
-          </a:blip>
-          <a:stretch>
-            <a:fillRect/>
-          </a:stretch>
-        </p:blipFill>
-        <p:spPr>
-          <a:xfrm>
-            <a:off x="9835302" y="5320801"/>
-            <a:ext cx="1747098" cy="1080000"/>
+            <a:off x="9782400" y="4600801"/>
+            <a:ext cx="1800000" cy="1800000"/>
           </a:xfrm>
           <a:prstGeom prst="rect">
             <a:avLst/>
@@ -4807,7 +4753,7 @@
     </p:spTree>
     <p:extLst>
       <p:ext uri="{BB962C8B-B14F-4D97-AF65-F5344CB8AC3E}">
-        <p14:creationId xmlns:p14="http://schemas.microsoft.com/office/powerpoint/2010/main" val="140026916"/>
+        <p14:creationId xmlns:p14="http://schemas.microsoft.com/office/powerpoint/2010/main" val="351017139"/>
       </p:ext>
     </p:extLst>
   </p:cSld>
@@ -4839,7 +4785,7 @@
           <p:cNvPr id="2" name="Titel 1">
             <a:extLst>
               <a:ext uri="{FF2B5EF4-FFF2-40B4-BE49-F238E27FC236}">
-                <a16:creationId xmlns:a16="http://schemas.microsoft.com/office/drawing/2014/main" id="{AC37F681-D593-4C5A-804C-DD5ECFFC0DE2}"/>
+                <a16:creationId xmlns:a16="http://schemas.microsoft.com/office/drawing/2014/main" id="{81E74AC4-F404-45DC-8D65-1AC445DEC5C9}"/>
               </a:ext>
             </a:extLst>
           </p:cNvPr>
@@ -4857,7 +4803,7 @@
           <a:p>
             <a:r>
               <a:rPr lang="de-DE" dirty="0"/>
-              <a:t>Evaluation</a:t>
+              <a:t>Neuronales Netz</a:t>
             </a:r>
           </a:p>
         </p:txBody>
@@ -4867,7 +4813,7 @@
           <p:cNvPr id="3" name="Inhaltsplatzhalter 2">
             <a:extLst>
               <a:ext uri="{FF2B5EF4-FFF2-40B4-BE49-F238E27FC236}">
-                <a16:creationId xmlns:a16="http://schemas.microsoft.com/office/drawing/2014/main" id="{486EE2B7-E9A7-4C56-8220-05CE400B7479}"/>
+                <a16:creationId xmlns:a16="http://schemas.microsoft.com/office/drawing/2014/main" id="{7244D24D-B582-43A5-920E-7DBD04AC3A14}"/>
               </a:ext>
             </a:extLst>
           </p:cNvPr>
@@ -4883,34 +4829,93 @@
           <a:bodyPr/>
           <a:lstStyle/>
           <a:p>
+            <a:r>
+              <a:rPr lang="de-DE" dirty="0"/>
+              <a:t>Angelehnt an VGG16</a:t>
+            </a:r>
+          </a:p>
+          <a:p>
+            <a:r>
+              <a:rPr lang="de-DE" dirty="0"/>
+              <a:t>Standardnetz verfügbar, Anpassung interner Struktur möglich</a:t>
+            </a:r>
+          </a:p>
+          <a:p>
+            <a:r>
+              <a:rPr lang="de-DE" dirty="0"/>
+              <a:t>Automatische Anpassung an Eingabe- und Ausgabedaten</a:t>
+            </a:r>
+          </a:p>
+          <a:p>
+            <a:pPr lvl="1"/>
+            <a:r>
+              <a:rPr lang="de-DE" dirty="0"/>
+              <a:t>Bis zu gewissen Punkt (Ausgabefunktion wie </a:t>
+            </a:r>
+            <a:r>
+              <a:rPr lang="de-DE" dirty="0" err="1"/>
+              <a:t>Softmax</a:t>
+            </a:r>
+            <a:r>
+              <a:rPr lang="de-DE" dirty="0"/>
+              <a:t> oder Linear)</a:t>
+            </a:r>
+          </a:p>
+        </p:txBody>
+      </p:sp>
+      <p:sp>
+        <p:nvSpPr>
+          <p:cNvPr id="4" name="Datumsplatzhalter 3">
+            <a:extLst>
+              <a:ext uri="{FF2B5EF4-FFF2-40B4-BE49-F238E27FC236}">
+                <a16:creationId xmlns:a16="http://schemas.microsoft.com/office/drawing/2014/main" id="{1C23DF82-5B8A-4FB1-A9B2-8E001D433C9D}"/>
+              </a:ext>
+            </a:extLst>
+          </p:cNvPr>
+          <p:cNvSpPr>
+            <a:spLocks noGrp="1"/>
+          </p:cNvSpPr>
+          <p:nvPr>
+            <p:ph type="dt" sz="half" idx="10"/>
+          </p:nvPr>
+        </p:nvSpPr>
+        <p:spPr/>
+        <p:txBody>
+          <a:bodyPr/>
+          <a:lstStyle/>
+          <a:p>
+            <a:r>
+              <a:rPr lang="de-DE"/>
+              <a:t>30.01.2018</a:t>
+            </a:r>
             <a:endParaRPr lang="de-DE" dirty="0"/>
           </a:p>
         </p:txBody>
       </p:sp>
       <p:sp>
         <p:nvSpPr>
-          <p:cNvPr id="5" name="Datumsplatzhalter 4">
-            <a:extLst>
-              <a:ext uri="{FF2B5EF4-FFF2-40B4-BE49-F238E27FC236}">
-                <a16:creationId xmlns:a16="http://schemas.microsoft.com/office/drawing/2014/main" id="{15CEEA55-6788-4E7B-9BEC-22353F47EC19}"/>
-              </a:ext>
-            </a:extLst>
-          </p:cNvPr>
-          <p:cNvSpPr>
-            <a:spLocks noGrp="1"/>
-          </p:cNvSpPr>
-          <p:nvPr>
-            <p:ph type="dt" sz="half" idx="10"/>
-          </p:nvPr>
-        </p:nvSpPr>
-        <p:spPr/>
-        <p:txBody>
-          <a:bodyPr/>
-          <a:lstStyle/>
-          <a:p>
-            <a:r>
-              <a:rPr lang="de-DE"/>
-              <a:t>30.01.2018</a:t>
+          <p:cNvPr id="5" name="Fußzeilenplatzhalter 4">
+            <a:extLst>
+              <a:ext uri="{FF2B5EF4-FFF2-40B4-BE49-F238E27FC236}">
+                <a16:creationId xmlns:a16="http://schemas.microsoft.com/office/drawing/2014/main" id="{D174F6A9-C673-4533-8124-AC178E4DB0EE}"/>
+              </a:ext>
+            </a:extLst>
+          </p:cNvPr>
+          <p:cNvSpPr>
+            <a:spLocks noGrp="1"/>
+          </p:cNvSpPr>
+          <p:nvPr>
+            <p:ph type="ftr" sz="quarter" idx="11"/>
+          </p:nvPr>
+        </p:nvSpPr>
+        <p:spPr/>
+        <p:txBody>
+          <a:bodyPr/>
+          <a:lstStyle/>
+          <a:p>
+            <a:r>
+              <a:rPr lang="de-DE"/>
+              <a:t>Sebastian Mischke</a:t>
             </a:r>
             <a:endParaRPr lang="de-DE" dirty="0"/>
           </a:p>
@@ -4918,39 +4923,10 @@
       </p:sp>
       <p:sp>
         <p:nvSpPr>
-          <p:cNvPr id="6" name="Fußzeilenplatzhalter 5">
-            <a:extLst>
-              <a:ext uri="{FF2B5EF4-FFF2-40B4-BE49-F238E27FC236}">
-                <a16:creationId xmlns:a16="http://schemas.microsoft.com/office/drawing/2014/main" id="{23545C38-5A6E-4C09-B51D-0DEA6522B6AF}"/>
-              </a:ext>
-            </a:extLst>
-          </p:cNvPr>
-          <p:cNvSpPr>
-            <a:spLocks noGrp="1"/>
-          </p:cNvSpPr>
-          <p:nvPr>
-            <p:ph type="ftr" sz="quarter" idx="11"/>
-          </p:nvPr>
-        </p:nvSpPr>
-        <p:spPr/>
-        <p:txBody>
-          <a:bodyPr/>
-          <a:lstStyle/>
-          <a:p>
-            <a:r>
-              <a:rPr lang="de-DE"/>
-              <a:t>Sebastian Mischke</a:t>
-            </a:r>
-            <a:endParaRPr lang="de-DE" dirty="0"/>
-          </a:p>
-        </p:txBody>
-      </p:sp>
-      <p:sp>
-        <p:nvSpPr>
-          <p:cNvPr id="7" name="Foliennummernplatzhalter 6">
-            <a:extLst>
-              <a:ext uri="{FF2B5EF4-FFF2-40B4-BE49-F238E27FC236}">
-                <a16:creationId xmlns:a16="http://schemas.microsoft.com/office/drawing/2014/main" id="{8352ABD1-2B64-43E3-A53A-DD359E547839}"/>
+          <p:cNvPr id="6" name="Foliennummernplatzhalter 5">
+            <a:extLst>
+              <a:ext uri="{FF2B5EF4-FFF2-40B4-BE49-F238E27FC236}">
+                <a16:creationId xmlns:a16="http://schemas.microsoft.com/office/drawing/2014/main" id="{ACC5E50A-0275-43BA-A6E9-2966ADEF5AFD}"/>
               </a:ext>
             </a:extLst>
           </p:cNvPr>
@@ -4977,7 +4953,7 @@
     </p:spTree>
     <p:extLst>
       <p:ext uri="{BB962C8B-B14F-4D97-AF65-F5344CB8AC3E}">
-        <p14:creationId xmlns:p14="http://schemas.microsoft.com/office/powerpoint/2010/main" val="755854998"/>
+        <p14:creationId xmlns:p14="http://schemas.microsoft.com/office/powerpoint/2010/main" val="2085395841"/>
       </p:ext>
     </p:extLst>
   </p:cSld>
@@ -5009,7 +4985,7 @@
           <p:cNvPr id="2" name="Titel 1">
             <a:extLst>
               <a:ext uri="{FF2B5EF4-FFF2-40B4-BE49-F238E27FC236}">
-                <a16:creationId xmlns:a16="http://schemas.microsoft.com/office/drawing/2014/main" id="{47821B0B-73C7-4D74-85E5-D26A3775FE05}"/>
+                <a16:creationId xmlns:a16="http://schemas.microsoft.com/office/drawing/2014/main" id="{3940D7F2-22E7-41E3-A377-E2AA6D8273BA}"/>
               </a:ext>
             </a:extLst>
           </p:cNvPr>
@@ -5027,7 +5003,7 @@
           <a:p>
             <a:r>
               <a:rPr lang="de-DE" dirty="0"/>
-              <a:t>Fazit</a:t>
+              <a:t>Visualisierungen</a:t>
             </a:r>
           </a:p>
         </p:txBody>
@@ -5037,7 +5013,7 @@
           <p:cNvPr id="3" name="Inhaltsplatzhalter 2">
             <a:extLst>
               <a:ext uri="{FF2B5EF4-FFF2-40B4-BE49-F238E27FC236}">
-                <a16:creationId xmlns:a16="http://schemas.microsoft.com/office/drawing/2014/main" id="{8C5558C3-2B3A-483D-AF2B-430FA216346F}"/>
+                <a16:creationId xmlns:a16="http://schemas.microsoft.com/office/drawing/2014/main" id="{8A3FABC0-B46C-4C95-858D-1CCA74BAA2EE}"/>
               </a:ext>
             </a:extLst>
           </p:cNvPr>
@@ -5055,7 +5031,41 @@
           <a:p>
             <a:r>
               <a:rPr lang="de-DE" dirty="0"/>
-              <a:t>Ergebnisse</a:t>
+              <a:t>Ausgabe als Tabelle/CSV zusammen mit Eingabeadresse</a:t>
+            </a:r>
+          </a:p>
+          <a:p>
+            <a:r>
+              <a:rPr lang="de-DE" dirty="0"/>
+              <a:t>Auswahl an vorbereiteten Ergebnisvisualisierungen</a:t>
+            </a:r>
+          </a:p>
+          <a:p>
+            <a:pPr lvl="1"/>
+            <a:r>
+              <a:rPr lang="de-DE" dirty="0"/>
+              <a:t>Trainingsverlauf</a:t>
+            </a:r>
+          </a:p>
+          <a:p>
+            <a:pPr lvl="1"/>
+            <a:r>
+              <a:rPr lang="de-DE" dirty="0"/>
+              <a:t>Kastengrafik</a:t>
+            </a:r>
+          </a:p>
+          <a:p>
+            <a:pPr lvl="1"/>
+            <a:r>
+              <a:rPr lang="de-DE" dirty="0"/>
+              <a:t>2D-Karte mit Farbe als Ergebnis</a:t>
+            </a:r>
+          </a:p>
+          <a:p>
+            <a:pPr lvl="1"/>
+            <a:r>
+              <a:rPr lang="de-DE" dirty="0"/>
+              <a:t>2D-Karte mit Position der Punkte als Ergebnis</a:t>
             </a:r>
           </a:p>
         </p:txBody>
@@ -5065,7 +5075,7 @@
           <p:cNvPr id="4" name="Datumsplatzhalter 3">
             <a:extLst>
               <a:ext uri="{FF2B5EF4-FFF2-40B4-BE49-F238E27FC236}">
-                <a16:creationId xmlns:a16="http://schemas.microsoft.com/office/drawing/2014/main" id="{0F193019-22E1-4FFD-9636-F0AA7C227972}"/>
+                <a16:creationId xmlns:a16="http://schemas.microsoft.com/office/drawing/2014/main" id="{401EB0A4-ED5C-4D6D-A7E7-75021E7C0894}"/>
               </a:ext>
             </a:extLst>
           </p:cNvPr>
@@ -5091,10 +5101,10 @@
       </p:sp>
       <p:sp>
         <p:nvSpPr>
-          <p:cNvPr id="6" name="Fußzeilenplatzhalter 5">
-            <a:extLst>
-              <a:ext uri="{FF2B5EF4-FFF2-40B4-BE49-F238E27FC236}">
-                <a16:creationId xmlns:a16="http://schemas.microsoft.com/office/drawing/2014/main" id="{C75B122C-1116-42D6-8E74-F098DE2CF8E6}"/>
+          <p:cNvPr id="5" name="Fußzeilenplatzhalter 4">
+            <a:extLst>
+              <a:ext uri="{FF2B5EF4-FFF2-40B4-BE49-F238E27FC236}">
+                <a16:creationId xmlns:a16="http://schemas.microsoft.com/office/drawing/2014/main" id="{4D4A5B9E-5003-4D84-BCBF-9356B5DEDC1B}"/>
               </a:ext>
             </a:extLst>
           </p:cNvPr>
@@ -5120,10 +5130,10 @@
       </p:sp>
       <p:sp>
         <p:nvSpPr>
-          <p:cNvPr id="7" name="Foliennummernplatzhalter 6">
-            <a:extLst>
-              <a:ext uri="{FF2B5EF4-FFF2-40B4-BE49-F238E27FC236}">
-                <a16:creationId xmlns:a16="http://schemas.microsoft.com/office/drawing/2014/main" id="{8838848C-9D1F-4D4B-A883-BAFCBB669FE1}"/>
+          <p:cNvPr id="6" name="Foliennummernplatzhalter 5">
+            <a:extLst>
+              <a:ext uri="{FF2B5EF4-FFF2-40B4-BE49-F238E27FC236}">
+                <a16:creationId xmlns:a16="http://schemas.microsoft.com/office/drawing/2014/main" id="{56A2739B-5FF0-4CFD-860E-B97989178048}"/>
               </a:ext>
             </a:extLst>
           </p:cNvPr>
@@ -5147,10 +5157,154 @@
           </a:p>
         </p:txBody>
       </p:sp>
+      <p:pic>
+        <p:nvPicPr>
+          <p:cNvPr id="12" name="Grafik 11" descr="Ein Bild, das Text enthält.&#10;&#10;Mit hoher Zuverlässigkeit generierte Beschreibung">
+            <a:extLst>
+              <a:ext uri="{FF2B5EF4-FFF2-40B4-BE49-F238E27FC236}">
+                <a16:creationId xmlns:a16="http://schemas.microsoft.com/office/drawing/2014/main" id="{00BA0E7C-C590-43C2-A12B-ACBB17C57B4F}"/>
+              </a:ext>
+            </a:extLst>
+          </p:cNvPr>
+          <p:cNvPicPr>
+            <a:picLocks noChangeAspect="1"/>
+          </p:cNvPicPr>
+          <p:nvPr/>
+        </p:nvPicPr>
+        <p:blipFill>
+          <a:blip r:embed="rId2" cstate="print">
+            <a:extLst>
+              <a:ext uri="{28A0092B-C50C-407E-A947-70E740481C1C}">
+                <a14:useLocalDpi xmlns:a14="http://schemas.microsoft.com/office/drawing/2010/main" val="0"/>
+              </a:ext>
+            </a:extLst>
+          </a:blip>
+          <a:stretch>
+            <a:fillRect/>
+          </a:stretch>
+        </p:blipFill>
+        <p:spPr>
+          <a:xfrm>
+            <a:off x="9768236" y="2889000"/>
+            <a:ext cx="1814164" cy="1080000"/>
+          </a:xfrm>
+          <a:prstGeom prst="rect">
+            <a:avLst/>
+          </a:prstGeom>
+        </p:spPr>
+      </p:pic>
+      <p:pic>
+        <p:nvPicPr>
+          <p:cNvPr id="8" name="Grafik 7" descr="Ein Bild, das Text, Karte enthält.&#10;&#10;Mit sehr hoher Zuverlässigkeit generierte Beschreibung">
+            <a:extLst>
+              <a:ext uri="{FF2B5EF4-FFF2-40B4-BE49-F238E27FC236}">
+                <a16:creationId xmlns:a16="http://schemas.microsoft.com/office/drawing/2014/main" id="{3CAD1208-E21A-48C8-9F83-2FBADDABE82E}"/>
+              </a:ext>
+            </a:extLst>
+          </p:cNvPr>
+          <p:cNvPicPr>
+            <a:picLocks noChangeAspect="1"/>
+          </p:cNvPicPr>
+          <p:nvPr/>
+        </p:nvPicPr>
+        <p:blipFill>
+          <a:blip r:embed="rId3" cstate="print">
+            <a:extLst>
+              <a:ext uri="{28A0092B-C50C-407E-A947-70E740481C1C}">
+                <a14:useLocalDpi xmlns:a14="http://schemas.microsoft.com/office/drawing/2010/main" val="0"/>
+              </a:ext>
+            </a:extLst>
+          </a:blip>
+          <a:stretch>
+            <a:fillRect/>
+          </a:stretch>
+        </p:blipFill>
+        <p:spPr>
+          <a:xfrm>
+            <a:off x="8938278" y="3784014"/>
+            <a:ext cx="2204117" cy="1080000"/>
+          </a:xfrm>
+          <a:prstGeom prst="rect">
+            <a:avLst/>
+          </a:prstGeom>
+        </p:spPr>
+      </p:pic>
+      <p:pic>
+        <p:nvPicPr>
+          <p:cNvPr id="10" name="Grafik 9">
+            <a:extLst>
+              <a:ext uri="{FF2B5EF4-FFF2-40B4-BE49-F238E27FC236}">
+                <a16:creationId xmlns:a16="http://schemas.microsoft.com/office/drawing/2014/main" id="{F0A96F5E-BF6C-477B-AC23-B25F47D81F46}"/>
+              </a:ext>
+            </a:extLst>
+          </p:cNvPr>
+          <p:cNvPicPr>
+            <a:picLocks noChangeAspect="1"/>
+          </p:cNvPicPr>
+          <p:nvPr/>
+        </p:nvPicPr>
+        <p:blipFill>
+          <a:blip r:embed="rId4" cstate="print">
+            <a:extLst>
+              <a:ext uri="{28A0092B-C50C-407E-A947-70E740481C1C}">
+                <a14:useLocalDpi xmlns:a14="http://schemas.microsoft.com/office/drawing/2010/main" val="0"/>
+              </a:ext>
+            </a:extLst>
+          </a:blip>
+          <a:stretch>
+            <a:fillRect/>
+          </a:stretch>
+        </p:blipFill>
+        <p:spPr>
+          <a:xfrm>
+            <a:off x="10607747" y="4507522"/>
+            <a:ext cx="853750" cy="1080000"/>
+          </a:xfrm>
+          <a:prstGeom prst="rect">
+            <a:avLst/>
+          </a:prstGeom>
+        </p:spPr>
+      </p:pic>
+      <p:pic>
+        <p:nvPicPr>
+          <p:cNvPr id="16" name="Grafik 15">
+            <a:extLst>
+              <a:ext uri="{FF2B5EF4-FFF2-40B4-BE49-F238E27FC236}">
+                <a16:creationId xmlns:a16="http://schemas.microsoft.com/office/drawing/2014/main" id="{74FF14CA-BB1C-412F-B4B6-90D41CA09985}"/>
+              </a:ext>
+            </a:extLst>
+          </p:cNvPr>
+          <p:cNvPicPr>
+            <a:picLocks noChangeAspect="1"/>
+          </p:cNvPicPr>
+          <p:nvPr/>
+        </p:nvPicPr>
+        <p:blipFill>
+          <a:blip r:embed="rId5" cstate="print">
+            <a:extLst>
+              <a:ext uri="{28A0092B-C50C-407E-A947-70E740481C1C}">
+                <a14:useLocalDpi xmlns:a14="http://schemas.microsoft.com/office/drawing/2010/main" val="0"/>
+              </a:ext>
+            </a:extLst>
+          </a:blip>
+          <a:stretch>
+            <a:fillRect/>
+          </a:stretch>
+        </p:blipFill>
+        <p:spPr>
+          <a:xfrm>
+            <a:off x="9499195" y="5231030"/>
+            <a:ext cx="1440000" cy="1080000"/>
+          </a:xfrm>
+          <a:prstGeom prst="rect">
+            <a:avLst/>
+          </a:prstGeom>
+        </p:spPr>
+      </p:pic>
     </p:spTree>
     <p:extLst>
       <p:ext uri="{BB962C8B-B14F-4D97-AF65-F5344CB8AC3E}">
-        <p14:creationId xmlns:p14="http://schemas.microsoft.com/office/powerpoint/2010/main" val="2826496482"/>
+        <p14:creationId xmlns:p14="http://schemas.microsoft.com/office/powerpoint/2010/main" val="140026916"/>
       </p:ext>
     </p:extLst>
   </p:cSld>
@@ -5182,7 +5336,7 @@
           <p:cNvPr id="2" name="Titel 1">
             <a:extLst>
               <a:ext uri="{FF2B5EF4-FFF2-40B4-BE49-F238E27FC236}">
-                <a16:creationId xmlns:a16="http://schemas.microsoft.com/office/drawing/2014/main" id="{84400D62-C043-4C42-A8E3-56B058ADCCEE}"/>
+                <a16:creationId xmlns:a16="http://schemas.microsoft.com/office/drawing/2014/main" id="{AC37F681-D593-4C5A-804C-DD5ECFFC0DE2}"/>
               </a:ext>
             </a:extLst>
           </p:cNvPr>
@@ -5200,7 +5354,7 @@
           <a:p>
             <a:r>
               <a:rPr lang="de-DE" dirty="0"/>
-              <a:t>Ausblick</a:t>
+              <a:t>Evaluation</a:t>
             </a:r>
           </a:p>
         </p:txBody>
@@ -5210,7 +5364,7 @@
           <p:cNvPr id="3" name="Inhaltsplatzhalter 2">
             <a:extLst>
               <a:ext uri="{FF2B5EF4-FFF2-40B4-BE49-F238E27FC236}">
-                <a16:creationId xmlns:a16="http://schemas.microsoft.com/office/drawing/2014/main" id="{08413965-6249-42D1-85DE-46E255F5123F}"/>
+                <a16:creationId xmlns:a16="http://schemas.microsoft.com/office/drawing/2014/main" id="{486EE2B7-E9A7-4C56-8220-05CE400B7479}"/>
               </a:ext>
             </a:extLst>
           </p:cNvPr>
@@ -5228,7 +5382,53 @@
           <a:p>
             <a:r>
               <a:rPr lang="de-DE" dirty="0"/>
-              <a:t>Weiterführende Entwicklung</a:t>
+              <a:t>Geographische Koordinaten</a:t>
+            </a:r>
+          </a:p>
+          <a:p>
+            <a:pPr lvl="1"/>
+            <a:r>
+              <a:rPr lang="de-DE" dirty="0"/>
+              <a:t>(Bild) Karte Deutschland</a:t>
+            </a:r>
+          </a:p>
+          <a:p>
+            <a:pPr lvl="1"/>
+            <a:r>
+              <a:rPr lang="de-DE" dirty="0"/>
+              <a:t>(Bild) Boxplot</a:t>
+            </a:r>
+          </a:p>
+          <a:p>
+            <a:r>
+              <a:rPr lang="de-DE" dirty="0"/>
+              <a:t>Postleitzahl</a:t>
+            </a:r>
+          </a:p>
+          <a:p>
+            <a:pPr lvl="1"/>
+            <a:r>
+              <a:rPr lang="de-DE" dirty="0"/>
+              <a:t>(Bild) Karte Dresden Vorgabe</a:t>
+            </a:r>
+          </a:p>
+          <a:p>
+            <a:pPr lvl="1"/>
+            <a:r>
+              <a:rPr lang="de-DE" dirty="0"/>
+              <a:t>(Bild) Karte Dresden Ergebnis</a:t>
+            </a:r>
+          </a:p>
+          <a:p>
+            <a:r>
+              <a:rPr lang="de-DE" dirty="0"/>
+              <a:t>~Schule oder Wohnhaus</a:t>
+            </a:r>
+          </a:p>
+          <a:p>
+            <a:r>
+              <a:rPr lang="de-DE" dirty="0"/>
+              <a:t>~Schulart</a:t>
             </a:r>
           </a:p>
         </p:txBody>
@@ -5238,7 +5438,7 @@
           <p:cNvPr id="5" name="Datumsplatzhalter 4">
             <a:extLst>
               <a:ext uri="{FF2B5EF4-FFF2-40B4-BE49-F238E27FC236}">
-                <a16:creationId xmlns:a16="http://schemas.microsoft.com/office/drawing/2014/main" id="{52E56822-E51D-443F-9930-DC520A04E493}"/>
+                <a16:creationId xmlns:a16="http://schemas.microsoft.com/office/drawing/2014/main" id="{15CEEA55-6788-4E7B-9BEC-22353F47EC19}"/>
               </a:ext>
             </a:extLst>
           </p:cNvPr>
@@ -5267,7 +5467,7 @@
           <p:cNvPr id="6" name="Fußzeilenplatzhalter 5">
             <a:extLst>
               <a:ext uri="{FF2B5EF4-FFF2-40B4-BE49-F238E27FC236}">
-                <a16:creationId xmlns:a16="http://schemas.microsoft.com/office/drawing/2014/main" id="{4001F740-8BF5-456D-8B6E-066FEAC0BBED}"/>
+                <a16:creationId xmlns:a16="http://schemas.microsoft.com/office/drawing/2014/main" id="{23545C38-5A6E-4C09-B51D-0DEA6522B6AF}"/>
               </a:ext>
             </a:extLst>
           </p:cNvPr>
@@ -5296,7 +5496,7 @@
           <p:cNvPr id="7" name="Foliennummernplatzhalter 6">
             <a:extLst>
               <a:ext uri="{FF2B5EF4-FFF2-40B4-BE49-F238E27FC236}">
-                <a16:creationId xmlns:a16="http://schemas.microsoft.com/office/drawing/2014/main" id="{1D1D828C-EC26-4651-8972-756F989AAB55}"/>
+                <a16:creationId xmlns:a16="http://schemas.microsoft.com/office/drawing/2014/main" id="{8352ABD1-2B64-43E3-A53A-DD359E547839}"/>
               </a:ext>
             </a:extLst>
           </p:cNvPr>
@@ -5323,7 +5523,7 @@
     </p:spTree>
     <p:extLst>
       <p:ext uri="{BB962C8B-B14F-4D97-AF65-F5344CB8AC3E}">
-        <p14:creationId xmlns:p14="http://schemas.microsoft.com/office/powerpoint/2010/main" val="794121934"/>
+        <p14:creationId xmlns:p14="http://schemas.microsoft.com/office/powerpoint/2010/main" val="755854998"/>
       </p:ext>
     </p:extLst>
   </p:cSld>
@@ -5355,6 +5555,352 @@
           <p:cNvPr id="2" name="Titel 1">
             <a:extLst>
               <a:ext uri="{FF2B5EF4-FFF2-40B4-BE49-F238E27FC236}">
+                <a16:creationId xmlns:a16="http://schemas.microsoft.com/office/drawing/2014/main" id="{47821B0B-73C7-4D74-85E5-D26A3775FE05}"/>
+              </a:ext>
+            </a:extLst>
+          </p:cNvPr>
+          <p:cNvSpPr>
+            <a:spLocks noGrp="1"/>
+          </p:cNvSpPr>
+          <p:nvPr>
+            <p:ph type="title"/>
+          </p:nvPr>
+        </p:nvSpPr>
+        <p:spPr/>
+        <p:txBody>
+          <a:bodyPr/>
+          <a:lstStyle/>
+          <a:p>
+            <a:r>
+              <a:rPr lang="de-DE" dirty="0"/>
+              <a:t>Fazit</a:t>
+            </a:r>
+          </a:p>
+        </p:txBody>
+      </p:sp>
+      <p:sp>
+        <p:nvSpPr>
+          <p:cNvPr id="3" name="Inhaltsplatzhalter 2">
+            <a:extLst>
+              <a:ext uri="{FF2B5EF4-FFF2-40B4-BE49-F238E27FC236}">
+                <a16:creationId xmlns:a16="http://schemas.microsoft.com/office/drawing/2014/main" id="{8C5558C3-2B3A-483D-AF2B-430FA216346F}"/>
+              </a:ext>
+            </a:extLst>
+          </p:cNvPr>
+          <p:cNvSpPr>
+            <a:spLocks noGrp="1"/>
+          </p:cNvSpPr>
+          <p:nvPr>
+            <p:ph idx="1"/>
+          </p:nvPr>
+        </p:nvSpPr>
+        <p:spPr/>
+        <p:txBody>
+          <a:bodyPr/>
+          <a:lstStyle/>
+          <a:p>
+            <a:r>
+              <a:rPr lang="de-DE" dirty="0"/>
+              <a:t>Ergebnisse</a:t>
+            </a:r>
+          </a:p>
+        </p:txBody>
+      </p:sp>
+      <p:sp>
+        <p:nvSpPr>
+          <p:cNvPr id="4" name="Datumsplatzhalter 3">
+            <a:extLst>
+              <a:ext uri="{FF2B5EF4-FFF2-40B4-BE49-F238E27FC236}">
+                <a16:creationId xmlns:a16="http://schemas.microsoft.com/office/drawing/2014/main" id="{0F193019-22E1-4FFD-9636-F0AA7C227972}"/>
+              </a:ext>
+            </a:extLst>
+          </p:cNvPr>
+          <p:cNvSpPr>
+            <a:spLocks noGrp="1"/>
+          </p:cNvSpPr>
+          <p:nvPr>
+            <p:ph type="dt" sz="half" idx="10"/>
+          </p:nvPr>
+        </p:nvSpPr>
+        <p:spPr/>
+        <p:txBody>
+          <a:bodyPr/>
+          <a:lstStyle/>
+          <a:p>
+            <a:r>
+              <a:rPr lang="de-DE"/>
+              <a:t>30.01.2018</a:t>
+            </a:r>
+            <a:endParaRPr lang="de-DE" dirty="0"/>
+          </a:p>
+        </p:txBody>
+      </p:sp>
+      <p:sp>
+        <p:nvSpPr>
+          <p:cNvPr id="6" name="Fußzeilenplatzhalter 5">
+            <a:extLst>
+              <a:ext uri="{FF2B5EF4-FFF2-40B4-BE49-F238E27FC236}">
+                <a16:creationId xmlns:a16="http://schemas.microsoft.com/office/drawing/2014/main" id="{C75B122C-1116-42D6-8E74-F098DE2CF8E6}"/>
+              </a:ext>
+            </a:extLst>
+          </p:cNvPr>
+          <p:cNvSpPr>
+            <a:spLocks noGrp="1"/>
+          </p:cNvSpPr>
+          <p:nvPr>
+            <p:ph type="ftr" sz="quarter" idx="11"/>
+          </p:nvPr>
+        </p:nvSpPr>
+        <p:spPr/>
+        <p:txBody>
+          <a:bodyPr/>
+          <a:lstStyle/>
+          <a:p>
+            <a:r>
+              <a:rPr lang="de-DE"/>
+              <a:t>Sebastian Mischke</a:t>
+            </a:r>
+            <a:endParaRPr lang="de-DE" dirty="0"/>
+          </a:p>
+        </p:txBody>
+      </p:sp>
+      <p:sp>
+        <p:nvSpPr>
+          <p:cNvPr id="7" name="Foliennummernplatzhalter 6">
+            <a:extLst>
+              <a:ext uri="{FF2B5EF4-FFF2-40B4-BE49-F238E27FC236}">
+                <a16:creationId xmlns:a16="http://schemas.microsoft.com/office/drawing/2014/main" id="{8838848C-9D1F-4D4B-A883-BAFCBB669FE1}"/>
+              </a:ext>
+            </a:extLst>
+          </p:cNvPr>
+          <p:cNvSpPr>
+            <a:spLocks noGrp="1"/>
+          </p:cNvSpPr>
+          <p:nvPr>
+            <p:ph type="sldNum" sz="quarter" idx="12"/>
+          </p:nvPr>
+        </p:nvSpPr>
+        <p:spPr/>
+        <p:txBody>
+          <a:bodyPr/>
+          <a:lstStyle/>
+          <a:p>
+            <a:fld id="{297EE791-5D67-423F-A450-B005FE0C9AAB}" type="slidenum">
+              <a:rPr lang="de-DE" smtClean="0"/>
+              <a:t>14</a:t>
+            </a:fld>
+            <a:endParaRPr lang="de-DE"/>
+          </a:p>
+        </p:txBody>
+      </p:sp>
+    </p:spTree>
+    <p:extLst>
+      <p:ext uri="{BB962C8B-B14F-4D97-AF65-F5344CB8AC3E}">
+        <p14:creationId xmlns:p14="http://schemas.microsoft.com/office/powerpoint/2010/main" val="2826496482"/>
+      </p:ext>
+    </p:extLst>
+  </p:cSld>
+  <p:clrMapOvr>
+    <a:masterClrMapping/>
+  </p:clrMapOvr>
+</p:sld>
+</file>
+
+<file path=ppt/slides/slide15.xml><?xml version="1.0" encoding="utf-8"?>
+<p:sld xmlns:a="http://schemas.openxmlformats.org/drawingml/2006/main" xmlns:r="http://schemas.openxmlformats.org/officeDocument/2006/relationships" xmlns:p="http://schemas.openxmlformats.org/presentationml/2006/main">
+  <p:cSld>
+    <p:spTree>
+      <p:nvGrpSpPr>
+        <p:cNvPr id="1" name=""/>
+        <p:cNvGrpSpPr/>
+        <p:nvPr/>
+      </p:nvGrpSpPr>
+      <p:grpSpPr>
+        <a:xfrm>
+          <a:off x="0" y="0"/>
+          <a:ext cx="0" cy="0"/>
+          <a:chOff x="0" y="0"/>
+          <a:chExt cx="0" cy="0"/>
+        </a:xfrm>
+      </p:grpSpPr>
+      <p:sp>
+        <p:nvSpPr>
+          <p:cNvPr id="2" name="Titel 1">
+            <a:extLst>
+              <a:ext uri="{FF2B5EF4-FFF2-40B4-BE49-F238E27FC236}">
+                <a16:creationId xmlns:a16="http://schemas.microsoft.com/office/drawing/2014/main" id="{84400D62-C043-4C42-A8E3-56B058ADCCEE}"/>
+              </a:ext>
+            </a:extLst>
+          </p:cNvPr>
+          <p:cNvSpPr>
+            <a:spLocks noGrp="1"/>
+          </p:cNvSpPr>
+          <p:nvPr>
+            <p:ph type="title"/>
+          </p:nvPr>
+        </p:nvSpPr>
+        <p:spPr/>
+        <p:txBody>
+          <a:bodyPr/>
+          <a:lstStyle/>
+          <a:p>
+            <a:r>
+              <a:rPr lang="de-DE" dirty="0"/>
+              <a:t>Ausblick</a:t>
+            </a:r>
+          </a:p>
+        </p:txBody>
+      </p:sp>
+      <p:sp>
+        <p:nvSpPr>
+          <p:cNvPr id="3" name="Inhaltsplatzhalter 2">
+            <a:extLst>
+              <a:ext uri="{FF2B5EF4-FFF2-40B4-BE49-F238E27FC236}">
+                <a16:creationId xmlns:a16="http://schemas.microsoft.com/office/drawing/2014/main" id="{08413965-6249-42D1-85DE-46E255F5123F}"/>
+              </a:ext>
+            </a:extLst>
+          </p:cNvPr>
+          <p:cNvSpPr>
+            <a:spLocks noGrp="1"/>
+          </p:cNvSpPr>
+          <p:nvPr>
+            <p:ph idx="1"/>
+          </p:nvPr>
+        </p:nvSpPr>
+        <p:spPr/>
+        <p:txBody>
+          <a:bodyPr/>
+          <a:lstStyle/>
+          <a:p>
+            <a:r>
+              <a:rPr lang="de-DE" dirty="0"/>
+              <a:t>Weiterführende Entwicklung</a:t>
+            </a:r>
+          </a:p>
+        </p:txBody>
+      </p:sp>
+      <p:sp>
+        <p:nvSpPr>
+          <p:cNvPr id="5" name="Datumsplatzhalter 4">
+            <a:extLst>
+              <a:ext uri="{FF2B5EF4-FFF2-40B4-BE49-F238E27FC236}">
+                <a16:creationId xmlns:a16="http://schemas.microsoft.com/office/drawing/2014/main" id="{52E56822-E51D-443F-9930-DC520A04E493}"/>
+              </a:ext>
+            </a:extLst>
+          </p:cNvPr>
+          <p:cNvSpPr>
+            <a:spLocks noGrp="1"/>
+          </p:cNvSpPr>
+          <p:nvPr>
+            <p:ph type="dt" sz="half" idx="10"/>
+          </p:nvPr>
+        </p:nvSpPr>
+        <p:spPr/>
+        <p:txBody>
+          <a:bodyPr/>
+          <a:lstStyle/>
+          <a:p>
+            <a:r>
+              <a:rPr lang="de-DE"/>
+              <a:t>30.01.2018</a:t>
+            </a:r>
+            <a:endParaRPr lang="de-DE" dirty="0"/>
+          </a:p>
+        </p:txBody>
+      </p:sp>
+      <p:sp>
+        <p:nvSpPr>
+          <p:cNvPr id="6" name="Fußzeilenplatzhalter 5">
+            <a:extLst>
+              <a:ext uri="{FF2B5EF4-FFF2-40B4-BE49-F238E27FC236}">
+                <a16:creationId xmlns:a16="http://schemas.microsoft.com/office/drawing/2014/main" id="{4001F740-8BF5-456D-8B6E-066FEAC0BBED}"/>
+              </a:ext>
+            </a:extLst>
+          </p:cNvPr>
+          <p:cNvSpPr>
+            <a:spLocks noGrp="1"/>
+          </p:cNvSpPr>
+          <p:nvPr>
+            <p:ph type="ftr" sz="quarter" idx="11"/>
+          </p:nvPr>
+        </p:nvSpPr>
+        <p:spPr/>
+        <p:txBody>
+          <a:bodyPr/>
+          <a:lstStyle/>
+          <a:p>
+            <a:r>
+              <a:rPr lang="de-DE"/>
+              <a:t>Sebastian Mischke</a:t>
+            </a:r>
+            <a:endParaRPr lang="de-DE" dirty="0"/>
+          </a:p>
+        </p:txBody>
+      </p:sp>
+      <p:sp>
+        <p:nvSpPr>
+          <p:cNvPr id="7" name="Foliennummernplatzhalter 6">
+            <a:extLst>
+              <a:ext uri="{FF2B5EF4-FFF2-40B4-BE49-F238E27FC236}">
+                <a16:creationId xmlns:a16="http://schemas.microsoft.com/office/drawing/2014/main" id="{1D1D828C-EC26-4651-8972-756F989AAB55}"/>
+              </a:ext>
+            </a:extLst>
+          </p:cNvPr>
+          <p:cNvSpPr>
+            <a:spLocks noGrp="1"/>
+          </p:cNvSpPr>
+          <p:nvPr>
+            <p:ph type="sldNum" sz="quarter" idx="12"/>
+          </p:nvPr>
+        </p:nvSpPr>
+        <p:spPr/>
+        <p:txBody>
+          <a:bodyPr/>
+          <a:lstStyle/>
+          <a:p>
+            <a:fld id="{297EE791-5D67-423F-A450-B005FE0C9AAB}" type="slidenum">
+              <a:rPr lang="de-DE" smtClean="0"/>
+              <a:t>15</a:t>
+            </a:fld>
+            <a:endParaRPr lang="de-DE"/>
+          </a:p>
+        </p:txBody>
+      </p:sp>
+    </p:spTree>
+    <p:extLst>
+      <p:ext uri="{BB962C8B-B14F-4D97-AF65-F5344CB8AC3E}">
+        <p14:creationId xmlns:p14="http://schemas.microsoft.com/office/powerpoint/2010/main" val="794121934"/>
+      </p:ext>
+    </p:extLst>
+  </p:cSld>
+  <p:clrMapOvr>
+    <a:masterClrMapping/>
+  </p:clrMapOvr>
+</p:sld>
+</file>
+
+<file path=ppt/slides/slide16.xml><?xml version="1.0" encoding="utf-8"?>
+<p:sld xmlns:a="http://schemas.openxmlformats.org/drawingml/2006/main" xmlns:r="http://schemas.openxmlformats.org/officeDocument/2006/relationships" xmlns:p="http://schemas.openxmlformats.org/presentationml/2006/main">
+  <p:cSld>
+    <p:spTree>
+      <p:nvGrpSpPr>
+        <p:cNvPr id="1" name=""/>
+        <p:cNvGrpSpPr/>
+        <p:nvPr/>
+      </p:nvGrpSpPr>
+      <p:grpSpPr>
+        <a:xfrm>
+          <a:off x="0" y="0"/>
+          <a:ext cx="0" cy="0"/>
+          <a:chOff x="0" y="0"/>
+          <a:chExt cx="0" cy="0"/>
+        </a:xfrm>
+      </p:grpSpPr>
+      <p:sp>
+        <p:nvSpPr>
+          <p:cNvPr id="2" name="Titel 1">
+            <a:extLst>
+              <a:ext uri="{FF2B5EF4-FFF2-40B4-BE49-F238E27FC236}">
                 <a16:creationId xmlns:a16="http://schemas.microsoft.com/office/drawing/2014/main" id="{2D3B589F-1C6D-475E-8FE9-0168CC3AABC4}"/>
               </a:ext>
             </a:extLst>
@@ -5777,7 +6323,7 @@
           <a:p>
             <a:fld id="{297EE791-5D67-423F-A450-B005FE0C9AAB}" type="slidenum">
               <a:rPr lang="de-DE" smtClean="0"/>
-              <a:t>14</a:t>
+              <a:t>16</a:t>
             </a:fld>
             <a:endParaRPr lang="de-DE"/>
           </a:p>
@@ -6510,10 +7056,30 @@
             </a:r>
           </a:p>
           <a:p>
+            <a:pPr lvl="1"/>
+            <a:r>
+              <a:rPr lang="de-DE" dirty="0"/>
+              <a:t>ILSVRC 2012</a:t>
+            </a:r>
+          </a:p>
+          <a:p>
+            <a:endParaRPr lang="de-DE" dirty="0"/>
+          </a:p>
+          <a:p>
             <a:pPr marL="118872" indent="0">
               <a:buNone/>
             </a:pPr>
-            <a:endParaRPr lang="de-DE" dirty="0"/>
+            <a:r>
+              <a:rPr lang="de-DE" dirty="0"/>
+              <a:t>VGG16 und VGG19 [SZ14]</a:t>
+            </a:r>
+          </a:p>
+          <a:p>
+            <a:pPr lvl="1"/>
+            <a:r>
+              <a:rPr lang="de-DE" dirty="0"/>
+              <a:t>ILSVRC 2014</a:t>
+            </a:r>
           </a:p>
           <a:p>
             <a:endParaRPr lang="de-DE" dirty="0"/>
@@ -6523,27 +7089,19 @@
               <a:buNone/>
             </a:pPr>
             <a:r>
-              <a:rPr lang="de-DE" dirty="0"/>
-              <a:t>VGG16 und VGG19 [SZ14]</a:t>
-            </a:r>
-          </a:p>
-          <a:p>
-            <a:endParaRPr lang="de-DE" dirty="0"/>
-          </a:p>
-          <a:p>
-            <a:endParaRPr lang="de-DE" dirty="0"/>
-          </a:p>
-          <a:p>
-            <a:pPr marL="118872" indent="0">
-              <a:buNone/>
-            </a:pPr>
-            <a:r>
               <a:rPr lang="de-DE" dirty="0" err="1"/>
               <a:t>PlaNet</a:t>
             </a:r>
             <a:r>
               <a:rPr lang="de-DE" dirty="0"/>
               <a:t> [WKP16]</a:t>
+            </a:r>
+          </a:p>
+          <a:p>
+            <a:pPr lvl="1"/>
+            <a:r>
+              <a:rPr lang="de-DE" dirty="0"/>
+              <a:t>Ortung von Bildaufnahmen</a:t>
             </a:r>
           </a:p>
         </p:txBody>
@@ -6747,7 +7305,7 @@
           <p:cNvPr id="2" name="Titel 1">
             <a:extLst>
               <a:ext uri="{FF2B5EF4-FFF2-40B4-BE49-F238E27FC236}">
-                <a16:creationId xmlns:a16="http://schemas.microsoft.com/office/drawing/2014/main" id="{FF950ABF-E9E6-4427-9DA7-E3F508F84356}"/>
+                <a16:creationId xmlns:a16="http://schemas.microsoft.com/office/drawing/2014/main" id="{31A0A77A-ED32-4236-A878-C52EDA29791A}"/>
               </a:ext>
             </a:extLst>
           </p:cNvPr>
@@ -6775,7 +7333,7 @@
           <p:cNvPr id="3" name="Inhaltsplatzhalter 2">
             <a:extLst>
               <a:ext uri="{FF2B5EF4-FFF2-40B4-BE49-F238E27FC236}">
-                <a16:creationId xmlns:a16="http://schemas.microsoft.com/office/drawing/2014/main" id="{1B33E55B-56BB-4E7C-A2E0-116CB296B32F}"/>
+                <a16:creationId xmlns:a16="http://schemas.microsoft.com/office/drawing/2014/main" id="{3287C1E9-653B-42BD-835B-297A9DE621C7}"/>
               </a:ext>
             </a:extLst>
           </p:cNvPr>
@@ -6793,53 +7351,30 @@
           <a:p>
             <a:r>
               <a:rPr lang="de-DE" dirty="0"/>
-              <a:t>Modularer Aufbau</a:t>
-            </a:r>
-          </a:p>
-        </p:txBody>
-      </p:sp>
-      <p:pic>
-        <p:nvPicPr>
-          <p:cNvPr id="14" name="Grafik 13" descr="Ein Bild, das Screenshot enthält.&#10;&#10;Mit hoher Zuverlässigkeit generierte Beschreibung">
-            <a:extLst>
-              <a:ext uri="{FF2B5EF4-FFF2-40B4-BE49-F238E27FC236}">
-                <a16:creationId xmlns:a16="http://schemas.microsoft.com/office/drawing/2014/main" id="{800E0569-9019-48B6-B679-92512E7AB27B}"/>
-              </a:ext>
-            </a:extLst>
-          </p:cNvPr>
-          <p:cNvPicPr>
-            <a:picLocks noChangeAspect="1"/>
-          </p:cNvPicPr>
-          <p:nvPr/>
-        </p:nvPicPr>
-        <p:blipFill>
-          <a:blip r:embed="rId2" cstate="print">
-            <a:extLst>
-              <a:ext uri="{28A0092B-C50C-407E-A947-70E740481C1C}">
-                <a14:useLocalDpi xmlns:a14="http://schemas.microsoft.com/office/drawing/2010/main" val="0"/>
-              </a:ext>
-            </a:extLst>
-          </a:blip>
-          <a:stretch>
-            <a:fillRect/>
-          </a:stretch>
-        </p:blipFill>
-        <p:spPr>
-          <a:xfrm>
-            <a:off x="3039050" y="4240801"/>
-            <a:ext cx="6113899" cy="2160000"/>
-          </a:xfrm>
-          <a:prstGeom prst="rect">
-            <a:avLst/>
-          </a:prstGeom>
-        </p:spPr>
-      </p:pic>
-      <p:sp>
-        <p:nvSpPr>
-          <p:cNvPr id="15" name="Datumsplatzhalter 14">
-            <a:extLst>
-              <a:ext uri="{FF2B5EF4-FFF2-40B4-BE49-F238E27FC236}">
-                <a16:creationId xmlns:a16="http://schemas.microsoft.com/office/drawing/2014/main" id="{FBDE1FEE-1DA2-4A84-BA0D-CD0133442AC7}"/>
+              <a:t>Implementiert in Python</a:t>
+            </a:r>
+          </a:p>
+          <a:p>
+            <a:r>
+              <a:rPr lang="de-DE" dirty="0" err="1"/>
+              <a:t>Deeplearning</a:t>
+            </a:r>
+            <a:r>
+              <a:rPr lang="de-DE" dirty="0"/>
+              <a:t>-Framework „Keras“</a:t>
+            </a:r>
+          </a:p>
+          <a:p>
+            <a:endParaRPr lang="de-DE" dirty="0"/>
+          </a:p>
+        </p:txBody>
+      </p:sp>
+      <p:sp>
+        <p:nvSpPr>
+          <p:cNvPr id="4" name="Datumsplatzhalter 3">
+            <a:extLst>
+              <a:ext uri="{FF2B5EF4-FFF2-40B4-BE49-F238E27FC236}">
+                <a16:creationId xmlns:a16="http://schemas.microsoft.com/office/drawing/2014/main" id="{7CB58752-C14F-4C4E-996D-46EADCC82323}"/>
               </a:ext>
             </a:extLst>
           </p:cNvPr>
@@ -6865,10 +7400,10 @@
       </p:sp>
       <p:sp>
         <p:nvSpPr>
-          <p:cNvPr id="16" name="Fußzeilenplatzhalter 15">
-            <a:extLst>
-              <a:ext uri="{FF2B5EF4-FFF2-40B4-BE49-F238E27FC236}">
-                <a16:creationId xmlns:a16="http://schemas.microsoft.com/office/drawing/2014/main" id="{2E895B4F-70E3-4AE1-9205-A58396704391}"/>
+          <p:cNvPr id="5" name="Fußzeilenplatzhalter 4">
+            <a:extLst>
+              <a:ext uri="{FF2B5EF4-FFF2-40B4-BE49-F238E27FC236}">
+                <a16:creationId xmlns:a16="http://schemas.microsoft.com/office/drawing/2014/main" id="{0C7A3B75-C738-49C5-8794-1B89FC856A44}"/>
               </a:ext>
             </a:extLst>
           </p:cNvPr>
@@ -6894,10 +7429,10 @@
       </p:sp>
       <p:sp>
         <p:nvSpPr>
-          <p:cNvPr id="17" name="Foliennummernplatzhalter 16">
-            <a:extLst>
-              <a:ext uri="{FF2B5EF4-FFF2-40B4-BE49-F238E27FC236}">
-                <a16:creationId xmlns:a16="http://schemas.microsoft.com/office/drawing/2014/main" id="{A7F1E874-4335-43E7-BA1C-EABAAA645F5B}"/>
+          <p:cNvPr id="6" name="Foliennummernplatzhalter 5">
+            <a:extLst>
+              <a:ext uri="{FF2B5EF4-FFF2-40B4-BE49-F238E27FC236}">
+                <a16:creationId xmlns:a16="http://schemas.microsoft.com/office/drawing/2014/main" id="{87DD3F36-4891-4EB2-9E56-F596C8D828EA}"/>
               </a:ext>
             </a:extLst>
           </p:cNvPr>
@@ -6924,7 +7459,7 @@
     </p:spTree>
     <p:extLst>
       <p:ext uri="{BB962C8B-B14F-4D97-AF65-F5344CB8AC3E}">
-        <p14:creationId xmlns:p14="http://schemas.microsoft.com/office/powerpoint/2010/main" val="2211025264"/>
+        <p14:creationId xmlns:p14="http://schemas.microsoft.com/office/powerpoint/2010/main" val="3651090206"/>
       </p:ext>
     </p:extLst>
   </p:cSld>
@@ -6956,7 +7491,7 @@
           <p:cNvPr id="2" name="Titel 1">
             <a:extLst>
               <a:ext uri="{FF2B5EF4-FFF2-40B4-BE49-F238E27FC236}">
-                <a16:creationId xmlns:a16="http://schemas.microsoft.com/office/drawing/2014/main" id="{98408825-A253-4FA1-80BC-74B0A8AB7A0B}"/>
+                <a16:creationId xmlns:a16="http://schemas.microsoft.com/office/drawing/2014/main" id="{FF950ABF-E9E6-4427-9DA7-E3F508F84356}"/>
               </a:ext>
             </a:extLst>
           </p:cNvPr>
@@ -6974,7 +7509,7 @@
           <a:p>
             <a:r>
               <a:rPr lang="de-DE" dirty="0"/>
-              <a:t>Satellitenbilder</a:t>
+              <a:t>Gesamtsystem</a:t>
             </a:r>
           </a:p>
         </p:txBody>
@@ -6984,7 +7519,7 @@
           <p:cNvPr id="3" name="Inhaltsplatzhalter 2">
             <a:extLst>
               <a:ext uri="{FF2B5EF4-FFF2-40B4-BE49-F238E27FC236}">
-                <a16:creationId xmlns:a16="http://schemas.microsoft.com/office/drawing/2014/main" id="{9AC65557-BEA4-402F-BE47-4C1D6D67E329}"/>
+                <a16:creationId xmlns:a16="http://schemas.microsoft.com/office/drawing/2014/main" id="{1B33E55B-56BB-4E7C-A2E0-116CB296B32F}"/>
               </a:ext>
             </a:extLst>
           </p:cNvPr>
@@ -7002,19 +7537,35 @@
           <a:p>
             <a:r>
               <a:rPr lang="de-DE" dirty="0"/>
-              <a:t>Lokale vorhandene Datenmenge</a:t>
-            </a:r>
-          </a:p>
-          <a:p>
-            <a:r>
-              <a:rPr lang="de-DE" dirty="0"/>
-              <a:t>Adressliste </a:t>
-            </a:r>
-            <a:r>
-              <a:rPr lang="de-DE" dirty="0">
-                <a:sym typeface="Wingdings" panose="05000000000000000000" pitchFamily="2" charset="2"/>
-              </a:rPr>
-              <a:t> Google Maps API</a:t>
+              <a:t>Modularer Aufbau</a:t>
+            </a:r>
+          </a:p>
+        </p:txBody>
+      </p:sp>
+      <p:sp>
+        <p:nvSpPr>
+          <p:cNvPr id="15" name="Datumsplatzhalter 14">
+            <a:extLst>
+              <a:ext uri="{FF2B5EF4-FFF2-40B4-BE49-F238E27FC236}">
+                <a16:creationId xmlns:a16="http://schemas.microsoft.com/office/drawing/2014/main" id="{FBDE1FEE-1DA2-4A84-BA0D-CD0133442AC7}"/>
+              </a:ext>
+            </a:extLst>
+          </p:cNvPr>
+          <p:cNvSpPr>
+            <a:spLocks noGrp="1"/>
+          </p:cNvSpPr>
+          <p:nvPr>
+            <p:ph type="dt" sz="half" idx="10"/>
+          </p:nvPr>
+        </p:nvSpPr>
+        <p:spPr/>
+        <p:txBody>
+          <a:bodyPr/>
+          <a:lstStyle/>
+          <a:p>
+            <a:r>
+              <a:rPr lang="de-DE"/>
+              <a:t>30.01.2018</a:t>
             </a:r>
             <a:endParaRPr lang="de-DE" dirty="0"/>
           </a:p>
@@ -7022,28 +7573,28 @@
       </p:sp>
       <p:sp>
         <p:nvSpPr>
-          <p:cNvPr id="5" name="Datumsplatzhalter 4">
-            <a:extLst>
-              <a:ext uri="{FF2B5EF4-FFF2-40B4-BE49-F238E27FC236}">
-                <a16:creationId xmlns:a16="http://schemas.microsoft.com/office/drawing/2014/main" id="{BEE750CA-4F30-4E79-819A-20978651D9C9}"/>
-              </a:ext>
-            </a:extLst>
-          </p:cNvPr>
-          <p:cNvSpPr>
-            <a:spLocks noGrp="1"/>
-          </p:cNvSpPr>
-          <p:nvPr>
-            <p:ph type="dt" sz="half" idx="10"/>
-          </p:nvPr>
-        </p:nvSpPr>
-        <p:spPr/>
-        <p:txBody>
-          <a:bodyPr/>
-          <a:lstStyle/>
-          <a:p>
-            <a:r>
-              <a:rPr lang="de-DE"/>
-              <a:t>30.01.2018</a:t>
+          <p:cNvPr id="16" name="Fußzeilenplatzhalter 15">
+            <a:extLst>
+              <a:ext uri="{FF2B5EF4-FFF2-40B4-BE49-F238E27FC236}">
+                <a16:creationId xmlns:a16="http://schemas.microsoft.com/office/drawing/2014/main" id="{2E895B4F-70E3-4AE1-9205-A58396704391}"/>
+              </a:ext>
+            </a:extLst>
+          </p:cNvPr>
+          <p:cNvSpPr>
+            <a:spLocks noGrp="1"/>
+          </p:cNvSpPr>
+          <p:nvPr>
+            <p:ph type="ftr" sz="quarter" idx="11"/>
+          </p:nvPr>
+        </p:nvSpPr>
+        <p:spPr/>
+        <p:txBody>
+          <a:bodyPr/>
+          <a:lstStyle/>
+          <a:p>
+            <a:r>
+              <a:rPr lang="de-DE"/>
+              <a:t>Sebastian Mischke</a:t>
             </a:r>
             <a:endParaRPr lang="de-DE" dirty="0"/>
           </a:p>
@@ -7051,39 +7602,10 @@
       </p:sp>
       <p:sp>
         <p:nvSpPr>
-          <p:cNvPr id="6" name="Fußzeilenplatzhalter 5">
-            <a:extLst>
-              <a:ext uri="{FF2B5EF4-FFF2-40B4-BE49-F238E27FC236}">
-                <a16:creationId xmlns:a16="http://schemas.microsoft.com/office/drawing/2014/main" id="{2ACA7F10-5CA7-4A39-9476-1FD2109D9F87}"/>
-              </a:ext>
-            </a:extLst>
-          </p:cNvPr>
-          <p:cNvSpPr>
-            <a:spLocks noGrp="1"/>
-          </p:cNvSpPr>
-          <p:nvPr>
-            <p:ph type="ftr" sz="quarter" idx="11"/>
-          </p:nvPr>
-        </p:nvSpPr>
-        <p:spPr/>
-        <p:txBody>
-          <a:bodyPr/>
-          <a:lstStyle/>
-          <a:p>
-            <a:r>
-              <a:rPr lang="de-DE"/>
-              <a:t>Sebastian Mischke</a:t>
-            </a:r>
-            <a:endParaRPr lang="de-DE" dirty="0"/>
-          </a:p>
-        </p:txBody>
-      </p:sp>
-      <p:sp>
-        <p:nvSpPr>
-          <p:cNvPr id="7" name="Foliennummernplatzhalter 6">
-            <a:extLst>
-              <a:ext uri="{FF2B5EF4-FFF2-40B4-BE49-F238E27FC236}">
-                <a16:creationId xmlns:a16="http://schemas.microsoft.com/office/drawing/2014/main" id="{57C83C1E-94E0-49F3-965B-BC3121F1BF9C}"/>
+          <p:cNvPr id="17" name="Foliennummernplatzhalter 16">
+            <a:extLst>
+              <a:ext uri="{FF2B5EF4-FFF2-40B4-BE49-F238E27FC236}">
+                <a16:creationId xmlns:a16="http://schemas.microsoft.com/office/drawing/2014/main" id="{A7F1E874-4335-43E7-BA1C-EABAAA645F5B}"/>
               </a:ext>
             </a:extLst>
           </p:cNvPr>
@@ -7107,10 +7629,46 @@
           </a:p>
         </p:txBody>
       </p:sp>
+      <p:pic>
+        <p:nvPicPr>
+          <p:cNvPr id="36" name="Grafik 35" descr="Ein Bild, das Screenshot enthält.&#10;&#10;Mit hoher Zuverlässigkeit generierte Beschreibung">
+            <a:extLst>
+              <a:ext uri="{FF2B5EF4-FFF2-40B4-BE49-F238E27FC236}">
+                <a16:creationId xmlns:a16="http://schemas.microsoft.com/office/drawing/2014/main" id="{932087F1-9A37-497B-B069-2CF74B9EF935}"/>
+              </a:ext>
+            </a:extLst>
+          </p:cNvPr>
+          <p:cNvPicPr>
+            <a:picLocks noChangeAspect="1"/>
+          </p:cNvPicPr>
+          <p:nvPr/>
+        </p:nvPicPr>
+        <p:blipFill>
+          <a:blip r:embed="rId2" cstate="print">
+            <a:extLst>
+              <a:ext uri="{28A0092B-C50C-407E-A947-70E740481C1C}">
+                <a14:useLocalDpi xmlns:a14="http://schemas.microsoft.com/office/drawing/2010/main" val="0"/>
+              </a:ext>
+            </a:extLst>
+          </a:blip>
+          <a:stretch>
+            <a:fillRect/>
+          </a:stretch>
+        </p:blipFill>
+        <p:spPr>
+          <a:xfrm>
+            <a:off x="2445296" y="4240801"/>
+            <a:ext cx="7301408" cy="2160000"/>
+          </a:xfrm>
+          <a:prstGeom prst="rect">
+            <a:avLst/>
+          </a:prstGeom>
+        </p:spPr>
+      </p:pic>
     </p:spTree>
     <p:extLst>
       <p:ext uri="{BB962C8B-B14F-4D97-AF65-F5344CB8AC3E}">
-        <p14:creationId xmlns:p14="http://schemas.microsoft.com/office/powerpoint/2010/main" val="359076662"/>
+        <p14:creationId xmlns:p14="http://schemas.microsoft.com/office/powerpoint/2010/main" val="2211025264"/>
       </p:ext>
     </p:extLst>
   </p:cSld>
@@ -7142,7 +7700,7 @@
           <p:cNvPr id="2" name="Titel 1">
             <a:extLst>
               <a:ext uri="{FF2B5EF4-FFF2-40B4-BE49-F238E27FC236}">
-                <a16:creationId xmlns:a16="http://schemas.microsoft.com/office/drawing/2014/main" id="{662293A9-96BC-4F94-A697-A4E413313499}"/>
+                <a16:creationId xmlns:a16="http://schemas.microsoft.com/office/drawing/2014/main" id="{98408825-A253-4FA1-80BC-74B0A8AB7A0B}"/>
               </a:ext>
             </a:extLst>
           </p:cNvPr>
@@ -7160,7 +7718,7 @@
           <a:p>
             <a:r>
               <a:rPr lang="de-DE" dirty="0"/>
-              <a:t>Trainingsvorgaben / Merkmale</a:t>
+              <a:t>Satellitenbilder</a:t>
             </a:r>
           </a:p>
         </p:txBody>
@@ -7170,7 +7728,7 @@
           <p:cNvPr id="3" name="Inhaltsplatzhalter 2">
             <a:extLst>
               <a:ext uri="{FF2B5EF4-FFF2-40B4-BE49-F238E27FC236}">
-                <a16:creationId xmlns:a16="http://schemas.microsoft.com/office/drawing/2014/main" id="{363A19DF-48D4-47F8-BD5A-A4F01156E33B}"/>
+                <a16:creationId xmlns:a16="http://schemas.microsoft.com/office/drawing/2014/main" id="{9AC65557-BEA4-402F-BE47-4C1D6D67E329}"/>
               </a:ext>
             </a:extLst>
           </p:cNvPr>
@@ -7192,35 +7750,15 @@
             </a:r>
           </a:p>
           <a:p>
-            <a:pPr lvl="1"/>
             <a:r>
               <a:rPr lang="de-DE" dirty="0"/>
-              <a:t>Zugehörig zu Bild bzw. Adresse</a:t>
-            </a:r>
-          </a:p>
-          <a:p>
-            <a:r>
-              <a:rPr lang="de-DE" dirty="0"/>
-              <a:t>Inverse Datenakquirierung</a:t>
-            </a:r>
-          </a:p>
-          <a:p>
-            <a:pPr lvl="1"/>
-            <a:r>
-              <a:rPr lang="de-DE" dirty="0"/>
-              <a:t>Adressliste aus gewünschtem Merkmal (z.B. Schulen)</a:t>
-            </a:r>
-          </a:p>
-          <a:p>
-            <a:r>
-              <a:rPr lang="de-DE" dirty="0"/>
-              <a:t>(Adresse) </a:t>
+              <a:t>Adressliste </a:t>
             </a:r>
             <a:r>
               <a:rPr lang="de-DE" dirty="0">
                 <a:sym typeface="Wingdings" panose="05000000000000000000" pitchFamily="2" charset="2"/>
               </a:rPr>
-              <a:t> Satellitenbild  Interface für menschliche Entscheidung  SQL-Datenbank</a:t>
+              <a:t> Google Maps API</a:t>
             </a:r>
             <a:endParaRPr lang="de-DE" dirty="0"/>
           </a:p>
@@ -7231,7 +7769,7 @@
           <p:cNvPr id="5" name="Datumsplatzhalter 4">
             <a:extLst>
               <a:ext uri="{FF2B5EF4-FFF2-40B4-BE49-F238E27FC236}">
-                <a16:creationId xmlns:a16="http://schemas.microsoft.com/office/drawing/2014/main" id="{34A5744A-708F-4F09-B113-61042891206A}"/>
+                <a16:creationId xmlns:a16="http://schemas.microsoft.com/office/drawing/2014/main" id="{BEE750CA-4F30-4E79-819A-20978651D9C9}"/>
               </a:ext>
             </a:extLst>
           </p:cNvPr>
@@ -7260,7 +7798,7 @@
           <p:cNvPr id="6" name="Fußzeilenplatzhalter 5">
             <a:extLst>
               <a:ext uri="{FF2B5EF4-FFF2-40B4-BE49-F238E27FC236}">
-                <a16:creationId xmlns:a16="http://schemas.microsoft.com/office/drawing/2014/main" id="{A2ACE29E-B3AF-49B9-AC8F-A3D274EDC354}"/>
+                <a16:creationId xmlns:a16="http://schemas.microsoft.com/office/drawing/2014/main" id="{2ACA7F10-5CA7-4A39-9476-1FD2109D9F87}"/>
               </a:ext>
             </a:extLst>
           </p:cNvPr>
@@ -7289,7 +7827,7 @@
           <p:cNvPr id="7" name="Foliennummernplatzhalter 6">
             <a:extLst>
               <a:ext uri="{FF2B5EF4-FFF2-40B4-BE49-F238E27FC236}">
-                <a16:creationId xmlns:a16="http://schemas.microsoft.com/office/drawing/2014/main" id="{D24994AD-2259-43C4-9273-5530ACBA74FD}"/>
+                <a16:creationId xmlns:a16="http://schemas.microsoft.com/office/drawing/2014/main" id="{57C83C1E-94E0-49F3-965B-BC3121F1BF9C}"/>
               </a:ext>
             </a:extLst>
           </p:cNvPr>
@@ -7316,7 +7854,7 @@
     </p:spTree>
     <p:extLst>
       <p:ext uri="{BB962C8B-B14F-4D97-AF65-F5344CB8AC3E}">
-        <p14:creationId xmlns:p14="http://schemas.microsoft.com/office/powerpoint/2010/main" val="2183325724"/>
+        <p14:creationId xmlns:p14="http://schemas.microsoft.com/office/powerpoint/2010/main" val="359076662"/>
       </p:ext>
     </p:extLst>
   </p:cSld>
@@ -7348,7 +7886,7 @@
           <p:cNvPr id="2" name="Titel 1">
             <a:extLst>
               <a:ext uri="{FF2B5EF4-FFF2-40B4-BE49-F238E27FC236}">
-                <a16:creationId xmlns:a16="http://schemas.microsoft.com/office/drawing/2014/main" id="{81E74AC4-F404-45DC-8D65-1AC445DEC5C9}"/>
+                <a16:creationId xmlns:a16="http://schemas.microsoft.com/office/drawing/2014/main" id="{662293A9-96BC-4F94-A697-A4E413313499}"/>
               </a:ext>
             </a:extLst>
           </p:cNvPr>
@@ -7366,7 +7904,7 @@
           <a:p>
             <a:r>
               <a:rPr lang="de-DE" dirty="0"/>
-              <a:t>Neuronales Netz</a:t>
+              <a:t>Trainingsvorgaben / Merkmale</a:t>
             </a:r>
           </a:p>
         </p:txBody>
@@ -7376,7 +7914,7 @@
           <p:cNvPr id="3" name="Inhaltsplatzhalter 2">
             <a:extLst>
               <a:ext uri="{FF2B5EF4-FFF2-40B4-BE49-F238E27FC236}">
-                <a16:creationId xmlns:a16="http://schemas.microsoft.com/office/drawing/2014/main" id="{7244D24D-B582-43A5-920E-7DBD04AC3A14}"/>
+                <a16:creationId xmlns:a16="http://schemas.microsoft.com/office/drawing/2014/main" id="{363A19DF-48D4-47F8-BD5A-A4F01156E33B}"/>
               </a:ext>
             </a:extLst>
           </p:cNvPr>
@@ -7394,44 +7932,50 @@
           <a:p>
             <a:r>
               <a:rPr lang="de-DE" dirty="0"/>
-              <a:t>Angelehnt an VGG16</a:t>
-            </a:r>
-          </a:p>
-          <a:p>
+              <a:t>Lokale vorhandene Datenmenge</a:t>
+            </a:r>
+          </a:p>
+          <a:p>
+            <a:pPr lvl="1"/>
             <a:r>
               <a:rPr lang="de-DE" dirty="0"/>
-              <a:t>Standardnetz verfügbar, Anpassung interner Struktur möglich</a:t>
+              <a:t>Zugehörig zu Bild bzw. Adresse</a:t>
             </a:r>
           </a:p>
           <a:p>
             <a:r>
               <a:rPr lang="de-DE" dirty="0"/>
-              <a:t>Automatische Anpassung an Eingabe- und Ausgabedaten</a:t>
+              <a:t>Inverse Datenakquirierung</a:t>
             </a:r>
           </a:p>
           <a:p>
             <a:pPr lvl="1"/>
             <a:r>
               <a:rPr lang="de-DE" dirty="0"/>
-              <a:t>Bis zu gewissen Punkt (Ausgabefunktion wie </a:t>
-            </a:r>
-            <a:r>
-              <a:rPr lang="de-DE" dirty="0" err="1"/>
-              <a:t>Softmax</a:t>
-            </a:r>
+              <a:t>Adressliste aus gewünschtem Merkmal (z.B. Schulen)</a:t>
+            </a:r>
+          </a:p>
+          <a:p>
             <a:r>
               <a:rPr lang="de-DE" dirty="0"/>
-              <a:t> oder Linear)</a:t>
-            </a:r>
-          </a:p>
-        </p:txBody>
-      </p:sp>
-      <p:sp>
-        <p:nvSpPr>
-          <p:cNvPr id="4" name="Datumsplatzhalter 3">
-            <a:extLst>
-              <a:ext uri="{FF2B5EF4-FFF2-40B4-BE49-F238E27FC236}">
-                <a16:creationId xmlns:a16="http://schemas.microsoft.com/office/drawing/2014/main" id="{1C23DF82-5B8A-4FB1-A9B2-8E001D433C9D}"/>
+              <a:t>(Adresse) </a:t>
+            </a:r>
+            <a:r>
+              <a:rPr lang="de-DE" dirty="0">
+                <a:sym typeface="Wingdings" panose="05000000000000000000" pitchFamily="2" charset="2"/>
+              </a:rPr>
+              <a:t> Satellitenbild  Interface für menschliche Entscheidung  SQL-Datenbank</a:t>
+            </a:r>
+            <a:endParaRPr lang="de-DE" dirty="0"/>
+          </a:p>
+        </p:txBody>
+      </p:sp>
+      <p:sp>
+        <p:nvSpPr>
+          <p:cNvPr id="5" name="Datumsplatzhalter 4">
+            <a:extLst>
+              <a:ext uri="{FF2B5EF4-FFF2-40B4-BE49-F238E27FC236}">
+                <a16:creationId xmlns:a16="http://schemas.microsoft.com/office/drawing/2014/main" id="{34A5744A-708F-4F09-B113-61042891206A}"/>
               </a:ext>
             </a:extLst>
           </p:cNvPr>
@@ -7457,10 +8001,10 @@
       </p:sp>
       <p:sp>
         <p:nvSpPr>
-          <p:cNvPr id="5" name="Fußzeilenplatzhalter 4">
-            <a:extLst>
-              <a:ext uri="{FF2B5EF4-FFF2-40B4-BE49-F238E27FC236}">
-                <a16:creationId xmlns:a16="http://schemas.microsoft.com/office/drawing/2014/main" id="{D174F6A9-C673-4533-8124-AC178E4DB0EE}"/>
+          <p:cNvPr id="6" name="Fußzeilenplatzhalter 5">
+            <a:extLst>
+              <a:ext uri="{FF2B5EF4-FFF2-40B4-BE49-F238E27FC236}">
+                <a16:creationId xmlns:a16="http://schemas.microsoft.com/office/drawing/2014/main" id="{A2ACE29E-B3AF-49B9-AC8F-A3D274EDC354}"/>
               </a:ext>
             </a:extLst>
           </p:cNvPr>
@@ -7486,10 +8030,10 @@
       </p:sp>
       <p:sp>
         <p:nvSpPr>
-          <p:cNvPr id="6" name="Foliennummernplatzhalter 5">
-            <a:extLst>
-              <a:ext uri="{FF2B5EF4-FFF2-40B4-BE49-F238E27FC236}">
-                <a16:creationId xmlns:a16="http://schemas.microsoft.com/office/drawing/2014/main" id="{ACC5E50A-0275-43BA-A6E9-2966ADEF5AFD}"/>
+          <p:cNvPr id="7" name="Foliennummernplatzhalter 6">
+            <a:extLst>
+              <a:ext uri="{FF2B5EF4-FFF2-40B4-BE49-F238E27FC236}">
+                <a16:creationId xmlns:a16="http://schemas.microsoft.com/office/drawing/2014/main" id="{D24994AD-2259-43C4-9273-5530ACBA74FD}"/>
               </a:ext>
             </a:extLst>
           </p:cNvPr>
@@ -7516,7 +8060,7 @@
     </p:spTree>
     <p:extLst>
       <p:ext uri="{BB962C8B-B14F-4D97-AF65-F5344CB8AC3E}">
-        <p14:creationId xmlns:p14="http://schemas.microsoft.com/office/powerpoint/2010/main" val="2085395841"/>
+        <p14:creationId xmlns:p14="http://schemas.microsoft.com/office/powerpoint/2010/main" val="2183325724"/>
       </p:ext>
     </p:extLst>
   </p:cSld>

--- a/docs/verteidigung/Verteidigung.pptx
+++ b/docs/verteidigung/Verteidigung.pptx
@@ -4319,16 +4319,15 @@
         </p:nvSpPr>
         <p:spPr/>
         <p:txBody>
-          <a:bodyPr/>
-          <a:lstStyle/>
-          <a:p>
-            <a:r>
-              <a:rPr lang="de-DE" dirty="0">
-                <a:effectLst/>
-              </a:rPr>
-              <a:t>Sebastian Mischke</a:t>
-            </a:r>
-            <a:endParaRPr lang="de-DE" dirty="0"/>
+          <a:bodyPr anchor="ctr">
+            <a:normAutofit/>
+          </a:bodyPr>
+          <a:lstStyle/>
+          <a:p>
+            <a:r>
+              <a:rPr lang="de-DE" sz="3200" dirty="0"/>
+              <a:t>Verteidigung der Bachelorarbeit</a:t>
+            </a:r>
           </a:p>
         </p:txBody>
       </p:sp>
@@ -4382,8 +4381,8 @@
         </p:nvSpPr>
         <p:spPr>
           <a:xfrm>
-            <a:off x="914400" y="5862056"/>
-            <a:ext cx="2899508" cy="369332"/>
+            <a:off x="914399" y="6217390"/>
+            <a:ext cx="5181599" cy="369332"/>
           </a:xfrm>
           <a:prstGeom prst="rect">
             <a:avLst/>
@@ -4417,8 +4416,8 @@
         </p:nvSpPr>
         <p:spPr>
           <a:xfrm>
-            <a:off x="1781908" y="1398217"/>
-            <a:ext cx="4204677" cy="369332"/>
+            <a:off x="914400" y="5506722"/>
+            <a:ext cx="5181600" cy="369332"/>
           </a:xfrm>
           <a:prstGeom prst="rect">
             <a:avLst/>
@@ -4433,7 +4432,7 @@
           <a:p>
             <a:r>
               <a:rPr lang="de-DE" dirty="0"/>
-              <a:t>Verteidigung der Bachelorarbeit</a:t>
+              <a:t>Sebastian Mischke</a:t>
             </a:r>
           </a:p>
         </p:txBody>
@@ -4452,7 +4451,7 @@
         </p:nvSpPr>
         <p:spPr>
           <a:xfrm>
-            <a:off x="2756624" y="6231388"/>
+            <a:off x="7766285" y="502711"/>
             <a:ext cx="3339376" cy="369332"/>
           </a:xfrm>
           <a:prstGeom prst="rect">

--- a/docs/verteidigung/Verteidigung.pptx
+++ b/docs/verteidigung/Verteidigung.pptx
@@ -5,13 +5,13 @@
     <p:sldMasterId id="2147483720" r:id="rId1"/>
   </p:sldMasterIdLst>
   <p:notesMasterIdLst>
-    <p:notesMasterId r:id="rId18"/>
+    <p:notesMasterId r:id="rId19"/>
   </p:notesMasterIdLst>
   <p:sldIdLst>
     <p:sldId id="256" r:id="rId2"/>
-    <p:sldId id="257" r:id="rId3"/>
-    <p:sldId id="258" r:id="rId4"/>
-    <p:sldId id="273" r:id="rId5"/>
+    <p:sldId id="273" r:id="rId3"/>
+    <p:sldId id="257" r:id="rId4"/>
+    <p:sldId id="258" r:id="rId5"/>
     <p:sldId id="260" r:id="rId6"/>
     <p:sldId id="275" r:id="rId7"/>
     <p:sldId id="267" r:id="rId8"/>
@@ -20,10 +20,11 @@
     <p:sldId id="274" r:id="rId11"/>
     <p:sldId id="270" r:id="rId12"/>
     <p:sldId id="271" r:id="rId13"/>
-    <p:sldId id="262" r:id="rId14"/>
-    <p:sldId id="263" r:id="rId15"/>
-    <p:sldId id="264" r:id="rId16"/>
-    <p:sldId id="265" r:id="rId17"/>
+    <p:sldId id="276" r:id="rId14"/>
+    <p:sldId id="262" r:id="rId15"/>
+    <p:sldId id="263" r:id="rId16"/>
+    <p:sldId id="264" r:id="rId17"/>
+    <p:sldId id="265" r:id="rId18"/>
   </p:sldIdLst>
   <p:sldSz cx="12192000" cy="6858000"/>
   <p:notesSz cx="6858000" cy="9144000"/>
@@ -481,6 +482,154 @@
     </a:lvl9pPr>
   </p:notesStyle>
 </p:notesMaster>
+</file>
+
+<file path=ppt/notesSlides/notesSlide1.xml><?xml version="1.0" encoding="utf-8"?>
+<p:notes xmlns:a="http://schemas.openxmlformats.org/drawingml/2006/main" xmlns:r="http://schemas.openxmlformats.org/officeDocument/2006/relationships" xmlns:p="http://schemas.openxmlformats.org/presentationml/2006/main">
+  <p:cSld>
+    <p:spTree>
+      <p:nvGrpSpPr>
+        <p:cNvPr id="1" name=""/>
+        <p:cNvGrpSpPr/>
+        <p:nvPr/>
+      </p:nvGrpSpPr>
+      <p:grpSpPr>
+        <a:xfrm>
+          <a:off x="0" y="0"/>
+          <a:ext cx="0" cy="0"/>
+          <a:chOff x="0" y="0"/>
+          <a:chExt cx="0" cy="0"/>
+        </a:xfrm>
+      </p:grpSpPr>
+      <p:sp>
+        <p:nvSpPr>
+          <p:cNvPr id="2" name="Folienbildplatzhalter 1"/>
+          <p:cNvSpPr>
+            <a:spLocks noGrp="1" noRot="1" noChangeAspect="1"/>
+          </p:cNvSpPr>
+          <p:nvPr>
+            <p:ph type="sldImg"/>
+          </p:nvPr>
+        </p:nvSpPr>
+        <p:spPr/>
+      </p:sp>
+      <p:sp>
+        <p:nvSpPr>
+          <p:cNvPr id="3" name="Notizenplatzhalter 2"/>
+          <p:cNvSpPr>
+            <a:spLocks noGrp="1"/>
+          </p:cNvSpPr>
+          <p:nvPr>
+            <p:ph type="body" idx="1"/>
+          </p:nvPr>
+        </p:nvSpPr>
+        <p:spPr/>
+        <p:txBody>
+          <a:bodyPr/>
+          <a:lstStyle/>
+          <a:p>
+            <a:pPr marL="0" marR="0" lvl="0" indent="0" algn="l" defTabSz="914400" rtl="0" eaLnBrk="1" fontAlgn="auto" latinLnBrk="0" hangingPunct="1">
+              <a:lnSpc>
+                <a:spcPct val="100000"/>
+              </a:lnSpc>
+              <a:spcBef>
+                <a:spcPts val="0"/>
+              </a:spcBef>
+              <a:spcAft>
+                <a:spcPts val="0"/>
+              </a:spcAft>
+              <a:buClrTx/>
+              <a:buSzTx/>
+              <a:buFontTx/>
+              <a:buNone/>
+              <a:tabLst/>
+              <a:defRPr/>
+            </a:pPr>
+            <a:r>
+              <a:rPr lang="fr-FR" sz="1200" b="0" i="0" kern="1200" dirty="0" err="1">
+                <a:solidFill>
+                  <a:schemeClr val="tx1"/>
+                </a:solidFill>
+                <a:effectLst/>
+                <a:latin typeface="+mn-lt"/>
+                <a:ea typeface="+mn-ea"/>
+                <a:cs typeface="+mn-cs"/>
+              </a:rPr>
+              <a:t>ImageNet</a:t>
+            </a:r>
+            <a:r>
+              <a:rPr lang="fr-FR" sz="1200" b="0" i="0" kern="1200" dirty="0">
+                <a:solidFill>
+                  <a:schemeClr val="tx1"/>
+                </a:solidFill>
+                <a:effectLst/>
+                <a:latin typeface="+mn-lt"/>
+                <a:ea typeface="+mn-ea"/>
+                <a:cs typeface="+mn-cs"/>
+              </a:rPr>
+              <a:t> Large </a:t>
+            </a:r>
+            <a:r>
+              <a:rPr lang="fr-FR" sz="1200" b="0" i="0" kern="1200" dirty="0" err="1">
+                <a:solidFill>
+                  <a:schemeClr val="tx1"/>
+                </a:solidFill>
+                <a:effectLst/>
+                <a:latin typeface="+mn-lt"/>
+                <a:ea typeface="+mn-ea"/>
+                <a:cs typeface="+mn-cs"/>
+              </a:rPr>
+              <a:t>Scale</a:t>
+            </a:r>
+            <a:r>
+              <a:rPr lang="fr-FR" sz="1200" b="0" i="0" kern="1200" dirty="0">
+                <a:solidFill>
+                  <a:schemeClr val="tx1"/>
+                </a:solidFill>
+                <a:effectLst/>
+                <a:latin typeface="+mn-lt"/>
+                <a:ea typeface="+mn-ea"/>
+                <a:cs typeface="+mn-cs"/>
+              </a:rPr>
+              <a:t> Visual Recognition Competition (ILSVRC)</a:t>
+            </a:r>
+          </a:p>
+        </p:txBody>
+      </p:sp>
+      <p:sp>
+        <p:nvSpPr>
+          <p:cNvPr id="4" name="Foliennummernplatzhalter 3"/>
+          <p:cNvSpPr>
+            <a:spLocks noGrp="1"/>
+          </p:cNvSpPr>
+          <p:nvPr>
+            <p:ph type="sldNum" sz="quarter" idx="10"/>
+          </p:nvPr>
+        </p:nvSpPr>
+        <p:spPr/>
+        <p:txBody>
+          <a:bodyPr/>
+          <a:lstStyle/>
+          <a:p>
+            <a:fld id="{2F2AB95B-6D2E-4D99-830E-CEBFAC3FD266}" type="slidenum">
+              <a:rPr lang="de-DE" smtClean="0"/>
+              <a:t>5</a:t>
+            </a:fld>
+            <a:endParaRPr lang="de-DE"/>
+          </a:p>
+        </p:txBody>
+      </p:sp>
+    </p:spTree>
+    <p:extLst>
+      <p:ext uri="{BB962C8B-B14F-4D97-AF65-F5344CB8AC3E}">
+        <p14:creationId xmlns:p14="http://schemas.microsoft.com/office/powerpoint/2010/main" val="4185366164"/>
+      </p:ext>
+    </p:extLst>
+  </p:cSld>
+  <p:clrMapOvr>
+    <a:masterClrMapping/>
+  </p:clrMapOvr>
+</p:notes>
 </file>
 
 <file path=ppt/slideLayouts/slideLayout1.xml><?xml version="1.0" encoding="utf-8"?>
@@ -4437,41 +4586,6 @@
           </a:p>
         </p:txBody>
       </p:sp>
-      <p:sp>
-        <p:nvSpPr>
-          <p:cNvPr id="6" name="Textfeld 5">
-            <a:extLst>
-              <a:ext uri="{FF2B5EF4-FFF2-40B4-BE49-F238E27FC236}">
-                <a16:creationId xmlns:a16="http://schemas.microsoft.com/office/drawing/2014/main" id="{ADE0D343-2319-4AAA-BBCC-3DEA7FAC8CD4}"/>
-              </a:ext>
-            </a:extLst>
-          </p:cNvPr>
-          <p:cNvSpPr txBox="1"/>
-          <p:nvPr/>
-        </p:nvSpPr>
-        <p:spPr>
-          <a:xfrm>
-            <a:off x="7766285" y="502711"/>
-            <a:ext cx="3339376" cy="369332"/>
-          </a:xfrm>
-          <a:prstGeom prst="rect">
-            <a:avLst/>
-          </a:prstGeom>
-          <a:noFill/>
-        </p:spPr>
-        <p:txBody>
-          <a:bodyPr wrap="none" rtlCol="0">
-            <a:spAutoFit/>
-          </a:bodyPr>
-          <a:lstStyle/>
-          <a:p>
-            <a:r>
-              <a:rPr lang="de-DE" dirty="0"/>
-              <a:t>Fakultät Informatik/Mathematik</a:t>
-            </a:r>
-          </a:p>
-        </p:txBody>
-      </p:sp>
     </p:spTree>
     <p:extLst>
       <p:ext uri="{BB962C8B-B14F-4D97-AF65-F5344CB8AC3E}">
@@ -4520,12 +4634,14 @@
         </p:nvSpPr>
         <p:spPr/>
         <p:txBody>
-          <a:bodyPr/>
-          <a:lstStyle/>
-          <a:p>
-            <a:r>
-              <a:rPr lang="de-DE" dirty="0"/>
-              <a:t>Trainingsdaten vergrößern</a:t>
+          <a:bodyPr>
+            <a:normAutofit/>
+          </a:bodyPr>
+          <a:lstStyle/>
+          <a:p>
+            <a:r>
+              <a:rPr lang="de-DE" dirty="0"/>
+              <a:t>Merkmale</a:t>
             </a:r>
           </a:p>
         </p:txBody>
@@ -4573,21 +4689,42 @@
           <a:p>
             <a:r>
               <a:rPr lang="de-DE" dirty="0"/>
-              <a:t>Ort leicht verschieben</a:t>
+              <a:t>Bildmittelpunkt verschieben</a:t>
             </a:r>
           </a:p>
           <a:p>
             <a:pPr lvl="1"/>
             <a:r>
               <a:rPr lang="de-DE" dirty="0"/>
-              <a:t>Vorteil: Training mit Originaldaten, Erkennung von nicht-zentralen Häusern</a:t>
+              <a:t>Vorteil:</a:t>
+            </a:r>
+          </a:p>
+          <a:p>
+            <a:pPr lvl="2"/>
+            <a:r>
+              <a:rPr lang="de-DE" dirty="0"/>
+              <a:t>Training mit Originaldaten</a:t>
+            </a:r>
+          </a:p>
+          <a:p>
+            <a:pPr lvl="2"/>
+            <a:r>
+              <a:rPr lang="de-DE" dirty="0"/>
+              <a:t>Erkennung von nicht-zentralen Häusern</a:t>
             </a:r>
           </a:p>
           <a:p>
             <a:pPr lvl="1"/>
             <a:r>
               <a:rPr lang="de-DE" dirty="0"/>
-              <a:t>Nachteil: Mehr Speicherplatz</a:t>
+              <a:t>Nachteil:</a:t>
+            </a:r>
+          </a:p>
+          <a:p>
+            <a:pPr lvl="2"/>
+            <a:r>
+              <a:rPr lang="de-DE" dirty="0"/>
+              <a:t>Mehr Speicherplatz</a:t>
             </a:r>
           </a:p>
         </p:txBody>
@@ -5335,7 +5472,7 @@
           <p:cNvPr id="2" name="Titel 1">
             <a:extLst>
               <a:ext uri="{FF2B5EF4-FFF2-40B4-BE49-F238E27FC236}">
-                <a16:creationId xmlns:a16="http://schemas.microsoft.com/office/drawing/2014/main" id="{AC37F681-D593-4C5A-804C-DD5ECFFC0DE2}"/>
+                <a16:creationId xmlns:a16="http://schemas.microsoft.com/office/drawing/2014/main" id="{5B32AFF4-7D8B-45BD-B410-9B128985DC46}"/>
               </a:ext>
             </a:extLst>
           </p:cNvPr>
@@ -5353,7 +5490,7 @@
           <a:p>
             <a:r>
               <a:rPr lang="de-DE" dirty="0"/>
-              <a:t>Evaluation</a:t>
+              <a:t>Probe</a:t>
             </a:r>
           </a:p>
         </p:txBody>
@@ -5363,7 +5500,7 @@
           <p:cNvPr id="3" name="Inhaltsplatzhalter 2">
             <a:extLst>
               <a:ext uri="{FF2B5EF4-FFF2-40B4-BE49-F238E27FC236}">
-                <a16:creationId xmlns:a16="http://schemas.microsoft.com/office/drawing/2014/main" id="{486EE2B7-E9A7-4C56-8220-05CE400B7479}"/>
+                <a16:creationId xmlns:a16="http://schemas.microsoft.com/office/drawing/2014/main" id="{75F9DCFF-5067-4961-805C-B27F7E096457}"/>
               </a:ext>
             </a:extLst>
           </p:cNvPr>
@@ -5381,63 +5518,43 @@
           <a:p>
             <a:r>
               <a:rPr lang="de-DE" dirty="0"/>
-              <a:t>Geographische Koordinaten</a:t>
+              <a:t>Postleitzahl</a:t>
             </a:r>
           </a:p>
           <a:p>
             <a:pPr lvl="1"/>
             <a:r>
               <a:rPr lang="de-DE" dirty="0"/>
-              <a:t>(Bild) Karte Deutschland</a:t>
+              <a:t>64390 Häuser in Dresden</a:t>
+            </a:r>
+          </a:p>
+          <a:p>
+            <a:pPr marL="118872" indent="0">
+              <a:buNone/>
+            </a:pPr>
+            <a:endParaRPr lang="de-DE" dirty="0"/>
+          </a:p>
+          <a:p>
+            <a:pPr marL="118872" indent="0">
+              <a:buNone/>
+            </a:pPr>
+            <a:r>
+              <a:rPr lang="de-DE" sz="2800" dirty="0"/>
+              <a:t>Trainingsvorgabe				      Netzprädiktion</a:t>
             </a:r>
           </a:p>
           <a:p>
             <a:pPr lvl="1"/>
-            <a:r>
-              <a:rPr lang="de-DE" dirty="0"/>
-              <a:t>(Bild) Boxplot</a:t>
-            </a:r>
-          </a:p>
-          <a:p>
-            <a:r>
-              <a:rPr lang="de-DE" dirty="0"/>
-              <a:t>Postleitzahl</a:t>
-            </a:r>
-          </a:p>
-          <a:p>
-            <a:pPr lvl="1"/>
-            <a:r>
-              <a:rPr lang="de-DE" dirty="0"/>
-              <a:t>(Bild) Karte Dresden Vorgabe</a:t>
-            </a:r>
-          </a:p>
-          <a:p>
-            <a:pPr lvl="1"/>
-            <a:r>
-              <a:rPr lang="de-DE" dirty="0"/>
-              <a:t>(Bild) Karte Dresden Ergebnis</a:t>
-            </a:r>
-          </a:p>
-          <a:p>
-            <a:r>
-              <a:rPr lang="de-DE" dirty="0"/>
-              <a:t>~Schule oder Wohnhaus</a:t>
-            </a:r>
-          </a:p>
-          <a:p>
-            <a:r>
-              <a:rPr lang="de-DE" dirty="0"/>
-              <a:t>~Schulart</a:t>
-            </a:r>
-          </a:p>
-        </p:txBody>
-      </p:sp>
-      <p:sp>
-        <p:nvSpPr>
-          <p:cNvPr id="5" name="Datumsplatzhalter 4">
-            <a:extLst>
-              <a:ext uri="{FF2B5EF4-FFF2-40B4-BE49-F238E27FC236}">
-                <a16:creationId xmlns:a16="http://schemas.microsoft.com/office/drawing/2014/main" id="{15CEEA55-6788-4E7B-9BEC-22353F47EC19}"/>
+            <a:endParaRPr lang="de-DE" dirty="0"/>
+          </a:p>
+        </p:txBody>
+      </p:sp>
+      <p:sp>
+        <p:nvSpPr>
+          <p:cNvPr id="4" name="Datumsplatzhalter 3">
+            <a:extLst>
+              <a:ext uri="{FF2B5EF4-FFF2-40B4-BE49-F238E27FC236}">
+                <a16:creationId xmlns:a16="http://schemas.microsoft.com/office/drawing/2014/main" id="{8E058D68-39FD-4177-91C8-84F7F42FB447}"/>
               </a:ext>
             </a:extLst>
           </p:cNvPr>
@@ -5463,10 +5580,10 @@
       </p:sp>
       <p:sp>
         <p:nvSpPr>
-          <p:cNvPr id="6" name="Fußzeilenplatzhalter 5">
-            <a:extLst>
-              <a:ext uri="{FF2B5EF4-FFF2-40B4-BE49-F238E27FC236}">
-                <a16:creationId xmlns:a16="http://schemas.microsoft.com/office/drawing/2014/main" id="{23545C38-5A6E-4C09-B51D-0DEA6522B6AF}"/>
+          <p:cNvPr id="5" name="Fußzeilenplatzhalter 4">
+            <a:extLst>
+              <a:ext uri="{FF2B5EF4-FFF2-40B4-BE49-F238E27FC236}">
+                <a16:creationId xmlns:a16="http://schemas.microsoft.com/office/drawing/2014/main" id="{981B54ED-26C7-40F6-939C-7D736CC4C990}"/>
               </a:ext>
             </a:extLst>
           </p:cNvPr>
@@ -5483,19 +5600,18 @@
           <a:lstStyle/>
           <a:p>
             <a:r>
-              <a:rPr lang="de-DE"/>
+              <a:rPr lang="de-DE" dirty="0"/>
               <a:t>Sebastian Mischke</a:t>
             </a:r>
-            <a:endParaRPr lang="de-DE" dirty="0"/>
-          </a:p>
-        </p:txBody>
-      </p:sp>
-      <p:sp>
-        <p:nvSpPr>
-          <p:cNvPr id="7" name="Foliennummernplatzhalter 6">
-            <a:extLst>
-              <a:ext uri="{FF2B5EF4-FFF2-40B4-BE49-F238E27FC236}">
-                <a16:creationId xmlns:a16="http://schemas.microsoft.com/office/drawing/2014/main" id="{8352ABD1-2B64-43E3-A53A-DD359E547839}"/>
+          </a:p>
+        </p:txBody>
+      </p:sp>
+      <p:sp>
+        <p:nvSpPr>
+          <p:cNvPr id="6" name="Foliennummernplatzhalter 5">
+            <a:extLst>
+              <a:ext uri="{FF2B5EF4-FFF2-40B4-BE49-F238E27FC236}">
+                <a16:creationId xmlns:a16="http://schemas.microsoft.com/office/drawing/2014/main" id="{586B32BF-5023-4D29-9240-4A3769D1FB3A}"/>
               </a:ext>
             </a:extLst>
           </p:cNvPr>
@@ -5519,10 +5635,82 @@
           </a:p>
         </p:txBody>
       </p:sp>
+      <p:pic>
+        <p:nvPicPr>
+          <p:cNvPr id="8" name="Grafik 7" descr="Ein Bild, das Karte, Text enthält.&#10;&#10;Mit sehr hoher Zuverlässigkeit generierte Beschreibung">
+            <a:extLst>
+              <a:ext uri="{FF2B5EF4-FFF2-40B4-BE49-F238E27FC236}">
+                <a16:creationId xmlns:a16="http://schemas.microsoft.com/office/drawing/2014/main" id="{1EA2509D-30B3-4846-B3A1-8C9EB6F3337B}"/>
+              </a:ext>
+            </a:extLst>
+          </p:cNvPr>
+          <p:cNvPicPr>
+            <a:picLocks noChangeAspect="1"/>
+          </p:cNvPicPr>
+          <p:nvPr/>
+        </p:nvPicPr>
+        <p:blipFill>
+          <a:blip r:embed="rId2" cstate="print">
+            <a:extLst>
+              <a:ext uri="{28A0092B-C50C-407E-A947-70E740481C1C}">
+                <a14:useLocalDpi xmlns:a14="http://schemas.microsoft.com/office/drawing/2010/main" val="0"/>
+              </a:ext>
+            </a:extLst>
+          </a:blip>
+          <a:stretch>
+            <a:fillRect/>
+          </a:stretch>
+        </p:blipFill>
+        <p:spPr>
+          <a:xfrm>
+            <a:off x="609600" y="3880801"/>
+            <a:ext cx="5142941" cy="2520000"/>
+          </a:xfrm>
+          <a:prstGeom prst="rect">
+            <a:avLst/>
+          </a:prstGeom>
+        </p:spPr>
+      </p:pic>
+      <p:pic>
+        <p:nvPicPr>
+          <p:cNvPr id="10" name="Grafik 9" descr="Ein Bild, das Text, Karte enthält.&#10;&#10;Mit sehr hoher Zuverlässigkeit generierte Beschreibung">
+            <a:extLst>
+              <a:ext uri="{FF2B5EF4-FFF2-40B4-BE49-F238E27FC236}">
+                <a16:creationId xmlns:a16="http://schemas.microsoft.com/office/drawing/2014/main" id="{6ABCBDDA-0F2E-40FD-B322-4EB5B3B4683F}"/>
+              </a:ext>
+            </a:extLst>
+          </p:cNvPr>
+          <p:cNvPicPr>
+            <a:picLocks noChangeAspect="1"/>
+          </p:cNvPicPr>
+          <p:nvPr/>
+        </p:nvPicPr>
+        <p:blipFill>
+          <a:blip r:embed="rId3" cstate="print">
+            <a:extLst>
+              <a:ext uri="{28A0092B-C50C-407E-A947-70E740481C1C}">
+                <a14:useLocalDpi xmlns:a14="http://schemas.microsoft.com/office/drawing/2010/main" val="0"/>
+              </a:ext>
+            </a:extLst>
+          </a:blip>
+          <a:stretch>
+            <a:fillRect/>
+          </a:stretch>
+        </p:blipFill>
+        <p:spPr>
+          <a:xfrm>
+            <a:off x="6439459" y="3880801"/>
+            <a:ext cx="5142941" cy="2520000"/>
+          </a:xfrm>
+          <a:prstGeom prst="rect">
+            <a:avLst/>
+          </a:prstGeom>
+        </p:spPr>
+      </p:pic>
     </p:spTree>
     <p:extLst>
       <p:ext uri="{BB962C8B-B14F-4D97-AF65-F5344CB8AC3E}">
-        <p14:creationId xmlns:p14="http://schemas.microsoft.com/office/powerpoint/2010/main" val="755854998"/>
+        <p14:creationId xmlns:p14="http://schemas.microsoft.com/office/powerpoint/2010/main" val="3732375241"/>
       </p:ext>
     </p:extLst>
   </p:cSld>
@@ -5554,7 +5742,7 @@
           <p:cNvPr id="2" name="Titel 1">
             <a:extLst>
               <a:ext uri="{FF2B5EF4-FFF2-40B4-BE49-F238E27FC236}">
-                <a16:creationId xmlns:a16="http://schemas.microsoft.com/office/drawing/2014/main" id="{47821B0B-73C7-4D74-85E5-D26A3775FE05}"/>
+                <a16:creationId xmlns:a16="http://schemas.microsoft.com/office/drawing/2014/main" id="{AC37F681-D593-4C5A-804C-DD5ECFFC0DE2}"/>
               </a:ext>
             </a:extLst>
           </p:cNvPr>
@@ -5572,7 +5760,7 @@
           <a:p>
             <a:r>
               <a:rPr lang="de-DE" dirty="0"/>
-              <a:t>Fazit</a:t>
+              <a:t>Probe</a:t>
             </a:r>
           </a:p>
         </p:txBody>
@@ -5582,7 +5770,7 @@
           <p:cNvPr id="3" name="Inhaltsplatzhalter 2">
             <a:extLst>
               <a:ext uri="{FF2B5EF4-FFF2-40B4-BE49-F238E27FC236}">
-                <a16:creationId xmlns:a16="http://schemas.microsoft.com/office/drawing/2014/main" id="{8C5558C3-2B3A-483D-AF2B-430FA216346F}"/>
+                <a16:creationId xmlns:a16="http://schemas.microsoft.com/office/drawing/2014/main" id="{486EE2B7-E9A7-4C56-8220-05CE400B7479}"/>
               </a:ext>
             </a:extLst>
           </p:cNvPr>
@@ -5593,24 +5781,36 @@
             <p:ph idx="1"/>
           </p:nvPr>
         </p:nvSpPr>
-        <p:spPr/>
-        <p:txBody>
-          <a:bodyPr/>
-          <a:lstStyle/>
-          <a:p>
-            <a:r>
-              <a:rPr lang="de-DE" dirty="0"/>
-              <a:t>Ergebnisse</a:t>
-            </a:r>
-          </a:p>
-        </p:txBody>
-      </p:sp>
-      <p:sp>
-        <p:nvSpPr>
-          <p:cNvPr id="4" name="Datumsplatzhalter 3">
-            <a:extLst>
-              <a:ext uri="{FF2B5EF4-FFF2-40B4-BE49-F238E27FC236}">
-                <a16:creationId xmlns:a16="http://schemas.microsoft.com/office/drawing/2014/main" id="{0F193019-22E1-4FFD-9636-F0AA7C227972}"/>
+        <p:spPr>
+          <a:xfrm>
+            <a:off x="609600" y="1775192"/>
+            <a:ext cx="7316215" cy="4625609"/>
+          </a:xfrm>
+        </p:spPr>
+        <p:txBody>
+          <a:bodyPr/>
+          <a:lstStyle/>
+          <a:p>
+            <a:r>
+              <a:rPr lang="de-DE" dirty="0"/>
+              <a:t>Geographische Koordinaten</a:t>
+            </a:r>
+          </a:p>
+          <a:p>
+            <a:pPr lvl="1"/>
+            <a:r>
+              <a:rPr lang="de-DE" dirty="0"/>
+              <a:t>Datenbank "Geografische Längen- und Breitengrade deutscher Städte und Gemeinden“</a:t>
+            </a:r>
+          </a:p>
+        </p:txBody>
+      </p:sp>
+      <p:sp>
+        <p:nvSpPr>
+          <p:cNvPr id="5" name="Datumsplatzhalter 4">
+            <a:extLst>
+              <a:ext uri="{FF2B5EF4-FFF2-40B4-BE49-F238E27FC236}">
+                <a16:creationId xmlns:a16="http://schemas.microsoft.com/office/drawing/2014/main" id="{15CEEA55-6788-4E7B-9BEC-22353F47EC19}"/>
               </a:ext>
             </a:extLst>
           </p:cNvPr>
@@ -5639,7 +5839,7 @@
           <p:cNvPr id="6" name="Fußzeilenplatzhalter 5">
             <a:extLst>
               <a:ext uri="{FF2B5EF4-FFF2-40B4-BE49-F238E27FC236}">
-                <a16:creationId xmlns:a16="http://schemas.microsoft.com/office/drawing/2014/main" id="{C75B122C-1116-42D6-8E74-F098DE2CF8E6}"/>
+                <a16:creationId xmlns:a16="http://schemas.microsoft.com/office/drawing/2014/main" id="{23545C38-5A6E-4C09-B51D-0DEA6522B6AF}"/>
               </a:ext>
             </a:extLst>
           </p:cNvPr>
@@ -5656,10 +5856,9 @@
           <a:lstStyle/>
           <a:p>
             <a:r>
-              <a:rPr lang="de-DE"/>
+              <a:rPr lang="de-DE" dirty="0"/>
               <a:t>Sebastian Mischke</a:t>
             </a:r>
-            <a:endParaRPr lang="de-DE" dirty="0"/>
           </a:p>
         </p:txBody>
       </p:sp>
@@ -5668,7 +5867,7 @@
           <p:cNvPr id="7" name="Foliennummernplatzhalter 6">
             <a:extLst>
               <a:ext uri="{FF2B5EF4-FFF2-40B4-BE49-F238E27FC236}">
-                <a16:creationId xmlns:a16="http://schemas.microsoft.com/office/drawing/2014/main" id="{8838848C-9D1F-4D4B-A883-BAFCBB669FE1}"/>
+                <a16:creationId xmlns:a16="http://schemas.microsoft.com/office/drawing/2014/main" id="{8352ABD1-2B64-43E3-A53A-DD359E547839}"/>
               </a:ext>
             </a:extLst>
           </p:cNvPr>
@@ -5692,10 +5891,82 @@
           </a:p>
         </p:txBody>
       </p:sp>
+      <p:pic>
+        <p:nvPicPr>
+          <p:cNvPr id="8" name="Grafik 7">
+            <a:extLst>
+              <a:ext uri="{FF2B5EF4-FFF2-40B4-BE49-F238E27FC236}">
+                <a16:creationId xmlns:a16="http://schemas.microsoft.com/office/drawing/2014/main" id="{8C9FF98F-EB39-4115-8726-C5D347686E54}"/>
+              </a:ext>
+            </a:extLst>
+          </p:cNvPr>
+          <p:cNvPicPr>
+            <a:picLocks noChangeAspect="1"/>
+          </p:cNvPicPr>
+          <p:nvPr/>
+        </p:nvPicPr>
+        <p:blipFill>
+          <a:blip r:embed="rId2" cstate="print">
+            <a:extLst>
+              <a:ext uri="{28A0092B-C50C-407E-A947-70E740481C1C}">
+                <a14:useLocalDpi xmlns:a14="http://schemas.microsoft.com/office/drawing/2010/main" val="0"/>
+              </a:ext>
+            </a:extLst>
+          </a:blip>
+          <a:stretch>
+            <a:fillRect/>
+          </a:stretch>
+        </p:blipFill>
+        <p:spPr>
+          <a:xfrm>
+            <a:off x="7925815" y="1775192"/>
+            <a:ext cx="3656585" cy="4625608"/>
+          </a:xfrm>
+          <a:prstGeom prst="rect">
+            <a:avLst/>
+          </a:prstGeom>
+        </p:spPr>
+      </p:pic>
+      <p:pic>
+        <p:nvPicPr>
+          <p:cNvPr id="12" name="Grafik 11">
+            <a:extLst>
+              <a:ext uri="{FF2B5EF4-FFF2-40B4-BE49-F238E27FC236}">
+                <a16:creationId xmlns:a16="http://schemas.microsoft.com/office/drawing/2014/main" id="{F79F5909-C287-4EB0-8941-BD5C934E2CE7}"/>
+              </a:ext>
+            </a:extLst>
+          </p:cNvPr>
+          <p:cNvPicPr>
+            <a:picLocks noChangeAspect="1"/>
+          </p:cNvPicPr>
+          <p:nvPr/>
+        </p:nvPicPr>
+        <p:blipFill>
+          <a:blip r:embed="rId3">
+            <a:extLst>
+              <a:ext uri="{28A0092B-C50C-407E-A947-70E740481C1C}">
+                <a14:useLocalDpi xmlns:a14="http://schemas.microsoft.com/office/drawing/2010/main" val="0"/>
+              </a:ext>
+            </a:extLst>
+          </a:blip>
+          <a:stretch>
+            <a:fillRect/>
+          </a:stretch>
+        </p:blipFill>
+        <p:spPr>
+          <a:xfrm>
+            <a:off x="1240219" y="3880800"/>
+            <a:ext cx="3362127" cy="2520000"/>
+          </a:xfrm>
+          <a:prstGeom prst="rect">
+            <a:avLst/>
+          </a:prstGeom>
+        </p:spPr>
+      </p:pic>
     </p:spTree>
     <p:extLst>
       <p:ext uri="{BB962C8B-B14F-4D97-AF65-F5344CB8AC3E}">
-        <p14:creationId xmlns:p14="http://schemas.microsoft.com/office/powerpoint/2010/main" val="2826496482"/>
+        <p14:creationId xmlns:p14="http://schemas.microsoft.com/office/powerpoint/2010/main" val="755854998"/>
       </p:ext>
     </p:extLst>
   </p:cSld>
@@ -5727,7 +5998,7 @@
           <p:cNvPr id="2" name="Titel 1">
             <a:extLst>
               <a:ext uri="{FF2B5EF4-FFF2-40B4-BE49-F238E27FC236}">
-                <a16:creationId xmlns:a16="http://schemas.microsoft.com/office/drawing/2014/main" id="{84400D62-C043-4C42-A8E3-56B058ADCCEE}"/>
+                <a16:creationId xmlns:a16="http://schemas.microsoft.com/office/drawing/2014/main" id="{47821B0B-73C7-4D74-85E5-D26A3775FE05}"/>
               </a:ext>
             </a:extLst>
           </p:cNvPr>
@@ -5745,7 +6016,7 @@
           <a:p>
             <a:r>
               <a:rPr lang="de-DE" dirty="0"/>
-              <a:t>Ausblick</a:t>
+              <a:t>Fazit</a:t>
             </a:r>
           </a:p>
         </p:txBody>
@@ -5755,7 +6026,7 @@
           <p:cNvPr id="3" name="Inhaltsplatzhalter 2">
             <a:extLst>
               <a:ext uri="{FF2B5EF4-FFF2-40B4-BE49-F238E27FC236}">
-                <a16:creationId xmlns:a16="http://schemas.microsoft.com/office/drawing/2014/main" id="{08413965-6249-42D1-85DE-46E255F5123F}"/>
+                <a16:creationId xmlns:a16="http://schemas.microsoft.com/office/drawing/2014/main" id="{8C5558C3-2B3A-483D-AF2B-430FA216346F}"/>
               </a:ext>
             </a:extLst>
           </p:cNvPr>
@@ -5773,17 +6044,31 @@
           <a:p>
             <a:r>
               <a:rPr lang="de-DE" dirty="0"/>
-              <a:t>Weiterführende Entwicklung</a:t>
-            </a:r>
-          </a:p>
-        </p:txBody>
-      </p:sp>
-      <p:sp>
-        <p:nvSpPr>
-          <p:cNvPr id="5" name="Datumsplatzhalter 4">
-            <a:extLst>
-              <a:ext uri="{FF2B5EF4-FFF2-40B4-BE49-F238E27FC236}">
-                <a16:creationId xmlns:a16="http://schemas.microsoft.com/office/drawing/2014/main" id="{52E56822-E51D-443F-9930-DC520A04E493}"/>
+              <a:t>Ergebnisse</a:t>
+            </a:r>
+          </a:p>
+          <a:p>
+            <a:pPr lvl="1"/>
+            <a:r>
+              <a:rPr lang="de-DE" dirty="0"/>
+              <a:t>Umfassendes System</a:t>
+            </a:r>
+          </a:p>
+          <a:p>
+            <a:pPr lvl="1"/>
+            <a:r>
+              <a:rPr lang="de-DE" dirty="0"/>
+              <a:t>Anpassbare und austauschbare Module</a:t>
+            </a:r>
+          </a:p>
+        </p:txBody>
+      </p:sp>
+      <p:sp>
+        <p:nvSpPr>
+          <p:cNvPr id="4" name="Datumsplatzhalter 3">
+            <a:extLst>
+              <a:ext uri="{FF2B5EF4-FFF2-40B4-BE49-F238E27FC236}">
+                <a16:creationId xmlns:a16="http://schemas.microsoft.com/office/drawing/2014/main" id="{0F193019-22E1-4FFD-9636-F0AA7C227972}"/>
               </a:ext>
             </a:extLst>
           </p:cNvPr>
@@ -5812,7 +6097,7 @@
           <p:cNvPr id="6" name="Fußzeilenplatzhalter 5">
             <a:extLst>
               <a:ext uri="{FF2B5EF4-FFF2-40B4-BE49-F238E27FC236}">
-                <a16:creationId xmlns:a16="http://schemas.microsoft.com/office/drawing/2014/main" id="{4001F740-8BF5-456D-8B6E-066FEAC0BBED}"/>
+                <a16:creationId xmlns:a16="http://schemas.microsoft.com/office/drawing/2014/main" id="{C75B122C-1116-42D6-8E74-F098DE2CF8E6}"/>
               </a:ext>
             </a:extLst>
           </p:cNvPr>
@@ -5841,7 +6126,7 @@
           <p:cNvPr id="7" name="Foliennummernplatzhalter 6">
             <a:extLst>
               <a:ext uri="{FF2B5EF4-FFF2-40B4-BE49-F238E27FC236}">
-                <a16:creationId xmlns:a16="http://schemas.microsoft.com/office/drawing/2014/main" id="{1D1D828C-EC26-4651-8972-756F989AAB55}"/>
+                <a16:creationId xmlns:a16="http://schemas.microsoft.com/office/drawing/2014/main" id="{8838848C-9D1F-4D4B-A883-BAFCBB669FE1}"/>
               </a:ext>
             </a:extLst>
           </p:cNvPr>
@@ -5868,7 +6153,7 @@
     </p:spTree>
     <p:extLst>
       <p:ext uri="{BB962C8B-B14F-4D97-AF65-F5344CB8AC3E}">
-        <p14:creationId xmlns:p14="http://schemas.microsoft.com/office/powerpoint/2010/main" val="794121934"/>
+        <p14:creationId xmlns:p14="http://schemas.microsoft.com/office/powerpoint/2010/main" val="2826496482"/>
       </p:ext>
     </p:extLst>
   </p:cSld>
@@ -5900,6 +6185,186 @@
           <p:cNvPr id="2" name="Titel 1">
             <a:extLst>
               <a:ext uri="{FF2B5EF4-FFF2-40B4-BE49-F238E27FC236}">
+                <a16:creationId xmlns:a16="http://schemas.microsoft.com/office/drawing/2014/main" id="{84400D62-C043-4C42-A8E3-56B058ADCCEE}"/>
+              </a:ext>
+            </a:extLst>
+          </p:cNvPr>
+          <p:cNvSpPr>
+            <a:spLocks noGrp="1"/>
+          </p:cNvSpPr>
+          <p:nvPr>
+            <p:ph type="title"/>
+          </p:nvPr>
+        </p:nvSpPr>
+        <p:spPr/>
+        <p:txBody>
+          <a:bodyPr/>
+          <a:lstStyle/>
+          <a:p>
+            <a:r>
+              <a:rPr lang="de-DE" dirty="0"/>
+              <a:t>Ausblick</a:t>
+            </a:r>
+          </a:p>
+        </p:txBody>
+      </p:sp>
+      <p:sp>
+        <p:nvSpPr>
+          <p:cNvPr id="3" name="Inhaltsplatzhalter 2">
+            <a:extLst>
+              <a:ext uri="{FF2B5EF4-FFF2-40B4-BE49-F238E27FC236}">
+                <a16:creationId xmlns:a16="http://schemas.microsoft.com/office/drawing/2014/main" id="{08413965-6249-42D1-85DE-46E255F5123F}"/>
+              </a:ext>
+            </a:extLst>
+          </p:cNvPr>
+          <p:cNvSpPr>
+            <a:spLocks noGrp="1"/>
+          </p:cNvSpPr>
+          <p:nvPr>
+            <p:ph idx="1"/>
+          </p:nvPr>
+        </p:nvSpPr>
+        <p:spPr/>
+        <p:txBody>
+          <a:bodyPr/>
+          <a:lstStyle/>
+          <a:p>
+            <a:r>
+              <a:rPr lang="de-DE" dirty="0"/>
+              <a:t>Weiterführende Entwicklung</a:t>
+            </a:r>
+          </a:p>
+          <a:p>
+            <a:pPr lvl="1"/>
+            <a:r>
+              <a:rPr lang="de-DE" dirty="0"/>
+              <a:t>Einsatz in Praxis</a:t>
+            </a:r>
+          </a:p>
+        </p:txBody>
+      </p:sp>
+      <p:sp>
+        <p:nvSpPr>
+          <p:cNvPr id="5" name="Datumsplatzhalter 4">
+            <a:extLst>
+              <a:ext uri="{FF2B5EF4-FFF2-40B4-BE49-F238E27FC236}">
+                <a16:creationId xmlns:a16="http://schemas.microsoft.com/office/drawing/2014/main" id="{52E56822-E51D-443F-9930-DC520A04E493}"/>
+              </a:ext>
+            </a:extLst>
+          </p:cNvPr>
+          <p:cNvSpPr>
+            <a:spLocks noGrp="1"/>
+          </p:cNvSpPr>
+          <p:nvPr>
+            <p:ph type="dt" sz="half" idx="10"/>
+          </p:nvPr>
+        </p:nvSpPr>
+        <p:spPr/>
+        <p:txBody>
+          <a:bodyPr/>
+          <a:lstStyle/>
+          <a:p>
+            <a:r>
+              <a:rPr lang="de-DE"/>
+              <a:t>30.01.2018</a:t>
+            </a:r>
+            <a:endParaRPr lang="de-DE" dirty="0"/>
+          </a:p>
+        </p:txBody>
+      </p:sp>
+      <p:sp>
+        <p:nvSpPr>
+          <p:cNvPr id="6" name="Fußzeilenplatzhalter 5">
+            <a:extLst>
+              <a:ext uri="{FF2B5EF4-FFF2-40B4-BE49-F238E27FC236}">
+                <a16:creationId xmlns:a16="http://schemas.microsoft.com/office/drawing/2014/main" id="{4001F740-8BF5-456D-8B6E-066FEAC0BBED}"/>
+              </a:ext>
+            </a:extLst>
+          </p:cNvPr>
+          <p:cNvSpPr>
+            <a:spLocks noGrp="1"/>
+          </p:cNvSpPr>
+          <p:nvPr>
+            <p:ph type="ftr" sz="quarter" idx="11"/>
+          </p:nvPr>
+        </p:nvSpPr>
+        <p:spPr/>
+        <p:txBody>
+          <a:bodyPr/>
+          <a:lstStyle/>
+          <a:p>
+            <a:r>
+              <a:rPr lang="de-DE"/>
+              <a:t>Sebastian Mischke</a:t>
+            </a:r>
+            <a:endParaRPr lang="de-DE" dirty="0"/>
+          </a:p>
+        </p:txBody>
+      </p:sp>
+      <p:sp>
+        <p:nvSpPr>
+          <p:cNvPr id="7" name="Foliennummernplatzhalter 6">
+            <a:extLst>
+              <a:ext uri="{FF2B5EF4-FFF2-40B4-BE49-F238E27FC236}">
+                <a16:creationId xmlns:a16="http://schemas.microsoft.com/office/drawing/2014/main" id="{1D1D828C-EC26-4651-8972-756F989AAB55}"/>
+              </a:ext>
+            </a:extLst>
+          </p:cNvPr>
+          <p:cNvSpPr>
+            <a:spLocks noGrp="1"/>
+          </p:cNvSpPr>
+          <p:nvPr>
+            <p:ph type="sldNum" sz="quarter" idx="12"/>
+          </p:nvPr>
+        </p:nvSpPr>
+        <p:spPr/>
+        <p:txBody>
+          <a:bodyPr/>
+          <a:lstStyle/>
+          <a:p>
+            <a:fld id="{297EE791-5D67-423F-A450-B005FE0C9AAB}" type="slidenum">
+              <a:rPr lang="de-DE" smtClean="0"/>
+              <a:t>16</a:t>
+            </a:fld>
+            <a:endParaRPr lang="de-DE"/>
+          </a:p>
+        </p:txBody>
+      </p:sp>
+    </p:spTree>
+    <p:extLst>
+      <p:ext uri="{BB962C8B-B14F-4D97-AF65-F5344CB8AC3E}">
+        <p14:creationId xmlns:p14="http://schemas.microsoft.com/office/powerpoint/2010/main" val="794121934"/>
+      </p:ext>
+    </p:extLst>
+  </p:cSld>
+  <p:clrMapOvr>
+    <a:masterClrMapping/>
+  </p:clrMapOvr>
+</p:sld>
+</file>
+
+<file path=ppt/slides/slide17.xml><?xml version="1.0" encoding="utf-8"?>
+<p:sld xmlns:a="http://schemas.openxmlformats.org/drawingml/2006/main" xmlns:r="http://schemas.openxmlformats.org/officeDocument/2006/relationships" xmlns:p="http://schemas.openxmlformats.org/presentationml/2006/main">
+  <p:cSld>
+    <p:spTree>
+      <p:nvGrpSpPr>
+        <p:cNvPr id="1" name=""/>
+        <p:cNvGrpSpPr/>
+        <p:nvPr/>
+      </p:nvGrpSpPr>
+      <p:grpSpPr>
+        <a:xfrm>
+          <a:off x="0" y="0"/>
+          <a:ext cx="0" cy="0"/>
+          <a:chOff x="0" y="0"/>
+          <a:chExt cx="0" cy="0"/>
+        </a:xfrm>
+      </p:grpSpPr>
+      <p:sp>
+        <p:nvSpPr>
+          <p:cNvPr id="2" name="Titel 1">
+            <a:extLst>
+              <a:ext uri="{FF2B5EF4-FFF2-40B4-BE49-F238E27FC236}">
                 <a16:creationId xmlns:a16="http://schemas.microsoft.com/office/drawing/2014/main" id="{2D3B589F-1C6D-475E-8FE9-0168CC3AABC4}"/>
               </a:ext>
             </a:extLst>
@@ -6322,7 +6787,7 @@
           <a:p>
             <a:fld id="{297EE791-5D67-423F-A450-B005FE0C9AAB}" type="slidenum">
               <a:rPr lang="de-DE" smtClean="0"/>
-              <a:t>16</a:t>
+              <a:t>17</a:t>
             </a:fld>
             <a:endParaRPr lang="de-DE"/>
           </a:p>
@@ -6363,7 +6828,7 @@
           <p:cNvPr id="2" name="Titel 1">
             <a:extLst>
               <a:ext uri="{FF2B5EF4-FFF2-40B4-BE49-F238E27FC236}">
-                <a16:creationId xmlns:a16="http://schemas.microsoft.com/office/drawing/2014/main" id="{75DB70B6-6779-42AC-A55A-9D5ABF269251}"/>
+                <a16:creationId xmlns:a16="http://schemas.microsoft.com/office/drawing/2014/main" id="{DD9825E3-A377-43EE-8118-986E2408AB1C}"/>
               </a:ext>
             </a:extLst>
           </p:cNvPr>
@@ -6381,49 +6846,110 @@
           <a:p>
             <a:r>
               <a:rPr lang="de-DE" dirty="0"/>
+              <a:t>Gliederung</a:t>
+            </a:r>
+          </a:p>
+        </p:txBody>
+      </p:sp>
+      <p:sp>
+        <p:nvSpPr>
+          <p:cNvPr id="3" name="Inhaltsplatzhalter 2">
+            <a:extLst>
+              <a:ext uri="{FF2B5EF4-FFF2-40B4-BE49-F238E27FC236}">
+                <a16:creationId xmlns:a16="http://schemas.microsoft.com/office/drawing/2014/main" id="{CAE452CF-4FEA-47BD-B91D-496CCF2162A2}"/>
+              </a:ext>
+            </a:extLst>
+          </p:cNvPr>
+          <p:cNvSpPr>
+            <a:spLocks noGrp="1"/>
+          </p:cNvSpPr>
+          <p:nvPr>
+            <p:ph idx="1"/>
+          </p:nvPr>
+        </p:nvSpPr>
+        <p:spPr>
+          <a:xfrm>
+            <a:off x="609600" y="1775192"/>
+            <a:ext cx="10972800" cy="4625609"/>
+          </a:xfrm>
+        </p:spPr>
+        <p:txBody>
+          <a:bodyPr>
+            <a:normAutofit fontScale="92500" lnSpcReduction="10000"/>
+          </a:bodyPr>
+          <a:lstStyle/>
+          <a:p>
+            <a:r>
+              <a:rPr lang="de-DE" dirty="0"/>
               <a:t>Einleitung</a:t>
             </a:r>
           </a:p>
-        </p:txBody>
-      </p:sp>
-      <p:sp>
-        <p:nvSpPr>
-          <p:cNvPr id="3" name="Inhaltsplatzhalter 2">
-            <a:extLst>
-              <a:ext uri="{FF2B5EF4-FFF2-40B4-BE49-F238E27FC236}">
-                <a16:creationId xmlns:a16="http://schemas.microsoft.com/office/drawing/2014/main" id="{4084C417-145C-4918-BF56-CAA4DAB293EF}"/>
-              </a:ext>
-            </a:extLst>
-          </p:cNvPr>
-          <p:cNvSpPr>
-            <a:spLocks noGrp="1"/>
-          </p:cNvSpPr>
-          <p:nvPr>
-            <p:ph idx="1"/>
-          </p:nvPr>
-        </p:nvSpPr>
-        <p:spPr/>
-        <p:txBody>
-          <a:bodyPr/>
-          <a:lstStyle/>
-          <a:p>
-            <a:r>
-              <a:rPr lang="de-DE" dirty="0"/>
-              <a:t>Motivation</a:t>
+          <a:p>
+            <a:r>
+              <a:rPr lang="de-DE" dirty="0"/>
+              <a:t>Verwandte Arbeiten</a:t>
+            </a:r>
+          </a:p>
+          <a:p>
+            <a:r>
+              <a:rPr lang="de-DE" dirty="0"/>
+              <a:t>System</a:t>
             </a:r>
           </a:p>
           <a:p>
             <a:pPr lvl="1"/>
-            <a:endParaRPr lang="de-DE" dirty="0"/>
-          </a:p>
-        </p:txBody>
-      </p:sp>
-      <p:sp>
-        <p:nvSpPr>
-          <p:cNvPr id="5" name="Datumsplatzhalter 4">
-            <a:extLst>
-              <a:ext uri="{FF2B5EF4-FFF2-40B4-BE49-F238E27FC236}">
-                <a16:creationId xmlns:a16="http://schemas.microsoft.com/office/drawing/2014/main" id="{6DC18F4D-AE26-4553-9DAE-7FEB86E43644}"/>
+            <a:r>
+              <a:rPr lang="de-DE" dirty="0"/>
+              <a:t>Satellitenbilder</a:t>
+            </a:r>
+          </a:p>
+          <a:p>
+            <a:pPr lvl="1"/>
+            <a:r>
+              <a:rPr lang="de-DE" dirty="0"/>
+              <a:t>Merkmale</a:t>
+            </a:r>
+          </a:p>
+          <a:p>
+            <a:pPr lvl="1"/>
+            <a:r>
+              <a:rPr lang="de-DE" dirty="0"/>
+              <a:t>Neuronales Netz</a:t>
+            </a:r>
+          </a:p>
+          <a:p>
+            <a:pPr lvl="1"/>
+            <a:r>
+              <a:rPr lang="de-DE" dirty="0"/>
+              <a:t>Visualisierung</a:t>
+            </a:r>
+          </a:p>
+          <a:p>
+            <a:r>
+              <a:rPr lang="de-DE" dirty="0"/>
+              <a:t>Probe</a:t>
+            </a:r>
+          </a:p>
+          <a:p>
+            <a:r>
+              <a:rPr lang="de-DE" dirty="0"/>
+              <a:t>Fazit</a:t>
+            </a:r>
+          </a:p>
+          <a:p>
+            <a:r>
+              <a:rPr lang="de-DE" dirty="0"/>
+              <a:t>Ausblick</a:t>
+            </a:r>
+          </a:p>
+        </p:txBody>
+      </p:sp>
+      <p:sp>
+        <p:nvSpPr>
+          <p:cNvPr id="4" name="Datumsplatzhalter 3">
+            <a:extLst>
+              <a:ext uri="{FF2B5EF4-FFF2-40B4-BE49-F238E27FC236}">
+                <a16:creationId xmlns:a16="http://schemas.microsoft.com/office/drawing/2014/main" id="{AAD9AD46-39E6-40E6-8B0B-4D5793D3FC59}"/>
               </a:ext>
             </a:extLst>
           </p:cNvPr>
@@ -6452,7 +6978,7 @@
           <p:cNvPr id="6" name="Fußzeilenplatzhalter 5">
             <a:extLst>
               <a:ext uri="{FF2B5EF4-FFF2-40B4-BE49-F238E27FC236}">
-                <a16:creationId xmlns:a16="http://schemas.microsoft.com/office/drawing/2014/main" id="{8A1F9EF8-E00F-46D1-AF35-639E1C625850}"/>
+                <a16:creationId xmlns:a16="http://schemas.microsoft.com/office/drawing/2014/main" id="{F911EB73-7467-467C-B889-1B78CC4D71E7}"/>
               </a:ext>
             </a:extLst>
           </p:cNvPr>
@@ -6481,7 +7007,7 @@
           <p:cNvPr id="7" name="Foliennummernplatzhalter 6">
             <a:extLst>
               <a:ext uri="{FF2B5EF4-FFF2-40B4-BE49-F238E27FC236}">
-                <a16:creationId xmlns:a16="http://schemas.microsoft.com/office/drawing/2014/main" id="{8C97B487-A2FB-4788-9712-ADA86384E932}"/>
+                <a16:creationId xmlns:a16="http://schemas.microsoft.com/office/drawing/2014/main" id="{1F81B7CA-0530-423D-A03B-D19F2CE1E87A}"/>
               </a:ext>
             </a:extLst>
           </p:cNvPr>
@@ -6508,7 +7034,7 @@
     </p:spTree>
     <p:extLst>
       <p:ext uri="{BB962C8B-B14F-4D97-AF65-F5344CB8AC3E}">
-        <p14:creationId xmlns:p14="http://schemas.microsoft.com/office/powerpoint/2010/main" val="462726564"/>
+        <p14:creationId xmlns:p14="http://schemas.microsoft.com/office/powerpoint/2010/main" val="1757424158"/>
       </p:ext>
     </p:extLst>
   </p:cSld>
@@ -6540,7 +7066,7 @@
           <p:cNvPr id="2" name="Titel 1">
             <a:extLst>
               <a:ext uri="{FF2B5EF4-FFF2-40B4-BE49-F238E27FC236}">
-                <a16:creationId xmlns:a16="http://schemas.microsoft.com/office/drawing/2014/main" id="{9516B081-B15A-4550-8FC2-7218AE500383}"/>
+                <a16:creationId xmlns:a16="http://schemas.microsoft.com/office/drawing/2014/main" id="{75DB70B6-6779-42AC-A55A-9D5ABF269251}"/>
               </a:ext>
             </a:extLst>
           </p:cNvPr>
@@ -6568,7 +7094,7 @@
           <p:cNvPr id="3" name="Inhaltsplatzhalter 2">
             <a:extLst>
               <a:ext uri="{FF2B5EF4-FFF2-40B4-BE49-F238E27FC236}">
-                <a16:creationId xmlns:a16="http://schemas.microsoft.com/office/drawing/2014/main" id="{76803973-686B-4569-BEE3-31F720706EA0}"/>
+                <a16:creationId xmlns:a16="http://schemas.microsoft.com/office/drawing/2014/main" id="{4084C417-145C-4918-BF56-CAA4DAB293EF}"/>
               </a:ext>
             </a:extLst>
           </p:cNvPr>
@@ -6586,49 +7112,30 @@
           <a:p>
             <a:r>
               <a:rPr lang="de-DE" dirty="0"/>
-              <a:t>Herausforderungen</a:t>
+              <a:t>Motivation</a:t>
             </a:r>
           </a:p>
           <a:p>
             <a:pPr lvl="1"/>
             <a:r>
               <a:rPr lang="de-DE" dirty="0"/>
-              <a:t>Satellitendaten bekommen</a:t>
+              <a:t>Ansteigende Rechenleistung fördert </a:t>
             </a:r>
           </a:p>
           <a:p>
             <a:pPr lvl="1"/>
             <a:r>
               <a:rPr lang="de-DE" dirty="0"/>
-              <a:t>Trainingsvorgaben bekommen</a:t>
+              <a:t>Wachsende Menge und Qualität an frei verfügbaren Satellitenaufnahmen</a:t>
             </a:r>
           </a:p>
           <a:p>
             <a:pPr lvl="1"/>
-            <a:r>
-              <a:rPr lang="de-DE" dirty="0"/>
-              <a:t>Ergebnisse visualisieren</a:t>
-            </a:r>
-          </a:p>
-          <a:p>
-            <a:r>
-              <a:rPr lang="de-DE" dirty="0"/>
-              <a:t>Ziele und Anforderungen</a:t>
-            </a:r>
+            <a:endParaRPr lang="de-DE" dirty="0"/>
           </a:p>
           <a:p>
             <a:pPr lvl="1"/>
-            <a:r>
-              <a:rPr lang="de-DE" dirty="0"/>
-              <a:t>Austauschbar bzw. Anpassbar</a:t>
-            </a:r>
-          </a:p>
-          <a:p>
-            <a:pPr lvl="1"/>
-            <a:r>
-              <a:rPr lang="de-DE" dirty="0"/>
-              <a:t>Minimaler Aufwand bei Anpassung</a:t>
-            </a:r>
+            <a:endParaRPr lang="de-DE" dirty="0"/>
           </a:p>
         </p:txBody>
       </p:sp>
@@ -6637,7 +7144,7 @@
           <p:cNvPr id="5" name="Datumsplatzhalter 4">
             <a:extLst>
               <a:ext uri="{FF2B5EF4-FFF2-40B4-BE49-F238E27FC236}">
-                <a16:creationId xmlns:a16="http://schemas.microsoft.com/office/drawing/2014/main" id="{F4406490-B344-427E-8749-7C739847B1C6}"/>
+                <a16:creationId xmlns:a16="http://schemas.microsoft.com/office/drawing/2014/main" id="{6DC18F4D-AE26-4553-9DAE-7FEB86E43644}"/>
               </a:ext>
             </a:extLst>
           </p:cNvPr>
@@ -6666,7 +7173,7 @@
           <p:cNvPr id="6" name="Fußzeilenplatzhalter 5">
             <a:extLst>
               <a:ext uri="{FF2B5EF4-FFF2-40B4-BE49-F238E27FC236}">
-                <a16:creationId xmlns:a16="http://schemas.microsoft.com/office/drawing/2014/main" id="{69CF38AA-4E37-4081-8B00-5A50941756E6}"/>
+                <a16:creationId xmlns:a16="http://schemas.microsoft.com/office/drawing/2014/main" id="{8A1F9EF8-E00F-46D1-AF35-639E1C625850}"/>
               </a:ext>
             </a:extLst>
           </p:cNvPr>
@@ -6695,7 +7202,7 @@
           <p:cNvPr id="7" name="Foliennummernplatzhalter 6">
             <a:extLst>
               <a:ext uri="{FF2B5EF4-FFF2-40B4-BE49-F238E27FC236}">
-                <a16:creationId xmlns:a16="http://schemas.microsoft.com/office/drawing/2014/main" id="{177D536A-FB59-49B1-B9BD-9DF342C107F8}"/>
+                <a16:creationId xmlns:a16="http://schemas.microsoft.com/office/drawing/2014/main" id="{8C97B487-A2FB-4788-9712-ADA86384E932}"/>
               </a:ext>
             </a:extLst>
           </p:cNvPr>
@@ -6722,7 +7229,7 @@
     </p:spTree>
     <p:extLst>
       <p:ext uri="{BB962C8B-B14F-4D97-AF65-F5344CB8AC3E}">
-        <p14:creationId xmlns:p14="http://schemas.microsoft.com/office/powerpoint/2010/main" val="2818423193"/>
+        <p14:creationId xmlns:p14="http://schemas.microsoft.com/office/powerpoint/2010/main" val="462726564"/>
       </p:ext>
     </p:extLst>
   </p:cSld>
@@ -6754,7 +7261,7 @@
           <p:cNvPr id="2" name="Titel 1">
             <a:extLst>
               <a:ext uri="{FF2B5EF4-FFF2-40B4-BE49-F238E27FC236}">
-                <a16:creationId xmlns:a16="http://schemas.microsoft.com/office/drawing/2014/main" id="{DD9825E3-A377-43EE-8118-986E2408AB1C}"/>
+                <a16:creationId xmlns:a16="http://schemas.microsoft.com/office/drawing/2014/main" id="{9516B081-B15A-4550-8FC2-7218AE500383}"/>
               </a:ext>
             </a:extLst>
           </p:cNvPr>
@@ -6772,7 +7279,7 @@
           <a:p>
             <a:r>
               <a:rPr lang="de-DE" dirty="0"/>
-              <a:t>Gliederung</a:t>
+              <a:t>Einleitung</a:t>
             </a:r>
           </a:p>
         </p:txBody>
@@ -6782,7 +7289,7 @@
           <p:cNvPr id="3" name="Inhaltsplatzhalter 2">
             <a:extLst>
               <a:ext uri="{FF2B5EF4-FFF2-40B4-BE49-F238E27FC236}">
-                <a16:creationId xmlns:a16="http://schemas.microsoft.com/office/drawing/2014/main" id="{CAE452CF-4FEA-47BD-B91D-496CCF2162A2}"/>
+                <a16:creationId xmlns:a16="http://schemas.microsoft.com/office/drawing/2014/main" id="{76803973-686B-4569-BEE3-31F720706EA0}"/>
               </a:ext>
             </a:extLst>
           </p:cNvPr>
@@ -6793,95 +7300,65 @@
             <p:ph idx="1"/>
           </p:nvPr>
         </p:nvSpPr>
-        <p:spPr>
-          <a:xfrm>
-            <a:off x="609600" y="1775192"/>
-            <a:ext cx="10972800" cy="4625609"/>
-          </a:xfrm>
-        </p:spPr>
-        <p:txBody>
-          <a:bodyPr>
-            <a:normAutofit fontScale="92500" lnSpcReduction="20000"/>
-          </a:bodyPr>
-          <a:lstStyle/>
-          <a:p>
-            <a:r>
-              <a:rPr lang="de-DE" dirty="0"/>
-              <a:t>Einleitung</a:t>
-            </a:r>
-          </a:p>
-          <a:p>
-            <a:r>
-              <a:rPr lang="de-DE" dirty="0"/>
-              <a:t>Verwandte Arbeiten</a:t>
-            </a:r>
-          </a:p>
-          <a:p>
-            <a:r>
-              <a:rPr lang="de-DE" dirty="0"/>
-              <a:t>Gesamtsystem</a:t>
+        <p:spPr/>
+        <p:txBody>
+          <a:bodyPr/>
+          <a:lstStyle/>
+          <a:p>
+            <a:r>
+              <a:rPr lang="de-DE" dirty="0"/>
+              <a:t>Herausforderungen</a:t>
             </a:r>
           </a:p>
           <a:p>
             <a:pPr lvl="1"/>
             <a:r>
               <a:rPr lang="de-DE" dirty="0"/>
-              <a:t>Satellitenbilder</a:t>
+              <a:t>Satellitendaten bekommen</a:t>
             </a:r>
           </a:p>
           <a:p>
             <a:pPr lvl="1"/>
             <a:r>
               <a:rPr lang="de-DE" dirty="0"/>
-              <a:t>Merkmale</a:t>
+              <a:t>Trainingsvorgaben bekommen</a:t>
             </a:r>
           </a:p>
           <a:p>
             <a:pPr lvl="1"/>
             <a:r>
               <a:rPr lang="de-DE" dirty="0"/>
-              <a:t>Neuronales Netz</a:t>
+              <a:t>Ergebnisse visualisieren</a:t>
+            </a:r>
+          </a:p>
+          <a:p>
+            <a:r>
+              <a:rPr lang="de-DE" dirty="0"/>
+              <a:t>Ziele und Anforderungen</a:t>
             </a:r>
           </a:p>
           <a:p>
             <a:pPr lvl="1"/>
             <a:r>
               <a:rPr lang="de-DE" dirty="0"/>
-              <a:t>Visualisierung</a:t>
-            </a:r>
-          </a:p>
-          <a:p>
-            <a:r>
-              <a:rPr lang="de-DE" dirty="0"/>
-              <a:t>Evaluation</a:t>
-            </a:r>
-          </a:p>
-          <a:p>
-            <a:r>
-              <a:rPr lang="de-DE" dirty="0"/>
-              <a:t>Fazit</a:t>
-            </a:r>
-          </a:p>
-          <a:p>
-            <a:r>
-              <a:rPr lang="de-DE" dirty="0"/>
-              <a:t>Ausblick</a:t>
-            </a:r>
-          </a:p>
-          <a:p>
-            <a:r>
-              <a:rPr lang="de-DE" dirty="0"/>
-              <a:t>Literaturverzeichnis</a:t>
-            </a:r>
-          </a:p>
-        </p:txBody>
-      </p:sp>
-      <p:sp>
-        <p:nvSpPr>
-          <p:cNvPr id="4" name="Datumsplatzhalter 3">
-            <a:extLst>
-              <a:ext uri="{FF2B5EF4-FFF2-40B4-BE49-F238E27FC236}">
-                <a16:creationId xmlns:a16="http://schemas.microsoft.com/office/drawing/2014/main" id="{AAD9AD46-39E6-40E6-8B0B-4D5793D3FC59}"/>
+              <a:t>Austauschbar bzw. Anpassbar</a:t>
+            </a:r>
+          </a:p>
+          <a:p>
+            <a:pPr lvl="1"/>
+            <a:r>
+              <a:rPr lang="de-DE" dirty="0"/>
+              <a:t>Minimaler Aufwand bei Anpassung</a:t>
+            </a:r>
+          </a:p>
+        </p:txBody>
+      </p:sp>
+      <p:sp>
+        <p:nvSpPr>
+          <p:cNvPr id="5" name="Datumsplatzhalter 4">
+            <a:extLst>
+              <a:ext uri="{FF2B5EF4-FFF2-40B4-BE49-F238E27FC236}">
+                <a16:creationId xmlns:a16="http://schemas.microsoft.com/office/drawing/2014/main" id="{F4406490-B344-427E-8749-7C739847B1C6}"/>
               </a:ext>
             </a:extLst>
           </p:cNvPr>
@@ -6910,7 +7387,7 @@
           <p:cNvPr id="6" name="Fußzeilenplatzhalter 5">
             <a:extLst>
               <a:ext uri="{FF2B5EF4-FFF2-40B4-BE49-F238E27FC236}">
-                <a16:creationId xmlns:a16="http://schemas.microsoft.com/office/drawing/2014/main" id="{F911EB73-7467-467C-B889-1B78CC4D71E7}"/>
+                <a16:creationId xmlns:a16="http://schemas.microsoft.com/office/drawing/2014/main" id="{69CF38AA-4E37-4081-8B00-5A50941756E6}"/>
               </a:ext>
             </a:extLst>
           </p:cNvPr>
@@ -6939,7 +7416,7 @@
           <p:cNvPr id="7" name="Foliennummernplatzhalter 6">
             <a:extLst>
               <a:ext uri="{FF2B5EF4-FFF2-40B4-BE49-F238E27FC236}">
-                <a16:creationId xmlns:a16="http://schemas.microsoft.com/office/drawing/2014/main" id="{1F81B7CA-0530-423D-A03B-D19F2CE1E87A}"/>
+                <a16:creationId xmlns:a16="http://schemas.microsoft.com/office/drawing/2014/main" id="{177D536A-FB59-49B1-B9BD-9DF342C107F8}"/>
               </a:ext>
             </a:extLst>
           </p:cNvPr>
@@ -6966,7 +7443,7 @@
     </p:spTree>
     <p:extLst>
       <p:ext uri="{BB962C8B-B14F-4D97-AF65-F5344CB8AC3E}">
-        <p14:creationId xmlns:p14="http://schemas.microsoft.com/office/powerpoint/2010/main" val="1757424158"/>
+        <p14:creationId xmlns:p14="http://schemas.microsoft.com/office/powerpoint/2010/main" val="2818423193"/>
       </p:ext>
     </p:extLst>
   </p:cSld>
@@ -7039,7 +7516,9 @@
         </p:nvSpPr>
         <p:spPr/>
         <p:txBody>
-          <a:bodyPr/>
+          <a:bodyPr>
+            <a:normAutofit fontScale="92500" lnSpcReduction="20000"/>
+          </a:bodyPr>
           <a:lstStyle/>
           <a:p>
             <a:pPr marL="118872" indent="0">
@@ -7062,6 +7541,26 @@
             </a:r>
           </a:p>
           <a:p>
+            <a:pPr lvl="1"/>
+            <a:r>
+              <a:rPr lang="de-DE" dirty="0" err="1"/>
+              <a:t>Convolutional</a:t>
+            </a:r>
+            <a:r>
+              <a:rPr lang="de-DE" dirty="0"/>
+              <a:t> </a:t>
+            </a:r>
+            <a:r>
+              <a:rPr lang="de-DE" dirty="0" err="1"/>
+              <a:t>Neural</a:t>
+            </a:r>
+            <a:r>
+              <a:rPr lang="de-DE" dirty="0"/>
+              <a:t> Network</a:t>
+            </a:r>
+          </a:p>
+          <a:p>
+            <a:pPr lvl="1"/>
             <a:endParaRPr lang="de-DE" dirty="0"/>
           </a:p>
           <a:p>
@@ -7070,7 +7569,7 @@
             </a:pPr>
             <a:r>
               <a:rPr lang="de-DE" dirty="0"/>
-              <a:t>VGG16 und VGG19 [SZ14]</a:t>
+              <a:t>VGG [SZ14]</a:t>
             </a:r>
           </a:p>
           <a:p>
@@ -7081,6 +7580,30 @@
             </a:r>
           </a:p>
           <a:p>
+            <a:pPr lvl="1"/>
+            <a:r>
+              <a:rPr lang="de-DE" dirty="0"/>
+              <a:t>Deep </a:t>
+            </a:r>
+            <a:r>
+              <a:rPr lang="de-DE" dirty="0" err="1"/>
+              <a:t>Convolutional</a:t>
+            </a:r>
+            <a:r>
+              <a:rPr lang="de-DE" dirty="0"/>
+              <a:t> </a:t>
+            </a:r>
+            <a:r>
+              <a:rPr lang="de-DE" dirty="0" err="1"/>
+              <a:t>Neural</a:t>
+            </a:r>
+            <a:r>
+              <a:rPr lang="de-DE" dirty="0"/>
+              <a:t> Network</a:t>
+            </a:r>
+          </a:p>
+          <a:p>
+            <a:pPr lvl="1"/>
             <a:endParaRPr lang="de-DE" dirty="0"/>
           </a:p>
           <a:p>
@@ -7100,8 +7623,27 @@
             <a:pPr lvl="1"/>
             <a:r>
               <a:rPr lang="de-DE" dirty="0"/>
-              <a:t>Ortung von Bildaufnahmen</a:t>
-            </a:r>
+              <a:t>Rasterbildung auf Weltkarte</a:t>
+            </a:r>
+          </a:p>
+          <a:p>
+            <a:pPr lvl="1"/>
+            <a:r>
+              <a:rPr lang="de-DE" dirty="0"/>
+              <a:t>Ortserkennung anhand Fotos</a:t>
+            </a:r>
+          </a:p>
+          <a:p>
+            <a:pPr lvl="1"/>
+            <a:endParaRPr lang="de-DE" dirty="0"/>
+          </a:p>
+          <a:p>
+            <a:pPr lvl="1"/>
+            <a:endParaRPr lang="de-DE" dirty="0"/>
+          </a:p>
+          <a:p>
+            <a:pPr lvl="1"/>
+            <a:endParaRPr lang="de-DE" dirty="0"/>
           </a:p>
         </p:txBody>
       </p:sp>
@@ -7120,7 +7662,7 @@
           <p:nvPr/>
         </p:nvPicPr>
         <p:blipFill>
-          <a:blip r:embed="rId2"/>
+          <a:blip r:embed="rId3"/>
           <a:stretch>
             <a:fillRect/>
           </a:stretch>
@@ -7150,7 +7692,7 @@
           <p:nvPr/>
         </p:nvPicPr>
         <p:blipFill>
-          <a:blip r:embed="rId3" cstate="print">
+          <a:blip r:embed="rId4" cstate="print">
             <a:extLst>
               <a:ext uri="{28A0092B-C50C-407E-A947-70E740481C1C}">
                 <a14:useLocalDpi xmlns:a14="http://schemas.microsoft.com/office/drawing/2010/main" val="0"/>
@@ -7164,7 +7706,7 @@
         </p:blipFill>
         <p:spPr bwMode="auto">
           <a:xfrm>
-            <a:off x="7030754" y="3429000"/>
+            <a:off x="7030754" y="3457996"/>
             <a:ext cx="4551646" cy="1260000"/>
           </a:xfrm>
           <a:prstGeom prst="rect">
@@ -7233,10 +7775,9 @@
           <a:lstStyle/>
           <a:p>
             <a:r>
-              <a:rPr lang="de-DE"/>
+              <a:rPr lang="de-DE" dirty="0"/>
               <a:t>Sebastian Mischke</a:t>
             </a:r>
-            <a:endParaRPr lang="de-DE" dirty="0"/>
           </a:p>
         </p:txBody>
       </p:sp>
@@ -7269,6 +7810,36 @@
           </a:p>
         </p:txBody>
       </p:sp>
+      <p:pic>
+        <p:nvPicPr>
+          <p:cNvPr id="9" name="Grafik 8">
+            <a:extLst>
+              <a:ext uri="{FF2B5EF4-FFF2-40B4-BE49-F238E27FC236}">
+                <a16:creationId xmlns:a16="http://schemas.microsoft.com/office/drawing/2014/main" id="{AC8BD548-9BED-4D5A-B279-4464E7BAFDC4}"/>
+              </a:ext>
+            </a:extLst>
+          </p:cNvPr>
+          <p:cNvPicPr>
+            <a:picLocks noChangeAspect="1"/>
+          </p:cNvPicPr>
+          <p:nvPr/>
+        </p:nvPicPr>
+        <p:blipFill>
+          <a:blip r:embed="rId5"/>
+          <a:stretch>
+            <a:fillRect/>
+          </a:stretch>
+        </p:blipFill>
+        <p:spPr>
+          <a:xfrm>
+            <a:off x="7268501" y="5140801"/>
+            <a:ext cx="4313899" cy="1260000"/>
+          </a:xfrm>
+          <a:prstGeom prst="rect">
+            <a:avLst/>
+          </a:prstGeom>
+        </p:spPr>
+      </p:pic>
     </p:spTree>
     <p:extLst>
       <p:ext uri="{BB962C8B-B14F-4D97-AF65-F5344CB8AC3E}">
@@ -7322,7 +7893,7 @@
           <a:p>
             <a:r>
               <a:rPr lang="de-DE" dirty="0"/>
-              <a:t>Gesamtsystem</a:t>
+              <a:t>System</a:t>
             </a:r>
           </a:p>
         </p:txBody>
@@ -7355,12 +7926,8 @@
           </a:p>
           <a:p>
             <a:r>
-              <a:rPr lang="de-DE" dirty="0" err="1"/>
-              <a:t>Deeplearning</a:t>
-            </a:r>
-            <a:r>
-              <a:rPr lang="de-DE" dirty="0"/>
-              <a:t>-Framework „Keras“</a:t>
+              <a:rPr lang="de-DE" dirty="0"/>
+              <a:t>Deeplearning-Framework „Keras“</a:t>
             </a:r>
           </a:p>
           <a:p>
@@ -7508,7 +8075,7 @@
           <a:p>
             <a:r>
               <a:rPr lang="de-DE" dirty="0"/>
-              <a:t>Gesamtsystem</a:t>
+              <a:t>System</a:t>
             </a:r>
           </a:p>
         </p:txBody>
@@ -7903,7 +8470,7 @@
           <a:p>
             <a:r>
               <a:rPr lang="de-DE" dirty="0"/>
-              <a:t>Trainingsvorgaben / Merkmale</a:t>
+              <a:t>Merkmale</a:t>
             </a:r>
           </a:p>
         </p:txBody>
@@ -7955,15 +8522,20 @@
             </a:r>
           </a:p>
           <a:p>
-            <a:r>
-              <a:rPr lang="de-DE" dirty="0"/>
-              <a:t>(Adresse) </a:t>
-            </a:r>
             <a:r>
               <a:rPr lang="de-DE" dirty="0">
                 <a:sym typeface="Wingdings" panose="05000000000000000000" pitchFamily="2" charset="2"/>
               </a:rPr>
-              <a:t> Satellitenbild  Interface für menschliche Entscheidung  SQL-Datenbank</a:t>
+              <a:t>Interface für menschliche Entscheidung</a:t>
+            </a:r>
+          </a:p>
+          <a:p>
+            <a:pPr lvl="1"/>
+            <a:r>
+              <a:rPr lang="de-DE" dirty="0">
+                <a:sym typeface="Wingdings" panose="05000000000000000000" pitchFamily="2" charset="2"/>
+              </a:rPr>
+              <a:t>Speicherung in SQL-Datenbank</a:t>
             </a:r>
             <a:endParaRPr lang="de-DE" dirty="0"/>
           </a:p>
@@ -8056,6 +8628,42 @@
           </a:p>
         </p:txBody>
       </p:sp>
+      <p:pic>
+        <p:nvPicPr>
+          <p:cNvPr id="8" name="Grafik 7">
+            <a:extLst>
+              <a:ext uri="{FF2B5EF4-FFF2-40B4-BE49-F238E27FC236}">
+                <a16:creationId xmlns:a16="http://schemas.microsoft.com/office/drawing/2014/main" id="{398E00B3-A9F6-47F7-BEB6-E8B549D255D4}"/>
+              </a:ext>
+            </a:extLst>
+          </p:cNvPr>
+          <p:cNvPicPr>
+            <a:picLocks noChangeAspect="1"/>
+          </p:cNvPicPr>
+          <p:nvPr/>
+        </p:nvPicPr>
+        <p:blipFill>
+          <a:blip r:embed="rId2" cstate="print">
+            <a:extLst>
+              <a:ext uri="{28A0092B-C50C-407E-A947-70E740481C1C}">
+                <a14:useLocalDpi xmlns:a14="http://schemas.microsoft.com/office/drawing/2010/main" val="0"/>
+              </a:ext>
+            </a:extLst>
+          </a:blip>
+          <a:stretch>
+            <a:fillRect/>
+          </a:stretch>
+        </p:blipFill>
+        <p:spPr>
+          <a:xfrm>
+            <a:off x="10021017" y="4600801"/>
+            <a:ext cx="1561383" cy="1800000"/>
+          </a:xfrm>
+          <a:prstGeom prst="rect">
+            <a:avLst/>
+          </a:prstGeom>
+        </p:spPr>
+      </p:pic>
     </p:spTree>
     <p:extLst>
       <p:ext uri="{BB962C8B-B14F-4D97-AF65-F5344CB8AC3E}">

--- a/docs/verteidigung/Verteidigung.pptx
+++ b/docs/verteidigung/Verteidigung.pptx
@@ -4967,35 +4967,44 @@
           <a:p>
             <a:r>
               <a:rPr lang="de-DE" dirty="0"/>
-              <a:t>Angelehnt an VGG16</a:t>
-            </a:r>
-          </a:p>
-          <a:p>
-            <a:r>
-              <a:rPr lang="de-DE" dirty="0"/>
-              <a:t>Standardnetz verfügbar, Anpassung interner Struktur möglich</a:t>
-            </a:r>
-          </a:p>
-          <a:p>
-            <a:r>
-              <a:rPr lang="de-DE" dirty="0"/>
-              <a:t>Automatische Anpassung an Eingabe- und Ausgabedaten</a:t>
+              <a:t>Standardnetz angelehnt an VGG [SZ14]</a:t>
+            </a:r>
+          </a:p>
+          <a:p>
+            <a:r>
+              <a:rPr lang="de-DE" dirty="0"/>
+              <a:t>Automatische Anpassung an Trainingsdaten</a:t>
             </a:r>
           </a:p>
           <a:p>
             <a:pPr lvl="1"/>
             <a:r>
               <a:rPr lang="de-DE" dirty="0"/>
-              <a:t>Bis zu gewissen Punkt (Ausgabefunktion wie </a:t>
-            </a:r>
-            <a:r>
-              <a:rPr lang="de-DE" dirty="0" err="1"/>
-              <a:t>Softmax</a:t>
-            </a:r>
-            <a:r>
-              <a:rPr lang="de-DE" dirty="0"/>
-              <a:t> oder Linear)</a:t>
-            </a:r>
+              <a:t>Eingabeschicht an Satellitenbilder</a:t>
+            </a:r>
+          </a:p>
+          <a:p>
+            <a:pPr lvl="1"/>
+            <a:r>
+              <a:rPr lang="de-DE" dirty="0"/>
+              <a:t>Ausgabeschicht an Trainingsvorgabe</a:t>
+            </a:r>
+          </a:p>
+          <a:p>
+            <a:r>
+              <a:rPr lang="de-DE" dirty="0"/>
+              <a:t>Anpassung interner Struktur möglich</a:t>
+            </a:r>
+          </a:p>
+          <a:p>
+            <a:r>
+              <a:rPr lang="de-DE" dirty="0"/>
+              <a:t>Speichern und Laden von Netzarchitektur möglich</a:t>
+            </a:r>
+          </a:p>
+          <a:p>
+            <a:pPr lvl="1"/>
+            <a:endParaRPr lang="de-DE" dirty="0"/>
           </a:p>
         </p:txBody>
       </p:sp>
@@ -5228,10 +5237,9 @@
           <a:lstStyle/>
           <a:p>
             <a:r>
-              <a:rPr lang="de-DE"/>
+              <a:rPr lang="de-DE" dirty="0"/>
               <a:t>30.01.2018</a:t>
             </a:r>
-            <a:endParaRPr lang="de-DE" dirty="0"/>
           </a:p>
         </p:txBody>
       </p:sp>
@@ -6241,6 +6249,27 @@
               <a:t>Einsatz in Praxis</a:t>
             </a:r>
           </a:p>
+          <a:p>
+            <a:pPr lvl="1"/>
+            <a:r>
+              <a:rPr lang="de-DE" dirty="0"/>
+              <a:t>Anwendung zur Nutzung trainierter Netze</a:t>
+            </a:r>
+          </a:p>
+          <a:p>
+            <a:pPr lvl="1"/>
+            <a:r>
+              <a:rPr lang="de-DE" dirty="0"/>
+              <a:t>Weitere vorgefertigte Ergebnisvisualisierungen</a:t>
+            </a:r>
+          </a:p>
+          <a:p>
+            <a:pPr lvl="1"/>
+            <a:r>
+              <a:rPr lang="de-DE" dirty="0"/>
+              <a:t>Flugzeugaufnahmen</a:t>
+            </a:r>
+          </a:p>
         </p:txBody>
       </p:sp>
       <p:sp>
@@ -7119,7 +7148,7 @@
             <a:pPr lvl="1"/>
             <a:r>
               <a:rPr lang="de-DE" dirty="0"/>
-              <a:t>Ansteigende Rechenleistung fördert </a:t>
+              <a:t>Ansteigende Rechenleistung fördert Deeplearning Ergebnisse</a:t>
             </a:r>
           </a:p>
           <a:p>
@@ -7131,7 +7160,24 @@
           </a:p>
           <a:p>
             <a:pPr lvl="1"/>
-            <a:endParaRPr lang="de-DE" dirty="0"/>
+            <a:r>
+              <a:rPr lang="de-DE" dirty="0"/>
+              <a:t>Analyse:</a:t>
+            </a:r>
+          </a:p>
+          <a:p>
+            <a:pPr lvl="2"/>
+            <a:r>
+              <a:rPr lang="de-DE" dirty="0"/>
+              <a:t>Marketing</a:t>
+            </a:r>
+          </a:p>
+          <a:p>
+            <a:pPr lvl="2"/>
+            <a:r>
+              <a:rPr lang="de-DE" dirty="0"/>
+              <a:t>Stadtplanung</a:t>
+            </a:r>
           </a:p>
           <a:p>
             <a:pPr lvl="1"/>
@@ -7307,41 +7353,28 @@
           <a:p>
             <a:r>
               <a:rPr lang="de-DE" dirty="0"/>
-              <a:t>Herausforderungen</a:t>
+              <a:t>Ziele und Anforderungen</a:t>
             </a:r>
           </a:p>
           <a:p>
             <a:pPr lvl="1"/>
             <a:r>
               <a:rPr lang="de-DE" dirty="0"/>
-              <a:t>Satellitendaten bekommen</a:t>
+              <a:t>Datenakquisition</a:t>
             </a:r>
           </a:p>
           <a:p>
             <a:pPr lvl="1"/>
             <a:r>
               <a:rPr lang="de-DE" dirty="0"/>
-              <a:t>Trainingsvorgaben bekommen</a:t>
+              <a:t>Ergebnisse visualisieren</a:t>
             </a:r>
           </a:p>
           <a:p>
             <a:pPr lvl="1"/>
             <a:r>
               <a:rPr lang="de-DE" dirty="0"/>
-              <a:t>Ergebnisse visualisieren</a:t>
-            </a:r>
-          </a:p>
-          <a:p>
-            <a:r>
-              <a:rPr lang="de-DE" dirty="0"/>
-              <a:t>Ziele und Anforderungen</a:t>
-            </a:r>
-          </a:p>
-          <a:p>
-            <a:pPr lvl="1"/>
-            <a:r>
-              <a:rPr lang="de-DE" dirty="0"/>
-              <a:t>Austauschbar bzw. Anpassbar</a:t>
+              <a:t>Austauschbar und anpassbar</a:t>
             </a:r>
           </a:p>
           <a:p>
@@ -7919,18 +7952,44 @@
           <a:bodyPr/>
           <a:lstStyle/>
           <a:p>
+            <a:pPr>
+              <a:lnSpc>
+                <a:spcPct val="150000"/>
+              </a:lnSpc>
+            </a:pPr>
             <a:r>
               <a:rPr lang="de-DE" dirty="0"/>
               <a:t>Implementiert in Python</a:t>
             </a:r>
           </a:p>
           <a:p>
+            <a:pPr>
+              <a:lnSpc>
+                <a:spcPct val="150000"/>
+              </a:lnSpc>
+            </a:pPr>
             <a:r>
               <a:rPr lang="de-DE" dirty="0"/>
               <a:t>Deeplearning-Framework „Keras“</a:t>
             </a:r>
           </a:p>
           <a:p>
+            <a:pPr>
+              <a:lnSpc>
+                <a:spcPct val="150000"/>
+              </a:lnSpc>
+            </a:pPr>
+            <a:r>
+              <a:rPr lang="de-DE" dirty="0"/>
+              <a:t>Modularer Aufbau</a:t>
+            </a:r>
+          </a:p>
+          <a:p>
+            <a:pPr>
+              <a:lnSpc>
+                <a:spcPct val="150000"/>
+              </a:lnSpc>
+            </a:pPr>
             <a:endParaRPr lang="de-DE" dirty="0"/>
           </a:p>
         </p:txBody>
@@ -8101,10 +8160,7 @@
           <a:bodyPr/>
           <a:lstStyle/>
           <a:p>
-            <a:r>
-              <a:rPr lang="de-DE" dirty="0"/>
-              <a:t>Modularer Aufbau</a:t>
-            </a:r>
+            <a:endParaRPr lang="de-DE" dirty="0"/>
           </a:p>
         </p:txBody>
       </p:sp>
@@ -8223,8 +8279,8 @@
         </p:blipFill>
         <p:spPr>
           <a:xfrm>
-            <a:off x="2445296" y="4240801"/>
-            <a:ext cx="7301408" cy="2160000"/>
+            <a:off x="609599" y="2464936"/>
+            <a:ext cx="10972799" cy="3246120"/>
           </a:xfrm>
           <a:prstGeom prst="rect">
             <a:avLst/>
@@ -8310,21 +8366,67 @@
           <a:bodyPr/>
           <a:lstStyle/>
           <a:p>
+            <a:pPr>
+              <a:lnSpc>
+                <a:spcPct val="150000"/>
+              </a:lnSpc>
+            </a:pPr>
             <a:r>
               <a:rPr lang="de-DE" dirty="0"/>
               <a:t>Lokale vorhandene Datenmenge</a:t>
             </a:r>
           </a:p>
           <a:p>
-            <a:r>
-              <a:rPr lang="de-DE" dirty="0"/>
-              <a:t>Adressliste </a:t>
-            </a:r>
+            <a:pPr>
+              <a:lnSpc>
+                <a:spcPct val="150000"/>
+              </a:lnSpc>
+            </a:pPr>
+            <a:r>
+              <a:rPr lang="de-DE" dirty="0"/>
+              <a:t>Adressliste</a:t>
+            </a:r>
+            <a:endParaRPr lang="de-DE" dirty="0">
+              <a:sym typeface="Wingdings" panose="05000000000000000000" pitchFamily="2" charset="2"/>
+            </a:endParaRPr>
+          </a:p>
+          <a:p>
+            <a:pPr lvl="1">
+              <a:lnSpc>
+                <a:spcPct val="150000"/>
+              </a:lnSpc>
+            </a:pPr>
             <a:r>
               <a:rPr lang="de-DE" dirty="0">
                 <a:sym typeface="Wingdings" panose="05000000000000000000" pitchFamily="2" charset="2"/>
               </a:rPr>
-              <a:t> Google Maps API</a:t>
+              <a:t>Adresse oder geographische Koordinaten</a:t>
+            </a:r>
+          </a:p>
+          <a:p>
+            <a:pPr lvl="1">
+              <a:lnSpc>
+                <a:spcPct val="150000"/>
+              </a:lnSpc>
+            </a:pPr>
+            <a:r>
+              <a:rPr lang="de-DE" dirty="0">
+                <a:sym typeface="Wingdings" panose="05000000000000000000" pitchFamily="2" charset="2"/>
+              </a:rPr>
+              <a:t>Google Static Maps API</a:t>
+            </a:r>
+          </a:p>
+          <a:p>
+            <a:pPr lvl="1">
+              <a:lnSpc>
+                <a:spcPct val="150000"/>
+              </a:lnSpc>
+            </a:pPr>
+            <a:r>
+              <a:rPr lang="de-DE" dirty="0">
+                <a:sym typeface="Wingdings" panose="05000000000000000000" pitchFamily="2" charset="2"/>
+              </a:rPr>
+              <a:t>Lokale Speicherung zur späteren Verwendung</a:t>
             </a:r>
             <a:endParaRPr lang="de-DE" dirty="0"/>
           </a:p>
@@ -8417,6 +8519,42 @@
           </a:p>
         </p:txBody>
       </p:sp>
+      <p:pic>
+        <p:nvPicPr>
+          <p:cNvPr id="8" name="Grafik 7">
+            <a:extLst>
+              <a:ext uri="{FF2B5EF4-FFF2-40B4-BE49-F238E27FC236}">
+                <a16:creationId xmlns:a16="http://schemas.microsoft.com/office/drawing/2014/main" id="{D55F18D9-948C-4D1B-8555-E097FA2EE0CD}"/>
+              </a:ext>
+            </a:extLst>
+          </p:cNvPr>
+          <p:cNvPicPr>
+            <a:picLocks noChangeAspect="1"/>
+          </p:cNvPicPr>
+          <p:nvPr/>
+        </p:nvPicPr>
+        <p:blipFill>
+          <a:blip r:embed="rId2" cstate="print">
+            <a:extLst>
+              <a:ext uri="{28A0092B-C50C-407E-A947-70E740481C1C}">
+                <a14:useLocalDpi xmlns:a14="http://schemas.microsoft.com/office/drawing/2010/main" val="0"/>
+              </a:ext>
+            </a:extLst>
+          </a:blip>
+          <a:stretch>
+            <a:fillRect/>
+          </a:stretch>
+        </p:blipFill>
+        <p:spPr>
+          <a:xfrm>
+            <a:off x="9782400" y="4600801"/>
+            <a:ext cx="1800000" cy="1800000"/>
+          </a:xfrm>
+          <a:prstGeom prst="rect">
+            <a:avLst/>
+          </a:prstGeom>
+        </p:spPr>
+      </p:pic>
     </p:spTree>
     <p:extLst>
       <p:ext uri="{BB962C8B-B14F-4D97-AF65-F5344CB8AC3E}">

--- a/docs/verteidigung/Verteidigung.pptx
+++ b/docs/verteidigung/Verteidigung.pptx
@@ -5176,13 +5176,13 @@
           <a:p>
             <a:r>
               <a:rPr lang="de-DE" dirty="0"/>
-              <a:t>Ausgabe als Tabelle/CSV zusammen mit Eingabeadresse</a:t>
-            </a:r>
-          </a:p>
-          <a:p>
-            <a:r>
-              <a:rPr lang="de-DE" dirty="0"/>
-              <a:t>Auswahl an vorbereiteten Ergebnisvisualisierungen</a:t>
+              <a:t>Ausgabe als Tabelle</a:t>
+            </a:r>
+          </a:p>
+          <a:p>
+            <a:r>
+              <a:rPr lang="de-DE" dirty="0"/>
+              <a:t>Vorbereitete Ergebnisvisualisierungen</a:t>
             </a:r>
           </a:p>
           <a:p>
@@ -5196,21 +5196,21 @@
             <a:pPr lvl="1"/>
             <a:r>
               <a:rPr lang="de-DE" dirty="0"/>
-              <a:t>Kastengrafik</a:t>
+              <a:t>Box-Whisker-Plot</a:t>
             </a:r>
           </a:p>
           <a:p>
             <a:pPr lvl="1"/>
             <a:r>
               <a:rPr lang="de-DE" dirty="0"/>
-              <a:t>2D-Karte mit Farbe als Ergebnis</a:t>
+              <a:t>Farbcodierte 2D-Karte</a:t>
             </a:r>
           </a:p>
           <a:p>
             <a:pPr lvl="1"/>
             <a:r>
               <a:rPr lang="de-DE" dirty="0"/>
-              <a:t>2D-Karte mit Position der Punkte als Ergebnis</a:t>
+              <a:t>Positionscodierte 2D-Karte</a:t>
             </a:r>
           </a:p>
         </p:txBody>
@@ -5329,7 +5329,7 @@
         </p:blipFill>
         <p:spPr>
           <a:xfrm>
-            <a:off x="9768236" y="2889000"/>
+            <a:off x="9071360" y="2125915"/>
             <a:ext cx="1814164" cy="1080000"/>
           </a:xfrm>
           <a:prstGeom prst="rect">
@@ -5339,10 +5339,10 @@
       </p:pic>
       <p:pic>
         <p:nvPicPr>
-          <p:cNvPr id="8" name="Grafik 7" descr="Ein Bild, das Text, Karte enthält.&#10;&#10;Mit sehr hoher Zuverlässigkeit generierte Beschreibung">
-            <a:extLst>
-              <a:ext uri="{FF2B5EF4-FFF2-40B4-BE49-F238E27FC236}">
-                <a16:creationId xmlns:a16="http://schemas.microsoft.com/office/drawing/2014/main" id="{3CAD1208-E21A-48C8-9F83-2FBADDABE82E}"/>
+          <p:cNvPr id="16" name="Grafik 15">
+            <a:extLst>
+              <a:ext uri="{FF2B5EF4-FFF2-40B4-BE49-F238E27FC236}">
+                <a16:creationId xmlns:a16="http://schemas.microsoft.com/office/drawing/2014/main" id="{74FF14CA-BB1C-412F-B4B6-90D41CA09985}"/>
               </a:ext>
             </a:extLst>
           </p:cNvPr>
@@ -5365,7 +5365,43 @@
         </p:blipFill>
         <p:spPr>
           <a:xfrm>
-            <a:off x="8938278" y="3784014"/>
+            <a:off x="8534917" y="2706312"/>
+            <a:ext cx="1440000" cy="1080000"/>
+          </a:xfrm>
+          <a:prstGeom prst="rect">
+            <a:avLst/>
+          </a:prstGeom>
+        </p:spPr>
+      </p:pic>
+      <p:pic>
+        <p:nvPicPr>
+          <p:cNvPr id="8" name="Grafik 7" descr="Ein Bild, das Text, Karte enthält.&#10;&#10;Mit sehr hoher Zuverlässigkeit generierte Beschreibung">
+            <a:extLst>
+              <a:ext uri="{FF2B5EF4-FFF2-40B4-BE49-F238E27FC236}">
+                <a16:creationId xmlns:a16="http://schemas.microsoft.com/office/drawing/2014/main" id="{3CAD1208-E21A-48C8-9F83-2FBADDABE82E}"/>
+              </a:ext>
+            </a:extLst>
+          </p:cNvPr>
+          <p:cNvPicPr>
+            <a:picLocks noChangeAspect="1"/>
+          </p:cNvPicPr>
+          <p:nvPr/>
+        </p:nvPicPr>
+        <p:blipFill>
+          <a:blip r:embed="rId4" cstate="print">
+            <a:extLst>
+              <a:ext uri="{28A0092B-C50C-407E-A947-70E740481C1C}">
+                <a14:useLocalDpi xmlns:a14="http://schemas.microsoft.com/office/drawing/2010/main" val="0"/>
+              </a:ext>
+            </a:extLst>
+          </a:blip>
+          <a:stretch>
+            <a:fillRect/>
+          </a:stretch>
+        </p:blipFill>
+        <p:spPr>
+          <a:xfrm>
+            <a:off x="9328162" y="3589719"/>
             <a:ext cx="2204117" cy="1080000"/>
           </a:xfrm>
           <a:prstGeom prst="rect">
@@ -5388,7 +5424,7 @@
           <p:nvPr/>
         </p:nvPicPr>
         <p:blipFill>
-          <a:blip r:embed="rId4" cstate="print">
+          <a:blip r:embed="rId5" cstate="print">
             <a:extLst>
               <a:ext uri="{28A0092B-C50C-407E-A947-70E740481C1C}">
                 <a14:useLocalDpi xmlns:a14="http://schemas.microsoft.com/office/drawing/2010/main" val="0"/>
@@ -5401,44 +5437,8 @@
         </p:blipFill>
         <p:spPr>
           <a:xfrm>
-            <a:off x="10607747" y="4507522"/>
-            <a:ext cx="853750" cy="1080000"/>
-          </a:xfrm>
-          <a:prstGeom prst="rect">
-            <a:avLst/>
-          </a:prstGeom>
-        </p:spPr>
-      </p:pic>
-      <p:pic>
-        <p:nvPicPr>
-          <p:cNvPr id="16" name="Grafik 15">
-            <a:extLst>
-              <a:ext uri="{FF2B5EF4-FFF2-40B4-BE49-F238E27FC236}">
-                <a16:creationId xmlns:a16="http://schemas.microsoft.com/office/drawing/2014/main" id="{74FF14CA-BB1C-412F-B4B6-90D41CA09985}"/>
-              </a:ext>
-            </a:extLst>
-          </p:cNvPr>
-          <p:cNvPicPr>
-            <a:picLocks noChangeAspect="1"/>
-          </p:cNvPicPr>
-          <p:nvPr/>
-        </p:nvPicPr>
-        <p:blipFill>
-          <a:blip r:embed="rId5" cstate="print">
-            <a:extLst>
-              <a:ext uri="{28A0092B-C50C-407E-A947-70E740481C1C}">
-                <a14:useLocalDpi xmlns:a14="http://schemas.microsoft.com/office/drawing/2010/main" val="0"/>
-              </a:ext>
-            </a:extLst>
-          </a:blip>
-          <a:stretch>
-            <a:fillRect/>
-          </a:stretch>
-        </p:blipFill>
-        <p:spPr>
-          <a:xfrm>
-            <a:off x="9499195" y="5231030"/>
-            <a:ext cx="1440000" cy="1080000"/>
+            <a:off x="8828042" y="4473126"/>
+            <a:ext cx="1440000" cy="1821611"/>
           </a:xfrm>
           <a:prstGeom prst="rect">
             <a:avLst/>
@@ -6047,7 +6047,9 @@
         </p:nvSpPr>
         <p:spPr/>
         <p:txBody>
-          <a:bodyPr/>
+          <a:bodyPr>
+            <a:normAutofit/>
+          </a:bodyPr>
           <a:lstStyle/>
           <a:p>
             <a:r>
@@ -6067,6 +6069,34 @@
             <a:r>
               <a:rPr lang="de-DE" dirty="0"/>
               <a:t>Anpassbare und austauschbare Module</a:t>
+            </a:r>
+          </a:p>
+          <a:p>
+            <a:pPr lvl="1"/>
+            <a:r>
+              <a:rPr lang="de-DE" dirty="0"/>
+              <a:t>Datenakquisition</a:t>
+            </a:r>
+          </a:p>
+          <a:p>
+            <a:pPr lvl="2"/>
+            <a:r>
+              <a:rPr lang="de-DE" dirty="0"/>
+              <a:t>Satellitenbilder durch Adressliste</a:t>
+            </a:r>
+          </a:p>
+          <a:p>
+            <a:pPr lvl="2"/>
+            <a:r>
+              <a:rPr lang="de-DE" dirty="0"/>
+              <a:t>Merkmale durch Benutzeroberfläche</a:t>
+            </a:r>
+          </a:p>
+          <a:p>
+            <a:pPr lvl="1"/>
+            <a:r>
+              <a:rPr lang="de-DE" dirty="0"/>
+              <a:t>Visualisierungsvorlagen</a:t>
             </a:r>
           </a:p>
         </p:txBody>
@@ -7381,7 +7411,7 @@
             <a:pPr lvl="1"/>
             <a:r>
               <a:rPr lang="de-DE" dirty="0"/>
-              <a:t>Minimaler Aufwand bei Anpassung</a:t>
+              <a:t>Geringer Aufwand bei Anpassung</a:t>
             </a:r>
           </a:p>
         </p:txBody>

--- a/docs/verteidigung/Verteidigung.pptx
+++ b/docs/verteidigung/Verteidigung.pptx
@@ -5,7 +5,7 @@
     <p:sldMasterId id="2147483720" r:id="rId1"/>
   </p:sldMasterIdLst>
   <p:notesMasterIdLst>
-    <p:notesMasterId r:id="rId19"/>
+    <p:notesMasterId r:id="rId20"/>
   </p:notesMasterIdLst>
   <p:sldIdLst>
     <p:sldId id="256" r:id="rId2"/>
@@ -25,6 +25,7 @@
     <p:sldId id="263" r:id="rId16"/>
     <p:sldId id="264" r:id="rId17"/>
     <p:sldId id="265" r:id="rId18"/>
+    <p:sldId id="277" r:id="rId19"/>
   </p:sldIdLst>
   <p:sldSz cx="12192000" cy="6858000"/>
   <p:notesSz cx="6858000" cy="9144000"/>
@@ -6865,6 +6866,181 @@
 </p:sld>
 </file>
 
+<file path=ppt/slides/slide18.xml><?xml version="1.0" encoding="utf-8"?>
+<p:sld xmlns:a="http://schemas.openxmlformats.org/drawingml/2006/main" xmlns:r="http://schemas.openxmlformats.org/officeDocument/2006/relationships" xmlns:p="http://schemas.openxmlformats.org/presentationml/2006/main">
+  <p:cSld>
+    <p:spTree>
+      <p:nvGrpSpPr>
+        <p:cNvPr id="1" name=""/>
+        <p:cNvGrpSpPr/>
+        <p:nvPr/>
+      </p:nvGrpSpPr>
+      <p:grpSpPr>
+        <a:xfrm>
+          <a:off x="0" y="0"/>
+          <a:ext cx="0" cy="0"/>
+          <a:chOff x="0" y="0"/>
+          <a:chExt cx="0" cy="0"/>
+        </a:xfrm>
+      </p:grpSpPr>
+      <p:sp>
+        <p:nvSpPr>
+          <p:cNvPr id="2" name="Titel 1">
+            <a:extLst>
+              <a:ext uri="{FF2B5EF4-FFF2-40B4-BE49-F238E27FC236}">
+                <a16:creationId xmlns:a16="http://schemas.microsoft.com/office/drawing/2014/main" id="{CE8C8F25-E243-4AC0-8E6F-DB39B9708441}"/>
+              </a:ext>
+            </a:extLst>
+          </p:cNvPr>
+          <p:cNvSpPr>
+            <a:spLocks noGrp="1"/>
+          </p:cNvSpPr>
+          <p:nvPr>
+            <p:ph type="title"/>
+          </p:nvPr>
+        </p:nvSpPr>
+        <p:spPr/>
+        <p:txBody>
+          <a:bodyPr/>
+          <a:lstStyle/>
+          <a:p>
+            <a:endParaRPr lang="de-DE"/>
+          </a:p>
+        </p:txBody>
+      </p:sp>
+      <p:sp>
+        <p:nvSpPr>
+          <p:cNvPr id="3" name="Inhaltsplatzhalter 2">
+            <a:extLst>
+              <a:ext uri="{FF2B5EF4-FFF2-40B4-BE49-F238E27FC236}">
+                <a16:creationId xmlns:a16="http://schemas.microsoft.com/office/drawing/2014/main" id="{88CE372A-ED4E-4E30-9D38-BAF5CCB0BB2D}"/>
+              </a:ext>
+            </a:extLst>
+          </p:cNvPr>
+          <p:cNvSpPr>
+            <a:spLocks noGrp="1"/>
+          </p:cNvSpPr>
+          <p:nvPr>
+            <p:ph idx="1"/>
+          </p:nvPr>
+        </p:nvSpPr>
+        <p:spPr/>
+        <p:txBody>
+          <a:bodyPr anchor="ctr">
+            <a:normAutofit/>
+          </a:bodyPr>
+          <a:lstStyle/>
+          <a:p>
+            <a:pPr marL="118872" indent="0" algn="ctr">
+              <a:buNone/>
+            </a:pPr>
+            <a:r>
+              <a:rPr lang="de-DE" sz="5000" dirty="0"/>
+              <a:t>Vielen Dank!</a:t>
+            </a:r>
+          </a:p>
+        </p:txBody>
+      </p:sp>
+      <p:sp>
+        <p:nvSpPr>
+          <p:cNvPr id="4" name="Datumsplatzhalter 3">
+            <a:extLst>
+              <a:ext uri="{FF2B5EF4-FFF2-40B4-BE49-F238E27FC236}">
+                <a16:creationId xmlns:a16="http://schemas.microsoft.com/office/drawing/2014/main" id="{CE397EC3-1414-4330-AE50-748F80DBC4C4}"/>
+              </a:ext>
+            </a:extLst>
+          </p:cNvPr>
+          <p:cNvSpPr>
+            <a:spLocks noGrp="1"/>
+          </p:cNvSpPr>
+          <p:nvPr>
+            <p:ph type="dt" sz="half" idx="10"/>
+          </p:nvPr>
+        </p:nvSpPr>
+        <p:spPr/>
+        <p:txBody>
+          <a:bodyPr/>
+          <a:lstStyle/>
+          <a:p>
+            <a:r>
+              <a:rPr lang="de-DE"/>
+              <a:t>30.01.2018</a:t>
+            </a:r>
+            <a:endParaRPr lang="de-DE" dirty="0"/>
+          </a:p>
+        </p:txBody>
+      </p:sp>
+      <p:sp>
+        <p:nvSpPr>
+          <p:cNvPr id="5" name="Fußzeilenplatzhalter 4">
+            <a:extLst>
+              <a:ext uri="{FF2B5EF4-FFF2-40B4-BE49-F238E27FC236}">
+                <a16:creationId xmlns:a16="http://schemas.microsoft.com/office/drawing/2014/main" id="{5E6ED00D-00E6-4C1F-B67E-A07C3E048FD8}"/>
+              </a:ext>
+            </a:extLst>
+          </p:cNvPr>
+          <p:cNvSpPr>
+            <a:spLocks noGrp="1"/>
+          </p:cNvSpPr>
+          <p:nvPr>
+            <p:ph type="ftr" sz="quarter" idx="11"/>
+          </p:nvPr>
+        </p:nvSpPr>
+        <p:spPr/>
+        <p:txBody>
+          <a:bodyPr/>
+          <a:lstStyle/>
+          <a:p>
+            <a:r>
+              <a:rPr lang="de-DE"/>
+              <a:t>Sebastian Mischke</a:t>
+            </a:r>
+            <a:endParaRPr lang="de-DE" dirty="0"/>
+          </a:p>
+        </p:txBody>
+      </p:sp>
+      <p:sp>
+        <p:nvSpPr>
+          <p:cNvPr id="6" name="Foliennummernplatzhalter 5">
+            <a:extLst>
+              <a:ext uri="{FF2B5EF4-FFF2-40B4-BE49-F238E27FC236}">
+                <a16:creationId xmlns:a16="http://schemas.microsoft.com/office/drawing/2014/main" id="{C3B1D8F9-DD63-4CF1-89F5-69113101B4AC}"/>
+              </a:ext>
+            </a:extLst>
+          </p:cNvPr>
+          <p:cNvSpPr>
+            <a:spLocks noGrp="1"/>
+          </p:cNvSpPr>
+          <p:nvPr>
+            <p:ph type="sldNum" sz="quarter" idx="12"/>
+          </p:nvPr>
+        </p:nvSpPr>
+        <p:spPr/>
+        <p:txBody>
+          <a:bodyPr/>
+          <a:lstStyle/>
+          <a:p>
+            <a:fld id="{297EE791-5D67-423F-A450-B005FE0C9AAB}" type="slidenum">
+              <a:rPr lang="de-DE" smtClean="0"/>
+              <a:t>18</a:t>
+            </a:fld>
+            <a:endParaRPr lang="de-DE"/>
+          </a:p>
+        </p:txBody>
+      </p:sp>
+    </p:spTree>
+    <p:extLst>
+      <p:ext uri="{BB962C8B-B14F-4D97-AF65-F5344CB8AC3E}">
+        <p14:creationId xmlns:p14="http://schemas.microsoft.com/office/powerpoint/2010/main" val="184125032"/>
+      </p:ext>
+    </p:extLst>
+  </p:cSld>
+  <p:clrMapOvr>
+    <a:masterClrMapping/>
+  </p:clrMapOvr>
+</p:sld>
+</file>
+
 <file path=ppt/slides/slide2.xml><?xml version="1.0" encoding="utf-8"?>
 <p:sld xmlns:a="http://schemas.openxmlformats.org/drawingml/2006/main" xmlns:r="http://schemas.openxmlformats.org/officeDocument/2006/relationships" xmlns:p="http://schemas.openxmlformats.org/presentationml/2006/main">
   <p:cSld>
@@ -7404,14 +7580,7 @@
             <a:pPr lvl="1"/>
             <a:r>
               <a:rPr lang="de-DE" dirty="0"/>
-              <a:t>Austauschbar und anpassbar</a:t>
-            </a:r>
-          </a:p>
-          <a:p>
-            <a:pPr lvl="1"/>
-            <a:r>
-              <a:rPr lang="de-DE" dirty="0"/>
-              <a:t>Geringer Aufwand bei Anpassung</a:t>
+              <a:t>Mit geringem Aufwand anpassbar</a:t>
             </a:r>
           </a:p>
         </p:txBody>
@@ -7467,10 +7636,9 @@
           <a:lstStyle/>
           <a:p>
             <a:r>
-              <a:rPr lang="de-DE"/>
+              <a:rPr lang="de-DE" dirty="0"/>
               <a:t>Sebastian Mischke</a:t>
             </a:r>
-            <a:endParaRPr lang="de-DE" dirty="0"/>
           </a:p>
         </p:txBody>
       </p:sp>

--- a/docs/verteidigung/Verteidigung.pptx
+++ b/docs/verteidigung/Verteidigung.pptx
@@ -132,10 +132,6 @@
 </p:presentation>
 </file>
 
-<file path=ppt/revisionInfo.xml><?xml version="1.0" encoding="utf-8"?>
-<p1510:revInfo xmlns:a="http://schemas.openxmlformats.org/drawingml/2006/main" xmlns:r="http://schemas.openxmlformats.org/officeDocument/2006/relationships" xmlns:p1510="http://schemas.microsoft.com/office/powerpoint/2015/10/main"/>
-</file>
-
 <file path=ppt/notesMasters/notesMaster1.xml><?xml version="1.0" encoding="utf-8"?>
 <p:notesMaster xmlns:a="http://schemas.openxmlformats.org/drawingml/2006/main" xmlns:r="http://schemas.openxmlformats.org/officeDocument/2006/relationships" xmlns:p="http://schemas.openxmlformats.org/presentationml/2006/main">
   <p:cSld>
@@ -218,7 +214,7 @@
           <a:p>
             <a:fld id="{4419344C-8811-43E3-9A5B-428CC8ADF65A}" type="datetimeFigureOut">
               <a:rPr lang="de-DE" smtClean="0"/>
-              <a:t>29.01.2018</a:t>
+              <a:t>30.01.2018</a:t>
             </a:fld>
             <a:endParaRPr lang="de-DE"/>
           </a:p>
@@ -529,6 +525,90 @@
           <a:bodyPr/>
           <a:lstStyle/>
           <a:p>
+            <a:endParaRPr lang="de-DE" dirty="0"/>
+          </a:p>
+        </p:txBody>
+      </p:sp>
+      <p:sp>
+        <p:nvSpPr>
+          <p:cNvPr id="4" name="Foliennummernplatzhalter 3"/>
+          <p:cNvSpPr>
+            <a:spLocks noGrp="1"/>
+          </p:cNvSpPr>
+          <p:nvPr>
+            <p:ph type="sldNum" sz="quarter" idx="10"/>
+          </p:nvPr>
+        </p:nvSpPr>
+        <p:spPr/>
+        <p:txBody>
+          <a:bodyPr/>
+          <a:lstStyle/>
+          <a:p>
+            <a:fld id="{2F2AB95B-6D2E-4D99-830E-CEBFAC3FD266}" type="slidenum">
+              <a:rPr lang="de-DE" smtClean="0"/>
+              <a:t>3</a:t>
+            </a:fld>
+            <a:endParaRPr lang="de-DE"/>
+          </a:p>
+        </p:txBody>
+      </p:sp>
+    </p:spTree>
+    <p:extLst>
+      <p:ext uri="{BB962C8B-B14F-4D97-AF65-F5344CB8AC3E}">
+        <p14:creationId xmlns:p14="http://schemas.microsoft.com/office/powerpoint/2010/main" val="3182910903"/>
+      </p:ext>
+    </p:extLst>
+  </p:cSld>
+  <p:clrMapOvr>
+    <a:masterClrMapping/>
+  </p:clrMapOvr>
+</p:notes>
+</file>
+
+<file path=ppt/notesSlides/notesSlide2.xml><?xml version="1.0" encoding="utf-8"?>
+<p:notes xmlns:a="http://schemas.openxmlformats.org/drawingml/2006/main" xmlns:r="http://schemas.openxmlformats.org/officeDocument/2006/relationships" xmlns:p="http://schemas.openxmlformats.org/presentationml/2006/main">
+  <p:cSld>
+    <p:spTree>
+      <p:nvGrpSpPr>
+        <p:cNvPr id="1" name=""/>
+        <p:cNvGrpSpPr/>
+        <p:nvPr/>
+      </p:nvGrpSpPr>
+      <p:grpSpPr>
+        <a:xfrm>
+          <a:off x="0" y="0"/>
+          <a:ext cx="0" cy="0"/>
+          <a:chOff x="0" y="0"/>
+          <a:chExt cx="0" cy="0"/>
+        </a:xfrm>
+      </p:grpSpPr>
+      <p:sp>
+        <p:nvSpPr>
+          <p:cNvPr id="2" name="Folienbildplatzhalter 1"/>
+          <p:cNvSpPr>
+            <a:spLocks noGrp="1" noRot="1" noChangeAspect="1"/>
+          </p:cNvSpPr>
+          <p:nvPr>
+            <p:ph type="sldImg"/>
+          </p:nvPr>
+        </p:nvSpPr>
+        <p:spPr/>
+      </p:sp>
+      <p:sp>
+        <p:nvSpPr>
+          <p:cNvPr id="3" name="Notizenplatzhalter 2"/>
+          <p:cNvSpPr>
+            <a:spLocks noGrp="1"/>
+          </p:cNvSpPr>
+          <p:nvPr>
+            <p:ph type="body" idx="1"/>
+          </p:nvPr>
+        </p:nvSpPr>
+        <p:spPr/>
+        <p:txBody>
+          <a:bodyPr/>
+          <a:lstStyle/>
+          <a:p>
             <a:pPr marL="0" marR="0" lvl="0" indent="0" algn="l" defTabSz="914400" rtl="0" eaLnBrk="1" fontAlgn="auto" latinLnBrk="0" hangingPunct="1">
               <a:lnSpc>
                 <a:spcPct val="100000"/>
@@ -624,6 +704,90 @@
     <p:extLst>
       <p:ext uri="{BB962C8B-B14F-4D97-AF65-F5344CB8AC3E}">
         <p14:creationId xmlns:p14="http://schemas.microsoft.com/office/powerpoint/2010/main" val="4185366164"/>
+      </p:ext>
+    </p:extLst>
+  </p:cSld>
+  <p:clrMapOvr>
+    <a:masterClrMapping/>
+  </p:clrMapOvr>
+</p:notes>
+</file>
+
+<file path=ppt/notesSlides/notesSlide3.xml><?xml version="1.0" encoding="utf-8"?>
+<p:notes xmlns:a="http://schemas.openxmlformats.org/drawingml/2006/main" xmlns:r="http://schemas.openxmlformats.org/officeDocument/2006/relationships" xmlns:p="http://schemas.openxmlformats.org/presentationml/2006/main">
+  <p:cSld>
+    <p:spTree>
+      <p:nvGrpSpPr>
+        <p:cNvPr id="1" name=""/>
+        <p:cNvGrpSpPr/>
+        <p:nvPr/>
+      </p:nvGrpSpPr>
+      <p:grpSpPr>
+        <a:xfrm>
+          <a:off x="0" y="0"/>
+          <a:ext cx="0" cy="0"/>
+          <a:chOff x="0" y="0"/>
+          <a:chExt cx="0" cy="0"/>
+        </a:xfrm>
+      </p:grpSpPr>
+      <p:sp>
+        <p:nvSpPr>
+          <p:cNvPr id="2" name="Folienbildplatzhalter 1"/>
+          <p:cNvSpPr>
+            <a:spLocks noGrp="1" noRot="1" noChangeAspect="1"/>
+          </p:cNvSpPr>
+          <p:nvPr>
+            <p:ph type="sldImg"/>
+          </p:nvPr>
+        </p:nvSpPr>
+        <p:spPr/>
+      </p:sp>
+      <p:sp>
+        <p:nvSpPr>
+          <p:cNvPr id="3" name="Notizenplatzhalter 2"/>
+          <p:cNvSpPr>
+            <a:spLocks noGrp="1"/>
+          </p:cNvSpPr>
+          <p:nvPr>
+            <p:ph type="body" idx="1"/>
+          </p:nvPr>
+        </p:nvSpPr>
+        <p:spPr/>
+        <p:txBody>
+          <a:bodyPr/>
+          <a:lstStyle/>
+          <a:p>
+            <a:endParaRPr lang="de-DE" dirty="0"/>
+          </a:p>
+        </p:txBody>
+      </p:sp>
+      <p:sp>
+        <p:nvSpPr>
+          <p:cNvPr id="4" name="Foliennummernplatzhalter 3"/>
+          <p:cNvSpPr>
+            <a:spLocks noGrp="1"/>
+          </p:cNvSpPr>
+          <p:nvPr>
+            <p:ph type="sldNum" sz="quarter" idx="10"/>
+          </p:nvPr>
+        </p:nvSpPr>
+        <p:spPr/>
+        <p:txBody>
+          <a:bodyPr/>
+          <a:lstStyle/>
+          <a:p>
+            <a:fld id="{2F2AB95B-6D2E-4D99-830E-CEBFAC3FD266}" type="slidenum">
+              <a:rPr lang="de-DE" smtClean="0"/>
+              <a:t>9</a:t>
+            </a:fld>
+            <a:endParaRPr lang="de-DE"/>
+          </a:p>
+        </p:txBody>
+      </p:sp>
+    </p:spTree>
+    <p:extLst>
+      <p:ext uri="{BB962C8B-B14F-4D97-AF65-F5344CB8AC3E}">
+        <p14:creationId xmlns:p14="http://schemas.microsoft.com/office/powerpoint/2010/main" val="860319481"/>
       </p:ext>
     </p:extLst>
   </p:cSld>
@@ -5330,7 +5494,7 @@
         </p:blipFill>
         <p:spPr>
           <a:xfrm>
-            <a:off x="9071360" y="2125915"/>
+            <a:off x="9629385" y="1933490"/>
             <a:ext cx="1814164" cy="1080000"/>
           </a:xfrm>
           <a:prstGeom prst="rect">
@@ -5366,8 +5530,8 @@
         </p:blipFill>
         <p:spPr>
           <a:xfrm>
-            <a:off x="8534917" y="2706312"/>
-            <a:ext cx="1440000" cy="1080000"/>
+            <a:off x="7606490" y="2127719"/>
+            <a:ext cx="1884044" cy="1413033"/>
           </a:xfrm>
           <a:prstGeom prst="rect">
             <a:avLst/>
@@ -5402,7 +5566,7 @@
         </p:blipFill>
         <p:spPr>
           <a:xfrm>
-            <a:off x="9328162" y="3589719"/>
+            <a:off x="9378283" y="3724260"/>
             <a:ext cx="2204117" cy="1080000"/>
           </a:xfrm>
           <a:prstGeom prst="rect">
@@ -5438,7 +5602,7 @@
         </p:blipFill>
         <p:spPr>
           <a:xfrm>
-            <a:off x="8828042" y="4473126"/>
+            <a:off x="7620679" y="4245755"/>
             <a:ext cx="1440000" cy="1821611"/>
           </a:xfrm>
           <a:prstGeom prst="rect">
@@ -6268,34 +6432,55 @@
           <a:bodyPr/>
           <a:lstStyle/>
           <a:p>
+            <a:pPr>
+              <a:lnSpc>
+                <a:spcPct val="150000"/>
+              </a:lnSpc>
+            </a:pPr>
             <a:r>
               <a:rPr lang="de-DE" dirty="0"/>
               <a:t>Weiterführende Entwicklung</a:t>
             </a:r>
           </a:p>
           <a:p>
-            <a:pPr lvl="1"/>
+            <a:pPr lvl="1">
+              <a:lnSpc>
+                <a:spcPct val="150000"/>
+              </a:lnSpc>
+            </a:pPr>
             <a:r>
               <a:rPr lang="de-DE" dirty="0"/>
               <a:t>Einsatz in Praxis</a:t>
             </a:r>
           </a:p>
           <a:p>
-            <a:pPr lvl="1"/>
+            <a:pPr lvl="1">
+              <a:lnSpc>
+                <a:spcPct val="150000"/>
+              </a:lnSpc>
+            </a:pPr>
             <a:r>
               <a:rPr lang="de-DE" dirty="0"/>
               <a:t>Anwendung zur Nutzung trainierter Netze</a:t>
             </a:r>
           </a:p>
           <a:p>
-            <a:pPr lvl="1"/>
+            <a:pPr lvl="1">
+              <a:lnSpc>
+                <a:spcPct val="150000"/>
+              </a:lnSpc>
+            </a:pPr>
             <a:r>
               <a:rPr lang="de-DE" dirty="0"/>
               <a:t>Weitere vorgefertigte Ergebnisvisualisierungen</a:t>
             </a:r>
           </a:p>
           <a:p>
-            <a:pPr lvl="1"/>
+            <a:pPr lvl="1">
+              <a:lnSpc>
+                <a:spcPct val="150000"/>
+              </a:lnSpc>
+            </a:pPr>
             <a:r>
               <a:rPr lang="de-DE" dirty="0"/>
               <a:t>Flugzeugaufnahmen</a:t>
@@ -7354,14 +7539,14 @@
             <a:pPr lvl="1"/>
             <a:r>
               <a:rPr lang="de-DE" dirty="0"/>
+              <a:t>Wachsende Menge und Qualität an frei verfügbaren Satellitenaufnahmen</a:t>
+            </a:r>
+          </a:p>
+          <a:p>
+            <a:pPr lvl="1"/>
+            <a:r>
+              <a:rPr lang="de-DE" dirty="0"/>
               <a:t>Ansteigende Rechenleistung fördert Deeplearning Ergebnisse</a:t>
-            </a:r>
-          </a:p>
-          <a:p>
-            <a:pPr lvl="1"/>
-            <a:r>
-              <a:rPr lang="de-DE" dirty="0"/>
-              <a:t>Wachsende Menge und Qualität an frei verfügbaren Satellitenaufnahmen</a:t>
             </a:r>
           </a:p>
           <a:p>
@@ -7557,30 +7742,58 @@
           <a:bodyPr/>
           <a:lstStyle/>
           <a:p>
+            <a:pPr>
+              <a:lnSpc>
+                <a:spcPct val="150000"/>
+              </a:lnSpc>
+            </a:pPr>
             <a:r>
               <a:rPr lang="de-DE" dirty="0"/>
               <a:t>Ziele und Anforderungen</a:t>
             </a:r>
           </a:p>
           <a:p>
-            <a:pPr lvl="1"/>
-            <a:r>
-              <a:rPr lang="de-DE" dirty="0"/>
-              <a:t>Datenakquisition</a:t>
-            </a:r>
-          </a:p>
-          <a:p>
-            <a:pPr lvl="1"/>
-            <a:r>
-              <a:rPr lang="de-DE" dirty="0"/>
-              <a:t>Ergebnisse visualisieren</a:t>
-            </a:r>
-          </a:p>
-          <a:p>
-            <a:pPr lvl="1"/>
-            <a:r>
-              <a:rPr lang="de-DE" dirty="0"/>
-              <a:t>Mit geringem Aufwand anpassbar</a:t>
+            <a:pPr lvl="1">
+              <a:lnSpc>
+                <a:spcPct val="150000"/>
+              </a:lnSpc>
+            </a:pPr>
+            <a:r>
+              <a:rPr lang="de-DE" dirty="0"/>
+              <a:t>System zum Erzeugen und Trainieren eines neuronalen Netzes</a:t>
+            </a:r>
+          </a:p>
+          <a:p>
+            <a:pPr lvl="1">
+              <a:lnSpc>
+                <a:spcPct val="150000"/>
+              </a:lnSpc>
+            </a:pPr>
+            <a:r>
+              <a:rPr lang="de-DE" dirty="0"/>
+              <a:t>Akquisition der Trainingsdaten</a:t>
+            </a:r>
+          </a:p>
+          <a:p>
+            <a:pPr lvl="1">
+              <a:lnSpc>
+                <a:spcPct val="150000"/>
+              </a:lnSpc>
+            </a:pPr>
+            <a:r>
+              <a:rPr lang="de-DE" dirty="0"/>
+              <a:t>Visualisieren der Ergebnisse</a:t>
+            </a:r>
+          </a:p>
+          <a:p>
+            <a:pPr lvl="1">
+              <a:lnSpc>
+                <a:spcPct val="150000"/>
+              </a:lnSpc>
+            </a:pPr>
+            <a:r>
+              <a:rPr lang="de-DE" dirty="0"/>
+              <a:t>Geringer Anpassungsaufwand</a:t>
             </a:r>
           </a:p>
         </p:txBody>
@@ -8745,8 +8958,8 @@
         </p:blipFill>
         <p:spPr>
           <a:xfrm>
-            <a:off x="9782400" y="4600801"/>
-            <a:ext cx="1800000" cy="1800000"/>
+            <a:off x="9365942" y="2186075"/>
+            <a:ext cx="2216458" cy="2216458"/>
           </a:xfrm>
           <a:prstGeom prst="rect">
             <a:avLst/>
@@ -8854,7 +9067,7 @@
             <a:pPr lvl="1"/>
             <a:r>
               <a:rPr lang="de-DE" dirty="0"/>
-              <a:t>Adressliste aus gewünschtem Merkmal (z.B. Schulen)</a:t>
+              <a:t>Adressliste aus gewünschtem Merkmal</a:t>
             </a:r>
           </a:p>
           <a:p>
@@ -8979,7 +9192,7 @@
           <p:nvPr/>
         </p:nvPicPr>
         <p:blipFill>
-          <a:blip r:embed="rId2" cstate="print">
+          <a:blip r:embed="rId3" cstate="print">
             <a:extLst>
               <a:ext uri="{28A0092B-C50C-407E-A947-70E740481C1C}">
                 <a14:useLocalDpi xmlns:a14="http://schemas.microsoft.com/office/drawing/2010/main" val="0"/>
@@ -8992,8 +9205,8 @@
         </p:blipFill>
         <p:spPr>
           <a:xfrm>
-            <a:off x="10021017" y="4600801"/>
-            <a:ext cx="1561383" cy="1800000"/>
+            <a:off x="8762261" y="3149676"/>
+            <a:ext cx="2820140" cy="3251125"/>
           </a:xfrm>
           <a:prstGeom prst="rect">
             <a:avLst/>
